--- a/FSM-docs/cmd_fsm.pptx
+++ b/FSM-docs/cmd_fsm.pptx
@@ -288,7 +288,7 @@
           <a:p>
             <a:fld id="{64126DEB-FF07-2F4D-99E6-C1CC7592DAC1}" type="datetimeFigureOut">
               <a:rPr lang="en-US" smtClean="0"/>
-              <a:t>4/21/14</a:t>
+              <a:t>5/3/14</a:t>
             </a:fld>
             <a:endParaRPr lang="en-US"/>
           </a:p>
@@ -458,7 +458,7 @@
           <a:p>
             <a:fld id="{64126DEB-FF07-2F4D-99E6-C1CC7592DAC1}" type="datetimeFigureOut">
               <a:rPr lang="en-US" smtClean="0"/>
-              <a:t>4/21/14</a:t>
+              <a:t>5/3/14</a:t>
             </a:fld>
             <a:endParaRPr lang="en-US"/>
           </a:p>
@@ -638,7 +638,7 @@
           <a:p>
             <a:fld id="{64126DEB-FF07-2F4D-99E6-C1CC7592DAC1}" type="datetimeFigureOut">
               <a:rPr lang="en-US" smtClean="0"/>
-              <a:t>4/21/14</a:t>
+              <a:t>5/3/14</a:t>
             </a:fld>
             <a:endParaRPr lang="en-US"/>
           </a:p>
@@ -808,7 +808,7 @@
           <a:p>
             <a:fld id="{64126DEB-FF07-2F4D-99E6-C1CC7592DAC1}" type="datetimeFigureOut">
               <a:rPr lang="en-US" smtClean="0"/>
-              <a:t>4/21/14</a:t>
+              <a:t>5/3/14</a:t>
             </a:fld>
             <a:endParaRPr lang="en-US"/>
           </a:p>
@@ -1054,7 +1054,7 @@
           <a:p>
             <a:fld id="{64126DEB-FF07-2F4D-99E6-C1CC7592DAC1}" type="datetimeFigureOut">
               <a:rPr lang="en-US" smtClean="0"/>
-              <a:t>4/21/14</a:t>
+              <a:t>5/3/14</a:t>
             </a:fld>
             <a:endParaRPr lang="en-US"/>
           </a:p>
@@ -1342,7 +1342,7 @@
           <a:p>
             <a:fld id="{64126DEB-FF07-2F4D-99E6-C1CC7592DAC1}" type="datetimeFigureOut">
               <a:rPr lang="en-US" smtClean="0"/>
-              <a:t>4/21/14</a:t>
+              <a:t>5/3/14</a:t>
             </a:fld>
             <a:endParaRPr lang="en-US"/>
           </a:p>
@@ -1769,7 +1769,7 @@
           <a:p>
             <a:fld id="{64126DEB-FF07-2F4D-99E6-C1CC7592DAC1}" type="datetimeFigureOut">
               <a:rPr lang="en-US" smtClean="0"/>
-              <a:t>4/21/14</a:t>
+              <a:t>5/3/14</a:t>
             </a:fld>
             <a:endParaRPr lang="en-US"/>
           </a:p>
@@ -1887,7 +1887,7 @@
           <a:p>
             <a:fld id="{64126DEB-FF07-2F4D-99E6-C1CC7592DAC1}" type="datetimeFigureOut">
               <a:rPr lang="en-US" smtClean="0"/>
-              <a:t>4/21/14</a:t>
+              <a:t>5/3/14</a:t>
             </a:fld>
             <a:endParaRPr lang="en-US"/>
           </a:p>
@@ -1982,7 +1982,7 @@
           <a:p>
             <a:fld id="{64126DEB-FF07-2F4D-99E6-C1CC7592DAC1}" type="datetimeFigureOut">
               <a:rPr lang="en-US" smtClean="0"/>
-              <a:t>4/21/14</a:t>
+              <a:t>5/3/14</a:t>
             </a:fld>
             <a:endParaRPr lang="en-US"/>
           </a:p>
@@ -2259,7 +2259,7 @@
           <a:p>
             <a:fld id="{64126DEB-FF07-2F4D-99E6-C1CC7592DAC1}" type="datetimeFigureOut">
               <a:rPr lang="en-US" smtClean="0"/>
-              <a:t>4/21/14</a:t>
+              <a:t>5/3/14</a:t>
             </a:fld>
             <a:endParaRPr lang="en-US"/>
           </a:p>
@@ -2512,7 +2512,7 @@
           <a:p>
             <a:fld id="{64126DEB-FF07-2F4D-99E6-C1CC7592DAC1}" type="datetimeFigureOut">
               <a:rPr lang="en-US" smtClean="0"/>
-              <a:t>4/21/14</a:t>
+              <a:t>5/3/14</a:t>
             </a:fld>
             <a:endParaRPr lang="en-US"/>
           </a:p>
@@ -2725,7 +2725,7 @@
           <a:p>
             <a:fld id="{64126DEB-FF07-2F4D-99E6-C1CC7592DAC1}" type="datetimeFigureOut">
               <a:rPr lang="en-US" smtClean="0"/>
-              <a:t>4/21/14</a:t>
+              <a:t>5/3/14</a:t>
             </a:fld>
             <a:endParaRPr lang="en-US"/>
           </a:p>
@@ -3160,7 +3160,7 @@
         </p:nvSpPr>
         <p:spPr>
           <a:xfrm>
-            <a:off x="4584700" y="6935084"/>
+            <a:off x="4553094" y="8770485"/>
             <a:ext cx="639132" cy="621420"/>
           </a:xfrm>
           <a:prstGeom prst="ellipse">
@@ -3210,50 +3210,11 @@
         </p:nvCxnSpPr>
         <p:spPr>
           <a:xfrm rot="16200000" flipH="1">
-            <a:off x="1246522" y="2484860"/>
-            <a:ext cx="1454590" cy="1106966"/>
+            <a:off x="1297893" y="2433488"/>
+            <a:ext cx="1454590" cy="1209709"/>
           </a:xfrm>
           <a:prstGeom prst="bentConnector2">
             <a:avLst/>
-          </a:prstGeom>
-          <a:ln>
-            <a:tailEnd type="arrow"/>
-          </a:ln>
-        </p:spPr>
-        <p:style>
-          <a:lnRef idx="2">
-            <a:schemeClr val="accent1"/>
-          </a:lnRef>
-          <a:fillRef idx="0">
-            <a:schemeClr val="accent1"/>
-          </a:fillRef>
-          <a:effectRef idx="1">
-            <a:schemeClr val="accent1"/>
-          </a:effectRef>
-          <a:fontRef idx="minor">
-            <a:schemeClr val="tx1"/>
-          </a:fontRef>
-        </p:style>
-      </p:cxnSp>
-      <p:cxnSp>
-        <p:nvCxnSpPr>
-          <p:cNvPr id="7" name="Elbow Connector 6"/>
-          <p:cNvCxnSpPr>
-            <a:stCxn id="12" idx="6"/>
-            <a:endCxn id="4" idx="0"/>
-          </p:cNvCxnSpPr>
-          <p:nvPr/>
-        </p:nvCxnSpPr>
-        <p:spPr>
-          <a:xfrm flipH="1" flipV="1">
-            <a:off x="1420334" y="1689628"/>
-            <a:ext cx="3803498" cy="2076010"/>
-          </a:xfrm>
-          <a:prstGeom prst="bentConnector4">
-            <a:avLst>
-              <a:gd name="adj1" fmla="val -39066"/>
-              <a:gd name="adj2" fmla="val 156282"/>
-            </a:avLst>
           </a:prstGeom>
           <a:ln>
             <a:tailEnd type="arrow"/>
@@ -3350,8 +3311,9 @@
           <a:p>
             <a:r>
               <a:rPr lang="en-US" sz="1600" dirty="0" smtClean="0"/>
-              <a:t>status(s)</a:t>
-            </a:r>
+              <a:t>status</a:t>
+            </a:r>
+            <a:endParaRPr lang="en-US" sz="1600" dirty="0" smtClean="0"/>
           </a:p>
           <a:p>
             <a:r>
@@ -3393,43 +3355,6 @@
           </a:p>
         </p:txBody>
       </p:sp>
-      <p:cxnSp>
-        <p:nvCxnSpPr>
-          <p:cNvPr id="10" name="Elbow Connector 9"/>
-          <p:cNvCxnSpPr>
-            <a:stCxn id="34" idx="6"/>
-          </p:cNvCxnSpPr>
-          <p:nvPr/>
-        </p:nvCxnSpPr>
-        <p:spPr>
-          <a:xfrm flipV="1">
-            <a:off x="5223832" y="3771196"/>
-            <a:ext cx="1494468" cy="858042"/>
-          </a:xfrm>
-          <a:prstGeom prst="bentConnector3">
-            <a:avLst>
-              <a:gd name="adj1" fmla="val 100988"/>
-            </a:avLst>
-          </a:prstGeom>
-          <a:ln>
-            <a:tailEnd type="arrow"/>
-          </a:ln>
-        </p:spPr>
-        <p:style>
-          <a:lnRef idx="2">
-            <a:schemeClr val="accent1"/>
-          </a:lnRef>
-          <a:fillRef idx="0">
-            <a:schemeClr val="accent1"/>
-          </a:fillRef>
-          <a:effectRef idx="1">
-            <a:schemeClr val="accent1"/>
-          </a:effectRef>
-          <a:fontRef idx="minor">
-            <a:schemeClr val="tx1"/>
-          </a:fontRef>
-        </p:style>
-      </p:cxnSp>
       <p:sp>
         <p:nvSpPr>
           <p:cNvPr id="11" name="Oval 10"/>
@@ -3438,7 +3363,7 @@
         </p:nvSpPr>
         <p:spPr>
           <a:xfrm>
-            <a:off x="2527300" y="3454928"/>
+            <a:off x="2630043" y="3454928"/>
             <a:ext cx="639132" cy="621420"/>
           </a:xfrm>
           <a:prstGeom prst="ellipse">
@@ -3485,7 +3410,7 @@
         </p:nvSpPr>
         <p:spPr>
           <a:xfrm>
-            <a:off x="4584700" y="3454928"/>
+            <a:off x="4584700" y="3444144"/>
             <a:ext cx="639132" cy="621420"/>
           </a:xfrm>
           <a:prstGeom prst="ellipse">
@@ -3524,42 +3449,6 @@
           </a:p>
         </p:txBody>
       </p:sp>
-      <p:cxnSp>
-        <p:nvCxnSpPr>
-          <p:cNvPr id="13" name="Straight Arrow Connector 12"/>
-          <p:cNvCxnSpPr>
-            <a:stCxn id="11" idx="6"/>
-            <a:endCxn id="12" idx="2"/>
-          </p:cNvCxnSpPr>
-          <p:nvPr/>
-        </p:nvCxnSpPr>
-        <p:spPr>
-          <a:xfrm>
-            <a:off x="3166432" y="3765638"/>
-            <a:ext cx="1418268" cy="0"/>
-          </a:xfrm>
-          <a:prstGeom prst="straightConnector1">
-            <a:avLst/>
-          </a:prstGeom>
-          <a:ln>
-            <a:tailEnd type="arrow"/>
-          </a:ln>
-        </p:spPr>
-        <p:style>
-          <a:lnRef idx="2">
-            <a:schemeClr val="accent1"/>
-          </a:lnRef>
-          <a:fillRef idx="0">
-            <a:schemeClr val="accent1"/>
-          </a:fillRef>
-          <a:effectRef idx="1">
-            <a:schemeClr val="accent1"/>
-          </a:effectRef>
-          <a:fontRef idx="minor">
-            <a:schemeClr val="tx1"/>
-          </a:fontRef>
-        </p:style>
-      </p:cxnSp>
       <p:sp>
         <p:nvSpPr>
           <p:cNvPr id="14" name="TextBox 13"/>
@@ -3592,14 +3481,14 @@
       </p:sp>
       <p:sp>
         <p:nvSpPr>
-          <p:cNvPr id="15" name="TextBox 14"/>
+          <p:cNvPr id="16" name="TextBox 15"/>
           <p:cNvSpPr txBox="1"/>
           <p:nvPr/>
         </p:nvSpPr>
         <p:spPr>
           <a:xfrm>
-            <a:off x="5605487" y="3411954"/>
-            <a:ext cx="468798" cy="338554"/>
+            <a:off x="3405163" y="3730226"/>
+            <a:ext cx="929186" cy="307777"/>
           </a:xfrm>
           <a:prstGeom prst="rect">
             <a:avLst/>
@@ -3613,23 +3502,23 @@
           <a:lstStyle/>
           <a:p>
             <a:r>
-              <a:rPr lang="en-US" sz="1600" dirty="0" smtClean="0"/>
-              <a:t>INT</a:t>
-            </a:r>
-            <a:endParaRPr lang="en-US" sz="1600" dirty="0"/>
-          </a:p>
-        </p:txBody>
-      </p:sp>
-      <p:sp>
-        <p:nvSpPr>
-          <p:cNvPr id="16" name="TextBox 15"/>
+              <a:rPr lang="en-US" sz="1400" i="1" dirty="0" smtClean="0"/>
+              <a:t>channel #</a:t>
+            </a:r>
+            <a:endParaRPr lang="en-US" sz="1400" i="1" dirty="0"/>
+          </a:p>
+        </p:txBody>
+      </p:sp>
+      <p:sp>
+        <p:nvSpPr>
+          <p:cNvPr id="18" name="TextBox 17"/>
           <p:cNvSpPr txBox="1"/>
           <p:nvPr/>
         </p:nvSpPr>
         <p:spPr>
           <a:xfrm>
-            <a:off x="3364193" y="3771196"/>
-            <a:ext cx="890100" cy="307777"/>
+            <a:off x="1549175" y="3441700"/>
+            <a:ext cx="842298" cy="338554"/>
           </a:xfrm>
           <a:prstGeom prst="rect">
             <a:avLst/>
@@ -3642,24 +3531,25 @@
           </a:bodyPr>
           <a:lstStyle/>
           <a:p>
-            <a:r>
-              <a:rPr lang="en-US" sz="1400" dirty="0" smtClean="0"/>
-              <a:t>channel #</a:t>
-            </a:r>
-            <a:endParaRPr lang="en-US" sz="1400" dirty="0"/>
-          </a:p>
-        </p:txBody>
-      </p:sp>
-      <p:sp>
-        <p:nvSpPr>
-          <p:cNvPr id="17" name="TextBox 16"/>
+            <a:pPr algn="ctr"/>
+            <a:r>
+              <a:rPr lang="en-US" sz="1600" dirty="0" smtClean="0"/>
+              <a:t>channel</a:t>
+            </a:r>
+            <a:endParaRPr lang="en-US" sz="1600" dirty="0"/>
+          </a:p>
+        </p:txBody>
+      </p:sp>
+      <p:sp>
+        <p:nvSpPr>
+          <p:cNvPr id="22" name="TextBox 21"/>
           <p:cNvSpPr txBox="1"/>
           <p:nvPr/>
         </p:nvSpPr>
         <p:spPr>
           <a:xfrm>
-            <a:off x="5548781" y="3771196"/>
-            <a:ext cx="582211" cy="307777"/>
+            <a:off x="-6428086" y="6038419"/>
+            <a:ext cx="468798" cy="338554"/>
           </a:xfrm>
           <a:prstGeom prst="rect">
             <a:avLst/>
@@ -3673,27 +3563,23 @@
           <a:lstStyle/>
           <a:p>
             <a:r>
-              <a:rPr lang="en-US" sz="1400" dirty="0"/>
-              <a:t>d</a:t>
-            </a:r>
-            <a:r>
-              <a:rPr lang="en-US" sz="1400" dirty="0" smtClean="0"/>
-              <a:t>ay #</a:t>
-            </a:r>
-            <a:endParaRPr lang="en-US" sz="1400" dirty="0"/>
-          </a:p>
-        </p:txBody>
-      </p:sp>
-      <p:sp>
-        <p:nvSpPr>
-          <p:cNvPr id="18" name="TextBox 17"/>
+              <a:rPr lang="en-US" sz="1600" dirty="0" smtClean="0"/>
+              <a:t>INT</a:t>
+            </a:r>
+            <a:endParaRPr lang="en-US" sz="1600" dirty="0"/>
+          </a:p>
+        </p:txBody>
+      </p:sp>
+      <p:sp>
+        <p:nvSpPr>
+          <p:cNvPr id="23" name="TextBox 22"/>
           <p:cNvSpPr txBox="1"/>
           <p:nvPr/>
         </p:nvSpPr>
         <p:spPr>
           <a:xfrm>
-            <a:off x="1574573" y="3441700"/>
-            <a:ext cx="791503" cy="338554"/>
+            <a:off x="-4397443" y="6034073"/>
+            <a:ext cx="468798" cy="338554"/>
           </a:xfrm>
           <a:prstGeom prst="rect">
             <a:avLst/>
@@ -3706,14 +3592,9 @@
           </a:bodyPr>
           <a:lstStyle/>
           <a:p>
-            <a:pPr algn="ctr"/>
-            <a:r>
-              <a:rPr lang="en-US" sz="1600" dirty="0"/>
-              <a:t>c</a:t>
-            </a:r>
             <a:r>
               <a:rPr lang="en-US" sz="1600" dirty="0" smtClean="0"/>
-              <a:t>opy(c)</a:t>
+              <a:t>INT</a:t>
             </a:r>
             <a:endParaRPr lang="en-US" sz="1600" dirty="0"/>
           </a:p>
@@ -3721,144 +3602,14 @@
       </p:sp>
       <p:sp>
         <p:nvSpPr>
-          <p:cNvPr id="19" name="Oval 18"/>
-          <p:cNvSpPr/>
-          <p:nvPr/>
-        </p:nvSpPr>
-        <p:spPr>
-          <a:xfrm>
-            <a:off x="2540000" y="6065045"/>
-            <a:ext cx="639132" cy="621420"/>
-          </a:xfrm>
-          <a:prstGeom prst="ellipse">
-            <a:avLst/>
-          </a:prstGeom>
-          <a:noFill/>
-          <a:ln/>
-        </p:spPr>
-        <p:style>
-          <a:lnRef idx="1">
-            <a:schemeClr val="accent1"/>
-          </a:lnRef>
-          <a:fillRef idx="3">
-            <a:schemeClr val="accent1"/>
-          </a:fillRef>
-          <a:effectRef idx="2">
-            <a:schemeClr val="accent1"/>
-          </a:effectRef>
-          <a:fontRef idx="minor">
-            <a:schemeClr val="lt1"/>
-          </a:fontRef>
-        </p:style>
-        <p:txBody>
-          <a:bodyPr anchor="ctr" anchorCtr="0"/>
-          <a:lstStyle/>
-          <a:p>
-            <a:pPr algn="ctr"/>
-            <a:r>
-              <a:rPr lang="en-US" sz="1800" dirty="0" smtClean="0">
-                <a:solidFill>
-                  <a:schemeClr val="tx1"/>
-                </a:solidFill>
-              </a:rPr>
-              <a:t>6</a:t>
-            </a:r>
-          </a:p>
-        </p:txBody>
-      </p:sp>
-      <p:sp>
-        <p:nvSpPr>
-          <p:cNvPr id="20" name="Oval 19"/>
-          <p:cNvSpPr/>
-          <p:nvPr/>
-        </p:nvSpPr>
-        <p:spPr>
-          <a:xfrm>
-            <a:off x="4597400" y="6033028"/>
-            <a:ext cx="639132" cy="621420"/>
-          </a:xfrm>
-          <a:prstGeom prst="ellipse">
-            <a:avLst/>
-          </a:prstGeom>
-          <a:noFill/>
-          <a:ln/>
-        </p:spPr>
-        <p:style>
-          <a:lnRef idx="1">
-            <a:schemeClr val="accent1"/>
-          </a:lnRef>
-          <a:fillRef idx="3">
-            <a:schemeClr val="accent1"/>
-          </a:fillRef>
-          <a:effectRef idx="2">
-            <a:schemeClr val="accent1"/>
-          </a:effectRef>
-          <a:fontRef idx="minor">
-            <a:schemeClr val="lt1"/>
-          </a:fontRef>
-        </p:style>
-        <p:txBody>
-          <a:bodyPr anchor="ctr" anchorCtr="0"/>
-          <a:lstStyle/>
-          <a:p>
-            <a:pPr algn="ctr"/>
-            <a:r>
-              <a:rPr lang="en-US" sz="1800" dirty="0" smtClean="0">
-                <a:solidFill>
-                  <a:schemeClr val="tx1"/>
-                </a:solidFill>
-              </a:rPr>
-              <a:t>7</a:t>
-            </a:r>
-          </a:p>
-        </p:txBody>
-      </p:sp>
-      <p:cxnSp>
-        <p:nvCxnSpPr>
-          <p:cNvPr id="21" name="Straight Arrow Connector 20"/>
-          <p:cNvCxnSpPr>
-            <a:stCxn id="19" idx="6"/>
-            <a:endCxn id="20" idx="2"/>
-          </p:cNvCxnSpPr>
-          <p:nvPr/>
-        </p:nvCxnSpPr>
-        <p:spPr>
-          <a:xfrm flipV="1">
-            <a:off x="3179132" y="6343738"/>
-            <a:ext cx="1418268" cy="32017"/>
-          </a:xfrm>
-          <a:prstGeom prst="straightConnector1">
-            <a:avLst/>
-          </a:prstGeom>
-          <a:ln>
-            <a:tailEnd type="arrow"/>
-          </a:ln>
-        </p:spPr>
-        <p:style>
-          <a:lnRef idx="2">
-            <a:schemeClr val="accent1"/>
-          </a:lnRef>
-          <a:fillRef idx="0">
-            <a:schemeClr val="accent1"/>
-          </a:fillRef>
-          <a:effectRef idx="1">
-            <a:schemeClr val="accent1"/>
-          </a:effectRef>
-          <a:fontRef idx="minor">
-            <a:schemeClr val="tx1"/>
-          </a:fontRef>
-        </p:style>
-      </p:cxnSp>
-      <p:sp>
-        <p:nvSpPr>
-          <p:cNvPr id="22" name="TextBox 21"/>
+          <p:cNvPr id="24" name="TextBox 23"/>
           <p:cNvSpPr txBox="1"/>
           <p:nvPr/>
         </p:nvSpPr>
         <p:spPr>
           <a:xfrm>
-            <a:off x="3574844" y="5994400"/>
-            <a:ext cx="468798" cy="338554"/>
+            <a:off x="-6638737" y="6393315"/>
+            <a:ext cx="890100" cy="307777"/>
           </a:xfrm>
           <a:prstGeom prst="rect">
             <a:avLst/>
@@ -3872,23 +3623,23 @@
           <a:lstStyle/>
           <a:p>
             <a:r>
-              <a:rPr lang="en-US" sz="1600" dirty="0" smtClean="0"/>
-              <a:t>INT</a:t>
-            </a:r>
-            <a:endParaRPr lang="en-US" sz="1600" dirty="0"/>
-          </a:p>
-        </p:txBody>
-      </p:sp>
-      <p:sp>
-        <p:nvSpPr>
-          <p:cNvPr id="23" name="TextBox 22"/>
+              <a:rPr lang="en-US" sz="1400" dirty="0" smtClean="0"/>
+              <a:t>channel #</a:t>
+            </a:r>
+            <a:endParaRPr lang="en-US" sz="1400" dirty="0"/>
+          </a:p>
+        </p:txBody>
+      </p:sp>
+      <p:sp>
+        <p:nvSpPr>
+          <p:cNvPr id="25" name="TextBox 24"/>
           <p:cNvSpPr txBox="1"/>
           <p:nvPr/>
         </p:nvSpPr>
         <p:spPr>
           <a:xfrm>
-            <a:off x="5605487" y="5990054"/>
-            <a:ext cx="468798" cy="338554"/>
+            <a:off x="-4454149" y="6393315"/>
+            <a:ext cx="582211" cy="307777"/>
           </a:xfrm>
           <a:prstGeom prst="rect">
             <a:avLst/>
@@ -3902,66 +3653,6 @@
           <a:lstStyle/>
           <a:p>
             <a:r>
-              <a:rPr lang="en-US" sz="1600" dirty="0" smtClean="0"/>
-              <a:t>INT</a:t>
-            </a:r>
-            <a:endParaRPr lang="en-US" sz="1600" dirty="0"/>
-          </a:p>
-        </p:txBody>
-      </p:sp>
-      <p:sp>
-        <p:nvSpPr>
-          <p:cNvPr id="24" name="TextBox 23"/>
-          <p:cNvSpPr txBox="1"/>
-          <p:nvPr/>
-        </p:nvSpPr>
-        <p:spPr>
-          <a:xfrm>
-            <a:off x="3364193" y="6349296"/>
-            <a:ext cx="890100" cy="307777"/>
-          </a:xfrm>
-          <a:prstGeom prst="rect">
-            <a:avLst/>
-          </a:prstGeom>
-          <a:noFill/>
-        </p:spPr>
-        <p:txBody>
-          <a:bodyPr wrap="none" rtlCol="0">
-            <a:spAutoFit/>
-          </a:bodyPr>
-          <a:lstStyle/>
-          <a:p>
-            <a:r>
-              <a:rPr lang="en-US" sz="1400" dirty="0" smtClean="0"/>
-              <a:t>channel #</a:t>
-            </a:r>
-            <a:endParaRPr lang="en-US" sz="1400" dirty="0"/>
-          </a:p>
-        </p:txBody>
-      </p:sp>
-      <p:sp>
-        <p:nvSpPr>
-          <p:cNvPr id="25" name="TextBox 24"/>
-          <p:cNvSpPr txBox="1"/>
-          <p:nvPr/>
-        </p:nvSpPr>
-        <p:spPr>
-          <a:xfrm>
-            <a:off x="5548781" y="6349296"/>
-            <a:ext cx="582211" cy="307777"/>
-          </a:xfrm>
-          <a:prstGeom prst="rect">
-            <a:avLst/>
-          </a:prstGeom>
-          <a:noFill/>
-        </p:spPr>
-        <p:txBody>
-          <a:bodyPr wrap="none" rtlCol="0">
-            <a:spAutoFit/>
-          </a:bodyPr>
-          <a:lstStyle/>
-          <a:p>
-            <a:r>
               <a:rPr lang="en-US" sz="1400" dirty="0"/>
               <a:t>d</a:t>
             </a:r>
@@ -3973,43 +3664,6 @@
           </a:p>
         </p:txBody>
       </p:sp>
-      <p:cxnSp>
-        <p:nvCxnSpPr>
-          <p:cNvPr id="26" name="Elbow Connector 25"/>
-          <p:cNvCxnSpPr>
-            <a:stCxn id="20" idx="6"/>
-          </p:cNvCxnSpPr>
-          <p:nvPr/>
-        </p:nvCxnSpPr>
-        <p:spPr>
-          <a:xfrm flipV="1">
-            <a:off x="5236532" y="5485696"/>
-            <a:ext cx="1494468" cy="858042"/>
-          </a:xfrm>
-          <a:prstGeom prst="bentConnector3">
-            <a:avLst>
-              <a:gd name="adj1" fmla="val 100988"/>
-            </a:avLst>
-          </a:prstGeom>
-          <a:ln>
-            <a:tailEnd type="arrow"/>
-          </a:ln>
-        </p:spPr>
-        <p:style>
-          <a:lnRef idx="2">
-            <a:schemeClr val="accent1"/>
-          </a:lnRef>
-          <a:fillRef idx="0">
-            <a:schemeClr val="accent1"/>
-          </a:fillRef>
-          <a:effectRef idx="1">
-            <a:schemeClr val="accent1"/>
-          </a:effectRef>
-          <a:fontRef idx="minor">
-            <a:schemeClr val="tx1"/>
-          </a:fontRef>
-        </p:style>
-      </p:cxnSp>
       <p:sp>
         <p:nvSpPr>
           <p:cNvPr id="27" name="Oval 26"/>
@@ -4018,7 +3672,7 @@
         </p:nvSpPr>
         <p:spPr>
           <a:xfrm>
-            <a:off x="2540000" y="5195006"/>
+            <a:off x="2630043" y="6713926"/>
             <a:ext cx="639132" cy="621420"/>
           </a:xfrm>
           <a:prstGeom prst="ellipse">
@@ -4064,192 +3718,13 @@
       </p:sp>
       <p:sp>
         <p:nvSpPr>
-          <p:cNvPr id="28" name="TextBox 27"/>
-          <p:cNvSpPr txBox="1"/>
-          <p:nvPr/>
-        </p:nvSpPr>
-        <p:spPr>
-          <a:xfrm>
-            <a:off x="3574844" y="5130800"/>
-            <a:ext cx="468798" cy="338554"/>
-          </a:xfrm>
-          <a:prstGeom prst="rect">
-            <a:avLst/>
-          </a:prstGeom>
-          <a:noFill/>
-        </p:spPr>
-        <p:txBody>
-          <a:bodyPr wrap="none" rtlCol="0">
-            <a:spAutoFit/>
-          </a:bodyPr>
-          <a:lstStyle/>
-          <a:p>
-            <a:r>
-              <a:rPr lang="en-US" sz="1600" dirty="0" smtClean="0"/>
-              <a:t>INT</a:t>
-            </a:r>
-            <a:endParaRPr lang="en-US" sz="1600" dirty="0"/>
-          </a:p>
-        </p:txBody>
-      </p:sp>
-      <p:sp>
-        <p:nvSpPr>
-          <p:cNvPr id="29" name="TextBox 28"/>
-          <p:cNvSpPr txBox="1"/>
-          <p:nvPr/>
-        </p:nvSpPr>
-        <p:spPr>
-          <a:xfrm>
-            <a:off x="3364193" y="5485696"/>
-            <a:ext cx="890100" cy="307777"/>
-          </a:xfrm>
-          <a:prstGeom prst="rect">
-            <a:avLst/>
-          </a:prstGeom>
-          <a:noFill/>
-        </p:spPr>
-        <p:txBody>
-          <a:bodyPr wrap="none" rtlCol="0">
-            <a:spAutoFit/>
-          </a:bodyPr>
-          <a:lstStyle/>
-          <a:p>
-            <a:r>
-              <a:rPr lang="en-US" sz="1400" dirty="0" smtClean="0"/>
-              <a:t>channel #</a:t>
-            </a:r>
-            <a:endParaRPr lang="en-US" sz="1400" dirty="0"/>
-          </a:p>
-        </p:txBody>
-      </p:sp>
-      <p:sp>
-        <p:nvSpPr>
-          <p:cNvPr id="30" name="TextBox 29"/>
-          <p:cNvSpPr txBox="1"/>
-          <p:nvPr/>
-        </p:nvSpPr>
-        <p:spPr>
-          <a:xfrm>
-            <a:off x="1504742" y="5130800"/>
-            <a:ext cx="931164" cy="338554"/>
-          </a:xfrm>
-          <a:prstGeom prst="rect">
-            <a:avLst/>
-          </a:prstGeom>
-          <a:noFill/>
-        </p:spPr>
-        <p:txBody>
-          <a:bodyPr wrap="none" rtlCol="0">
-            <a:spAutoFit/>
-          </a:bodyPr>
-          <a:lstStyle/>
-          <a:p>
-            <a:pPr algn="ctr"/>
-            <a:r>
-              <a:rPr lang="en-US" sz="1600" dirty="0" err="1"/>
-              <a:t>s</a:t>
-            </a:r>
-            <a:r>
-              <a:rPr lang="en-US" sz="1600" dirty="0" err="1" smtClean="0"/>
-              <a:t>etall</a:t>
-            </a:r>
-            <a:r>
-              <a:rPr lang="en-US" sz="1600" dirty="0" smtClean="0"/>
-              <a:t>(</a:t>
-            </a:r>
-            <a:r>
-              <a:rPr lang="en-US" sz="1600" dirty="0" err="1" smtClean="0"/>
-              <a:t>sa</a:t>
-            </a:r>
-            <a:r>
-              <a:rPr lang="en-US" sz="1600" dirty="0" smtClean="0"/>
-              <a:t>)</a:t>
-            </a:r>
-            <a:endParaRPr lang="en-US" sz="1600" dirty="0"/>
-          </a:p>
-        </p:txBody>
-      </p:sp>
-      <p:cxnSp>
-        <p:nvCxnSpPr>
-          <p:cNvPr id="31" name="Elbow Connector 30"/>
-          <p:cNvCxnSpPr/>
-          <p:nvPr/>
-        </p:nvCxnSpPr>
-        <p:spPr>
-          <a:xfrm>
-            <a:off x="1433034" y="3771196"/>
-            <a:ext cx="1106966" cy="858042"/>
-          </a:xfrm>
-          <a:prstGeom prst="bentConnector3">
-            <a:avLst>
-              <a:gd name="adj1" fmla="val -1628"/>
-            </a:avLst>
-          </a:prstGeom>
-          <a:ln>
-            <a:tailEnd type="arrow"/>
-          </a:ln>
-        </p:spPr>
-        <p:style>
-          <a:lnRef idx="2">
-            <a:schemeClr val="accent1"/>
-          </a:lnRef>
-          <a:fillRef idx="0">
-            <a:schemeClr val="accent1"/>
-          </a:fillRef>
-          <a:effectRef idx="1">
-            <a:schemeClr val="accent1"/>
-          </a:effectRef>
-          <a:fontRef idx="minor">
-            <a:schemeClr val="tx1"/>
-          </a:fontRef>
-        </p:style>
-      </p:cxnSp>
-      <p:cxnSp>
-        <p:nvCxnSpPr>
-          <p:cNvPr id="32" name="Elbow Connector 31"/>
-          <p:cNvCxnSpPr>
-            <a:endCxn id="19" idx="2"/>
-          </p:cNvCxnSpPr>
-          <p:nvPr/>
-        </p:nvCxnSpPr>
-        <p:spPr>
-          <a:xfrm>
-            <a:off x="1394934" y="5469354"/>
-            <a:ext cx="1145066" cy="906401"/>
-          </a:xfrm>
-          <a:prstGeom prst="bentConnector3">
-            <a:avLst>
-              <a:gd name="adj1" fmla="val 1199"/>
-            </a:avLst>
-          </a:prstGeom>
-          <a:ln>
-            <a:tailEnd type="arrow"/>
-          </a:ln>
-        </p:spPr>
-        <p:style>
-          <a:lnRef idx="2">
-            <a:schemeClr val="accent1"/>
-          </a:lnRef>
-          <a:fillRef idx="0">
-            <a:schemeClr val="accent1"/>
-          </a:fillRef>
-          <a:effectRef idx="1">
-            <a:schemeClr val="accent1"/>
-          </a:effectRef>
-          <a:fontRef idx="minor">
-            <a:schemeClr val="tx1"/>
-          </a:fontRef>
-        </p:style>
-      </p:cxnSp>
-      <p:sp>
-        <p:nvSpPr>
           <p:cNvPr id="33" name="Oval 32"/>
           <p:cNvSpPr/>
           <p:nvPr/>
         </p:nvSpPr>
         <p:spPr>
           <a:xfrm>
-            <a:off x="2527300" y="4324967"/>
+            <a:off x="6635244" y="4285986"/>
             <a:ext cx="639132" cy="621420"/>
           </a:xfrm>
           <a:prstGeom prst="ellipse">
@@ -4295,260 +3770,13 @@
       </p:sp>
       <p:sp>
         <p:nvSpPr>
-          <p:cNvPr id="34" name="Oval 33"/>
-          <p:cNvSpPr/>
-          <p:nvPr/>
-        </p:nvSpPr>
-        <p:spPr>
-          <a:xfrm>
-            <a:off x="4584700" y="4318528"/>
-            <a:ext cx="639132" cy="621420"/>
-          </a:xfrm>
-          <a:prstGeom prst="ellipse">
-            <a:avLst/>
-          </a:prstGeom>
-          <a:noFill/>
-          <a:ln/>
-        </p:spPr>
-        <p:style>
-          <a:lnRef idx="1">
-            <a:schemeClr val="accent1"/>
-          </a:lnRef>
-          <a:fillRef idx="3">
-            <a:schemeClr val="accent1"/>
-          </a:fillRef>
-          <a:effectRef idx="2">
-            <a:schemeClr val="accent1"/>
-          </a:effectRef>
-          <a:fontRef idx="minor">
-            <a:schemeClr val="lt1"/>
-          </a:fontRef>
-        </p:style>
-        <p:txBody>
-          <a:bodyPr anchor="ctr" anchorCtr="0"/>
-          <a:lstStyle/>
-          <a:p>
-            <a:pPr algn="ctr"/>
-            <a:r>
-              <a:rPr lang="en-US" sz="1800" dirty="0">
-                <a:solidFill>
-                  <a:schemeClr val="tx1"/>
-                </a:solidFill>
-              </a:rPr>
-              <a:t>4</a:t>
-            </a:r>
-            <a:endParaRPr lang="en-US" sz="1800" dirty="0" smtClean="0">
-              <a:solidFill>
-                <a:schemeClr val="tx1"/>
-              </a:solidFill>
-            </a:endParaRPr>
-          </a:p>
-        </p:txBody>
-      </p:sp>
-      <p:cxnSp>
-        <p:nvCxnSpPr>
-          <p:cNvPr id="35" name="Straight Arrow Connector 34"/>
-          <p:cNvCxnSpPr>
-            <a:stCxn id="33" idx="6"/>
-            <a:endCxn id="34" idx="2"/>
-          </p:cNvCxnSpPr>
-          <p:nvPr/>
-        </p:nvCxnSpPr>
-        <p:spPr>
-          <a:xfrm flipV="1">
-            <a:off x="3166432" y="4629238"/>
-            <a:ext cx="1418268" cy="6439"/>
-          </a:xfrm>
-          <a:prstGeom prst="straightConnector1">
-            <a:avLst/>
-          </a:prstGeom>
-          <a:ln>
-            <a:tailEnd type="arrow"/>
-          </a:ln>
-        </p:spPr>
-        <p:style>
-          <a:lnRef idx="2">
-            <a:schemeClr val="accent1"/>
-          </a:lnRef>
-          <a:fillRef idx="0">
-            <a:schemeClr val="accent1"/>
-          </a:fillRef>
-          <a:effectRef idx="1">
-            <a:schemeClr val="accent1"/>
-          </a:effectRef>
-          <a:fontRef idx="minor">
-            <a:schemeClr val="tx1"/>
-          </a:fontRef>
-        </p:style>
-      </p:cxnSp>
-      <p:sp>
-        <p:nvSpPr>
-          <p:cNvPr id="36" name="TextBox 35"/>
-          <p:cNvSpPr txBox="1"/>
-          <p:nvPr/>
-        </p:nvSpPr>
-        <p:spPr>
-          <a:xfrm>
-            <a:off x="3574844" y="4279900"/>
-            <a:ext cx="468798" cy="338554"/>
-          </a:xfrm>
-          <a:prstGeom prst="rect">
-            <a:avLst/>
-          </a:prstGeom>
-          <a:noFill/>
-        </p:spPr>
-        <p:txBody>
-          <a:bodyPr wrap="none" rtlCol="0">
-            <a:spAutoFit/>
-          </a:bodyPr>
-          <a:lstStyle/>
-          <a:p>
-            <a:r>
-              <a:rPr lang="en-US" sz="1600" dirty="0" smtClean="0"/>
-              <a:t>INT</a:t>
-            </a:r>
-            <a:endParaRPr lang="en-US" sz="1600" dirty="0"/>
-          </a:p>
-        </p:txBody>
-      </p:sp>
-      <p:sp>
-        <p:nvSpPr>
-          <p:cNvPr id="37" name="TextBox 36"/>
-          <p:cNvSpPr txBox="1"/>
-          <p:nvPr/>
-        </p:nvSpPr>
-        <p:spPr>
-          <a:xfrm>
-            <a:off x="5605487" y="4275554"/>
-            <a:ext cx="468798" cy="338554"/>
-          </a:xfrm>
-          <a:prstGeom prst="rect">
-            <a:avLst/>
-          </a:prstGeom>
-          <a:noFill/>
-        </p:spPr>
-        <p:txBody>
-          <a:bodyPr wrap="none" rtlCol="0">
-            <a:spAutoFit/>
-          </a:bodyPr>
-          <a:lstStyle/>
-          <a:p>
-            <a:r>
-              <a:rPr lang="en-US" sz="1600" dirty="0" smtClean="0"/>
-              <a:t>INT</a:t>
-            </a:r>
-            <a:endParaRPr lang="en-US" sz="1600" dirty="0"/>
-          </a:p>
-        </p:txBody>
-      </p:sp>
-      <p:sp>
-        <p:nvSpPr>
-          <p:cNvPr id="38" name="TextBox 37"/>
-          <p:cNvSpPr txBox="1"/>
-          <p:nvPr/>
-        </p:nvSpPr>
-        <p:spPr>
-          <a:xfrm>
-            <a:off x="3364193" y="4634796"/>
-            <a:ext cx="890100" cy="307777"/>
-          </a:xfrm>
-          <a:prstGeom prst="rect">
-            <a:avLst/>
-          </a:prstGeom>
-          <a:noFill/>
-        </p:spPr>
-        <p:txBody>
-          <a:bodyPr wrap="none" rtlCol="0">
-            <a:spAutoFit/>
-          </a:bodyPr>
-          <a:lstStyle/>
-          <a:p>
-            <a:r>
-              <a:rPr lang="en-US" sz="1400" dirty="0" smtClean="0"/>
-              <a:t>channel #</a:t>
-            </a:r>
-            <a:endParaRPr lang="en-US" sz="1400" dirty="0"/>
-          </a:p>
-        </p:txBody>
-      </p:sp>
-      <p:sp>
-        <p:nvSpPr>
-          <p:cNvPr id="39" name="TextBox 38"/>
-          <p:cNvSpPr txBox="1"/>
-          <p:nvPr/>
-        </p:nvSpPr>
-        <p:spPr>
-          <a:xfrm>
-            <a:off x="5548781" y="4634796"/>
-            <a:ext cx="582211" cy="307777"/>
-          </a:xfrm>
-          <a:prstGeom prst="rect">
-            <a:avLst/>
-          </a:prstGeom>
-          <a:noFill/>
-        </p:spPr>
-        <p:txBody>
-          <a:bodyPr wrap="none" rtlCol="0">
-            <a:spAutoFit/>
-          </a:bodyPr>
-          <a:lstStyle/>
-          <a:p>
-            <a:r>
-              <a:rPr lang="en-US" sz="1400" dirty="0"/>
-              <a:t>d</a:t>
-            </a:r>
-            <a:r>
-              <a:rPr lang="en-US" sz="1400" dirty="0" smtClean="0"/>
-              <a:t>ay #</a:t>
-            </a:r>
-            <a:endParaRPr lang="en-US" sz="1400" dirty="0"/>
-          </a:p>
-        </p:txBody>
-      </p:sp>
-      <p:sp>
-        <p:nvSpPr>
-          <p:cNvPr id="40" name="TextBox 39"/>
-          <p:cNvSpPr txBox="1"/>
-          <p:nvPr/>
-        </p:nvSpPr>
-        <p:spPr>
-          <a:xfrm>
-            <a:off x="1533296" y="4267200"/>
-            <a:ext cx="874057" cy="338554"/>
-          </a:xfrm>
-          <a:prstGeom prst="rect">
-            <a:avLst/>
-          </a:prstGeom>
-          <a:noFill/>
-        </p:spPr>
-        <p:txBody>
-          <a:bodyPr wrap="none" rtlCol="0">
-            <a:spAutoFit/>
-          </a:bodyPr>
-          <a:lstStyle/>
-          <a:p>
-            <a:pPr algn="ctr"/>
-            <a:r>
-              <a:rPr lang="en-US" sz="1600" dirty="0"/>
-              <a:t>p</a:t>
-            </a:r>
-            <a:r>
-              <a:rPr lang="en-US" sz="1600" dirty="0" smtClean="0"/>
-              <a:t>aste(p)</a:t>
-            </a:r>
-            <a:endParaRPr lang="en-US" sz="1600" dirty="0"/>
-          </a:p>
-        </p:txBody>
-      </p:sp>
-      <p:sp>
-        <p:nvSpPr>
           <p:cNvPr id="41" name="Oval 40"/>
           <p:cNvSpPr/>
           <p:nvPr/>
         </p:nvSpPr>
         <p:spPr>
           <a:xfrm>
-            <a:off x="2540000" y="6935084"/>
+            <a:off x="2641589" y="8770485"/>
             <a:ext cx="639132" cy="621420"/>
           </a:xfrm>
           <a:prstGeom prst="ellipse">
@@ -4595,54 +3823,7 @@
         </p:nvSpPr>
         <p:spPr>
           <a:xfrm>
-            <a:off x="2552700" y="9545201"/>
-            <a:ext cx="639132" cy="621420"/>
-          </a:xfrm>
-          <a:prstGeom prst="ellipse">
-            <a:avLst/>
-          </a:prstGeom>
-          <a:noFill/>
-          <a:ln/>
-        </p:spPr>
-        <p:style>
-          <a:lnRef idx="1">
-            <a:schemeClr val="accent1"/>
-          </a:lnRef>
-          <a:fillRef idx="3">
-            <a:schemeClr val="accent1"/>
-          </a:fillRef>
-          <a:effectRef idx="2">
-            <a:schemeClr val="accent1"/>
-          </a:effectRef>
-          <a:fontRef idx="minor">
-            <a:schemeClr val="lt1"/>
-          </a:fontRef>
-        </p:style>
-        <p:txBody>
-          <a:bodyPr anchor="ctr" anchorCtr="0"/>
-          <a:lstStyle/>
-          <a:p>
-            <a:pPr algn="ctr"/>
-            <a:r>
-              <a:rPr lang="en-US" sz="1800" dirty="0" smtClean="0">
-                <a:solidFill>
-                  <a:schemeClr val="tx1"/>
-                </a:solidFill>
-              </a:rPr>
-              <a:t>13</a:t>
-            </a:r>
-          </a:p>
-        </p:txBody>
-      </p:sp>
-      <p:sp>
-        <p:nvSpPr>
-          <p:cNvPr id="43" name="Oval 42"/>
-          <p:cNvSpPr/>
-          <p:nvPr/>
-        </p:nvSpPr>
-        <p:spPr>
-          <a:xfrm>
-            <a:off x="2552700" y="8675162"/>
+            <a:off x="10236200" y="8780011"/>
             <a:ext cx="639132" cy="621420"/>
           </a:xfrm>
           <a:prstGeom prst="ellipse">
@@ -4678,6 +3859,63 @@
               </a:rPr>
               <a:t>12</a:t>
             </a:r>
+            <a:endParaRPr lang="en-US" sz="1800" dirty="0" smtClean="0">
+              <a:solidFill>
+                <a:schemeClr val="tx1"/>
+              </a:solidFill>
+            </a:endParaRPr>
+          </a:p>
+        </p:txBody>
+      </p:sp>
+      <p:sp>
+        <p:nvSpPr>
+          <p:cNvPr id="43" name="Oval 42"/>
+          <p:cNvSpPr/>
+          <p:nvPr/>
+        </p:nvSpPr>
+        <p:spPr>
+          <a:xfrm>
+            <a:off x="8436204" y="8780011"/>
+            <a:ext cx="639132" cy="621420"/>
+          </a:xfrm>
+          <a:prstGeom prst="ellipse">
+            <a:avLst/>
+          </a:prstGeom>
+          <a:noFill/>
+          <a:ln/>
+        </p:spPr>
+        <p:style>
+          <a:lnRef idx="1">
+            <a:schemeClr val="accent1"/>
+          </a:lnRef>
+          <a:fillRef idx="3">
+            <a:schemeClr val="accent1"/>
+          </a:fillRef>
+          <a:effectRef idx="2">
+            <a:schemeClr val="accent1"/>
+          </a:effectRef>
+          <a:fontRef idx="minor">
+            <a:schemeClr val="lt1"/>
+          </a:fontRef>
+        </p:style>
+        <p:txBody>
+          <a:bodyPr anchor="ctr" anchorCtr="0"/>
+          <a:lstStyle/>
+          <a:p>
+            <a:pPr algn="ctr"/>
+            <a:r>
+              <a:rPr lang="en-US" sz="1800" dirty="0" smtClean="0">
+                <a:solidFill>
+                  <a:schemeClr val="tx1"/>
+                </a:solidFill>
+              </a:rPr>
+              <a:t>11</a:t>
+            </a:r>
+            <a:endParaRPr lang="en-US" sz="1800" dirty="0" smtClean="0">
+              <a:solidFill>
+                <a:schemeClr val="tx1"/>
+              </a:solidFill>
+            </a:endParaRPr>
           </a:p>
         </p:txBody>
       </p:sp>
@@ -4689,7 +3927,7 @@
         </p:nvSpPr>
         <p:spPr>
           <a:xfrm>
-            <a:off x="2540000" y="7805123"/>
+            <a:off x="6636208" y="8770485"/>
             <a:ext cx="639132" cy="621420"/>
           </a:xfrm>
           <a:prstGeom prst="ellipse">
@@ -4736,7 +3974,7 @@
         </p:nvSpPr>
         <p:spPr>
           <a:xfrm>
-            <a:off x="2540000" y="10415240"/>
+            <a:off x="-7462930" y="10459259"/>
             <a:ext cx="639132" cy="621420"/>
           </a:xfrm>
           <a:prstGeom prst="ellipse">
@@ -4777,65 +4015,13 @@
       </p:sp>
       <p:sp>
         <p:nvSpPr>
-          <p:cNvPr id="46" name="Oval 45"/>
-          <p:cNvSpPr/>
-          <p:nvPr/>
-        </p:nvSpPr>
-        <p:spPr>
-          <a:xfrm>
-            <a:off x="2552700" y="14696597"/>
-            <a:ext cx="639132" cy="621420"/>
-          </a:xfrm>
-          <a:prstGeom prst="ellipse">
-            <a:avLst/>
-          </a:prstGeom>
-          <a:noFill/>
-          <a:ln/>
-        </p:spPr>
-        <p:style>
-          <a:lnRef idx="1">
-            <a:schemeClr val="accent1"/>
-          </a:lnRef>
-          <a:fillRef idx="3">
-            <a:schemeClr val="accent1"/>
-          </a:fillRef>
-          <a:effectRef idx="2">
-            <a:schemeClr val="accent1"/>
-          </a:effectRef>
-          <a:fontRef idx="minor">
-            <a:schemeClr val="lt1"/>
-          </a:fontRef>
-        </p:style>
-        <p:txBody>
-          <a:bodyPr anchor="ctr" anchorCtr="0"/>
-          <a:lstStyle/>
-          <a:p>
-            <a:pPr algn="ctr"/>
-            <a:r>
-              <a:rPr lang="en-US" sz="1800" dirty="0" smtClean="0">
-                <a:solidFill>
-                  <a:schemeClr val="tx1"/>
-                </a:solidFill>
-              </a:rPr>
-              <a:t>17</a:t>
-            </a:r>
-            <a:endParaRPr lang="en-US" sz="1800" dirty="0" smtClean="0">
-              <a:solidFill>
-                <a:schemeClr val="tx1"/>
-              </a:solidFill>
-            </a:endParaRPr>
-          </a:p>
-        </p:txBody>
-      </p:sp>
-      <p:sp>
-        <p:nvSpPr>
           <p:cNvPr id="47" name="Oval 46"/>
           <p:cNvSpPr/>
           <p:nvPr/>
         </p:nvSpPr>
         <p:spPr>
           <a:xfrm>
-            <a:off x="2540000" y="11285279"/>
+            <a:off x="-7462930" y="11329298"/>
             <a:ext cx="639132" cy="621420"/>
           </a:xfrm>
           <a:prstGeom prst="ellipse">
@@ -4918,11 +4104,6 @@
               </a:rPr>
               <a:t>25</a:t>
             </a:r>
-            <a:endParaRPr lang="en-US" sz="1800" dirty="0" smtClean="0">
-              <a:solidFill>
-                <a:schemeClr val="tx1"/>
-              </a:solidFill>
-            </a:endParaRPr>
           </a:p>
         </p:txBody>
       </p:sp>
@@ -4970,11 +4151,6 @@
               </a:rPr>
               <a:t>28</a:t>
             </a:r>
-            <a:endParaRPr lang="en-US" sz="1800" dirty="0" smtClean="0">
-              <a:solidFill>
-                <a:schemeClr val="tx1"/>
-              </a:solidFill>
-            </a:endParaRPr>
           </a:p>
         </p:txBody>
       </p:sp>
@@ -5022,11 +4198,6 @@
               </a:rPr>
               <a:t>27</a:t>
             </a:r>
-            <a:endParaRPr lang="en-US" sz="1800" dirty="0" smtClean="0">
-              <a:solidFill>
-                <a:schemeClr val="tx1"/>
-              </a:solidFill>
-            </a:endParaRPr>
           </a:p>
         </p:txBody>
       </p:sp>
@@ -5038,7 +4209,7 @@
         </p:nvSpPr>
         <p:spPr>
           <a:xfrm>
-            <a:off x="1613045" y="6037201"/>
+            <a:off x="-8389885" y="6081220"/>
             <a:ext cx="714559" cy="338554"/>
           </a:xfrm>
           <a:prstGeom prst="rect">
@@ -5069,7 +4240,7 @@
         </p:nvSpPr>
         <p:spPr>
           <a:xfrm>
-            <a:off x="1525832" y="6905338"/>
+            <a:off x="-8477098" y="6949357"/>
             <a:ext cx="888985" cy="338554"/>
           </a:xfrm>
           <a:prstGeom prst="rect">
@@ -5104,7 +4275,7 @@
         </p:nvSpPr>
         <p:spPr>
           <a:xfrm>
-            <a:off x="1492820" y="7772400"/>
+            <a:off x="-8510110" y="7816419"/>
             <a:ext cx="955009" cy="338554"/>
           </a:xfrm>
           <a:prstGeom prst="rect">
@@ -5139,7 +4310,7 @@
         </p:nvSpPr>
         <p:spPr>
           <a:xfrm>
-            <a:off x="1769989" y="8661400"/>
+            <a:off x="-8232941" y="8705419"/>
             <a:ext cx="400671" cy="338554"/>
           </a:xfrm>
           <a:prstGeom prst="rect">
@@ -5170,7 +4341,7 @@
         </p:nvSpPr>
         <p:spPr>
           <a:xfrm>
-            <a:off x="1762575" y="9550400"/>
+            <a:off x="-8240355" y="9594419"/>
             <a:ext cx="415498" cy="338554"/>
           </a:xfrm>
           <a:prstGeom prst="rect">
@@ -5193,42 +4364,6 @@
           </a:p>
         </p:txBody>
       </p:sp>
-      <p:cxnSp>
-        <p:nvCxnSpPr>
-          <p:cNvPr id="56" name="Straight Arrow Connector 55"/>
-          <p:cNvCxnSpPr>
-            <a:stCxn id="41" idx="6"/>
-            <a:endCxn id="5" idx="2"/>
-          </p:cNvCxnSpPr>
-          <p:nvPr/>
-        </p:nvCxnSpPr>
-        <p:spPr>
-          <a:xfrm>
-            <a:off x="3179132" y="7245794"/>
-            <a:ext cx="1405568" cy="0"/>
-          </a:xfrm>
-          <a:prstGeom prst="straightConnector1">
-            <a:avLst/>
-          </a:prstGeom>
-          <a:ln>
-            <a:tailEnd type="arrow"/>
-          </a:ln>
-        </p:spPr>
-        <p:style>
-          <a:lnRef idx="2">
-            <a:schemeClr val="accent1"/>
-          </a:lnRef>
-          <a:fillRef idx="0">
-            <a:schemeClr val="accent1"/>
-          </a:fillRef>
-          <a:effectRef idx="1">
-            <a:schemeClr val="accent1"/>
-          </a:effectRef>
-          <a:fontRef idx="minor">
-            <a:schemeClr val="tx1"/>
-          </a:fontRef>
-        </p:style>
-      </p:cxnSp>
       <p:sp>
         <p:nvSpPr>
           <p:cNvPr id="57" name="TextBox 56"/>
@@ -5237,7 +4372,7 @@
         </p:nvSpPr>
         <p:spPr>
           <a:xfrm>
-            <a:off x="3574844" y="6890898"/>
+            <a:off x="-6428086" y="6934917"/>
             <a:ext cx="468798" cy="338554"/>
           </a:xfrm>
           <a:prstGeom prst="rect">
@@ -5267,7 +4402,7 @@
         </p:nvSpPr>
         <p:spPr>
           <a:xfrm>
-            <a:off x="3364193" y="7245794"/>
+            <a:off x="-6638737" y="7289813"/>
             <a:ext cx="890100" cy="307777"/>
           </a:xfrm>
           <a:prstGeom prst="rect">
@@ -5289,43 +4424,6 @@
           </a:p>
         </p:txBody>
       </p:sp>
-      <p:cxnSp>
-        <p:nvCxnSpPr>
-          <p:cNvPr id="59" name="Elbow Connector 58"/>
-          <p:cNvCxnSpPr>
-            <a:stCxn id="5" idx="6"/>
-          </p:cNvCxnSpPr>
-          <p:nvPr/>
-        </p:nvCxnSpPr>
-        <p:spPr>
-          <a:xfrm flipV="1">
-            <a:off x="5223832" y="6332954"/>
-            <a:ext cx="1507168" cy="912840"/>
-          </a:xfrm>
-          <a:prstGeom prst="bentConnector3">
-            <a:avLst>
-              <a:gd name="adj1" fmla="val 98873"/>
-            </a:avLst>
-          </a:prstGeom>
-          <a:ln>
-            <a:tailEnd type="arrow"/>
-          </a:ln>
-        </p:spPr>
-        <p:style>
-          <a:lnRef idx="2">
-            <a:schemeClr val="accent1"/>
-          </a:lnRef>
-          <a:fillRef idx="0">
-            <a:schemeClr val="accent1"/>
-          </a:fillRef>
-          <a:effectRef idx="1">
-            <a:schemeClr val="accent1"/>
-          </a:effectRef>
-          <a:fontRef idx="minor">
-            <a:schemeClr val="tx1"/>
-          </a:fontRef>
-        </p:style>
-      </p:cxnSp>
       <p:sp>
         <p:nvSpPr>
           <p:cNvPr id="60" name="TextBox 59"/>
@@ -5334,7 +4432,7 @@
         </p:nvSpPr>
         <p:spPr>
           <a:xfrm>
-            <a:off x="5594717" y="6909346"/>
+            <a:off x="-4408213" y="6953365"/>
             <a:ext cx="490339" cy="338554"/>
           </a:xfrm>
           <a:prstGeom prst="rect">
@@ -5356,80 +4454,6 @@
           </a:p>
         </p:txBody>
       </p:sp>
-      <p:cxnSp>
-        <p:nvCxnSpPr>
-          <p:cNvPr id="61" name="Elbow Connector 60"/>
-          <p:cNvCxnSpPr>
-            <a:stCxn id="27" idx="6"/>
-          </p:cNvCxnSpPr>
-          <p:nvPr/>
-        </p:nvCxnSpPr>
-        <p:spPr>
-          <a:xfrm flipV="1">
-            <a:off x="3179132" y="4635677"/>
-            <a:ext cx="3539168" cy="870039"/>
-          </a:xfrm>
-          <a:prstGeom prst="bentConnector3">
-            <a:avLst>
-              <a:gd name="adj1" fmla="val 100238"/>
-            </a:avLst>
-          </a:prstGeom>
-          <a:ln>
-            <a:tailEnd type="arrow"/>
-          </a:ln>
-        </p:spPr>
-        <p:style>
-          <a:lnRef idx="2">
-            <a:schemeClr val="accent1"/>
-          </a:lnRef>
-          <a:fillRef idx="0">
-            <a:schemeClr val="accent1"/>
-          </a:fillRef>
-          <a:effectRef idx="1">
-            <a:schemeClr val="accent1"/>
-          </a:effectRef>
-          <a:fontRef idx="minor">
-            <a:schemeClr val="tx1"/>
-          </a:fontRef>
-        </p:style>
-      </p:cxnSp>
-      <p:cxnSp>
-        <p:nvCxnSpPr>
-          <p:cNvPr id="62" name="Elbow Connector 61"/>
-          <p:cNvCxnSpPr>
-            <a:endCxn id="27" idx="2"/>
-          </p:cNvCxnSpPr>
-          <p:nvPr/>
-        </p:nvCxnSpPr>
-        <p:spPr>
-          <a:xfrm>
-            <a:off x="1416953" y="4635677"/>
-            <a:ext cx="1123047" cy="870039"/>
-          </a:xfrm>
-          <a:prstGeom prst="bentConnector3">
-            <a:avLst>
-              <a:gd name="adj1" fmla="val 243"/>
-            </a:avLst>
-          </a:prstGeom>
-          <a:ln>
-            <a:tailEnd type="arrow"/>
-          </a:ln>
-        </p:spPr>
-        <p:style>
-          <a:lnRef idx="2">
-            <a:schemeClr val="accent1"/>
-          </a:lnRef>
-          <a:fillRef idx="0">
-            <a:schemeClr val="accent1"/>
-          </a:fillRef>
-          <a:effectRef idx="1">
-            <a:schemeClr val="accent1"/>
-          </a:effectRef>
-          <a:fontRef idx="minor">
-            <a:schemeClr val="tx1"/>
-          </a:fontRef>
-        </p:style>
-      </p:cxnSp>
       <p:sp>
         <p:nvSpPr>
           <p:cNvPr id="63" name="TextBox 62"/>
@@ -5438,7 +4462,7 @@
         </p:nvSpPr>
         <p:spPr>
           <a:xfrm>
-            <a:off x="5341458" y="7256592"/>
+            <a:off x="-4661472" y="7300611"/>
             <a:ext cx="1213756" cy="307777"/>
           </a:xfrm>
           <a:prstGeom prst="rect">
@@ -5460,154 +4484,6 @@
           </a:p>
         </p:txBody>
       </p:sp>
-      <p:cxnSp>
-        <p:nvCxnSpPr>
-          <p:cNvPr id="64" name="Elbow Connector 63"/>
-          <p:cNvCxnSpPr>
-            <a:endCxn id="41" idx="2"/>
-          </p:cNvCxnSpPr>
-          <p:nvPr/>
-        </p:nvCxnSpPr>
-        <p:spPr>
-          <a:xfrm>
-            <a:off x="1394934" y="6375755"/>
-            <a:ext cx="1145066" cy="870039"/>
-          </a:xfrm>
-          <a:prstGeom prst="bentConnector3">
-            <a:avLst>
-              <a:gd name="adj1" fmla="val 1199"/>
-            </a:avLst>
-          </a:prstGeom>
-          <a:ln>
-            <a:tailEnd type="arrow"/>
-          </a:ln>
-        </p:spPr>
-        <p:style>
-          <a:lnRef idx="2">
-            <a:schemeClr val="accent1"/>
-          </a:lnRef>
-          <a:fillRef idx="0">
-            <a:schemeClr val="accent1"/>
-          </a:fillRef>
-          <a:effectRef idx="1">
-            <a:schemeClr val="accent1"/>
-          </a:effectRef>
-          <a:fontRef idx="minor">
-            <a:schemeClr val="tx1"/>
-          </a:fontRef>
-        </p:style>
-      </p:cxnSp>
-      <p:cxnSp>
-        <p:nvCxnSpPr>
-          <p:cNvPr id="65" name="Elbow Connector 64"/>
-          <p:cNvCxnSpPr>
-            <a:endCxn id="44" idx="2"/>
-          </p:cNvCxnSpPr>
-          <p:nvPr/>
-        </p:nvCxnSpPr>
-        <p:spPr>
-          <a:xfrm>
-            <a:off x="1416953" y="7247900"/>
-            <a:ext cx="1123047" cy="867933"/>
-          </a:xfrm>
-          <a:prstGeom prst="bentConnector3">
-            <a:avLst>
-              <a:gd name="adj1" fmla="val -889"/>
-            </a:avLst>
-          </a:prstGeom>
-          <a:ln>
-            <a:tailEnd type="arrow"/>
-          </a:ln>
-        </p:spPr>
-        <p:style>
-          <a:lnRef idx="2">
-            <a:schemeClr val="accent1"/>
-          </a:lnRef>
-          <a:fillRef idx="0">
-            <a:schemeClr val="accent1"/>
-          </a:fillRef>
-          <a:effectRef idx="1">
-            <a:schemeClr val="accent1"/>
-          </a:effectRef>
-          <a:fontRef idx="minor">
-            <a:schemeClr val="tx1"/>
-          </a:fontRef>
-        </p:style>
-      </p:cxnSp>
-      <p:cxnSp>
-        <p:nvCxnSpPr>
-          <p:cNvPr id="66" name="Elbow Connector 65"/>
-          <p:cNvCxnSpPr>
-            <a:endCxn id="43" idx="2"/>
-          </p:cNvCxnSpPr>
-          <p:nvPr/>
-        </p:nvCxnSpPr>
-        <p:spPr>
-          <a:xfrm>
-            <a:off x="1394934" y="8115833"/>
-            <a:ext cx="1157766" cy="870039"/>
-          </a:xfrm>
-          <a:prstGeom prst="bentConnector3">
-            <a:avLst>
-              <a:gd name="adj1" fmla="val -459"/>
-            </a:avLst>
-          </a:prstGeom>
-          <a:ln>
-            <a:tailEnd type="arrow"/>
-          </a:ln>
-        </p:spPr>
-        <p:style>
-          <a:lnRef idx="2">
-            <a:schemeClr val="accent1"/>
-          </a:lnRef>
-          <a:fillRef idx="0">
-            <a:schemeClr val="accent1"/>
-          </a:fillRef>
-          <a:effectRef idx="1">
-            <a:schemeClr val="accent1"/>
-          </a:effectRef>
-          <a:fontRef idx="minor">
-            <a:schemeClr val="tx1"/>
-          </a:fontRef>
-        </p:style>
-      </p:cxnSp>
-      <p:cxnSp>
-        <p:nvCxnSpPr>
-          <p:cNvPr id="67" name="Elbow Connector 66"/>
-          <p:cNvCxnSpPr>
-            <a:endCxn id="42" idx="2"/>
-          </p:cNvCxnSpPr>
-          <p:nvPr/>
-        </p:nvCxnSpPr>
-        <p:spPr>
-          <a:xfrm>
-            <a:off x="1394934" y="8985872"/>
-            <a:ext cx="1157766" cy="870039"/>
-          </a:xfrm>
-          <a:prstGeom prst="bentConnector3">
-            <a:avLst>
-              <a:gd name="adj1" fmla="val -459"/>
-            </a:avLst>
-          </a:prstGeom>
-          <a:ln>
-            <a:tailEnd type="arrow"/>
-          </a:ln>
-        </p:spPr>
-        <p:style>
-          <a:lnRef idx="2">
-            <a:schemeClr val="accent1"/>
-          </a:lnRef>
-          <a:fillRef idx="0">
-            <a:schemeClr val="accent1"/>
-          </a:fillRef>
-          <a:effectRef idx="1">
-            <a:schemeClr val="accent1"/>
-          </a:effectRef>
-          <a:fontRef idx="minor">
-            <a:schemeClr val="tx1"/>
-          </a:fontRef>
-        </p:style>
-      </p:cxnSp>
       <p:sp>
         <p:nvSpPr>
           <p:cNvPr id="68" name="TextBox 67"/>
@@ -5616,7 +4492,7 @@
         </p:nvSpPr>
         <p:spPr>
           <a:xfrm>
-            <a:off x="3574844" y="7741288"/>
+            <a:off x="-6428086" y="7785307"/>
             <a:ext cx="468798" cy="338554"/>
           </a:xfrm>
           <a:prstGeom prst="rect">
@@ -5646,7 +4522,7 @@
         </p:nvSpPr>
         <p:spPr>
           <a:xfrm>
-            <a:off x="3364193" y="8096184"/>
+            <a:off x="-6638737" y="8140203"/>
             <a:ext cx="890100" cy="307777"/>
           </a:xfrm>
           <a:prstGeom prst="rect">
@@ -5670,133 +4546,13 @@
       </p:sp>
       <p:sp>
         <p:nvSpPr>
-          <p:cNvPr id="70" name="Oval 69"/>
-          <p:cNvSpPr/>
-          <p:nvPr/>
-        </p:nvSpPr>
-        <p:spPr>
-          <a:xfrm>
-            <a:off x="4597400" y="7805123"/>
-            <a:ext cx="639132" cy="621420"/>
-          </a:xfrm>
-          <a:prstGeom prst="ellipse">
-            <a:avLst/>
-          </a:prstGeom>
-          <a:noFill/>
-          <a:ln/>
-        </p:spPr>
-        <p:style>
-          <a:lnRef idx="1">
-            <a:schemeClr val="accent1"/>
-          </a:lnRef>
-          <a:fillRef idx="3">
-            <a:schemeClr val="accent1"/>
-          </a:fillRef>
-          <a:effectRef idx="2">
-            <a:schemeClr val="accent1"/>
-          </a:effectRef>
-          <a:fontRef idx="minor">
-            <a:schemeClr val="lt1"/>
-          </a:fontRef>
-        </p:style>
-        <p:txBody>
-          <a:bodyPr anchor="ctr" anchorCtr="0"/>
-          <a:lstStyle/>
-          <a:p>
-            <a:pPr algn="ctr"/>
-            <a:r>
-              <a:rPr lang="en-US" sz="1800" dirty="0" smtClean="0">
-                <a:solidFill>
-                  <a:schemeClr val="tx1"/>
-                </a:solidFill>
-              </a:rPr>
-              <a:t>11</a:t>
-            </a:r>
-          </a:p>
-        </p:txBody>
-      </p:sp>
-      <p:cxnSp>
-        <p:nvCxnSpPr>
-          <p:cNvPr id="71" name="Straight Arrow Connector 70"/>
-          <p:cNvCxnSpPr>
-            <a:stCxn id="44" idx="6"/>
-            <a:endCxn id="70" idx="2"/>
-          </p:cNvCxnSpPr>
-          <p:nvPr/>
-        </p:nvCxnSpPr>
-        <p:spPr>
-          <a:xfrm>
-            <a:off x="3179132" y="8115833"/>
-            <a:ext cx="1418268" cy="0"/>
-          </a:xfrm>
-          <a:prstGeom prst="straightConnector1">
-            <a:avLst/>
-          </a:prstGeom>
-          <a:ln>
-            <a:tailEnd type="arrow"/>
-          </a:ln>
-        </p:spPr>
-        <p:style>
-          <a:lnRef idx="2">
-            <a:schemeClr val="accent1"/>
-          </a:lnRef>
-          <a:fillRef idx="0">
-            <a:schemeClr val="accent1"/>
-          </a:fillRef>
-          <a:effectRef idx="1">
-            <a:schemeClr val="accent1"/>
-          </a:effectRef>
-          <a:fontRef idx="minor">
-            <a:schemeClr val="tx1"/>
-          </a:fontRef>
-        </p:style>
-      </p:cxnSp>
-      <p:cxnSp>
-        <p:nvCxnSpPr>
-          <p:cNvPr id="72" name="Elbow Connector 71"/>
-          <p:cNvCxnSpPr>
-            <a:stCxn id="70" idx="6"/>
-          </p:cNvCxnSpPr>
-          <p:nvPr/>
-        </p:nvCxnSpPr>
-        <p:spPr>
-          <a:xfrm flipV="1">
-            <a:off x="5236532" y="7243892"/>
-            <a:ext cx="1481768" cy="871941"/>
-          </a:xfrm>
-          <a:prstGeom prst="bentConnector3">
-            <a:avLst>
-              <a:gd name="adj1" fmla="val 101425"/>
-            </a:avLst>
-          </a:prstGeom>
-          <a:ln>
-            <a:tailEnd type="arrow"/>
-          </a:ln>
-        </p:spPr>
-        <p:style>
-          <a:lnRef idx="2">
-            <a:schemeClr val="accent1"/>
-          </a:lnRef>
-          <a:fillRef idx="0">
-            <a:schemeClr val="accent1"/>
-          </a:fillRef>
-          <a:effectRef idx="1">
-            <a:schemeClr val="accent1"/>
-          </a:effectRef>
-          <a:fontRef idx="minor">
-            <a:schemeClr val="tx1"/>
-          </a:fontRef>
-        </p:style>
-      </p:cxnSp>
-      <p:sp>
-        <p:nvSpPr>
           <p:cNvPr id="73" name="TextBox 72"/>
           <p:cNvSpPr txBox="1"/>
           <p:nvPr/>
         </p:nvSpPr>
         <p:spPr>
           <a:xfrm>
-            <a:off x="5605487" y="7741288"/>
+            <a:off x="-4397443" y="7785307"/>
             <a:ext cx="468798" cy="338554"/>
           </a:xfrm>
           <a:prstGeom prst="rect">
@@ -5820,14 +4576,14 @@
       </p:sp>
       <p:sp>
         <p:nvSpPr>
-          <p:cNvPr id="74" name="TextBox 73"/>
+          <p:cNvPr id="75" name="TextBox 74"/>
           <p:cNvSpPr txBox="1"/>
           <p:nvPr/>
         </p:nvSpPr>
         <p:spPr>
           <a:xfrm>
-            <a:off x="5471674" y="8118766"/>
-            <a:ext cx="736425" cy="307777"/>
+            <a:off x="-6428086" y="8681757"/>
+            <a:ext cx="468798" cy="338554"/>
           </a:xfrm>
           <a:prstGeom prst="rect">
             <a:avLst/>
@@ -5841,27 +4597,23 @@
           <a:lstStyle/>
           <a:p>
             <a:r>
-              <a:rPr lang="en-US" sz="1400" dirty="0"/>
-              <a:t>m</a:t>
-            </a:r>
-            <a:r>
-              <a:rPr lang="en-US" sz="1400" dirty="0" smtClean="0"/>
-              <a:t>ode #</a:t>
-            </a:r>
-            <a:endParaRPr lang="en-US" sz="1400" dirty="0"/>
-          </a:p>
-        </p:txBody>
-      </p:sp>
-      <p:sp>
-        <p:nvSpPr>
-          <p:cNvPr id="75" name="TextBox 74"/>
+              <a:rPr lang="en-US" sz="1600" dirty="0" smtClean="0"/>
+              <a:t>INT</a:t>
+            </a:r>
+            <a:endParaRPr lang="en-US" sz="1600" dirty="0"/>
+          </a:p>
+        </p:txBody>
+      </p:sp>
+      <p:sp>
+        <p:nvSpPr>
+          <p:cNvPr id="76" name="TextBox 75"/>
           <p:cNvSpPr txBox="1"/>
           <p:nvPr/>
         </p:nvSpPr>
         <p:spPr>
           <a:xfrm>
-            <a:off x="3574844" y="8637738"/>
-            <a:ext cx="468798" cy="338554"/>
+            <a:off x="-6638737" y="9036653"/>
+            <a:ext cx="890100" cy="307777"/>
           </a:xfrm>
           <a:prstGeom prst="rect">
             <a:avLst/>
@@ -5875,23 +4627,23 @@
           <a:lstStyle/>
           <a:p>
             <a:r>
-              <a:rPr lang="en-US" sz="1600" dirty="0" smtClean="0"/>
-              <a:t>INT</a:t>
-            </a:r>
-            <a:endParaRPr lang="en-US" sz="1600" dirty="0"/>
-          </a:p>
-        </p:txBody>
-      </p:sp>
-      <p:sp>
-        <p:nvSpPr>
-          <p:cNvPr id="76" name="TextBox 75"/>
+              <a:rPr lang="en-US" sz="1400" dirty="0" smtClean="0"/>
+              <a:t>channel #</a:t>
+            </a:r>
+            <a:endParaRPr lang="en-US" sz="1400" dirty="0"/>
+          </a:p>
+        </p:txBody>
+      </p:sp>
+      <p:sp>
+        <p:nvSpPr>
+          <p:cNvPr id="78" name="TextBox 77"/>
           <p:cNvSpPr txBox="1"/>
           <p:nvPr/>
         </p:nvSpPr>
         <p:spPr>
           <a:xfrm>
-            <a:off x="3364193" y="8992634"/>
-            <a:ext cx="890100" cy="307777"/>
+            <a:off x="-6428086" y="9496650"/>
+            <a:ext cx="468798" cy="338554"/>
           </a:xfrm>
           <a:prstGeom prst="rect">
             <a:avLst/>
@@ -5905,58 +4657,23 @@
           <a:lstStyle/>
           <a:p>
             <a:r>
-              <a:rPr lang="en-US" sz="1400" dirty="0" smtClean="0"/>
-              <a:t>channel #</a:t>
-            </a:r>
-            <a:endParaRPr lang="en-US" sz="1400" dirty="0"/>
-          </a:p>
-        </p:txBody>
-      </p:sp>
-      <p:cxnSp>
-        <p:nvCxnSpPr>
-          <p:cNvPr id="77" name="Elbow Connector 76"/>
-          <p:cNvCxnSpPr/>
-          <p:nvPr/>
-        </p:nvCxnSpPr>
-        <p:spPr>
-          <a:xfrm flipV="1">
-            <a:off x="3204532" y="8129915"/>
-            <a:ext cx="3539168" cy="870039"/>
-          </a:xfrm>
-          <a:prstGeom prst="bentConnector3">
-            <a:avLst>
-              <a:gd name="adj1" fmla="val 100238"/>
-            </a:avLst>
-          </a:prstGeom>
-          <a:ln>
-            <a:tailEnd type="arrow"/>
-          </a:ln>
-        </p:spPr>
-        <p:style>
-          <a:lnRef idx="2">
-            <a:schemeClr val="accent1"/>
-          </a:lnRef>
-          <a:fillRef idx="0">
-            <a:schemeClr val="accent1"/>
-          </a:fillRef>
-          <a:effectRef idx="1">
-            <a:schemeClr val="accent1"/>
-          </a:effectRef>
-          <a:fontRef idx="minor">
-            <a:schemeClr val="tx1"/>
-          </a:fontRef>
-        </p:style>
-      </p:cxnSp>
-      <p:sp>
-        <p:nvSpPr>
-          <p:cNvPr id="78" name="TextBox 77"/>
+              <a:rPr lang="en-US" sz="1600" dirty="0" smtClean="0"/>
+              <a:t>INT</a:t>
+            </a:r>
+            <a:endParaRPr lang="en-US" sz="1600" dirty="0"/>
+          </a:p>
+        </p:txBody>
+      </p:sp>
+      <p:sp>
+        <p:nvSpPr>
+          <p:cNvPr id="79" name="TextBox 78"/>
           <p:cNvSpPr txBox="1"/>
           <p:nvPr/>
         </p:nvSpPr>
         <p:spPr>
           <a:xfrm>
-            <a:off x="3574844" y="9452631"/>
-            <a:ext cx="468798" cy="338554"/>
+            <a:off x="-6638737" y="9851546"/>
+            <a:ext cx="890100" cy="307777"/>
           </a:xfrm>
           <a:prstGeom prst="rect">
             <a:avLst/>
@@ -5970,23 +4687,23 @@
           <a:lstStyle/>
           <a:p>
             <a:r>
-              <a:rPr lang="en-US" sz="1600" dirty="0" smtClean="0"/>
-              <a:t>INT</a:t>
-            </a:r>
-            <a:endParaRPr lang="en-US" sz="1600" dirty="0"/>
-          </a:p>
-        </p:txBody>
-      </p:sp>
-      <p:sp>
-        <p:nvSpPr>
-          <p:cNvPr id="79" name="TextBox 78"/>
+              <a:rPr lang="en-US" sz="1400" dirty="0" smtClean="0"/>
+              <a:t>channel #</a:t>
+            </a:r>
+            <a:endParaRPr lang="en-US" sz="1400" dirty="0"/>
+          </a:p>
+        </p:txBody>
+      </p:sp>
+      <p:sp>
+        <p:nvSpPr>
+          <p:cNvPr id="81" name="TextBox 80"/>
           <p:cNvSpPr txBox="1"/>
           <p:nvPr/>
         </p:nvSpPr>
         <p:spPr>
           <a:xfrm>
-            <a:off x="3364193" y="9807527"/>
-            <a:ext cx="890100" cy="307777"/>
+            <a:off x="-8304174" y="10454913"/>
+            <a:ext cx="557965" cy="338554"/>
           </a:xfrm>
           <a:prstGeom prst="rect">
             <a:avLst/>
@@ -5999,71 +4716,6 @@
           </a:bodyPr>
           <a:lstStyle/>
           <a:p>
-            <a:r>
-              <a:rPr lang="en-US" sz="1400" dirty="0" smtClean="0"/>
-              <a:t>channel #</a:t>
-            </a:r>
-            <a:endParaRPr lang="en-US" sz="1400" dirty="0"/>
-          </a:p>
-        </p:txBody>
-      </p:sp>
-      <p:cxnSp>
-        <p:nvCxnSpPr>
-          <p:cNvPr id="80" name="Elbow Connector 79"/>
-          <p:cNvCxnSpPr/>
-          <p:nvPr/>
-        </p:nvCxnSpPr>
-        <p:spPr>
-          <a:xfrm flipV="1">
-            <a:off x="3191832" y="8982908"/>
-            <a:ext cx="3539168" cy="870039"/>
-          </a:xfrm>
-          <a:prstGeom prst="bentConnector3">
-            <a:avLst>
-              <a:gd name="adj1" fmla="val 100238"/>
-            </a:avLst>
-          </a:prstGeom>
-          <a:ln>
-            <a:tailEnd type="arrow"/>
-          </a:ln>
-        </p:spPr>
-        <p:style>
-          <a:lnRef idx="2">
-            <a:schemeClr val="accent1"/>
-          </a:lnRef>
-          <a:fillRef idx="0">
-            <a:schemeClr val="accent1"/>
-          </a:fillRef>
-          <a:effectRef idx="1">
-            <a:schemeClr val="accent1"/>
-          </a:effectRef>
-          <a:fontRef idx="minor">
-            <a:schemeClr val="tx1"/>
-          </a:fontRef>
-        </p:style>
-      </p:cxnSp>
-      <p:sp>
-        <p:nvSpPr>
-          <p:cNvPr id="81" name="TextBox 80"/>
-          <p:cNvSpPr txBox="1"/>
-          <p:nvPr/>
-        </p:nvSpPr>
-        <p:spPr>
-          <a:xfrm>
-            <a:off x="1698756" y="10410894"/>
-            <a:ext cx="557965" cy="338554"/>
-          </a:xfrm>
-          <a:prstGeom prst="rect">
-            <a:avLst/>
-          </a:prstGeom>
-          <a:noFill/>
-        </p:spPr>
-        <p:txBody>
-          <a:bodyPr wrap="none" rtlCol="0">
-            <a:spAutoFit/>
-          </a:bodyPr>
-          <a:lstStyle/>
-          <a:p>
             <a:pPr algn="ctr"/>
             <a:r>
               <a:rPr lang="en-US" sz="1600" dirty="0" smtClean="0"/>
@@ -6081,7 +4733,7 @@
         </p:nvSpPr>
         <p:spPr>
           <a:xfrm>
-            <a:off x="1704717" y="11285279"/>
+            <a:off x="-8298213" y="11329298"/>
             <a:ext cx="546043" cy="338554"/>
           </a:xfrm>
           <a:prstGeom prst="rect">
@@ -6114,7 +4766,7 @@
         </p:nvCxnSpPr>
         <p:spPr>
           <a:xfrm>
-            <a:off x="1394934" y="9852947"/>
+            <a:off x="-8607996" y="9896966"/>
             <a:ext cx="1145066" cy="873003"/>
           </a:xfrm>
           <a:prstGeom prst="bentConnector3">
@@ -6151,7 +4803,7 @@
         </p:nvCxnSpPr>
         <p:spPr>
           <a:xfrm flipV="1">
-            <a:off x="3179132" y="9852947"/>
+            <a:off x="-6823798" y="9896966"/>
             <a:ext cx="3564568" cy="873003"/>
           </a:xfrm>
           <a:prstGeom prst="bentConnector3">
@@ -6186,7 +4838,7 @@
         </p:nvSpPr>
         <p:spPr>
           <a:xfrm>
-            <a:off x="3502097" y="10387396"/>
+            <a:off x="-6500833" y="10431415"/>
             <a:ext cx="2610210" cy="338554"/>
           </a:xfrm>
           <a:prstGeom prst="rect">
@@ -6222,7 +4874,7 @@
         </p:nvCxnSpPr>
         <p:spPr>
           <a:xfrm>
-            <a:off x="1394934" y="10725950"/>
+            <a:off x="-8607996" y="10769969"/>
             <a:ext cx="1145066" cy="870039"/>
           </a:xfrm>
           <a:prstGeom prst="bentConnector3">
@@ -6259,7 +4911,7 @@
         </p:nvCxnSpPr>
         <p:spPr>
           <a:xfrm flipV="1">
-            <a:off x="3179132" y="10749448"/>
+            <a:off x="-6823798" y="10793467"/>
             <a:ext cx="3539168" cy="846541"/>
           </a:xfrm>
           <a:prstGeom prst="bentConnector3">
@@ -6294,7 +4946,7 @@
         </p:nvSpPr>
         <p:spPr>
           <a:xfrm>
-            <a:off x="3434990" y="11233937"/>
+            <a:off x="-6567940" y="11277956"/>
             <a:ext cx="2610210" cy="338554"/>
           </a:xfrm>
           <a:prstGeom prst="rect">
@@ -6320,920 +4972,6 @@
           </a:p>
         </p:txBody>
       </p:sp>
-      <p:cxnSp>
-        <p:nvCxnSpPr>
-          <p:cNvPr id="89" name="Elbow Connector 88"/>
-          <p:cNvCxnSpPr>
-            <a:endCxn id="46" idx="2"/>
-          </p:cNvCxnSpPr>
-          <p:nvPr/>
-        </p:nvCxnSpPr>
-        <p:spPr>
-          <a:xfrm rot="16200000" flipH="1">
-            <a:off x="1103778" y="13558385"/>
-            <a:ext cx="1740078" cy="1157766"/>
-          </a:xfrm>
-          <a:prstGeom prst="bentConnector2">
-            <a:avLst/>
-          </a:prstGeom>
-          <a:ln>
-            <a:tailEnd type="arrow"/>
-          </a:ln>
-        </p:spPr>
-        <p:style>
-          <a:lnRef idx="2">
-            <a:schemeClr val="accent1"/>
-          </a:lnRef>
-          <a:fillRef idx="0">
-            <a:schemeClr val="accent1"/>
-          </a:fillRef>
-          <a:effectRef idx="1">
-            <a:schemeClr val="accent1"/>
-          </a:effectRef>
-          <a:fontRef idx="minor">
-            <a:schemeClr val="tx1"/>
-          </a:fontRef>
-        </p:style>
-      </p:cxnSp>
-      <p:sp>
-        <p:nvSpPr>
-          <p:cNvPr id="90" name="TextBox 89"/>
-          <p:cNvSpPr txBox="1"/>
-          <p:nvPr/>
-        </p:nvSpPr>
-        <p:spPr>
-          <a:xfrm>
-            <a:off x="1603330" y="14668753"/>
-            <a:ext cx="736900" cy="338554"/>
-          </a:xfrm>
-          <a:prstGeom prst="rect">
-            <a:avLst/>
-          </a:prstGeom>
-          <a:noFill/>
-        </p:spPr>
-        <p:txBody>
-          <a:bodyPr wrap="none" rtlCol="0">
-            <a:spAutoFit/>
-          </a:bodyPr>
-          <a:lstStyle/>
-          <a:p>
-            <a:pPr algn="ctr"/>
-            <a:r>
-              <a:rPr lang="en-US" sz="1600" dirty="0"/>
-              <a:t>e</a:t>
-            </a:r>
-            <a:r>
-              <a:rPr lang="en-US" sz="1600" dirty="0" smtClean="0"/>
-              <a:t>dit(e)</a:t>
-            </a:r>
-            <a:endParaRPr lang="en-US" sz="1600" dirty="0"/>
-          </a:p>
-        </p:txBody>
-      </p:sp>
-      <p:sp>
-        <p:nvSpPr>
-          <p:cNvPr id="91" name="Oval 90"/>
-          <p:cNvSpPr/>
-          <p:nvPr/>
-        </p:nvSpPr>
-        <p:spPr>
-          <a:xfrm>
-            <a:off x="4127500" y="14696597"/>
-            <a:ext cx="639132" cy="621420"/>
-          </a:xfrm>
-          <a:prstGeom prst="ellipse">
-            <a:avLst/>
-          </a:prstGeom>
-          <a:noFill/>
-          <a:ln/>
-        </p:spPr>
-        <p:style>
-          <a:lnRef idx="1">
-            <a:schemeClr val="accent1"/>
-          </a:lnRef>
-          <a:fillRef idx="3">
-            <a:schemeClr val="accent1"/>
-          </a:fillRef>
-          <a:effectRef idx="2">
-            <a:schemeClr val="accent1"/>
-          </a:effectRef>
-          <a:fontRef idx="minor">
-            <a:schemeClr val="lt1"/>
-          </a:fontRef>
-        </p:style>
-        <p:txBody>
-          <a:bodyPr anchor="ctr" anchorCtr="0"/>
-          <a:lstStyle/>
-          <a:p>
-            <a:pPr algn="ctr"/>
-            <a:r>
-              <a:rPr lang="en-US" sz="1800" dirty="0" smtClean="0">
-                <a:solidFill>
-                  <a:schemeClr val="tx1"/>
-                </a:solidFill>
-              </a:rPr>
-              <a:t>18</a:t>
-            </a:r>
-            <a:endParaRPr lang="en-US" sz="1800" dirty="0" smtClean="0">
-              <a:solidFill>
-                <a:schemeClr val="tx1"/>
-              </a:solidFill>
-            </a:endParaRPr>
-          </a:p>
-        </p:txBody>
-      </p:sp>
-      <p:sp>
-        <p:nvSpPr>
-          <p:cNvPr id="92" name="Oval 91"/>
-          <p:cNvSpPr/>
-          <p:nvPr/>
-        </p:nvSpPr>
-        <p:spPr>
-          <a:xfrm>
-            <a:off x="5725634" y="14696597"/>
-            <a:ext cx="639132" cy="621420"/>
-          </a:xfrm>
-          <a:prstGeom prst="ellipse">
-            <a:avLst/>
-          </a:prstGeom>
-          <a:noFill/>
-          <a:ln/>
-        </p:spPr>
-        <p:style>
-          <a:lnRef idx="1">
-            <a:schemeClr val="accent1"/>
-          </a:lnRef>
-          <a:fillRef idx="3">
-            <a:schemeClr val="accent1"/>
-          </a:fillRef>
-          <a:effectRef idx="2">
-            <a:schemeClr val="accent1"/>
-          </a:effectRef>
-          <a:fontRef idx="minor">
-            <a:schemeClr val="lt1"/>
-          </a:fontRef>
-        </p:style>
-        <p:txBody>
-          <a:bodyPr anchor="ctr" anchorCtr="0"/>
-          <a:lstStyle/>
-          <a:p>
-            <a:pPr algn="ctr"/>
-            <a:r>
-              <a:rPr lang="en-US" sz="1800" dirty="0" smtClean="0">
-                <a:solidFill>
-                  <a:schemeClr val="tx1"/>
-                </a:solidFill>
-              </a:rPr>
-              <a:t>19</a:t>
-            </a:r>
-            <a:endParaRPr lang="en-US" sz="1800" dirty="0" smtClean="0">
-              <a:solidFill>
-                <a:schemeClr val="tx1"/>
-              </a:solidFill>
-            </a:endParaRPr>
-          </a:p>
-        </p:txBody>
-      </p:sp>
-      <p:sp>
-        <p:nvSpPr>
-          <p:cNvPr id="93" name="Oval 92"/>
-          <p:cNvSpPr/>
-          <p:nvPr/>
-        </p:nvSpPr>
-        <p:spPr>
-          <a:xfrm>
-            <a:off x="8849834" y="14696597"/>
-            <a:ext cx="639132" cy="621420"/>
-          </a:xfrm>
-          <a:prstGeom prst="ellipse">
-            <a:avLst/>
-          </a:prstGeom>
-          <a:noFill/>
-          <a:ln/>
-        </p:spPr>
-        <p:style>
-          <a:lnRef idx="1">
-            <a:schemeClr val="accent1"/>
-          </a:lnRef>
-          <a:fillRef idx="3">
-            <a:schemeClr val="accent1"/>
-          </a:fillRef>
-          <a:effectRef idx="2">
-            <a:schemeClr val="accent1"/>
-          </a:effectRef>
-          <a:fontRef idx="minor">
-            <a:schemeClr val="lt1"/>
-          </a:fontRef>
-        </p:style>
-        <p:txBody>
-          <a:bodyPr anchor="ctr" anchorCtr="0"/>
-          <a:lstStyle/>
-          <a:p>
-            <a:pPr algn="ctr"/>
-            <a:r>
-              <a:rPr lang="en-US" sz="1800" dirty="0" smtClean="0">
-                <a:solidFill>
-                  <a:schemeClr val="tx1"/>
-                </a:solidFill>
-              </a:rPr>
-              <a:t>21</a:t>
-            </a:r>
-            <a:endParaRPr lang="en-US" sz="1800" dirty="0" smtClean="0">
-              <a:solidFill>
-                <a:schemeClr val="tx1"/>
-              </a:solidFill>
-            </a:endParaRPr>
-          </a:p>
-        </p:txBody>
-      </p:sp>
-      <p:sp>
-        <p:nvSpPr>
-          <p:cNvPr id="94" name="Oval 93"/>
-          <p:cNvSpPr/>
-          <p:nvPr/>
-        </p:nvSpPr>
-        <p:spPr>
-          <a:xfrm>
-            <a:off x="7315200" y="14696597"/>
-            <a:ext cx="639132" cy="621420"/>
-          </a:xfrm>
-          <a:prstGeom prst="ellipse">
-            <a:avLst/>
-          </a:prstGeom>
-          <a:noFill/>
-          <a:ln/>
-        </p:spPr>
-        <p:style>
-          <a:lnRef idx="1">
-            <a:schemeClr val="accent1"/>
-          </a:lnRef>
-          <a:fillRef idx="3">
-            <a:schemeClr val="accent1"/>
-          </a:fillRef>
-          <a:effectRef idx="2">
-            <a:schemeClr val="accent1"/>
-          </a:effectRef>
-          <a:fontRef idx="minor">
-            <a:schemeClr val="lt1"/>
-          </a:fontRef>
-        </p:style>
-        <p:txBody>
-          <a:bodyPr anchor="ctr" anchorCtr="0"/>
-          <a:lstStyle/>
-          <a:p>
-            <a:pPr algn="ctr"/>
-            <a:r>
-              <a:rPr lang="en-US" sz="1800" dirty="0" smtClean="0">
-                <a:solidFill>
-                  <a:schemeClr val="tx1"/>
-                </a:solidFill>
-              </a:rPr>
-              <a:t>20</a:t>
-            </a:r>
-            <a:endParaRPr lang="en-US" sz="1800" dirty="0" smtClean="0">
-              <a:solidFill>
-                <a:schemeClr val="tx1"/>
-              </a:solidFill>
-            </a:endParaRPr>
-          </a:p>
-        </p:txBody>
-      </p:sp>
-      <p:cxnSp>
-        <p:nvCxnSpPr>
-          <p:cNvPr id="95" name="Straight Arrow Connector 94"/>
-          <p:cNvCxnSpPr>
-            <a:stCxn id="46" idx="6"/>
-            <a:endCxn id="91" idx="2"/>
-          </p:cNvCxnSpPr>
-          <p:nvPr/>
-        </p:nvCxnSpPr>
-        <p:spPr>
-          <a:xfrm>
-            <a:off x="3191832" y="15007307"/>
-            <a:ext cx="935668" cy="0"/>
-          </a:xfrm>
-          <a:prstGeom prst="straightConnector1">
-            <a:avLst/>
-          </a:prstGeom>
-          <a:ln>
-            <a:tailEnd type="arrow"/>
-          </a:ln>
-        </p:spPr>
-        <p:style>
-          <a:lnRef idx="2">
-            <a:schemeClr val="accent1"/>
-          </a:lnRef>
-          <a:fillRef idx="0">
-            <a:schemeClr val="accent1"/>
-          </a:fillRef>
-          <a:effectRef idx="1">
-            <a:schemeClr val="accent1"/>
-          </a:effectRef>
-          <a:fontRef idx="minor">
-            <a:schemeClr val="tx1"/>
-          </a:fontRef>
-        </p:style>
-      </p:cxnSp>
-      <p:cxnSp>
-        <p:nvCxnSpPr>
-          <p:cNvPr id="96" name="Straight Arrow Connector 95"/>
-          <p:cNvCxnSpPr>
-            <a:stCxn id="91" idx="6"/>
-            <a:endCxn id="92" idx="2"/>
-          </p:cNvCxnSpPr>
-          <p:nvPr/>
-        </p:nvCxnSpPr>
-        <p:spPr>
-          <a:xfrm>
-            <a:off x="4766632" y="15007307"/>
-            <a:ext cx="959002" cy="0"/>
-          </a:xfrm>
-          <a:prstGeom prst="straightConnector1">
-            <a:avLst/>
-          </a:prstGeom>
-          <a:ln>
-            <a:tailEnd type="arrow"/>
-          </a:ln>
-        </p:spPr>
-        <p:style>
-          <a:lnRef idx="2">
-            <a:schemeClr val="accent1"/>
-          </a:lnRef>
-          <a:fillRef idx="0">
-            <a:schemeClr val="accent1"/>
-          </a:fillRef>
-          <a:effectRef idx="1">
-            <a:schemeClr val="accent1"/>
-          </a:effectRef>
-          <a:fontRef idx="minor">
-            <a:schemeClr val="tx1"/>
-          </a:fontRef>
-        </p:style>
-      </p:cxnSp>
-      <p:sp>
-        <p:nvSpPr>
-          <p:cNvPr id="97" name="TextBox 96"/>
-          <p:cNvSpPr txBox="1"/>
-          <p:nvPr/>
-        </p:nvSpPr>
-        <p:spPr>
-          <a:xfrm>
-            <a:off x="3523291" y="14642023"/>
-            <a:ext cx="468798" cy="338554"/>
-          </a:xfrm>
-          <a:prstGeom prst="rect">
-            <a:avLst/>
-          </a:prstGeom>
-          <a:noFill/>
-        </p:spPr>
-        <p:txBody>
-          <a:bodyPr wrap="none" rtlCol="0">
-            <a:spAutoFit/>
-          </a:bodyPr>
-          <a:lstStyle/>
-          <a:p>
-            <a:r>
-              <a:rPr lang="en-US" sz="1600" dirty="0" smtClean="0"/>
-              <a:t>INT</a:t>
-            </a:r>
-            <a:endParaRPr lang="en-US" sz="1600" dirty="0"/>
-          </a:p>
-        </p:txBody>
-      </p:sp>
-      <p:sp>
-        <p:nvSpPr>
-          <p:cNvPr id="98" name="TextBox 97"/>
-          <p:cNvSpPr txBox="1"/>
-          <p:nvPr/>
-        </p:nvSpPr>
-        <p:spPr>
-          <a:xfrm>
-            <a:off x="3198340" y="14996919"/>
-            <a:ext cx="890100" cy="307777"/>
-          </a:xfrm>
-          <a:prstGeom prst="rect">
-            <a:avLst/>
-          </a:prstGeom>
-          <a:noFill/>
-        </p:spPr>
-        <p:txBody>
-          <a:bodyPr wrap="none" rtlCol="0">
-            <a:spAutoFit/>
-          </a:bodyPr>
-          <a:lstStyle/>
-          <a:p>
-            <a:r>
-              <a:rPr lang="en-US" sz="1400" dirty="0" smtClean="0"/>
-              <a:t>channel #</a:t>
-            </a:r>
-            <a:endParaRPr lang="en-US" sz="1400" dirty="0"/>
-          </a:p>
-        </p:txBody>
-      </p:sp>
-      <p:sp>
-        <p:nvSpPr>
-          <p:cNvPr id="99" name="TextBox 98"/>
-          <p:cNvSpPr txBox="1"/>
-          <p:nvPr/>
-        </p:nvSpPr>
-        <p:spPr>
-          <a:xfrm>
-            <a:off x="5096734" y="14642023"/>
-            <a:ext cx="468798" cy="338554"/>
-          </a:xfrm>
-          <a:prstGeom prst="rect">
-            <a:avLst/>
-          </a:prstGeom>
-          <a:noFill/>
-        </p:spPr>
-        <p:txBody>
-          <a:bodyPr wrap="none" rtlCol="0">
-            <a:spAutoFit/>
-          </a:bodyPr>
-          <a:lstStyle/>
-          <a:p>
-            <a:r>
-              <a:rPr lang="en-US" sz="1600" dirty="0" smtClean="0"/>
-              <a:t>INT</a:t>
-            </a:r>
-            <a:endParaRPr lang="en-US" sz="1600" dirty="0"/>
-          </a:p>
-        </p:txBody>
-      </p:sp>
-      <p:sp>
-        <p:nvSpPr>
-          <p:cNvPr id="100" name="TextBox 99"/>
-          <p:cNvSpPr txBox="1"/>
-          <p:nvPr/>
-        </p:nvSpPr>
-        <p:spPr>
-          <a:xfrm>
-            <a:off x="4962921" y="15019501"/>
-            <a:ext cx="582211" cy="307777"/>
-          </a:xfrm>
-          <a:prstGeom prst="rect">
-            <a:avLst/>
-          </a:prstGeom>
-          <a:noFill/>
-        </p:spPr>
-        <p:txBody>
-          <a:bodyPr wrap="none" rtlCol="0">
-            <a:spAutoFit/>
-          </a:bodyPr>
-          <a:lstStyle/>
-          <a:p>
-            <a:r>
-              <a:rPr lang="en-US" sz="1400" dirty="0"/>
-              <a:t>d</a:t>
-            </a:r>
-            <a:r>
-              <a:rPr lang="en-US" sz="1400" dirty="0" smtClean="0"/>
-              <a:t>ay #</a:t>
-            </a:r>
-            <a:endParaRPr lang="en-US" sz="1400" dirty="0"/>
-          </a:p>
-        </p:txBody>
-      </p:sp>
-      <p:cxnSp>
-        <p:nvCxnSpPr>
-          <p:cNvPr id="101" name="Straight Arrow Connector 100"/>
-          <p:cNvCxnSpPr>
-            <a:stCxn id="92" idx="6"/>
-            <a:endCxn id="94" idx="2"/>
-          </p:cNvCxnSpPr>
-          <p:nvPr/>
-        </p:nvCxnSpPr>
-        <p:spPr>
-          <a:xfrm>
-            <a:off x="6364766" y="15007307"/>
-            <a:ext cx="950434" cy="0"/>
-          </a:xfrm>
-          <a:prstGeom prst="straightConnector1">
-            <a:avLst/>
-          </a:prstGeom>
-          <a:ln>
-            <a:tailEnd type="arrow"/>
-          </a:ln>
-        </p:spPr>
-        <p:style>
-          <a:lnRef idx="2">
-            <a:schemeClr val="accent1"/>
-          </a:lnRef>
-          <a:fillRef idx="0">
-            <a:schemeClr val="accent1"/>
-          </a:fillRef>
-          <a:effectRef idx="1">
-            <a:schemeClr val="accent1"/>
-          </a:effectRef>
-          <a:fontRef idx="minor">
-            <a:schemeClr val="tx1"/>
-          </a:fontRef>
-        </p:style>
-      </p:cxnSp>
-      <p:cxnSp>
-        <p:nvCxnSpPr>
-          <p:cNvPr id="102" name="Straight Arrow Connector 101"/>
-          <p:cNvCxnSpPr>
-            <a:stCxn id="94" idx="6"/>
-            <a:endCxn id="93" idx="2"/>
-          </p:cNvCxnSpPr>
-          <p:nvPr/>
-        </p:nvCxnSpPr>
-        <p:spPr>
-          <a:xfrm>
-            <a:off x="7954332" y="15007307"/>
-            <a:ext cx="895502" cy="0"/>
-          </a:xfrm>
-          <a:prstGeom prst="straightConnector1">
-            <a:avLst/>
-          </a:prstGeom>
-          <a:ln>
-            <a:tailEnd type="arrow"/>
-          </a:ln>
-        </p:spPr>
-        <p:style>
-          <a:lnRef idx="2">
-            <a:schemeClr val="accent1"/>
-          </a:lnRef>
-          <a:fillRef idx="0">
-            <a:schemeClr val="accent1"/>
-          </a:fillRef>
-          <a:effectRef idx="1">
-            <a:schemeClr val="accent1"/>
-          </a:effectRef>
-          <a:fontRef idx="minor">
-            <a:schemeClr val="tx1"/>
-          </a:fontRef>
-        </p:style>
-      </p:cxnSp>
-      <p:sp>
-        <p:nvSpPr>
-          <p:cNvPr id="103" name="Oval 102"/>
-          <p:cNvSpPr/>
-          <p:nvPr/>
-        </p:nvSpPr>
-        <p:spPr>
-          <a:xfrm>
-            <a:off x="5725634" y="16773665"/>
-            <a:ext cx="639132" cy="621420"/>
-          </a:xfrm>
-          <a:prstGeom prst="ellipse">
-            <a:avLst/>
-          </a:prstGeom>
-          <a:noFill/>
-          <a:ln/>
-        </p:spPr>
-        <p:style>
-          <a:lnRef idx="1">
-            <a:schemeClr val="accent1"/>
-          </a:lnRef>
-          <a:fillRef idx="3">
-            <a:schemeClr val="accent1"/>
-          </a:fillRef>
-          <a:effectRef idx="2">
-            <a:schemeClr val="accent1"/>
-          </a:effectRef>
-          <a:fontRef idx="minor">
-            <a:schemeClr val="lt1"/>
-          </a:fontRef>
-        </p:style>
-        <p:txBody>
-          <a:bodyPr anchor="ctr" anchorCtr="0"/>
-          <a:lstStyle/>
-          <a:p>
-            <a:pPr algn="ctr"/>
-            <a:r>
-              <a:rPr lang="en-US" sz="1800" dirty="0" smtClean="0">
-                <a:solidFill>
-                  <a:schemeClr val="tx1"/>
-                </a:solidFill>
-              </a:rPr>
-              <a:t>22</a:t>
-            </a:r>
-            <a:endParaRPr lang="en-US" sz="1800" dirty="0" smtClean="0">
-              <a:solidFill>
-                <a:schemeClr val="tx1"/>
-              </a:solidFill>
-            </a:endParaRPr>
-          </a:p>
-        </p:txBody>
-      </p:sp>
-      <p:sp>
-        <p:nvSpPr>
-          <p:cNvPr id="104" name="TextBox 103"/>
-          <p:cNvSpPr txBox="1"/>
-          <p:nvPr/>
-        </p:nvSpPr>
-        <p:spPr>
-          <a:xfrm>
-            <a:off x="6553200" y="14688740"/>
-            <a:ext cx="714559" cy="338554"/>
-          </a:xfrm>
-          <a:prstGeom prst="rect">
-            <a:avLst/>
-          </a:prstGeom>
-          <a:noFill/>
-        </p:spPr>
-        <p:txBody>
-          <a:bodyPr wrap="none" rtlCol="0">
-            <a:spAutoFit/>
-          </a:bodyPr>
-          <a:lstStyle/>
-          <a:p>
-            <a:r>
-              <a:rPr lang="en-US" sz="1600" dirty="0" smtClean="0"/>
-              <a:t>delete</a:t>
-            </a:r>
-            <a:endParaRPr lang="en-US" sz="1600" dirty="0"/>
-          </a:p>
-        </p:txBody>
-      </p:sp>
-      <p:cxnSp>
-        <p:nvCxnSpPr>
-          <p:cNvPr id="105" name="Straight Arrow Connector 104"/>
-          <p:cNvCxnSpPr>
-            <a:stCxn id="92" idx="4"/>
-            <a:endCxn id="103" idx="0"/>
-          </p:cNvCxnSpPr>
-          <p:nvPr/>
-        </p:nvCxnSpPr>
-        <p:spPr>
-          <a:xfrm>
-            <a:off x="6045200" y="15318017"/>
-            <a:ext cx="0" cy="1455648"/>
-          </a:xfrm>
-          <a:prstGeom prst="straightConnector1">
-            <a:avLst/>
-          </a:prstGeom>
-          <a:ln>
-            <a:tailEnd type="arrow"/>
-          </a:ln>
-        </p:spPr>
-        <p:style>
-          <a:lnRef idx="2">
-            <a:schemeClr val="accent1"/>
-          </a:lnRef>
-          <a:fillRef idx="0">
-            <a:schemeClr val="accent1"/>
-          </a:fillRef>
-          <a:effectRef idx="1">
-            <a:schemeClr val="accent1"/>
-          </a:effectRef>
-          <a:fontRef idx="minor">
-            <a:schemeClr val="tx1"/>
-          </a:fontRef>
-        </p:style>
-      </p:cxnSp>
-      <p:sp>
-        <p:nvSpPr>
-          <p:cNvPr id="106" name="TextBox 105"/>
-          <p:cNvSpPr txBox="1"/>
-          <p:nvPr/>
-        </p:nvSpPr>
-        <p:spPr>
-          <a:xfrm>
-            <a:off x="5649434" y="15615840"/>
-            <a:ext cx="783989" cy="584776"/>
-          </a:xfrm>
-          <a:prstGeom prst="rect">
-            <a:avLst/>
-          </a:prstGeom>
-          <a:solidFill>
-            <a:schemeClr val="bg1"/>
-          </a:solidFill>
-        </p:spPr>
-        <p:txBody>
-          <a:bodyPr wrap="none" rtlCol="0">
-            <a:spAutoFit/>
-          </a:bodyPr>
-          <a:lstStyle/>
-          <a:p>
-            <a:pPr algn="ctr"/>
-            <a:r>
-              <a:rPr lang="en-US" sz="1600" dirty="0"/>
-              <a:t>a</a:t>
-            </a:r>
-            <a:r>
-              <a:rPr lang="en-US" sz="1600" dirty="0" smtClean="0"/>
-              <a:t>dd</a:t>
-            </a:r>
-          </a:p>
-          <a:p>
-            <a:pPr algn="ctr"/>
-            <a:r>
-              <a:rPr lang="en-US" sz="1600" dirty="0" smtClean="0"/>
-              <a:t>change</a:t>
-            </a:r>
-            <a:endParaRPr lang="en-US" sz="1600" dirty="0"/>
-          </a:p>
-        </p:txBody>
-      </p:sp>
-      <p:sp>
-        <p:nvSpPr>
-          <p:cNvPr id="107" name="TextBox 106"/>
-          <p:cNvSpPr txBox="1"/>
-          <p:nvPr/>
-        </p:nvSpPr>
-        <p:spPr>
-          <a:xfrm>
-            <a:off x="8119334" y="14625146"/>
-            <a:ext cx="468798" cy="338554"/>
-          </a:xfrm>
-          <a:prstGeom prst="rect">
-            <a:avLst/>
-          </a:prstGeom>
-          <a:noFill/>
-        </p:spPr>
-        <p:txBody>
-          <a:bodyPr wrap="none" rtlCol="0">
-            <a:spAutoFit/>
-          </a:bodyPr>
-          <a:lstStyle/>
-          <a:p>
-            <a:r>
-              <a:rPr lang="en-US" sz="1600" dirty="0" smtClean="0"/>
-              <a:t>INT</a:t>
-            </a:r>
-            <a:endParaRPr lang="en-US" sz="1600" dirty="0"/>
-          </a:p>
-        </p:txBody>
-      </p:sp>
-      <p:sp>
-        <p:nvSpPr>
-          <p:cNvPr id="110" name="Oval 109"/>
-          <p:cNvSpPr/>
-          <p:nvPr/>
-        </p:nvSpPr>
-        <p:spPr>
-          <a:xfrm>
-            <a:off x="7315200" y="16773665"/>
-            <a:ext cx="639132" cy="621420"/>
-          </a:xfrm>
-          <a:prstGeom prst="ellipse">
-            <a:avLst/>
-          </a:prstGeom>
-          <a:noFill/>
-          <a:ln/>
-        </p:spPr>
-        <p:style>
-          <a:lnRef idx="1">
-            <a:schemeClr val="accent1"/>
-          </a:lnRef>
-          <a:fillRef idx="3">
-            <a:schemeClr val="accent1"/>
-          </a:fillRef>
-          <a:effectRef idx="2">
-            <a:schemeClr val="accent1"/>
-          </a:effectRef>
-          <a:fontRef idx="minor">
-            <a:schemeClr val="lt1"/>
-          </a:fontRef>
-        </p:style>
-        <p:txBody>
-          <a:bodyPr anchor="ctr" anchorCtr="0"/>
-          <a:lstStyle/>
-          <a:p>
-            <a:pPr algn="ctr"/>
-            <a:r>
-              <a:rPr lang="en-US" sz="1800" dirty="0" smtClean="0">
-                <a:solidFill>
-                  <a:schemeClr val="tx1"/>
-                </a:solidFill>
-              </a:rPr>
-              <a:t>23</a:t>
-            </a:r>
-            <a:endParaRPr lang="en-US" sz="1800" dirty="0" smtClean="0">
-              <a:solidFill>
-                <a:schemeClr val="tx1"/>
-              </a:solidFill>
-            </a:endParaRPr>
-          </a:p>
-        </p:txBody>
-      </p:sp>
-      <p:sp>
-        <p:nvSpPr>
-          <p:cNvPr id="111" name="Oval 110"/>
-          <p:cNvSpPr/>
-          <p:nvPr/>
-        </p:nvSpPr>
-        <p:spPr>
-          <a:xfrm>
-            <a:off x="8856184" y="16773665"/>
-            <a:ext cx="639132" cy="621420"/>
-          </a:xfrm>
-          <a:prstGeom prst="ellipse">
-            <a:avLst/>
-          </a:prstGeom>
-          <a:noFill/>
-          <a:ln/>
-        </p:spPr>
-        <p:style>
-          <a:lnRef idx="1">
-            <a:schemeClr val="accent1"/>
-          </a:lnRef>
-          <a:fillRef idx="3">
-            <a:schemeClr val="accent1"/>
-          </a:fillRef>
-          <a:effectRef idx="2">
-            <a:schemeClr val="accent1"/>
-          </a:effectRef>
-          <a:fontRef idx="minor">
-            <a:schemeClr val="lt1"/>
-          </a:fontRef>
-        </p:style>
-        <p:txBody>
-          <a:bodyPr anchor="ctr" anchorCtr="0"/>
-          <a:lstStyle/>
-          <a:p>
-            <a:pPr algn="ctr"/>
-            <a:r>
-              <a:rPr lang="en-US" sz="1800" dirty="0" smtClean="0">
-                <a:solidFill>
-                  <a:schemeClr val="tx1"/>
-                </a:solidFill>
-              </a:rPr>
-              <a:t>24</a:t>
-            </a:r>
-            <a:endParaRPr lang="en-US" sz="1800" dirty="0" smtClean="0">
-              <a:solidFill>
-                <a:schemeClr val="tx1"/>
-              </a:solidFill>
-            </a:endParaRPr>
-          </a:p>
-        </p:txBody>
-      </p:sp>
-      <p:cxnSp>
-        <p:nvCxnSpPr>
-          <p:cNvPr id="112" name="Straight Arrow Connector 111"/>
-          <p:cNvCxnSpPr>
-            <a:stCxn id="103" idx="6"/>
-            <a:endCxn id="110" idx="2"/>
-          </p:cNvCxnSpPr>
-          <p:nvPr/>
-        </p:nvCxnSpPr>
-        <p:spPr>
-          <a:xfrm>
-            <a:off x="6364766" y="17084375"/>
-            <a:ext cx="950434" cy="0"/>
-          </a:xfrm>
-          <a:prstGeom prst="straightConnector1">
-            <a:avLst/>
-          </a:prstGeom>
-          <a:ln>
-            <a:tailEnd type="arrow"/>
-          </a:ln>
-        </p:spPr>
-        <p:style>
-          <a:lnRef idx="2">
-            <a:schemeClr val="accent1"/>
-          </a:lnRef>
-          <a:fillRef idx="0">
-            <a:schemeClr val="accent1"/>
-          </a:fillRef>
-          <a:effectRef idx="1">
-            <a:schemeClr val="accent1"/>
-          </a:effectRef>
-          <a:fontRef idx="minor">
-            <a:schemeClr val="tx1"/>
-          </a:fontRef>
-        </p:style>
-      </p:cxnSp>
-      <p:cxnSp>
-        <p:nvCxnSpPr>
-          <p:cNvPr id="113" name="Straight Arrow Connector 112"/>
-          <p:cNvCxnSpPr>
-            <a:stCxn id="110" idx="6"/>
-            <a:endCxn id="111" idx="2"/>
-          </p:cNvCxnSpPr>
-          <p:nvPr/>
-        </p:nvCxnSpPr>
-        <p:spPr>
-          <a:xfrm>
-            <a:off x="7954332" y="17084375"/>
-            <a:ext cx="901852" cy="0"/>
-          </a:xfrm>
-          <a:prstGeom prst="straightConnector1">
-            <a:avLst/>
-          </a:prstGeom>
-          <a:ln>
-            <a:tailEnd type="arrow"/>
-          </a:ln>
-        </p:spPr>
-        <p:style>
-          <a:lnRef idx="2">
-            <a:schemeClr val="accent1"/>
-          </a:lnRef>
-          <a:fillRef idx="0">
-            <a:schemeClr val="accent1"/>
-          </a:fillRef>
-          <a:effectRef idx="1">
-            <a:schemeClr val="accent1"/>
-          </a:effectRef>
-          <a:fontRef idx="minor">
-            <a:schemeClr val="tx1"/>
-          </a:fontRef>
-        </p:style>
-      </p:cxnSp>
       <p:sp>
         <p:nvSpPr>
           <p:cNvPr id="114" name="Oval 113"/>
@@ -7278,670 +5016,6 @@
               </a:rPr>
               <a:t>26</a:t>
             </a:r>
-            <a:endParaRPr lang="en-US" sz="1800" dirty="0" smtClean="0">
-              <a:solidFill>
-                <a:schemeClr val="tx1"/>
-              </a:solidFill>
-            </a:endParaRPr>
-          </a:p>
-        </p:txBody>
-      </p:sp>
-      <p:sp>
-        <p:nvSpPr>
-          <p:cNvPr id="115" name="TextBox 114"/>
-          <p:cNvSpPr txBox="1"/>
-          <p:nvPr/>
-        </p:nvSpPr>
-        <p:spPr>
-          <a:xfrm>
-            <a:off x="6553200" y="16745821"/>
-            <a:ext cx="468798" cy="338554"/>
-          </a:xfrm>
-          <a:prstGeom prst="rect">
-            <a:avLst/>
-          </a:prstGeom>
-          <a:noFill/>
-        </p:spPr>
-        <p:txBody>
-          <a:bodyPr wrap="none" rtlCol="0">
-            <a:spAutoFit/>
-          </a:bodyPr>
-          <a:lstStyle/>
-          <a:p>
-            <a:r>
-              <a:rPr lang="en-US" sz="1600" dirty="0" smtClean="0"/>
-              <a:t>INT</a:t>
-            </a:r>
-            <a:endParaRPr lang="en-US" sz="1600" dirty="0"/>
-          </a:p>
-        </p:txBody>
-      </p:sp>
-      <p:sp>
-        <p:nvSpPr>
-          <p:cNvPr id="116" name="TextBox 115"/>
-          <p:cNvSpPr txBox="1"/>
-          <p:nvPr/>
-        </p:nvSpPr>
-        <p:spPr>
-          <a:xfrm>
-            <a:off x="8119334" y="16728681"/>
-            <a:ext cx="468798" cy="338554"/>
-          </a:xfrm>
-          <a:prstGeom prst="rect">
-            <a:avLst/>
-          </a:prstGeom>
-          <a:noFill/>
-        </p:spPr>
-        <p:txBody>
-          <a:bodyPr wrap="none" rtlCol="0">
-            <a:spAutoFit/>
-          </a:bodyPr>
-          <a:lstStyle/>
-          <a:p>
-            <a:r>
-              <a:rPr lang="en-US" sz="1600" dirty="0" smtClean="0"/>
-              <a:t>INT</a:t>
-            </a:r>
-            <a:endParaRPr lang="en-US" sz="1600" dirty="0"/>
-          </a:p>
-        </p:txBody>
-      </p:sp>
-      <p:sp>
-        <p:nvSpPr>
-          <p:cNvPr id="118" name="TextBox 117"/>
-          <p:cNvSpPr txBox="1"/>
-          <p:nvPr/>
-        </p:nvSpPr>
-        <p:spPr>
-          <a:xfrm>
-            <a:off x="9820702" y="16797609"/>
-            <a:ext cx="415498" cy="584776"/>
-          </a:xfrm>
-          <a:prstGeom prst="rect">
-            <a:avLst/>
-          </a:prstGeom>
-          <a:solidFill>
-            <a:schemeClr val="bg1"/>
-          </a:solidFill>
-        </p:spPr>
-        <p:txBody>
-          <a:bodyPr wrap="none" rtlCol="0">
-            <a:spAutoFit/>
-          </a:bodyPr>
-          <a:lstStyle/>
-          <a:p>
-            <a:pPr algn="ctr"/>
-            <a:r>
-              <a:rPr lang="en-US" sz="1600" dirty="0"/>
-              <a:t>o</a:t>
-            </a:r>
-            <a:r>
-              <a:rPr lang="en-US" sz="1600" dirty="0" smtClean="0"/>
-              <a:t>n</a:t>
-            </a:r>
-          </a:p>
-          <a:p>
-            <a:pPr algn="ctr"/>
-            <a:r>
-              <a:rPr lang="en-US" sz="1600" dirty="0" smtClean="0"/>
-              <a:t>off</a:t>
-            </a:r>
-            <a:endParaRPr lang="en-US" sz="1600" dirty="0"/>
-          </a:p>
-        </p:txBody>
-      </p:sp>
-      <p:cxnSp>
-        <p:nvCxnSpPr>
-          <p:cNvPr id="119" name="Straight Arrow Connector 118"/>
-          <p:cNvCxnSpPr>
-            <a:stCxn id="94" idx="0"/>
-          </p:cNvCxnSpPr>
-          <p:nvPr/>
-        </p:nvCxnSpPr>
-        <p:spPr>
-          <a:xfrm flipH="1" flipV="1">
-            <a:off x="7620000" y="13487400"/>
-            <a:ext cx="14766" cy="1209197"/>
-          </a:xfrm>
-          <a:prstGeom prst="straightConnector1">
-            <a:avLst/>
-          </a:prstGeom>
-          <a:ln>
-            <a:tailEnd type="arrow"/>
-          </a:ln>
-        </p:spPr>
-        <p:style>
-          <a:lnRef idx="2">
-            <a:schemeClr val="accent1"/>
-          </a:lnRef>
-          <a:fillRef idx="0">
-            <a:schemeClr val="accent1"/>
-          </a:fillRef>
-          <a:effectRef idx="1">
-            <a:schemeClr val="accent1"/>
-          </a:effectRef>
-          <a:fontRef idx="minor">
-            <a:schemeClr val="tx1"/>
-          </a:fontRef>
-        </p:style>
-      </p:cxnSp>
-      <p:cxnSp>
-        <p:nvCxnSpPr>
-          <p:cNvPr id="120" name="Straight Arrow Connector 119"/>
-          <p:cNvCxnSpPr>
-            <a:stCxn id="92" idx="0"/>
-          </p:cNvCxnSpPr>
-          <p:nvPr/>
-        </p:nvCxnSpPr>
-        <p:spPr>
-          <a:xfrm flipH="1" flipV="1">
-            <a:off x="6032500" y="13487401"/>
-            <a:ext cx="12700" cy="1209196"/>
-          </a:xfrm>
-          <a:prstGeom prst="straightConnector1">
-            <a:avLst/>
-          </a:prstGeom>
-          <a:ln>
-            <a:tailEnd type="arrow"/>
-          </a:ln>
-        </p:spPr>
-        <p:style>
-          <a:lnRef idx="2">
-            <a:schemeClr val="accent1"/>
-          </a:lnRef>
-          <a:fillRef idx="0">
-            <a:schemeClr val="accent1"/>
-          </a:fillRef>
-          <a:effectRef idx="1">
-            <a:schemeClr val="accent1"/>
-          </a:effectRef>
-          <a:fontRef idx="minor">
-            <a:schemeClr val="tx1"/>
-          </a:fontRef>
-        </p:style>
-      </p:cxnSp>
-      <p:cxnSp>
-        <p:nvCxnSpPr>
-          <p:cNvPr id="121" name="Straight Arrow Connector 120"/>
-          <p:cNvCxnSpPr>
-            <a:stCxn id="91" idx="0"/>
-          </p:cNvCxnSpPr>
-          <p:nvPr/>
-        </p:nvCxnSpPr>
-        <p:spPr>
-          <a:xfrm flipV="1">
-            <a:off x="4447066" y="13487400"/>
-            <a:ext cx="0" cy="1209197"/>
-          </a:xfrm>
-          <a:prstGeom prst="straightConnector1">
-            <a:avLst/>
-          </a:prstGeom>
-          <a:ln>
-            <a:tailEnd type="arrow"/>
-          </a:ln>
-        </p:spPr>
-        <p:style>
-          <a:lnRef idx="2">
-            <a:schemeClr val="accent1"/>
-          </a:lnRef>
-          <a:fillRef idx="0">
-            <a:schemeClr val="accent1"/>
-          </a:fillRef>
-          <a:effectRef idx="1">
-            <a:schemeClr val="accent1"/>
-          </a:effectRef>
-          <a:fontRef idx="minor">
-            <a:schemeClr val="tx1"/>
-          </a:fontRef>
-        </p:style>
-      </p:cxnSp>
-      <p:cxnSp>
-        <p:nvCxnSpPr>
-          <p:cNvPr id="122" name="Elbow Connector 121"/>
-          <p:cNvCxnSpPr>
-            <a:stCxn id="110" idx="0"/>
-          </p:cNvCxnSpPr>
-          <p:nvPr/>
-        </p:nvCxnSpPr>
-        <p:spPr>
-          <a:xfrm rot="5400000" flipH="1" flipV="1">
-            <a:off x="8699471" y="14881336"/>
-            <a:ext cx="827625" cy="2957034"/>
-          </a:xfrm>
-          <a:prstGeom prst="bentConnector2">
-            <a:avLst/>
-          </a:prstGeom>
-          <a:ln>
-            <a:tailEnd type="arrow"/>
-          </a:ln>
-        </p:spPr>
-        <p:style>
-          <a:lnRef idx="2">
-            <a:schemeClr val="accent1"/>
-          </a:lnRef>
-          <a:fillRef idx="0">
-            <a:schemeClr val="accent1"/>
-          </a:fillRef>
-          <a:effectRef idx="1">
-            <a:schemeClr val="accent1"/>
-          </a:effectRef>
-          <a:fontRef idx="minor">
-            <a:schemeClr val="tx1"/>
-          </a:fontRef>
-        </p:style>
-      </p:cxnSp>
-      <p:cxnSp>
-        <p:nvCxnSpPr>
-          <p:cNvPr id="123" name="Straight Arrow Connector 122"/>
-          <p:cNvCxnSpPr>
-            <a:stCxn id="111" idx="0"/>
-          </p:cNvCxnSpPr>
-          <p:nvPr/>
-        </p:nvCxnSpPr>
-        <p:spPr>
-          <a:xfrm flipV="1">
-            <a:off x="9175750" y="15946040"/>
-            <a:ext cx="0" cy="827625"/>
-          </a:xfrm>
-          <a:prstGeom prst="straightConnector1">
-            <a:avLst/>
-          </a:prstGeom>
-          <a:ln>
-            <a:tailEnd type="arrow"/>
-          </a:ln>
-        </p:spPr>
-        <p:style>
-          <a:lnRef idx="2">
-            <a:schemeClr val="accent1"/>
-          </a:lnRef>
-          <a:fillRef idx="0">
-            <a:schemeClr val="accent1"/>
-          </a:fillRef>
-          <a:effectRef idx="1">
-            <a:schemeClr val="accent1"/>
-          </a:effectRef>
-          <a:fontRef idx="minor">
-            <a:schemeClr val="tx1"/>
-          </a:fontRef>
-        </p:style>
-      </p:cxnSp>
-      <p:cxnSp>
-        <p:nvCxnSpPr>
-          <p:cNvPr id="124" name="Straight Connector 123"/>
-          <p:cNvCxnSpPr>
-            <a:stCxn id="103" idx="7"/>
-          </p:cNvCxnSpPr>
-          <p:nvPr/>
-        </p:nvCxnSpPr>
-        <p:spPr>
-          <a:xfrm flipV="1">
-            <a:off x="6271167" y="15946040"/>
-            <a:ext cx="750831" cy="918630"/>
-          </a:xfrm>
-          <a:prstGeom prst="line">
-            <a:avLst/>
-          </a:prstGeom>
-        </p:spPr>
-        <p:style>
-          <a:lnRef idx="2">
-            <a:schemeClr val="accent1"/>
-          </a:lnRef>
-          <a:fillRef idx="0">
-            <a:schemeClr val="accent1"/>
-          </a:fillRef>
-          <a:effectRef idx="1">
-            <a:schemeClr val="accent1"/>
-          </a:effectRef>
-          <a:fontRef idx="minor">
-            <a:schemeClr val="tx1"/>
-          </a:fontRef>
-        </p:style>
-      </p:cxnSp>
-      <p:cxnSp>
-        <p:nvCxnSpPr>
-          <p:cNvPr id="125" name="Straight Arrow Connector 124"/>
-          <p:cNvCxnSpPr/>
-          <p:nvPr/>
-        </p:nvCxnSpPr>
-        <p:spPr>
-          <a:xfrm>
-            <a:off x="7021998" y="15946040"/>
-            <a:ext cx="598002" cy="0"/>
-          </a:xfrm>
-          <a:prstGeom prst="straightConnector1">
-            <a:avLst/>
-          </a:prstGeom>
-          <a:ln>
-            <a:tailEnd type="arrow"/>
-          </a:ln>
-        </p:spPr>
-        <p:style>
-          <a:lnRef idx="2">
-            <a:schemeClr val="accent1"/>
-          </a:lnRef>
-          <a:fillRef idx="0">
-            <a:schemeClr val="accent1"/>
-          </a:fillRef>
-          <a:effectRef idx="1">
-            <a:schemeClr val="accent1"/>
-          </a:effectRef>
-          <a:fontRef idx="minor">
-            <a:schemeClr val="tx1"/>
-          </a:fontRef>
-        </p:style>
-      </p:cxnSp>
-      <p:sp>
-        <p:nvSpPr>
-          <p:cNvPr id="126" name="TextBox 125"/>
-          <p:cNvSpPr txBox="1"/>
-          <p:nvPr/>
-        </p:nvSpPr>
-        <p:spPr>
-          <a:xfrm>
-            <a:off x="7257561" y="16237727"/>
-            <a:ext cx="748322" cy="338554"/>
-          </a:xfrm>
-          <a:prstGeom prst="rect">
-            <a:avLst/>
-          </a:prstGeom>
-          <a:solidFill>
-            <a:schemeClr val="bg1"/>
-          </a:solidFill>
-        </p:spPr>
-        <p:txBody>
-          <a:bodyPr wrap="none" rtlCol="0">
-            <a:spAutoFit/>
-          </a:bodyPr>
-          <a:lstStyle/>
-          <a:p>
-            <a:r>
-              <a:rPr lang="en-US" sz="1600" dirty="0" smtClean="0"/>
-              <a:t>quit(q)</a:t>
-            </a:r>
-            <a:endParaRPr lang="en-US" sz="1600" dirty="0"/>
-          </a:p>
-        </p:txBody>
-      </p:sp>
-      <p:sp>
-        <p:nvSpPr>
-          <p:cNvPr id="127" name="TextBox 126"/>
-          <p:cNvSpPr txBox="1"/>
-          <p:nvPr/>
-        </p:nvSpPr>
-        <p:spPr>
-          <a:xfrm>
-            <a:off x="8814227" y="16237727"/>
-            <a:ext cx="748322" cy="338554"/>
-          </a:xfrm>
-          <a:prstGeom prst="rect">
-            <a:avLst/>
-          </a:prstGeom>
-          <a:solidFill>
-            <a:schemeClr val="bg1"/>
-          </a:solidFill>
-        </p:spPr>
-        <p:txBody>
-          <a:bodyPr wrap="none" rtlCol="0">
-            <a:spAutoFit/>
-          </a:bodyPr>
-          <a:lstStyle/>
-          <a:p>
-            <a:r>
-              <a:rPr lang="en-US" sz="1600" dirty="0" smtClean="0"/>
-              <a:t>quit(q)</a:t>
-            </a:r>
-            <a:endParaRPr lang="en-US" sz="1600" dirty="0"/>
-          </a:p>
-        </p:txBody>
-      </p:sp>
-      <p:sp>
-        <p:nvSpPr>
-          <p:cNvPr id="128" name="TextBox 127"/>
-          <p:cNvSpPr txBox="1"/>
-          <p:nvPr/>
-        </p:nvSpPr>
-        <p:spPr>
-          <a:xfrm>
-            <a:off x="6409273" y="16102373"/>
-            <a:ext cx="748322" cy="338554"/>
-          </a:xfrm>
-          <a:prstGeom prst="rect">
-            <a:avLst/>
-          </a:prstGeom>
-          <a:solidFill>
-            <a:schemeClr val="bg1"/>
-          </a:solidFill>
-        </p:spPr>
-        <p:txBody>
-          <a:bodyPr wrap="none" rtlCol="0">
-            <a:spAutoFit/>
-          </a:bodyPr>
-          <a:lstStyle/>
-          <a:p>
-            <a:r>
-              <a:rPr lang="en-US" sz="1600" dirty="0" smtClean="0"/>
-              <a:t>quit(q)</a:t>
-            </a:r>
-            <a:endParaRPr lang="en-US" sz="1600" dirty="0"/>
-          </a:p>
-        </p:txBody>
-      </p:sp>
-      <p:sp>
-        <p:nvSpPr>
-          <p:cNvPr id="129" name="TextBox 128"/>
-          <p:cNvSpPr txBox="1"/>
-          <p:nvPr/>
-        </p:nvSpPr>
-        <p:spPr>
-          <a:xfrm>
-            <a:off x="7157595" y="14159423"/>
-            <a:ext cx="748322" cy="338554"/>
-          </a:xfrm>
-          <a:prstGeom prst="rect">
-            <a:avLst/>
-          </a:prstGeom>
-          <a:solidFill>
-            <a:schemeClr val="bg1"/>
-          </a:solidFill>
-        </p:spPr>
-        <p:txBody>
-          <a:bodyPr wrap="none" rtlCol="0">
-            <a:spAutoFit/>
-          </a:bodyPr>
-          <a:lstStyle/>
-          <a:p>
-            <a:r>
-              <a:rPr lang="en-US" sz="1600" dirty="0" smtClean="0"/>
-              <a:t>quit(q)</a:t>
-            </a:r>
-            <a:endParaRPr lang="en-US" sz="1600" dirty="0"/>
-          </a:p>
-        </p:txBody>
-      </p:sp>
-      <p:sp>
-        <p:nvSpPr>
-          <p:cNvPr id="130" name="TextBox 129"/>
-          <p:cNvSpPr txBox="1"/>
-          <p:nvPr/>
-        </p:nvSpPr>
-        <p:spPr>
-          <a:xfrm>
-            <a:off x="5557715" y="14159423"/>
-            <a:ext cx="748322" cy="338554"/>
-          </a:xfrm>
-          <a:prstGeom prst="rect">
-            <a:avLst/>
-          </a:prstGeom>
-          <a:solidFill>
-            <a:schemeClr val="bg1"/>
-          </a:solidFill>
-        </p:spPr>
-        <p:txBody>
-          <a:bodyPr wrap="none" rtlCol="0">
-            <a:spAutoFit/>
-          </a:bodyPr>
-          <a:lstStyle/>
-          <a:p>
-            <a:r>
-              <a:rPr lang="en-US" sz="1600" dirty="0" smtClean="0"/>
-              <a:t>quit(q)</a:t>
-            </a:r>
-            <a:endParaRPr lang="en-US" sz="1600" dirty="0"/>
-          </a:p>
-        </p:txBody>
-      </p:sp>
-      <p:sp>
-        <p:nvSpPr>
-          <p:cNvPr id="131" name="TextBox 130"/>
-          <p:cNvSpPr txBox="1"/>
-          <p:nvPr/>
-        </p:nvSpPr>
-        <p:spPr>
-          <a:xfrm>
-            <a:off x="4055589" y="14159423"/>
-            <a:ext cx="748322" cy="338554"/>
-          </a:xfrm>
-          <a:prstGeom prst="rect">
-            <a:avLst/>
-          </a:prstGeom>
-          <a:solidFill>
-            <a:schemeClr val="bg1"/>
-          </a:solidFill>
-        </p:spPr>
-        <p:txBody>
-          <a:bodyPr wrap="none" rtlCol="0">
-            <a:spAutoFit/>
-          </a:bodyPr>
-          <a:lstStyle/>
-          <a:p>
-            <a:r>
-              <a:rPr lang="en-US" sz="1600" dirty="0" smtClean="0"/>
-              <a:t>quit(q</a:t>
-            </a:r>
-            <a:r>
-              <a:rPr lang="en-US" sz="1600" dirty="0" smtClean="0"/>
-              <a:t>)</a:t>
-            </a:r>
-          </a:p>
-        </p:txBody>
-      </p:sp>
-      <p:sp>
-        <p:nvSpPr>
-          <p:cNvPr id="132" name="TextBox 131"/>
-          <p:cNvSpPr txBox="1"/>
-          <p:nvPr/>
-        </p:nvSpPr>
-        <p:spPr>
-          <a:xfrm>
-            <a:off x="8118215" y="15019501"/>
-            <a:ext cx="530915" cy="307777"/>
-          </a:xfrm>
-          <a:prstGeom prst="rect">
-            <a:avLst/>
-          </a:prstGeom>
-          <a:noFill/>
-        </p:spPr>
-        <p:txBody>
-          <a:bodyPr wrap="none" rtlCol="0">
-            <a:spAutoFit/>
-          </a:bodyPr>
-          <a:lstStyle/>
-          <a:p>
-            <a:r>
-              <a:rPr lang="en-US" sz="1400" dirty="0" smtClean="0"/>
-              <a:t>hour</a:t>
-            </a:r>
-            <a:endParaRPr lang="en-US" sz="1400" dirty="0"/>
-          </a:p>
-        </p:txBody>
-      </p:sp>
-      <p:sp>
-        <p:nvSpPr>
-          <p:cNvPr id="133" name="TextBox 132"/>
-          <p:cNvSpPr txBox="1"/>
-          <p:nvPr/>
-        </p:nvSpPr>
-        <p:spPr>
-          <a:xfrm>
-            <a:off x="9488966" y="14178479"/>
-            <a:ext cx="777627" cy="307777"/>
-          </a:xfrm>
-          <a:prstGeom prst="rect">
-            <a:avLst/>
-          </a:prstGeom>
-          <a:noFill/>
-        </p:spPr>
-        <p:txBody>
-          <a:bodyPr wrap="none" rtlCol="0">
-            <a:spAutoFit/>
-          </a:bodyPr>
-          <a:lstStyle/>
-          <a:p>
-            <a:r>
-              <a:rPr lang="en-US" sz="1400" dirty="0" smtClean="0"/>
-              <a:t>minutes</a:t>
-            </a:r>
-            <a:endParaRPr lang="en-US" sz="1400" dirty="0"/>
-          </a:p>
-        </p:txBody>
-      </p:sp>
-      <p:sp>
-        <p:nvSpPr>
-          <p:cNvPr id="134" name="TextBox 133"/>
-          <p:cNvSpPr txBox="1"/>
-          <p:nvPr/>
-        </p:nvSpPr>
-        <p:spPr>
-          <a:xfrm>
-            <a:off x="6555214" y="17088553"/>
-            <a:ext cx="530915" cy="307777"/>
-          </a:xfrm>
-          <a:prstGeom prst="rect">
-            <a:avLst/>
-          </a:prstGeom>
-          <a:noFill/>
-        </p:spPr>
-        <p:txBody>
-          <a:bodyPr wrap="none" rtlCol="0">
-            <a:spAutoFit/>
-          </a:bodyPr>
-          <a:lstStyle/>
-          <a:p>
-            <a:r>
-              <a:rPr lang="en-US" sz="1400" dirty="0" smtClean="0"/>
-              <a:t>hour</a:t>
-            </a:r>
-            <a:endParaRPr lang="en-US" sz="1400" dirty="0"/>
-          </a:p>
-        </p:txBody>
-      </p:sp>
-      <p:sp>
-        <p:nvSpPr>
-          <p:cNvPr id="135" name="TextBox 134"/>
-          <p:cNvSpPr txBox="1"/>
-          <p:nvPr/>
-        </p:nvSpPr>
-        <p:spPr>
-          <a:xfrm>
-            <a:off x="7954762" y="17088553"/>
-            <a:ext cx="777627" cy="307777"/>
-          </a:xfrm>
-          <a:prstGeom prst="rect">
-            <a:avLst/>
-          </a:prstGeom>
-          <a:noFill/>
-        </p:spPr>
-        <p:txBody>
-          <a:bodyPr wrap="none" rtlCol="0">
-            <a:spAutoFit/>
-          </a:bodyPr>
-          <a:lstStyle/>
-          <a:p>
-            <a:r>
-              <a:rPr lang="en-US" sz="1400" dirty="0" smtClean="0"/>
-              <a:t>minutes</a:t>
-            </a:r>
-            <a:endParaRPr lang="en-US" sz="1400" dirty="0"/>
           </a:p>
         </p:txBody>
       </p:sp>
@@ -7989,117 +5063,6 @@
               </a:rPr>
               <a:t>29</a:t>
             </a:r>
-            <a:endParaRPr lang="en-US" sz="1800" dirty="0" smtClean="0">
-              <a:solidFill>
-                <a:schemeClr val="tx1"/>
-              </a:solidFill>
-            </a:endParaRPr>
-          </a:p>
-        </p:txBody>
-      </p:sp>
-      <p:cxnSp>
-        <p:nvCxnSpPr>
-          <p:cNvPr id="137" name="Straight Connector 136"/>
-          <p:cNvCxnSpPr>
-            <a:stCxn id="46" idx="5"/>
-          </p:cNvCxnSpPr>
-          <p:nvPr/>
-        </p:nvCxnSpPr>
-        <p:spPr>
-          <a:xfrm>
-            <a:off x="3098233" y="15227012"/>
-            <a:ext cx="1998501" cy="2014428"/>
-          </a:xfrm>
-          <a:prstGeom prst="line">
-            <a:avLst/>
-          </a:prstGeom>
-        </p:spPr>
-        <p:style>
-          <a:lnRef idx="2">
-            <a:schemeClr val="accent1"/>
-          </a:lnRef>
-          <a:fillRef idx="0">
-            <a:schemeClr val="accent1"/>
-          </a:fillRef>
-          <a:effectRef idx="1">
-            <a:schemeClr val="accent1"/>
-          </a:effectRef>
-          <a:fontRef idx="minor">
-            <a:schemeClr val="tx1"/>
-          </a:fontRef>
-        </p:style>
-      </p:cxnSp>
-      <p:cxnSp>
-        <p:nvCxnSpPr>
-          <p:cNvPr id="138" name="Straight Connector 137"/>
-          <p:cNvCxnSpPr/>
-          <p:nvPr/>
-        </p:nvCxnSpPr>
-        <p:spPr>
-          <a:xfrm>
-            <a:off x="5096734" y="17736740"/>
-            <a:ext cx="6840404" cy="0"/>
-          </a:xfrm>
-          <a:prstGeom prst="line">
-            <a:avLst/>
-          </a:prstGeom>
-        </p:spPr>
-        <p:style>
-          <a:lnRef idx="2">
-            <a:schemeClr val="accent1"/>
-          </a:lnRef>
-          <a:fillRef idx="0">
-            <a:schemeClr val="accent1"/>
-          </a:fillRef>
-          <a:effectRef idx="1">
-            <a:schemeClr val="accent1"/>
-          </a:effectRef>
-          <a:fontRef idx="minor">
-            <a:schemeClr val="tx1"/>
-          </a:fontRef>
-        </p:style>
-      </p:cxnSp>
-      <p:sp>
-        <p:nvSpPr>
-          <p:cNvPr id="139" name="TextBox 138"/>
-          <p:cNvSpPr txBox="1"/>
-          <p:nvPr/>
-        </p:nvSpPr>
-        <p:spPr>
-          <a:xfrm>
-            <a:off x="3568133" y="16322450"/>
-            <a:ext cx="748322" cy="584776"/>
-          </a:xfrm>
-          <a:prstGeom prst="rect">
-            <a:avLst/>
-          </a:prstGeom>
-          <a:solidFill>
-            <a:schemeClr val="bg1"/>
-          </a:solidFill>
-        </p:spPr>
-        <p:txBody>
-          <a:bodyPr wrap="none" rtlCol="0">
-            <a:spAutoFit/>
-          </a:bodyPr>
-          <a:lstStyle/>
-          <a:p>
-            <a:pPr algn="ctr"/>
-            <a:r>
-              <a:rPr lang="en-US" sz="1600" dirty="0"/>
-              <a:t>s</a:t>
-            </a:r>
-            <a:r>
-              <a:rPr lang="en-US" sz="1600" dirty="0" smtClean="0"/>
-              <a:t>ave</a:t>
-            </a:r>
-          </a:p>
-          <a:p>
-            <a:pPr algn="ctr"/>
-            <a:r>
-              <a:rPr lang="en-US" sz="1600" dirty="0" smtClean="0"/>
-              <a:t>quit(q)</a:t>
-            </a:r>
-            <a:endParaRPr lang="en-US" sz="1600" dirty="0"/>
           </a:p>
         </p:txBody>
       </p:sp>
@@ -8147,11 +5110,6 @@
               </a:rPr>
               <a:t>30</a:t>
             </a:r>
-            <a:endParaRPr lang="en-US" sz="1800" dirty="0" smtClean="0">
-              <a:solidFill>
-                <a:schemeClr val="tx1"/>
-              </a:solidFill>
-            </a:endParaRPr>
           </a:p>
         </p:txBody>
       </p:sp>
@@ -8199,51 +5157,9 @@
               </a:rPr>
               <a:t>31</a:t>
             </a:r>
-            <a:endParaRPr lang="en-US" sz="1800" dirty="0" smtClean="0">
-              <a:solidFill>
-                <a:schemeClr val="tx1"/>
-              </a:solidFill>
-            </a:endParaRPr>
-          </a:p>
-        </p:txBody>
-      </p:sp>
-      <p:cxnSp>
-        <p:nvCxnSpPr>
-          <p:cNvPr id="142" name="Elbow Connector 141"/>
-          <p:cNvCxnSpPr>
-            <a:stCxn id="141" idx="0"/>
-          </p:cNvCxnSpPr>
-          <p:nvPr/>
-        </p:nvCxnSpPr>
-        <p:spPr>
-          <a:xfrm rot="16200000" flipV="1">
-            <a:off x="1341663" y="8724605"/>
-            <a:ext cx="15972112" cy="5218837"/>
-          </a:xfrm>
-          <a:prstGeom prst="bentConnector3">
-            <a:avLst>
-              <a:gd name="adj1" fmla="val 100093"/>
-            </a:avLst>
-          </a:prstGeom>
-          <a:ln>
-            <a:tailEnd type="arrow"/>
-          </a:ln>
-        </p:spPr>
-        <p:style>
-          <a:lnRef idx="2">
-            <a:schemeClr val="accent1"/>
-          </a:lnRef>
-          <a:fillRef idx="0">
-            <a:schemeClr val="accent1"/>
-          </a:fillRef>
-          <a:effectRef idx="1">
-            <a:schemeClr val="accent1"/>
-          </a:effectRef>
-          <a:fontRef idx="minor">
-            <a:schemeClr val="tx1"/>
-          </a:fontRef>
-        </p:style>
-      </p:cxnSp>
+          </a:p>
+        </p:txBody>
+      </p:sp>
       <p:cxnSp>
         <p:nvCxnSpPr>
           <p:cNvPr id="143" name="Elbow Connector 142"/>
@@ -8960,153 +5876,6 @@
           </a:p>
         </p:txBody>
       </p:sp>
-      <p:cxnSp>
-        <p:nvCxnSpPr>
-          <p:cNvPr id="175" name="Elbow Connector 174"/>
-          <p:cNvCxnSpPr>
-            <a:stCxn id="93" idx="0"/>
-            <a:endCxn id="46" idx="0"/>
-          </p:cNvCxnSpPr>
-          <p:nvPr/>
-        </p:nvCxnSpPr>
-        <p:spPr>
-          <a:xfrm rot="16200000" flipV="1">
-            <a:off x="6020833" y="11548030"/>
-            <a:ext cx="12700" cy="6297134"/>
-          </a:xfrm>
-          <a:prstGeom prst="bentConnector3">
-            <a:avLst>
-              <a:gd name="adj1" fmla="val 12100000"/>
-            </a:avLst>
-          </a:prstGeom>
-          <a:ln>
-            <a:tailEnd type="arrow"/>
-          </a:ln>
-        </p:spPr>
-        <p:style>
-          <a:lnRef idx="2">
-            <a:schemeClr val="accent1"/>
-          </a:lnRef>
-          <a:fillRef idx="0">
-            <a:schemeClr val="accent1"/>
-          </a:fillRef>
-          <a:effectRef idx="1">
-            <a:schemeClr val="accent1"/>
-          </a:effectRef>
-          <a:fontRef idx="minor">
-            <a:schemeClr val="tx1"/>
-          </a:fontRef>
-        </p:style>
-      </p:cxnSp>
-      <p:sp>
-        <p:nvSpPr>
-          <p:cNvPr id="109" name="TextBox 108"/>
-          <p:cNvSpPr txBox="1"/>
-          <p:nvPr/>
-        </p:nvSpPr>
-        <p:spPr>
-          <a:xfrm>
-            <a:off x="8814351" y="13702223"/>
-            <a:ext cx="748322" cy="584776"/>
-          </a:xfrm>
-          <a:prstGeom prst="rect">
-            <a:avLst/>
-          </a:prstGeom>
-          <a:solidFill>
-            <a:schemeClr val="bg1"/>
-          </a:solidFill>
-        </p:spPr>
-        <p:txBody>
-          <a:bodyPr wrap="none" rtlCol="0">
-            <a:spAutoFit/>
-          </a:bodyPr>
-          <a:lstStyle/>
-          <a:p>
-            <a:pPr algn="ctr"/>
-            <a:r>
-              <a:rPr lang="en-US" sz="1600" dirty="0" smtClean="0"/>
-              <a:t>INT</a:t>
-            </a:r>
-          </a:p>
-          <a:p>
-            <a:pPr algn="ctr"/>
-            <a:r>
-              <a:rPr lang="en-US" sz="1600" dirty="0"/>
-              <a:t>q</a:t>
-            </a:r>
-            <a:r>
-              <a:rPr lang="en-US" sz="1600" dirty="0" smtClean="0"/>
-              <a:t>uit(q)</a:t>
-            </a:r>
-            <a:endParaRPr lang="en-US" sz="1600" dirty="0"/>
-          </a:p>
-        </p:txBody>
-      </p:sp>
-      <p:cxnSp>
-        <p:nvCxnSpPr>
-          <p:cNvPr id="178" name="Straight Connector 177"/>
-          <p:cNvCxnSpPr/>
-          <p:nvPr/>
-        </p:nvCxnSpPr>
-        <p:spPr>
-          <a:xfrm flipH="1" flipV="1">
-            <a:off x="3695700" y="13487400"/>
-            <a:ext cx="3924300" cy="1"/>
-          </a:xfrm>
-          <a:prstGeom prst="line">
-            <a:avLst/>
-          </a:prstGeom>
-        </p:spPr>
-        <p:style>
-          <a:lnRef idx="2">
-            <a:schemeClr val="accent1"/>
-          </a:lnRef>
-          <a:fillRef idx="0">
-            <a:schemeClr val="accent1"/>
-          </a:fillRef>
-          <a:effectRef idx="1">
-            <a:schemeClr val="accent1"/>
-          </a:effectRef>
-          <a:fontRef idx="minor">
-            <a:schemeClr val="tx1"/>
-          </a:fontRef>
-        </p:style>
-      </p:cxnSp>
-      <p:cxnSp>
-        <p:nvCxnSpPr>
-          <p:cNvPr id="180" name="Straight Arrow Connector 179"/>
-          <p:cNvCxnSpPr>
-            <a:endCxn id="46" idx="7"/>
-          </p:cNvCxnSpPr>
-          <p:nvPr/>
-        </p:nvCxnSpPr>
-        <p:spPr>
-          <a:xfrm flipH="1">
-            <a:off x="3098233" y="13487400"/>
-            <a:ext cx="597467" cy="1300202"/>
-          </a:xfrm>
-          <a:prstGeom prst="straightConnector1">
-            <a:avLst/>
-          </a:prstGeom>
-          <a:ln>
-            <a:tailEnd type="arrow"/>
-          </a:ln>
-        </p:spPr>
-        <p:style>
-          <a:lnRef idx="2">
-            <a:schemeClr val="accent1"/>
-          </a:lnRef>
-          <a:fillRef idx="0">
-            <a:schemeClr val="accent1"/>
-          </a:fillRef>
-          <a:effectRef idx="1">
-            <a:schemeClr val="accent1"/>
-          </a:effectRef>
-          <a:fontRef idx="minor">
-            <a:schemeClr val="tx1"/>
-          </a:fontRef>
-        </p:style>
-      </p:cxnSp>
       <p:sp>
         <p:nvSpPr>
           <p:cNvPr id="181" name="Oval 180"/>
@@ -9115,7 +5884,7 @@
         </p:nvSpPr>
         <p:spPr>
           <a:xfrm>
-            <a:off x="2540000" y="12183162"/>
+            <a:off x="-7462930" y="12227181"/>
             <a:ext cx="639132" cy="621420"/>
           </a:xfrm>
           <a:prstGeom prst="ellipse">
@@ -9151,11 +5920,6 @@
               </a:rPr>
               <a:t>16</a:t>
             </a:r>
-            <a:endParaRPr lang="en-US" sz="1800" dirty="0" smtClean="0">
-              <a:solidFill>
-                <a:schemeClr val="tx1"/>
-              </a:solidFill>
-            </a:endParaRPr>
           </a:p>
         </p:txBody>
       </p:sp>
@@ -9167,7 +5931,7 @@
         </p:nvSpPr>
         <p:spPr>
           <a:xfrm>
-            <a:off x="1703966" y="12183162"/>
+            <a:off x="-8298964" y="12227181"/>
             <a:ext cx="547546" cy="338554"/>
           </a:xfrm>
           <a:prstGeom prst="rect">
@@ -9200,7 +5964,7 @@
         </p:nvCxnSpPr>
         <p:spPr>
           <a:xfrm>
-            <a:off x="1394934" y="11623833"/>
+            <a:off x="-8607996" y="11667852"/>
             <a:ext cx="1145066" cy="870039"/>
           </a:xfrm>
           <a:prstGeom prst="bentConnector3">
@@ -9237,7 +6001,7 @@
         </p:nvCxnSpPr>
         <p:spPr>
           <a:xfrm flipV="1">
-            <a:off x="3179132" y="11647331"/>
+            <a:off x="-6823798" y="11691350"/>
             <a:ext cx="3539168" cy="846541"/>
           </a:xfrm>
           <a:prstGeom prst="bentConnector3">
@@ -9272,7 +6036,7 @@
         </p:nvSpPr>
         <p:spPr>
           <a:xfrm>
-            <a:off x="3434990" y="12131820"/>
+            <a:off x="-6567940" y="12175839"/>
             <a:ext cx="1099880" cy="338554"/>
           </a:xfrm>
           <a:prstGeom prst="rect">
@@ -9294,6 +6058,1811 @@
           </a:p>
         </p:txBody>
       </p:sp>
+      <p:cxnSp>
+        <p:nvCxnSpPr>
+          <p:cNvPr id="167" name="Straight Arrow Connector 166"/>
+          <p:cNvCxnSpPr>
+            <a:stCxn id="11" idx="6"/>
+            <a:endCxn id="12" idx="2"/>
+          </p:cNvCxnSpPr>
+          <p:nvPr/>
+        </p:nvCxnSpPr>
+        <p:spPr>
+          <a:xfrm flipV="1">
+            <a:off x="3269175" y="3754854"/>
+            <a:ext cx="1315525" cy="10784"/>
+          </a:xfrm>
+          <a:prstGeom prst="straightConnector1">
+            <a:avLst/>
+          </a:prstGeom>
+          <a:ln>
+            <a:tailEnd type="arrow"/>
+          </a:ln>
+        </p:spPr>
+        <p:style>
+          <a:lnRef idx="2">
+            <a:schemeClr val="accent1"/>
+          </a:lnRef>
+          <a:fillRef idx="0">
+            <a:schemeClr val="accent1"/>
+          </a:fillRef>
+          <a:effectRef idx="1">
+            <a:schemeClr val="accent1"/>
+          </a:effectRef>
+          <a:fontRef idx="minor">
+            <a:schemeClr val="tx1"/>
+          </a:fontRef>
+        </p:style>
+      </p:cxnSp>
+      <p:cxnSp>
+        <p:nvCxnSpPr>
+          <p:cNvPr id="171" name="Elbow Connector 170"/>
+          <p:cNvCxnSpPr>
+            <a:stCxn id="12" idx="6"/>
+            <a:endCxn id="4" idx="0"/>
+          </p:cNvCxnSpPr>
+          <p:nvPr/>
+        </p:nvCxnSpPr>
+        <p:spPr>
+          <a:xfrm flipH="1" flipV="1">
+            <a:off x="1420334" y="1689628"/>
+            <a:ext cx="3803498" cy="2065226"/>
+          </a:xfrm>
+          <a:prstGeom prst="bentConnector4">
+            <a:avLst>
+              <a:gd name="adj1" fmla="val -140887"/>
+              <a:gd name="adj2" fmla="val 160880"/>
+            </a:avLst>
+          </a:prstGeom>
+          <a:ln>
+            <a:tailEnd type="arrow"/>
+          </a:ln>
+        </p:spPr>
+        <p:style>
+          <a:lnRef idx="2">
+            <a:schemeClr val="accent1"/>
+          </a:lnRef>
+          <a:fillRef idx="0">
+            <a:schemeClr val="accent1"/>
+          </a:fillRef>
+          <a:effectRef idx="1">
+            <a:schemeClr val="accent1"/>
+          </a:effectRef>
+          <a:fontRef idx="minor">
+            <a:schemeClr val="tx1"/>
+          </a:fontRef>
+        </p:style>
+      </p:cxnSp>
+      <p:cxnSp>
+        <p:nvCxnSpPr>
+          <p:cNvPr id="176" name="Elbow Connector 175"/>
+          <p:cNvCxnSpPr>
+            <a:stCxn id="12" idx="4"/>
+            <a:endCxn id="33" idx="2"/>
+          </p:cNvCxnSpPr>
+          <p:nvPr/>
+        </p:nvCxnSpPr>
+        <p:spPr>
+          <a:xfrm rot="16200000" flipH="1">
+            <a:off x="5504189" y="3465641"/>
+            <a:ext cx="531132" cy="1730978"/>
+          </a:xfrm>
+          <a:prstGeom prst="bentConnector2">
+            <a:avLst/>
+          </a:prstGeom>
+          <a:ln>
+            <a:tailEnd type="arrow"/>
+          </a:ln>
+        </p:spPr>
+        <p:style>
+          <a:lnRef idx="2">
+            <a:schemeClr val="accent1"/>
+          </a:lnRef>
+          <a:fillRef idx="0">
+            <a:schemeClr val="accent1"/>
+          </a:fillRef>
+          <a:effectRef idx="1">
+            <a:schemeClr val="accent1"/>
+          </a:effectRef>
+          <a:fontRef idx="minor">
+            <a:schemeClr val="tx1"/>
+          </a:fontRef>
+        </p:style>
+      </p:cxnSp>
+      <p:cxnSp>
+        <p:nvCxnSpPr>
+          <p:cNvPr id="192" name="Elbow Connector 191"/>
+          <p:cNvCxnSpPr>
+            <a:endCxn id="34" idx="2"/>
+          </p:cNvCxnSpPr>
+          <p:nvPr/>
+        </p:nvCxnSpPr>
+        <p:spPr>
+          <a:xfrm>
+            <a:off x="4912460" y="4596696"/>
+            <a:ext cx="1723748" cy="844814"/>
+          </a:xfrm>
+          <a:prstGeom prst="bentConnector3">
+            <a:avLst>
+              <a:gd name="adj1" fmla="val -906"/>
+            </a:avLst>
+          </a:prstGeom>
+          <a:ln>
+            <a:tailEnd type="arrow"/>
+          </a:ln>
+        </p:spPr>
+        <p:style>
+          <a:lnRef idx="2">
+            <a:schemeClr val="accent1"/>
+          </a:lnRef>
+          <a:fillRef idx="0">
+            <a:schemeClr val="accent1"/>
+          </a:fillRef>
+          <a:effectRef idx="1">
+            <a:schemeClr val="accent1"/>
+          </a:effectRef>
+          <a:fontRef idx="minor">
+            <a:schemeClr val="tx1"/>
+          </a:fontRef>
+        </p:style>
+      </p:cxnSp>
+      <p:cxnSp>
+        <p:nvCxnSpPr>
+          <p:cNvPr id="197" name="Elbow Connector 196"/>
+          <p:cNvCxnSpPr>
+            <a:stCxn id="33" idx="6"/>
+          </p:cNvCxnSpPr>
+          <p:nvPr/>
+        </p:nvCxnSpPr>
+        <p:spPr>
+          <a:xfrm flipV="1">
+            <a:off x="7274376" y="3780254"/>
+            <a:ext cx="3317425" cy="816442"/>
+          </a:xfrm>
+          <a:prstGeom prst="bentConnector3">
+            <a:avLst>
+              <a:gd name="adj1" fmla="val 99770"/>
+            </a:avLst>
+          </a:prstGeom>
+          <a:ln>
+            <a:tailEnd type="arrow"/>
+          </a:ln>
+        </p:spPr>
+        <p:style>
+          <a:lnRef idx="2">
+            <a:schemeClr val="accent1"/>
+          </a:lnRef>
+          <a:fillRef idx="0">
+            <a:schemeClr val="accent1"/>
+          </a:fillRef>
+          <a:effectRef idx="1">
+            <a:schemeClr val="accent1"/>
+          </a:effectRef>
+          <a:fontRef idx="minor">
+            <a:schemeClr val="tx1"/>
+          </a:fontRef>
+        </p:style>
+      </p:cxnSp>
+      <p:cxnSp>
+        <p:nvCxnSpPr>
+          <p:cNvPr id="200" name="Elbow Connector 199"/>
+          <p:cNvCxnSpPr/>
+          <p:nvPr/>
+        </p:nvCxnSpPr>
+        <p:spPr>
+          <a:xfrm flipV="1">
+            <a:off x="7008120" y="4601268"/>
+            <a:ext cx="3583681" cy="840242"/>
+          </a:xfrm>
+          <a:prstGeom prst="bentConnector3">
+            <a:avLst>
+              <a:gd name="adj1" fmla="val 99843"/>
+            </a:avLst>
+          </a:prstGeom>
+          <a:ln>
+            <a:tailEnd type="arrow"/>
+          </a:ln>
+        </p:spPr>
+        <p:style>
+          <a:lnRef idx="2">
+            <a:schemeClr val="accent1"/>
+          </a:lnRef>
+          <a:fillRef idx="0">
+            <a:schemeClr val="accent1"/>
+          </a:fillRef>
+          <a:effectRef idx="1">
+            <a:schemeClr val="accent1"/>
+          </a:effectRef>
+          <a:fontRef idx="minor">
+            <a:schemeClr val="tx1"/>
+          </a:fontRef>
+        </p:style>
+      </p:cxnSp>
+      <p:sp>
+        <p:nvSpPr>
+          <p:cNvPr id="34" name="Oval 33"/>
+          <p:cNvSpPr/>
+          <p:nvPr/>
+        </p:nvSpPr>
+        <p:spPr>
+          <a:xfrm>
+            <a:off x="6636208" y="5130800"/>
+            <a:ext cx="639132" cy="621420"/>
+          </a:xfrm>
+          <a:prstGeom prst="ellipse">
+            <a:avLst/>
+          </a:prstGeom>
+          <a:solidFill>
+            <a:schemeClr val="bg1"/>
+          </a:solidFill>
+          <a:ln/>
+        </p:spPr>
+        <p:style>
+          <a:lnRef idx="1">
+            <a:schemeClr val="accent1"/>
+          </a:lnRef>
+          <a:fillRef idx="3">
+            <a:schemeClr val="accent1"/>
+          </a:fillRef>
+          <a:effectRef idx="2">
+            <a:schemeClr val="accent1"/>
+          </a:effectRef>
+          <a:fontRef idx="minor">
+            <a:schemeClr val="lt1"/>
+          </a:fontRef>
+        </p:style>
+        <p:txBody>
+          <a:bodyPr anchor="ctr" anchorCtr="0"/>
+          <a:lstStyle/>
+          <a:p>
+            <a:pPr algn="ctr"/>
+            <a:r>
+              <a:rPr lang="en-US" sz="1800" dirty="0">
+                <a:solidFill>
+                  <a:schemeClr val="tx1"/>
+                </a:solidFill>
+              </a:rPr>
+              <a:t>4</a:t>
+            </a:r>
+            <a:endParaRPr lang="en-US" sz="1800" dirty="0" smtClean="0">
+              <a:solidFill>
+                <a:schemeClr val="tx1"/>
+              </a:solidFill>
+            </a:endParaRPr>
+          </a:p>
+        </p:txBody>
+      </p:sp>
+      <p:sp>
+        <p:nvSpPr>
+          <p:cNvPr id="202" name="TextBox 201"/>
+          <p:cNvSpPr txBox="1"/>
+          <p:nvPr/>
+        </p:nvSpPr>
+        <p:spPr>
+          <a:xfrm>
+            <a:off x="5838220" y="3410977"/>
+            <a:ext cx="2492990" cy="338554"/>
+          </a:xfrm>
+          <a:prstGeom prst="rect">
+            <a:avLst/>
+          </a:prstGeom>
+          <a:noFill/>
+        </p:spPr>
+        <p:txBody>
+          <a:bodyPr wrap="none" rtlCol="0">
+            <a:spAutoFit/>
+          </a:bodyPr>
+          <a:lstStyle/>
+          <a:p>
+            <a:pPr algn="ctr"/>
+            <a:r>
+              <a:rPr lang="en-US" sz="1600" dirty="0"/>
+              <a:t>o</a:t>
+            </a:r>
+            <a:r>
+              <a:rPr lang="en-US" sz="1600" dirty="0" smtClean="0"/>
+              <a:t>n, off, zero, cancel, display</a:t>
+            </a:r>
+            <a:endParaRPr lang="en-US" sz="1600" dirty="0"/>
+          </a:p>
+        </p:txBody>
+      </p:sp>
+      <p:sp>
+        <p:nvSpPr>
+          <p:cNvPr id="203" name="TextBox 202"/>
+          <p:cNvSpPr txBox="1"/>
+          <p:nvPr/>
+        </p:nvSpPr>
+        <p:spPr>
+          <a:xfrm>
+            <a:off x="5189509" y="4241393"/>
+            <a:ext cx="656750" cy="338554"/>
+          </a:xfrm>
+          <a:prstGeom prst="rect">
+            <a:avLst/>
+          </a:prstGeom>
+          <a:noFill/>
+        </p:spPr>
+        <p:txBody>
+          <a:bodyPr wrap="none" rtlCol="0">
+            <a:spAutoFit/>
+          </a:bodyPr>
+          <a:lstStyle/>
+          <a:p>
+            <a:pPr algn="ctr"/>
+            <a:r>
+              <a:rPr lang="en-US" sz="1600" dirty="0" smtClean="0"/>
+              <a:t>name</a:t>
+            </a:r>
+            <a:endParaRPr lang="en-US" sz="1600" dirty="0"/>
+          </a:p>
+        </p:txBody>
+      </p:sp>
+      <p:sp>
+        <p:nvSpPr>
+          <p:cNvPr id="204" name="TextBox 203"/>
+          <p:cNvSpPr txBox="1"/>
+          <p:nvPr/>
+        </p:nvSpPr>
+        <p:spPr>
+          <a:xfrm>
+            <a:off x="5272153" y="5089507"/>
+            <a:ext cx="666669" cy="338554"/>
+          </a:xfrm>
+          <a:prstGeom prst="rect">
+            <a:avLst/>
+          </a:prstGeom>
+          <a:noFill/>
+        </p:spPr>
+        <p:txBody>
+          <a:bodyPr wrap="none" rtlCol="0">
+            <a:spAutoFit/>
+          </a:bodyPr>
+          <a:lstStyle/>
+          <a:p>
+            <a:pPr algn="ctr"/>
+            <a:r>
+              <a:rPr lang="en-US" sz="1600" dirty="0" smtClean="0"/>
+              <a:t>mode</a:t>
+            </a:r>
+            <a:endParaRPr lang="en-US" sz="1600" dirty="0"/>
+          </a:p>
+        </p:txBody>
+      </p:sp>
+      <p:sp>
+        <p:nvSpPr>
+          <p:cNvPr id="205" name="TextBox 204"/>
+          <p:cNvSpPr txBox="1"/>
+          <p:nvPr/>
+        </p:nvSpPr>
+        <p:spPr>
+          <a:xfrm>
+            <a:off x="7537085" y="5089507"/>
+            <a:ext cx="468798" cy="338554"/>
+          </a:xfrm>
+          <a:prstGeom prst="rect">
+            <a:avLst/>
+          </a:prstGeom>
+          <a:noFill/>
+        </p:spPr>
+        <p:txBody>
+          <a:bodyPr wrap="none" rtlCol="0">
+            <a:spAutoFit/>
+          </a:bodyPr>
+          <a:lstStyle/>
+          <a:p>
+            <a:r>
+              <a:rPr lang="en-US" sz="1600" dirty="0" smtClean="0"/>
+              <a:t>INT</a:t>
+            </a:r>
+            <a:endParaRPr lang="en-US" sz="1600" dirty="0"/>
+          </a:p>
+        </p:txBody>
+      </p:sp>
+      <p:sp>
+        <p:nvSpPr>
+          <p:cNvPr id="206" name="TextBox 205"/>
+          <p:cNvSpPr txBox="1"/>
+          <p:nvPr/>
+        </p:nvSpPr>
+        <p:spPr>
+          <a:xfrm>
+            <a:off x="7483420" y="4245899"/>
+            <a:ext cx="490339" cy="338554"/>
+          </a:xfrm>
+          <a:prstGeom prst="rect">
+            <a:avLst/>
+          </a:prstGeom>
+          <a:noFill/>
+        </p:spPr>
+        <p:txBody>
+          <a:bodyPr wrap="none" rtlCol="0">
+            <a:spAutoFit/>
+          </a:bodyPr>
+          <a:lstStyle/>
+          <a:p>
+            <a:r>
+              <a:rPr lang="en-US" sz="1600" dirty="0" smtClean="0"/>
+              <a:t>STR</a:t>
+            </a:r>
+            <a:endParaRPr lang="en-US" sz="1600" dirty="0"/>
+          </a:p>
+        </p:txBody>
+      </p:sp>
+      <p:sp>
+        <p:nvSpPr>
+          <p:cNvPr id="207" name="TextBox 206"/>
+          <p:cNvSpPr txBox="1"/>
+          <p:nvPr/>
+        </p:nvSpPr>
+        <p:spPr>
+          <a:xfrm>
+            <a:off x="7456331" y="4560298"/>
+            <a:ext cx="640683" cy="307777"/>
+          </a:xfrm>
+          <a:prstGeom prst="rect">
+            <a:avLst/>
+          </a:prstGeom>
+          <a:noFill/>
+        </p:spPr>
+        <p:txBody>
+          <a:bodyPr wrap="none" rtlCol="0">
+            <a:spAutoFit/>
+          </a:bodyPr>
+          <a:lstStyle/>
+          <a:p>
+            <a:r>
+              <a:rPr lang="en-US" sz="1400" i="1" dirty="0" smtClean="0"/>
+              <a:t>name</a:t>
+            </a:r>
+            <a:endParaRPr lang="en-US" sz="1400" i="1" dirty="0"/>
+          </a:p>
+        </p:txBody>
+      </p:sp>
+      <p:sp>
+        <p:nvSpPr>
+          <p:cNvPr id="208" name="TextBox 207"/>
+          <p:cNvSpPr txBox="1"/>
+          <p:nvPr/>
+        </p:nvSpPr>
+        <p:spPr>
+          <a:xfrm>
+            <a:off x="7329669" y="5436927"/>
+            <a:ext cx="2569032" cy="307777"/>
+          </a:xfrm>
+          <a:prstGeom prst="rect">
+            <a:avLst/>
+          </a:prstGeom>
+          <a:noFill/>
+        </p:spPr>
+        <p:txBody>
+          <a:bodyPr wrap="none" rtlCol="0">
+            <a:spAutoFit/>
+          </a:bodyPr>
+          <a:lstStyle/>
+          <a:p>
+            <a:r>
+              <a:rPr lang="en-US" sz="1400" i="1" dirty="0" smtClean="0"/>
+              <a:t>0-manual, 1-time, 2-time&amp;senor</a:t>
+            </a:r>
+            <a:endParaRPr lang="en-US" sz="1400" i="1" dirty="0"/>
+          </a:p>
+        </p:txBody>
+      </p:sp>
+      <p:cxnSp>
+        <p:nvCxnSpPr>
+          <p:cNvPr id="227" name="Elbow Connector 226"/>
+          <p:cNvCxnSpPr>
+            <a:endCxn id="27" idx="2"/>
+          </p:cNvCxnSpPr>
+          <p:nvPr/>
+        </p:nvCxnSpPr>
+        <p:spPr>
+          <a:xfrm rot="16200000" flipH="1">
+            <a:off x="395690" y="4790283"/>
+            <a:ext cx="3258996" cy="1209710"/>
+          </a:xfrm>
+          <a:prstGeom prst="bentConnector2">
+            <a:avLst/>
+          </a:prstGeom>
+          <a:ln>
+            <a:tailEnd type="arrow"/>
+          </a:ln>
+        </p:spPr>
+        <p:style>
+          <a:lnRef idx="2">
+            <a:schemeClr val="accent1"/>
+          </a:lnRef>
+          <a:fillRef idx="0">
+            <a:schemeClr val="accent1"/>
+          </a:fillRef>
+          <a:effectRef idx="1">
+            <a:schemeClr val="accent1"/>
+          </a:effectRef>
+          <a:fontRef idx="minor">
+            <a:schemeClr val="tx1"/>
+          </a:fontRef>
+        </p:style>
+      </p:cxnSp>
+      <p:sp>
+        <p:nvSpPr>
+          <p:cNvPr id="228" name="TextBox 227"/>
+          <p:cNvSpPr txBox="1"/>
+          <p:nvPr/>
+        </p:nvSpPr>
+        <p:spPr>
+          <a:xfrm>
+            <a:off x="1507148" y="6636203"/>
+            <a:ext cx="926355" cy="338554"/>
+          </a:xfrm>
+          <a:prstGeom prst="rect">
+            <a:avLst/>
+          </a:prstGeom>
+          <a:noFill/>
+        </p:spPr>
+        <p:txBody>
+          <a:bodyPr wrap="none" rtlCol="0">
+            <a:spAutoFit/>
+          </a:bodyPr>
+          <a:lstStyle/>
+          <a:p>
+            <a:pPr algn="ctr"/>
+            <a:r>
+              <a:rPr lang="en-US" sz="1600" dirty="0" smtClean="0"/>
+              <a:t>schedule</a:t>
+            </a:r>
+            <a:endParaRPr lang="en-US" sz="1600" dirty="0"/>
+          </a:p>
+        </p:txBody>
+      </p:sp>
+      <p:sp>
+        <p:nvSpPr>
+          <p:cNvPr id="239" name="TextBox 238"/>
+          <p:cNvSpPr txBox="1"/>
+          <p:nvPr/>
+        </p:nvSpPr>
+        <p:spPr>
+          <a:xfrm>
+            <a:off x="2563225" y="4602320"/>
+            <a:ext cx="772768" cy="2062103"/>
+          </a:xfrm>
+          <a:prstGeom prst="rect">
+            <a:avLst/>
+          </a:prstGeom>
+          <a:solidFill>
+            <a:schemeClr val="bg1"/>
+          </a:solidFill>
+        </p:spPr>
+        <p:txBody>
+          <a:bodyPr wrap="none" rtlCol="0">
+            <a:spAutoFit/>
+          </a:bodyPr>
+          <a:lstStyle/>
+          <a:p>
+            <a:r>
+              <a:rPr lang="en-US" sz="1600" dirty="0"/>
+              <a:t>s</a:t>
+            </a:r>
+            <a:r>
+              <a:rPr lang="en-US" sz="1600" dirty="0" smtClean="0"/>
+              <a:t>ave</a:t>
+            </a:r>
+          </a:p>
+          <a:p>
+            <a:r>
+              <a:rPr lang="en-US" sz="1600" dirty="0" smtClean="0"/>
+              <a:t>load</a:t>
+            </a:r>
+          </a:p>
+          <a:p>
+            <a:r>
+              <a:rPr lang="en-US" sz="1600" dirty="0" smtClean="0"/>
+              <a:t>system</a:t>
+            </a:r>
+            <a:endParaRPr lang="en-US" sz="1600" dirty="0" smtClean="0"/>
+          </a:p>
+          <a:p>
+            <a:r>
+              <a:rPr lang="en-US" sz="1600" dirty="0" smtClean="0"/>
+              <a:t>status</a:t>
+            </a:r>
+            <a:endParaRPr lang="en-US" sz="1600" dirty="0" smtClean="0"/>
+          </a:p>
+          <a:p>
+            <a:r>
+              <a:rPr lang="en-US" sz="1600" dirty="0" smtClean="0"/>
+              <a:t>Time</a:t>
+            </a:r>
+            <a:endParaRPr lang="en-US" sz="1600" dirty="0" smtClean="0"/>
+          </a:p>
+          <a:p>
+            <a:r>
+              <a:rPr lang="en-US" sz="1600" dirty="0" smtClean="0"/>
+              <a:t>help</a:t>
+            </a:r>
+            <a:r>
+              <a:rPr lang="en-US" sz="1600" dirty="0" smtClean="0"/>
+              <a:t>(?</a:t>
+            </a:r>
+            <a:r>
+              <a:rPr lang="en-US" sz="1600" dirty="0" smtClean="0"/>
+              <a:t>)</a:t>
+            </a:r>
+          </a:p>
+          <a:p>
+            <a:r>
+              <a:rPr lang="en-US" sz="1600" dirty="0" smtClean="0"/>
+              <a:t>quit</a:t>
+            </a:r>
+            <a:endParaRPr lang="en-US" sz="1600" dirty="0" smtClean="0"/>
+          </a:p>
+          <a:p>
+            <a:r>
+              <a:rPr lang="en-US" sz="1600" dirty="0" smtClean="0"/>
+              <a:t>OTHER</a:t>
+            </a:r>
+          </a:p>
+        </p:txBody>
+      </p:sp>
+      <p:sp>
+        <p:nvSpPr>
+          <p:cNvPr id="248" name="Oval 247"/>
+          <p:cNvSpPr/>
+          <p:nvPr/>
+        </p:nvSpPr>
+        <p:spPr>
+          <a:xfrm>
+            <a:off x="4546528" y="6713926"/>
+            <a:ext cx="639132" cy="621420"/>
+          </a:xfrm>
+          <a:prstGeom prst="ellipse">
+            <a:avLst/>
+          </a:prstGeom>
+          <a:noFill/>
+          <a:ln/>
+        </p:spPr>
+        <p:style>
+          <a:lnRef idx="1">
+            <a:schemeClr val="accent1"/>
+          </a:lnRef>
+          <a:fillRef idx="3">
+            <a:schemeClr val="accent1"/>
+          </a:fillRef>
+          <a:effectRef idx="2">
+            <a:schemeClr val="accent1"/>
+          </a:effectRef>
+          <a:fontRef idx="minor">
+            <a:schemeClr val="lt1"/>
+          </a:fontRef>
+        </p:style>
+        <p:txBody>
+          <a:bodyPr anchor="ctr" anchorCtr="0"/>
+          <a:lstStyle/>
+          <a:p>
+            <a:pPr algn="ctr"/>
+            <a:r>
+              <a:rPr lang="en-US" sz="1800" dirty="0" smtClean="0">
+                <a:solidFill>
+                  <a:schemeClr val="tx1"/>
+                </a:solidFill>
+              </a:rPr>
+              <a:t>6</a:t>
+            </a:r>
+          </a:p>
+        </p:txBody>
+      </p:sp>
+      <p:sp>
+        <p:nvSpPr>
+          <p:cNvPr id="249" name="Oval 248"/>
+          <p:cNvSpPr/>
+          <p:nvPr/>
+        </p:nvSpPr>
+        <p:spPr>
+          <a:xfrm>
+            <a:off x="6636208" y="6713926"/>
+            <a:ext cx="639132" cy="621420"/>
+          </a:xfrm>
+          <a:prstGeom prst="ellipse">
+            <a:avLst/>
+          </a:prstGeom>
+          <a:noFill/>
+          <a:ln/>
+        </p:spPr>
+        <p:style>
+          <a:lnRef idx="1">
+            <a:schemeClr val="accent1"/>
+          </a:lnRef>
+          <a:fillRef idx="3">
+            <a:schemeClr val="accent1"/>
+          </a:fillRef>
+          <a:effectRef idx="2">
+            <a:schemeClr val="accent1"/>
+          </a:effectRef>
+          <a:fontRef idx="minor">
+            <a:schemeClr val="lt1"/>
+          </a:fontRef>
+        </p:style>
+        <p:txBody>
+          <a:bodyPr anchor="ctr" anchorCtr="0"/>
+          <a:lstStyle/>
+          <a:p>
+            <a:pPr algn="ctr"/>
+            <a:r>
+              <a:rPr lang="en-US" sz="1800" dirty="0" smtClean="0">
+                <a:solidFill>
+                  <a:schemeClr val="tx1"/>
+                </a:solidFill>
+              </a:rPr>
+              <a:t>7</a:t>
+            </a:r>
+          </a:p>
+        </p:txBody>
+      </p:sp>
+      <p:cxnSp>
+        <p:nvCxnSpPr>
+          <p:cNvPr id="262" name="Straight Arrow Connector 261"/>
+          <p:cNvCxnSpPr>
+            <a:stCxn id="27" idx="6"/>
+            <a:endCxn id="248" idx="2"/>
+          </p:cNvCxnSpPr>
+          <p:nvPr/>
+        </p:nvCxnSpPr>
+        <p:spPr>
+          <a:xfrm>
+            <a:off x="3269175" y="7024636"/>
+            <a:ext cx="1277353" cy="0"/>
+          </a:xfrm>
+          <a:prstGeom prst="straightConnector1">
+            <a:avLst/>
+          </a:prstGeom>
+          <a:ln>
+            <a:tailEnd type="arrow"/>
+          </a:ln>
+        </p:spPr>
+        <p:style>
+          <a:lnRef idx="2">
+            <a:schemeClr val="accent1"/>
+          </a:lnRef>
+          <a:fillRef idx="0">
+            <a:schemeClr val="accent1"/>
+          </a:fillRef>
+          <a:effectRef idx="1">
+            <a:schemeClr val="accent1"/>
+          </a:effectRef>
+          <a:fontRef idx="minor">
+            <a:schemeClr val="tx1"/>
+          </a:fontRef>
+        </p:style>
+      </p:cxnSp>
+      <p:cxnSp>
+        <p:nvCxnSpPr>
+          <p:cNvPr id="264" name="Straight Arrow Connector 263"/>
+          <p:cNvCxnSpPr>
+            <a:stCxn id="248" idx="6"/>
+            <a:endCxn id="249" idx="2"/>
+          </p:cNvCxnSpPr>
+          <p:nvPr/>
+        </p:nvCxnSpPr>
+        <p:spPr>
+          <a:xfrm>
+            <a:off x="5185660" y="7024636"/>
+            <a:ext cx="1450548" cy="0"/>
+          </a:xfrm>
+          <a:prstGeom prst="straightConnector1">
+            <a:avLst/>
+          </a:prstGeom>
+          <a:ln>
+            <a:tailEnd type="arrow"/>
+          </a:ln>
+        </p:spPr>
+        <p:style>
+          <a:lnRef idx="2">
+            <a:schemeClr val="accent1"/>
+          </a:lnRef>
+          <a:fillRef idx="0">
+            <a:schemeClr val="accent1"/>
+          </a:fillRef>
+          <a:effectRef idx="1">
+            <a:schemeClr val="accent1"/>
+          </a:effectRef>
+          <a:fontRef idx="minor">
+            <a:schemeClr val="tx1"/>
+          </a:fontRef>
+        </p:style>
+      </p:cxnSp>
+      <p:sp>
+        <p:nvSpPr>
+          <p:cNvPr id="265" name="TextBox 264"/>
+          <p:cNvSpPr txBox="1"/>
+          <p:nvPr/>
+        </p:nvSpPr>
+        <p:spPr>
+          <a:xfrm>
+            <a:off x="3563214" y="6686082"/>
+            <a:ext cx="442449" cy="338554"/>
+          </a:xfrm>
+          <a:prstGeom prst="rect">
+            <a:avLst/>
+          </a:prstGeom>
+          <a:noFill/>
+        </p:spPr>
+        <p:txBody>
+          <a:bodyPr wrap="none" rtlCol="0">
+            <a:spAutoFit/>
+          </a:bodyPr>
+          <a:lstStyle/>
+          <a:p>
+            <a:pPr algn="ctr"/>
+            <a:r>
+              <a:rPr lang="en-US" sz="1600" dirty="0" smtClean="0"/>
+              <a:t>file</a:t>
+            </a:r>
+            <a:endParaRPr lang="en-US" sz="1600" dirty="0"/>
+          </a:p>
+        </p:txBody>
+      </p:sp>
+      <p:sp>
+        <p:nvSpPr>
+          <p:cNvPr id="266" name="TextBox 265"/>
+          <p:cNvSpPr txBox="1"/>
+          <p:nvPr/>
+        </p:nvSpPr>
+        <p:spPr>
+          <a:xfrm>
+            <a:off x="5649434" y="6636203"/>
+            <a:ext cx="490339" cy="338554"/>
+          </a:xfrm>
+          <a:prstGeom prst="rect">
+            <a:avLst/>
+          </a:prstGeom>
+          <a:noFill/>
+        </p:spPr>
+        <p:txBody>
+          <a:bodyPr wrap="none" rtlCol="0">
+            <a:spAutoFit/>
+          </a:bodyPr>
+          <a:lstStyle/>
+          <a:p>
+            <a:r>
+              <a:rPr lang="en-US" sz="1600" dirty="0" smtClean="0"/>
+              <a:t>STR</a:t>
+            </a:r>
+            <a:endParaRPr lang="en-US" sz="1600" dirty="0"/>
+          </a:p>
+        </p:txBody>
+      </p:sp>
+      <p:sp>
+        <p:nvSpPr>
+          <p:cNvPr id="267" name="TextBox 266"/>
+          <p:cNvSpPr txBox="1"/>
+          <p:nvPr/>
+        </p:nvSpPr>
+        <p:spPr>
+          <a:xfrm>
+            <a:off x="5433797" y="7011874"/>
+            <a:ext cx="918616" cy="307777"/>
+          </a:xfrm>
+          <a:prstGeom prst="rect">
+            <a:avLst/>
+          </a:prstGeom>
+          <a:noFill/>
+        </p:spPr>
+        <p:txBody>
+          <a:bodyPr wrap="none" rtlCol="0">
+            <a:spAutoFit/>
+          </a:bodyPr>
+          <a:lstStyle/>
+          <a:p>
+            <a:r>
+              <a:rPr lang="en-US" sz="1400" i="1" dirty="0"/>
+              <a:t>f</a:t>
+            </a:r>
+            <a:r>
+              <a:rPr lang="en-US" sz="1400" i="1" dirty="0" smtClean="0"/>
+              <a:t>ile name</a:t>
+            </a:r>
+            <a:endParaRPr lang="en-US" sz="1400" i="1" dirty="0"/>
+          </a:p>
+        </p:txBody>
+      </p:sp>
+      <p:sp>
+        <p:nvSpPr>
+          <p:cNvPr id="268" name="TextBox 267"/>
+          <p:cNvSpPr txBox="1"/>
+          <p:nvPr/>
+        </p:nvSpPr>
+        <p:spPr>
+          <a:xfrm>
+            <a:off x="1888976" y="8727083"/>
+            <a:ext cx="510376" cy="338554"/>
+          </a:xfrm>
+          <a:prstGeom prst="rect">
+            <a:avLst/>
+          </a:prstGeom>
+          <a:solidFill>
+            <a:srgbClr val="FFFFFF"/>
+          </a:solidFill>
+        </p:spPr>
+        <p:txBody>
+          <a:bodyPr wrap="none" rtlCol="0">
+            <a:spAutoFit/>
+          </a:bodyPr>
+          <a:lstStyle/>
+          <a:p>
+            <a:pPr algn="ctr"/>
+            <a:r>
+              <a:rPr lang="en-US" sz="1600" dirty="0" smtClean="0"/>
+              <a:t>edit</a:t>
+            </a:r>
+            <a:endParaRPr lang="en-US" sz="1600" dirty="0"/>
+          </a:p>
+        </p:txBody>
+      </p:sp>
+      <p:sp>
+        <p:nvSpPr>
+          <p:cNvPr id="272" name="TextBox 271"/>
+          <p:cNvSpPr txBox="1"/>
+          <p:nvPr/>
+        </p:nvSpPr>
+        <p:spPr>
+          <a:xfrm>
+            <a:off x="3628050" y="8722286"/>
+            <a:ext cx="468798" cy="338554"/>
+          </a:xfrm>
+          <a:prstGeom prst="rect">
+            <a:avLst/>
+          </a:prstGeom>
+          <a:noFill/>
+        </p:spPr>
+        <p:txBody>
+          <a:bodyPr wrap="none" rtlCol="0">
+            <a:spAutoFit/>
+          </a:bodyPr>
+          <a:lstStyle/>
+          <a:p>
+            <a:r>
+              <a:rPr lang="en-US" sz="1600" dirty="0" smtClean="0"/>
+              <a:t>INT</a:t>
+            </a:r>
+            <a:endParaRPr lang="en-US" sz="1600" dirty="0"/>
+          </a:p>
+        </p:txBody>
+      </p:sp>
+      <p:sp>
+        <p:nvSpPr>
+          <p:cNvPr id="273" name="TextBox 272"/>
+          <p:cNvSpPr txBox="1"/>
+          <p:nvPr/>
+        </p:nvSpPr>
+        <p:spPr>
+          <a:xfrm>
+            <a:off x="3614841" y="9065637"/>
+            <a:ext cx="929186" cy="307777"/>
+          </a:xfrm>
+          <a:prstGeom prst="rect">
+            <a:avLst/>
+          </a:prstGeom>
+          <a:noFill/>
+        </p:spPr>
+        <p:txBody>
+          <a:bodyPr wrap="none" rtlCol="0">
+            <a:spAutoFit/>
+          </a:bodyPr>
+          <a:lstStyle/>
+          <a:p>
+            <a:r>
+              <a:rPr lang="en-US" sz="1400" i="1" dirty="0" smtClean="0"/>
+              <a:t>channel #</a:t>
+            </a:r>
+            <a:endParaRPr lang="en-US" sz="1400" i="1" dirty="0"/>
+          </a:p>
+        </p:txBody>
+      </p:sp>
+      <p:sp>
+        <p:nvSpPr>
+          <p:cNvPr id="274" name="TextBox 273"/>
+          <p:cNvSpPr txBox="1"/>
+          <p:nvPr/>
+        </p:nvSpPr>
+        <p:spPr>
+          <a:xfrm>
+            <a:off x="5651787" y="8710741"/>
+            <a:ext cx="468798" cy="338554"/>
+          </a:xfrm>
+          <a:prstGeom prst="rect">
+            <a:avLst/>
+          </a:prstGeom>
+          <a:noFill/>
+        </p:spPr>
+        <p:txBody>
+          <a:bodyPr wrap="none" rtlCol="0">
+            <a:spAutoFit/>
+          </a:bodyPr>
+          <a:lstStyle/>
+          <a:p>
+            <a:r>
+              <a:rPr lang="en-US" sz="1600" dirty="0" smtClean="0"/>
+              <a:t>INT</a:t>
+            </a:r>
+            <a:endParaRPr lang="en-US" sz="1600" dirty="0"/>
+          </a:p>
+        </p:txBody>
+      </p:sp>
+      <p:sp>
+        <p:nvSpPr>
+          <p:cNvPr id="275" name="TextBox 274"/>
+          <p:cNvSpPr txBox="1"/>
+          <p:nvPr/>
+        </p:nvSpPr>
+        <p:spPr>
+          <a:xfrm>
+            <a:off x="5379422" y="9088219"/>
+            <a:ext cx="623237" cy="307777"/>
+          </a:xfrm>
+          <a:prstGeom prst="rect">
+            <a:avLst/>
+          </a:prstGeom>
+          <a:noFill/>
+        </p:spPr>
+        <p:txBody>
+          <a:bodyPr wrap="none" rtlCol="0">
+            <a:spAutoFit/>
+          </a:bodyPr>
+          <a:lstStyle/>
+          <a:p>
+            <a:r>
+              <a:rPr lang="en-US" sz="1400" i="1" dirty="0"/>
+              <a:t>d</a:t>
+            </a:r>
+            <a:r>
+              <a:rPr lang="en-US" sz="1400" i="1" dirty="0" smtClean="0"/>
+              <a:t>ay #</a:t>
+            </a:r>
+            <a:endParaRPr lang="en-US" sz="1400" i="1" dirty="0"/>
+          </a:p>
+        </p:txBody>
+      </p:sp>
+      <p:cxnSp>
+        <p:nvCxnSpPr>
+          <p:cNvPr id="277" name="Straight Arrow Connector 276"/>
+          <p:cNvCxnSpPr/>
+          <p:nvPr/>
+        </p:nvCxnSpPr>
+        <p:spPr>
+          <a:xfrm>
+            <a:off x="3280721" y="9081143"/>
+            <a:ext cx="1272373" cy="104"/>
+          </a:xfrm>
+          <a:prstGeom prst="straightConnector1">
+            <a:avLst/>
+          </a:prstGeom>
+          <a:ln>
+            <a:tailEnd type="arrow"/>
+          </a:ln>
+        </p:spPr>
+        <p:style>
+          <a:lnRef idx="2">
+            <a:schemeClr val="accent1"/>
+          </a:lnRef>
+          <a:fillRef idx="0">
+            <a:schemeClr val="accent1"/>
+          </a:fillRef>
+          <a:effectRef idx="1">
+            <a:schemeClr val="accent1"/>
+          </a:effectRef>
+          <a:fontRef idx="minor">
+            <a:schemeClr val="tx1"/>
+          </a:fontRef>
+        </p:style>
+      </p:cxnSp>
+      <p:cxnSp>
+        <p:nvCxnSpPr>
+          <p:cNvPr id="279" name="Straight Arrow Connector 278"/>
+          <p:cNvCxnSpPr/>
+          <p:nvPr/>
+        </p:nvCxnSpPr>
+        <p:spPr>
+          <a:xfrm flipV="1">
+            <a:off x="5192226" y="9071670"/>
+            <a:ext cx="1443982" cy="19051"/>
+          </a:xfrm>
+          <a:prstGeom prst="straightConnector1">
+            <a:avLst/>
+          </a:prstGeom>
+          <a:ln>
+            <a:tailEnd type="arrow"/>
+          </a:ln>
+        </p:spPr>
+        <p:style>
+          <a:lnRef idx="2">
+            <a:schemeClr val="accent1"/>
+          </a:lnRef>
+          <a:fillRef idx="0">
+            <a:schemeClr val="accent1"/>
+          </a:fillRef>
+          <a:effectRef idx="1">
+            <a:schemeClr val="accent1"/>
+          </a:effectRef>
+          <a:fontRef idx="minor">
+            <a:schemeClr val="tx1"/>
+          </a:fontRef>
+        </p:style>
+      </p:cxnSp>
+      <p:cxnSp>
+        <p:nvCxnSpPr>
+          <p:cNvPr id="281" name="Elbow Connector 280"/>
+          <p:cNvCxnSpPr>
+            <a:stCxn id="249" idx="6"/>
+          </p:cNvCxnSpPr>
+          <p:nvPr/>
+        </p:nvCxnSpPr>
+        <p:spPr>
+          <a:xfrm flipV="1">
+            <a:off x="7275340" y="5441510"/>
+            <a:ext cx="3316461" cy="1583126"/>
+          </a:xfrm>
+          <a:prstGeom prst="bentConnector3">
+            <a:avLst>
+              <a:gd name="adj1" fmla="val 99436"/>
+            </a:avLst>
+          </a:prstGeom>
+          <a:ln>
+            <a:tailEnd type="arrow"/>
+          </a:ln>
+        </p:spPr>
+        <p:style>
+          <a:lnRef idx="2">
+            <a:schemeClr val="accent1"/>
+          </a:lnRef>
+          <a:fillRef idx="0">
+            <a:schemeClr val="accent1"/>
+          </a:fillRef>
+          <a:effectRef idx="1">
+            <a:schemeClr val="accent1"/>
+          </a:effectRef>
+          <a:fontRef idx="minor">
+            <a:schemeClr val="tx1"/>
+          </a:fontRef>
+        </p:style>
+      </p:cxnSp>
+      <p:sp>
+        <p:nvSpPr>
+          <p:cNvPr id="298" name="TextBox 297"/>
+          <p:cNvSpPr txBox="1"/>
+          <p:nvPr/>
+        </p:nvSpPr>
+        <p:spPr>
+          <a:xfrm>
+            <a:off x="4287255" y="7951734"/>
+            <a:ext cx="2286002" cy="338554"/>
+          </a:xfrm>
+          <a:prstGeom prst="rect">
+            <a:avLst/>
+          </a:prstGeom>
+          <a:solidFill>
+            <a:srgbClr val="FFFFFF"/>
+          </a:solidFill>
+        </p:spPr>
+        <p:txBody>
+          <a:bodyPr wrap="none" rtlCol="0">
+            <a:spAutoFit/>
+          </a:bodyPr>
+          <a:lstStyle/>
+          <a:p>
+            <a:r>
+              <a:rPr lang="en-US" sz="1600" dirty="0"/>
+              <a:t>d</a:t>
+            </a:r>
+            <a:r>
+              <a:rPr lang="en-US" sz="1600" dirty="0" smtClean="0"/>
+              <a:t>elete, copy, paste, done </a:t>
+            </a:r>
+            <a:endParaRPr lang="en-US" sz="1600" dirty="0"/>
+          </a:p>
+        </p:txBody>
+      </p:sp>
+      <p:cxnSp>
+        <p:nvCxnSpPr>
+          <p:cNvPr id="300" name="Straight Arrow Connector 299"/>
+          <p:cNvCxnSpPr>
+            <a:endCxn id="41" idx="7"/>
+          </p:cNvCxnSpPr>
+          <p:nvPr/>
+        </p:nvCxnSpPr>
+        <p:spPr>
+          <a:xfrm flipH="1">
+            <a:off x="3187122" y="8278091"/>
+            <a:ext cx="658634" cy="583399"/>
+          </a:xfrm>
+          <a:prstGeom prst="straightConnector1">
+            <a:avLst/>
+          </a:prstGeom>
+          <a:ln>
+            <a:tailEnd type="arrow"/>
+          </a:ln>
+        </p:spPr>
+        <p:style>
+          <a:lnRef idx="2">
+            <a:schemeClr val="accent1"/>
+          </a:lnRef>
+          <a:fillRef idx="0">
+            <a:schemeClr val="accent1"/>
+          </a:fillRef>
+          <a:effectRef idx="1">
+            <a:schemeClr val="accent1"/>
+          </a:effectRef>
+          <a:fontRef idx="minor">
+            <a:schemeClr val="tx1"/>
+          </a:fontRef>
+        </p:style>
+      </p:cxnSp>
+      <p:cxnSp>
+        <p:nvCxnSpPr>
+          <p:cNvPr id="302" name="Elbow Connector 301"/>
+          <p:cNvCxnSpPr>
+            <a:stCxn id="44" idx="0"/>
+          </p:cNvCxnSpPr>
+          <p:nvPr/>
+        </p:nvCxnSpPr>
+        <p:spPr>
+          <a:xfrm rot="16200000" flipV="1">
+            <a:off x="5132956" y="6947667"/>
+            <a:ext cx="492394" cy="3153242"/>
+          </a:xfrm>
+          <a:prstGeom prst="bentConnector2">
+            <a:avLst/>
+          </a:prstGeom>
+        </p:spPr>
+        <p:style>
+          <a:lnRef idx="2">
+            <a:schemeClr val="accent1"/>
+          </a:lnRef>
+          <a:fillRef idx="0">
+            <a:schemeClr val="accent1"/>
+          </a:fillRef>
+          <a:effectRef idx="1">
+            <a:schemeClr val="accent1"/>
+          </a:effectRef>
+          <a:fontRef idx="minor">
+            <a:schemeClr val="tx1"/>
+          </a:fontRef>
+        </p:style>
+      </p:cxnSp>
+      <p:cxnSp>
+        <p:nvCxnSpPr>
+          <p:cNvPr id="306" name="Straight Arrow Connector 305"/>
+          <p:cNvCxnSpPr>
+            <a:endCxn id="43" idx="2"/>
+          </p:cNvCxnSpPr>
+          <p:nvPr/>
+        </p:nvCxnSpPr>
+        <p:spPr>
+          <a:xfrm>
+            <a:off x="7275340" y="9090721"/>
+            <a:ext cx="1160864" cy="0"/>
+          </a:xfrm>
+          <a:prstGeom prst="straightConnector1">
+            <a:avLst/>
+          </a:prstGeom>
+          <a:ln>
+            <a:tailEnd type="arrow"/>
+          </a:ln>
+        </p:spPr>
+        <p:style>
+          <a:lnRef idx="2">
+            <a:schemeClr val="accent1"/>
+          </a:lnRef>
+          <a:fillRef idx="0">
+            <a:schemeClr val="accent1"/>
+          </a:fillRef>
+          <a:effectRef idx="1">
+            <a:schemeClr val="accent1"/>
+          </a:effectRef>
+          <a:fontRef idx="minor">
+            <a:schemeClr val="tx1"/>
+          </a:fontRef>
+        </p:style>
+      </p:cxnSp>
+      <p:cxnSp>
+        <p:nvCxnSpPr>
+          <p:cNvPr id="308" name="Straight Arrow Connector 307"/>
+          <p:cNvCxnSpPr>
+            <a:stCxn id="43" idx="6"/>
+            <a:endCxn id="42" idx="2"/>
+          </p:cNvCxnSpPr>
+          <p:nvPr/>
+        </p:nvCxnSpPr>
+        <p:spPr>
+          <a:xfrm>
+            <a:off x="9075336" y="9090721"/>
+            <a:ext cx="1160864" cy="0"/>
+          </a:xfrm>
+          <a:prstGeom prst="straightConnector1">
+            <a:avLst/>
+          </a:prstGeom>
+          <a:ln>
+            <a:tailEnd type="arrow"/>
+          </a:ln>
+        </p:spPr>
+        <p:style>
+          <a:lnRef idx="2">
+            <a:schemeClr val="accent1"/>
+          </a:lnRef>
+          <a:fillRef idx="0">
+            <a:schemeClr val="accent1"/>
+          </a:fillRef>
+          <a:effectRef idx="1">
+            <a:schemeClr val="accent1"/>
+          </a:effectRef>
+          <a:fontRef idx="minor">
+            <a:schemeClr val="tx1"/>
+          </a:fontRef>
+        </p:style>
+      </p:cxnSp>
+      <p:sp>
+        <p:nvSpPr>
+          <p:cNvPr id="310" name="TextBox 309"/>
+          <p:cNvSpPr txBox="1"/>
+          <p:nvPr/>
+        </p:nvSpPr>
+        <p:spPr>
+          <a:xfrm>
+            <a:off x="7720721" y="8752249"/>
+            <a:ext cx="468798" cy="338554"/>
+          </a:xfrm>
+          <a:prstGeom prst="rect">
+            <a:avLst/>
+          </a:prstGeom>
+          <a:noFill/>
+        </p:spPr>
+        <p:txBody>
+          <a:bodyPr wrap="none" rtlCol="0">
+            <a:spAutoFit/>
+          </a:bodyPr>
+          <a:lstStyle/>
+          <a:p>
+            <a:r>
+              <a:rPr lang="en-US" sz="1600" dirty="0" smtClean="0"/>
+              <a:t>INT</a:t>
+            </a:r>
+            <a:endParaRPr lang="en-US" sz="1600" dirty="0"/>
+          </a:p>
+        </p:txBody>
+      </p:sp>
+      <p:sp>
+        <p:nvSpPr>
+          <p:cNvPr id="311" name="TextBox 310"/>
+          <p:cNvSpPr txBox="1"/>
+          <p:nvPr/>
+        </p:nvSpPr>
+        <p:spPr>
+          <a:xfrm>
+            <a:off x="9286855" y="8735109"/>
+            <a:ext cx="468798" cy="338554"/>
+          </a:xfrm>
+          <a:prstGeom prst="rect">
+            <a:avLst/>
+          </a:prstGeom>
+          <a:noFill/>
+        </p:spPr>
+        <p:txBody>
+          <a:bodyPr wrap="none" rtlCol="0">
+            <a:spAutoFit/>
+          </a:bodyPr>
+          <a:lstStyle/>
+          <a:p>
+            <a:r>
+              <a:rPr lang="en-US" sz="1600" dirty="0" smtClean="0"/>
+              <a:t>INT</a:t>
+            </a:r>
+            <a:endParaRPr lang="en-US" sz="1600" dirty="0"/>
+          </a:p>
+        </p:txBody>
+      </p:sp>
+      <p:sp>
+        <p:nvSpPr>
+          <p:cNvPr id="312" name="TextBox 311"/>
+          <p:cNvSpPr txBox="1"/>
+          <p:nvPr/>
+        </p:nvSpPr>
+        <p:spPr>
+          <a:xfrm>
+            <a:off x="8374715" y="9931316"/>
+            <a:ext cx="1353656" cy="338554"/>
+          </a:xfrm>
+          <a:prstGeom prst="rect">
+            <a:avLst/>
+          </a:prstGeom>
+          <a:solidFill>
+            <a:schemeClr val="bg1"/>
+          </a:solidFill>
+        </p:spPr>
+        <p:txBody>
+          <a:bodyPr wrap="none" rtlCol="0">
+            <a:spAutoFit/>
+          </a:bodyPr>
+          <a:lstStyle/>
+          <a:p>
+            <a:pPr algn="ctr"/>
+            <a:r>
+              <a:rPr lang="en-US" sz="1600" dirty="0"/>
+              <a:t>o</a:t>
+            </a:r>
+            <a:r>
+              <a:rPr lang="en-US" sz="1600" dirty="0" smtClean="0"/>
+              <a:t>n, off, delete</a:t>
+            </a:r>
+            <a:endParaRPr lang="en-US" sz="1600" dirty="0"/>
+          </a:p>
+        </p:txBody>
+      </p:sp>
+      <p:sp>
+        <p:nvSpPr>
+          <p:cNvPr id="313" name="TextBox 312"/>
+          <p:cNvSpPr txBox="1"/>
+          <p:nvPr/>
+        </p:nvSpPr>
+        <p:spPr>
+          <a:xfrm>
+            <a:off x="7722735" y="9094981"/>
+            <a:ext cx="530915" cy="307777"/>
+          </a:xfrm>
+          <a:prstGeom prst="rect">
+            <a:avLst/>
+          </a:prstGeom>
+          <a:noFill/>
+        </p:spPr>
+        <p:txBody>
+          <a:bodyPr wrap="none" rtlCol="0">
+            <a:spAutoFit/>
+          </a:bodyPr>
+          <a:lstStyle/>
+          <a:p>
+            <a:r>
+              <a:rPr lang="en-US" sz="1400" dirty="0" smtClean="0"/>
+              <a:t>hour</a:t>
+            </a:r>
+            <a:endParaRPr lang="en-US" sz="1400" dirty="0"/>
+          </a:p>
+        </p:txBody>
+      </p:sp>
+      <p:sp>
+        <p:nvSpPr>
+          <p:cNvPr id="314" name="TextBox 313"/>
+          <p:cNvSpPr txBox="1"/>
+          <p:nvPr/>
+        </p:nvSpPr>
+        <p:spPr>
+          <a:xfrm>
+            <a:off x="9122283" y="9094981"/>
+            <a:ext cx="777627" cy="307777"/>
+          </a:xfrm>
+          <a:prstGeom prst="rect">
+            <a:avLst/>
+          </a:prstGeom>
+          <a:noFill/>
+        </p:spPr>
+        <p:txBody>
+          <a:bodyPr wrap="none" rtlCol="0">
+            <a:spAutoFit/>
+          </a:bodyPr>
+          <a:lstStyle/>
+          <a:p>
+            <a:r>
+              <a:rPr lang="en-US" sz="1400" dirty="0" smtClean="0"/>
+              <a:t>minutes</a:t>
+            </a:r>
+            <a:endParaRPr lang="en-US" sz="1400" dirty="0"/>
+          </a:p>
+        </p:txBody>
+      </p:sp>
+      <p:sp>
+        <p:nvSpPr>
+          <p:cNvPr id="317" name="TextBox 316"/>
+          <p:cNvSpPr txBox="1"/>
+          <p:nvPr/>
+        </p:nvSpPr>
+        <p:spPr>
+          <a:xfrm>
+            <a:off x="4920879" y="7434947"/>
+            <a:ext cx="986969" cy="338554"/>
+          </a:xfrm>
+          <a:prstGeom prst="rect">
+            <a:avLst/>
+          </a:prstGeom>
+          <a:solidFill>
+            <a:schemeClr val="bg1"/>
+          </a:solidFill>
+        </p:spPr>
+        <p:txBody>
+          <a:bodyPr wrap="none" rtlCol="0">
+            <a:spAutoFit/>
+          </a:bodyPr>
+          <a:lstStyle/>
+          <a:p>
+            <a:pPr algn="ctr"/>
+            <a:r>
+              <a:rPr lang="en-US" sz="1600" dirty="0"/>
+              <a:t>s</a:t>
+            </a:r>
+            <a:r>
+              <a:rPr lang="en-US" sz="1600" dirty="0" smtClean="0"/>
+              <a:t>ave, quit</a:t>
+            </a:r>
+            <a:endParaRPr lang="en-US" sz="1600" dirty="0"/>
+          </a:p>
+        </p:txBody>
+      </p:sp>
+      <p:cxnSp>
+        <p:nvCxnSpPr>
+          <p:cNvPr id="319" name="Elbow Connector 318"/>
+          <p:cNvCxnSpPr>
+            <a:stCxn id="42" idx="6"/>
+            <a:endCxn id="44" idx="4"/>
+          </p:cNvCxnSpPr>
+          <p:nvPr/>
+        </p:nvCxnSpPr>
+        <p:spPr>
+          <a:xfrm flipH="1">
+            <a:off x="6955774" y="9090721"/>
+            <a:ext cx="3919558" cy="301184"/>
+          </a:xfrm>
+          <a:prstGeom prst="bentConnector4">
+            <a:avLst>
+              <a:gd name="adj1" fmla="val -5832"/>
+              <a:gd name="adj2" fmla="val 420564"/>
+            </a:avLst>
+          </a:prstGeom>
+          <a:ln>
+            <a:tailEnd type="arrow"/>
+          </a:ln>
+        </p:spPr>
+        <p:style>
+          <a:lnRef idx="2">
+            <a:schemeClr val="accent1"/>
+          </a:lnRef>
+          <a:fillRef idx="0">
+            <a:schemeClr val="accent1"/>
+          </a:fillRef>
+          <a:effectRef idx="1">
+            <a:schemeClr val="accent1"/>
+          </a:effectRef>
+          <a:fontRef idx="minor">
+            <a:schemeClr val="tx1"/>
+          </a:fontRef>
+        </p:style>
+      </p:cxnSp>
+      <p:sp>
+        <p:nvSpPr>
+          <p:cNvPr id="323" name="TextBox 322"/>
+          <p:cNvSpPr txBox="1"/>
+          <p:nvPr/>
+        </p:nvSpPr>
+        <p:spPr>
+          <a:xfrm>
+            <a:off x="7987421" y="6664423"/>
+            <a:ext cx="1643298" cy="338554"/>
+          </a:xfrm>
+          <a:prstGeom prst="rect">
+            <a:avLst/>
+          </a:prstGeom>
+          <a:noFill/>
+        </p:spPr>
+        <p:txBody>
+          <a:bodyPr wrap="none" rtlCol="0">
+            <a:spAutoFit/>
+          </a:bodyPr>
+          <a:lstStyle/>
+          <a:p>
+            <a:pPr algn="ctr"/>
+            <a:r>
+              <a:rPr lang="en-US" sz="1600" dirty="0"/>
+              <a:t>l</a:t>
+            </a:r>
+            <a:r>
+              <a:rPr lang="en-US" sz="1600" dirty="0" smtClean="0"/>
+              <a:t>oad, save, cancel </a:t>
+            </a:r>
+            <a:endParaRPr lang="en-US" sz="1600" dirty="0"/>
+          </a:p>
+        </p:txBody>
+      </p:sp>
+      <p:sp>
+        <p:nvSpPr>
+          <p:cNvPr id="324" name="TextBox 323"/>
+          <p:cNvSpPr txBox="1"/>
+          <p:nvPr/>
+        </p:nvSpPr>
+        <p:spPr>
+          <a:xfrm>
+            <a:off x="8278232" y="4256511"/>
+            <a:ext cx="713457" cy="338554"/>
+          </a:xfrm>
+          <a:prstGeom prst="rect">
+            <a:avLst/>
+          </a:prstGeom>
+          <a:noFill/>
+        </p:spPr>
+        <p:txBody>
+          <a:bodyPr wrap="none" rtlCol="0">
+            <a:spAutoFit/>
+          </a:bodyPr>
+          <a:lstStyle/>
+          <a:p>
+            <a:pPr algn="ctr"/>
+            <a:r>
+              <a:rPr lang="en-US" sz="1600" dirty="0" smtClean="0"/>
+              <a:t>cancel</a:t>
+            </a:r>
+            <a:endParaRPr lang="en-US" sz="1600" dirty="0"/>
+          </a:p>
+        </p:txBody>
+      </p:sp>
+      <p:sp>
+        <p:nvSpPr>
+          <p:cNvPr id="325" name="TextBox 324"/>
+          <p:cNvSpPr txBox="1"/>
+          <p:nvPr/>
+        </p:nvSpPr>
+        <p:spPr>
+          <a:xfrm>
+            <a:off x="8395181" y="5088054"/>
+            <a:ext cx="713457" cy="338554"/>
+          </a:xfrm>
+          <a:prstGeom prst="rect">
+            <a:avLst/>
+          </a:prstGeom>
+          <a:noFill/>
+        </p:spPr>
+        <p:txBody>
+          <a:bodyPr wrap="none" rtlCol="0">
+            <a:spAutoFit/>
+          </a:bodyPr>
+          <a:lstStyle/>
+          <a:p>
+            <a:pPr algn="ctr"/>
+            <a:r>
+              <a:rPr lang="en-US" sz="1600" dirty="0" smtClean="0"/>
+              <a:t>cancel</a:t>
+            </a:r>
+            <a:endParaRPr lang="en-US" sz="1600" dirty="0"/>
+          </a:p>
+        </p:txBody>
+      </p:sp>
+      <p:cxnSp>
+        <p:nvCxnSpPr>
+          <p:cNvPr id="338" name="Straight Connector 337"/>
+          <p:cNvCxnSpPr>
+            <a:stCxn id="27" idx="3"/>
+          </p:cNvCxnSpPr>
+          <p:nvPr/>
+        </p:nvCxnSpPr>
+        <p:spPr>
+          <a:xfrm flipH="1">
+            <a:off x="1394934" y="7244341"/>
+            <a:ext cx="1328708" cy="1033750"/>
+          </a:xfrm>
+          <a:prstGeom prst="line">
+            <a:avLst/>
+          </a:prstGeom>
+        </p:spPr>
+        <p:style>
+          <a:lnRef idx="2">
+            <a:schemeClr val="accent1"/>
+          </a:lnRef>
+          <a:fillRef idx="0">
+            <a:schemeClr val="accent1"/>
+          </a:fillRef>
+          <a:effectRef idx="1">
+            <a:schemeClr val="accent1"/>
+          </a:effectRef>
+          <a:fontRef idx="minor">
+            <a:schemeClr val="tx1"/>
+          </a:fontRef>
+        </p:style>
+      </p:cxnSp>
+      <p:cxnSp>
+        <p:nvCxnSpPr>
+          <p:cNvPr id="340" name="Elbow Connector 339"/>
+          <p:cNvCxnSpPr>
+            <a:endCxn id="41" idx="2"/>
+          </p:cNvCxnSpPr>
+          <p:nvPr/>
+        </p:nvCxnSpPr>
+        <p:spPr>
+          <a:xfrm>
+            <a:off x="1394934" y="8290288"/>
+            <a:ext cx="1246655" cy="790907"/>
+          </a:xfrm>
+          <a:prstGeom prst="bentConnector3">
+            <a:avLst>
+              <a:gd name="adj1" fmla="val -12"/>
+            </a:avLst>
+          </a:prstGeom>
+          <a:ln>
+            <a:tailEnd type="arrow"/>
+          </a:ln>
+        </p:spPr>
+        <p:style>
+          <a:lnRef idx="2">
+            <a:schemeClr val="accent1"/>
+          </a:lnRef>
+          <a:fillRef idx="0">
+            <a:schemeClr val="accent1"/>
+          </a:fillRef>
+          <a:effectRef idx="1">
+            <a:schemeClr val="accent1"/>
+          </a:effectRef>
+          <a:fontRef idx="minor">
+            <a:schemeClr val="tx1"/>
+          </a:fontRef>
+        </p:style>
+      </p:cxnSp>
+      <p:cxnSp>
+        <p:nvCxnSpPr>
+          <p:cNvPr id="347" name="Elbow Connector 346"/>
+          <p:cNvCxnSpPr>
+            <a:stCxn id="41" idx="0"/>
+          </p:cNvCxnSpPr>
+          <p:nvPr/>
+        </p:nvCxnSpPr>
+        <p:spPr>
+          <a:xfrm rot="5400000" flipH="1" flipV="1">
+            <a:off x="6283889" y="4462573"/>
+            <a:ext cx="985178" cy="7630646"/>
+          </a:xfrm>
+          <a:prstGeom prst="bentConnector2">
+            <a:avLst/>
+          </a:prstGeom>
+        </p:spPr>
+        <p:style>
+          <a:lnRef idx="2">
+            <a:schemeClr val="accent1"/>
+          </a:lnRef>
+          <a:fillRef idx="0">
+            <a:schemeClr val="accent1"/>
+          </a:fillRef>
+          <a:effectRef idx="1">
+            <a:schemeClr val="accent1"/>
+          </a:effectRef>
+          <a:fontRef idx="minor">
+            <a:schemeClr val="tx1"/>
+          </a:fontRef>
+        </p:style>
+      </p:cxnSp>
+      <p:cxnSp>
+        <p:nvCxnSpPr>
+          <p:cNvPr id="349" name="Straight Arrow Connector 348"/>
+          <p:cNvCxnSpPr/>
+          <p:nvPr/>
+        </p:nvCxnSpPr>
+        <p:spPr>
+          <a:xfrm flipV="1">
+            <a:off x="10591801" y="7024636"/>
+            <a:ext cx="0" cy="760671"/>
+          </a:xfrm>
+          <a:prstGeom prst="straightConnector1">
+            <a:avLst/>
+          </a:prstGeom>
+          <a:ln>
+            <a:tailEnd type="arrow"/>
+          </a:ln>
+        </p:spPr>
+        <p:style>
+          <a:lnRef idx="2">
+            <a:schemeClr val="accent1"/>
+          </a:lnRef>
+          <a:fillRef idx="0">
+            <a:schemeClr val="accent1"/>
+          </a:fillRef>
+          <a:effectRef idx="1">
+            <a:schemeClr val="accent1"/>
+          </a:effectRef>
+          <a:fontRef idx="minor">
+            <a:schemeClr val="tx1"/>
+          </a:fontRef>
+        </p:style>
+      </p:cxnSp>
     </p:spTree>
     <p:extLst>
       <p:ext uri="{BB962C8B-B14F-4D97-AF65-F5344CB8AC3E}">

--- a/FSM-docs/cmd_fsm.pptx
+++ b/FSM-docs/cmd_fsm.pptx
@@ -288,7 +288,7 @@
           <a:p>
             <a:fld id="{64126DEB-FF07-2F4D-99E6-C1CC7592DAC1}" type="datetimeFigureOut">
               <a:rPr lang="en-US" smtClean="0"/>
-              <a:t>5/3/14</a:t>
+              <a:t>5/4/14</a:t>
             </a:fld>
             <a:endParaRPr lang="en-US"/>
           </a:p>
@@ -458,7 +458,7 @@
           <a:p>
             <a:fld id="{64126DEB-FF07-2F4D-99E6-C1CC7592DAC1}" type="datetimeFigureOut">
               <a:rPr lang="en-US" smtClean="0"/>
-              <a:t>5/3/14</a:t>
+              <a:t>5/4/14</a:t>
             </a:fld>
             <a:endParaRPr lang="en-US"/>
           </a:p>
@@ -638,7 +638,7 @@
           <a:p>
             <a:fld id="{64126DEB-FF07-2F4D-99E6-C1CC7592DAC1}" type="datetimeFigureOut">
               <a:rPr lang="en-US" smtClean="0"/>
-              <a:t>5/3/14</a:t>
+              <a:t>5/4/14</a:t>
             </a:fld>
             <a:endParaRPr lang="en-US"/>
           </a:p>
@@ -808,7 +808,7 @@
           <a:p>
             <a:fld id="{64126DEB-FF07-2F4D-99E6-C1CC7592DAC1}" type="datetimeFigureOut">
               <a:rPr lang="en-US" smtClean="0"/>
-              <a:t>5/3/14</a:t>
+              <a:t>5/4/14</a:t>
             </a:fld>
             <a:endParaRPr lang="en-US"/>
           </a:p>
@@ -1054,7 +1054,7 @@
           <a:p>
             <a:fld id="{64126DEB-FF07-2F4D-99E6-C1CC7592DAC1}" type="datetimeFigureOut">
               <a:rPr lang="en-US" smtClean="0"/>
-              <a:t>5/3/14</a:t>
+              <a:t>5/4/14</a:t>
             </a:fld>
             <a:endParaRPr lang="en-US"/>
           </a:p>
@@ -1342,7 +1342,7 @@
           <a:p>
             <a:fld id="{64126DEB-FF07-2F4D-99E6-C1CC7592DAC1}" type="datetimeFigureOut">
               <a:rPr lang="en-US" smtClean="0"/>
-              <a:t>5/3/14</a:t>
+              <a:t>5/4/14</a:t>
             </a:fld>
             <a:endParaRPr lang="en-US"/>
           </a:p>
@@ -1769,7 +1769,7 @@
           <a:p>
             <a:fld id="{64126DEB-FF07-2F4D-99E6-C1CC7592DAC1}" type="datetimeFigureOut">
               <a:rPr lang="en-US" smtClean="0"/>
-              <a:t>5/3/14</a:t>
+              <a:t>5/4/14</a:t>
             </a:fld>
             <a:endParaRPr lang="en-US"/>
           </a:p>
@@ -1887,7 +1887,7 @@
           <a:p>
             <a:fld id="{64126DEB-FF07-2F4D-99E6-C1CC7592DAC1}" type="datetimeFigureOut">
               <a:rPr lang="en-US" smtClean="0"/>
-              <a:t>5/3/14</a:t>
+              <a:t>5/4/14</a:t>
             </a:fld>
             <a:endParaRPr lang="en-US"/>
           </a:p>
@@ -1982,7 +1982,7 @@
           <a:p>
             <a:fld id="{64126DEB-FF07-2F4D-99E6-C1CC7592DAC1}" type="datetimeFigureOut">
               <a:rPr lang="en-US" smtClean="0"/>
-              <a:t>5/3/14</a:t>
+              <a:t>5/4/14</a:t>
             </a:fld>
             <a:endParaRPr lang="en-US"/>
           </a:p>
@@ -2259,7 +2259,7 @@
           <a:p>
             <a:fld id="{64126DEB-FF07-2F4D-99E6-C1CC7592DAC1}" type="datetimeFigureOut">
               <a:rPr lang="en-US" smtClean="0"/>
-              <a:t>5/3/14</a:t>
+              <a:t>5/4/14</a:t>
             </a:fld>
             <a:endParaRPr lang="en-US"/>
           </a:p>
@@ -2512,7 +2512,7 @@
           <a:p>
             <a:fld id="{64126DEB-FF07-2F4D-99E6-C1CC7592DAC1}" type="datetimeFigureOut">
               <a:rPr lang="en-US" smtClean="0"/>
-              <a:t>5/3/14</a:t>
+              <a:t>5/4/14</a:t>
             </a:fld>
             <a:endParaRPr lang="en-US"/>
           </a:p>
@@ -2725,7 +2725,7 @@
           <a:p>
             <a:fld id="{64126DEB-FF07-2F4D-99E6-C1CC7592DAC1}" type="datetimeFigureOut">
               <a:rPr lang="en-US" smtClean="0"/>
-              <a:t>5/3/14</a:t>
+              <a:t>5/4/14</a:t>
             </a:fld>
             <a:endParaRPr lang="en-US"/>
           </a:p>
@@ -3313,7 +3313,6 @@
               <a:rPr lang="en-US" sz="1600" dirty="0" smtClean="0"/>
               <a:t>status</a:t>
             </a:r>
-            <a:endParaRPr lang="en-US" sz="1600" dirty="0" smtClean="0"/>
           </a:p>
           <a:p>
             <a:r>
@@ -3859,11 +3858,6 @@
               </a:rPr>
               <a:t>12</a:t>
             </a:r>
-            <a:endParaRPr lang="en-US" sz="1800" dirty="0" smtClean="0">
-              <a:solidFill>
-                <a:schemeClr val="tx1"/>
-              </a:solidFill>
-            </a:endParaRPr>
           </a:p>
         </p:txBody>
       </p:sp>
@@ -3911,11 +3905,6 @@
               </a:rPr>
               <a:t>11</a:t>
             </a:r>
-            <a:endParaRPr lang="en-US" sz="1800" dirty="0" smtClean="0">
-              <a:solidFill>
-                <a:schemeClr val="tx1"/>
-              </a:solidFill>
-            </a:endParaRPr>
           </a:p>
         </p:txBody>
       </p:sp>
@@ -4068,7 +4057,7 @@
         </p:nvSpPr>
         <p:spPr>
           <a:xfrm>
-            <a:off x="2552700" y="19320080"/>
+            <a:off x="2331467" y="12264426"/>
             <a:ext cx="639132" cy="621420"/>
           </a:xfrm>
           <a:prstGeom prst="ellipse">
@@ -4102,8 +4091,13 @@
                   <a:schemeClr val="tx1"/>
                 </a:solidFill>
               </a:rPr>
-              <a:t>25</a:t>
-            </a:r>
+              <a:t>13</a:t>
+            </a:r>
+            <a:endParaRPr lang="en-US" sz="1800" dirty="0" smtClean="0">
+              <a:solidFill>
+                <a:schemeClr val="tx1"/>
+              </a:solidFill>
+            </a:endParaRPr>
           </a:p>
         </p:txBody>
       </p:sp>
@@ -4115,7 +4109,7 @@
         </p:nvSpPr>
         <p:spPr>
           <a:xfrm>
-            <a:off x="7085136" y="19320080"/>
+            <a:off x="6863903" y="12264426"/>
             <a:ext cx="639132" cy="621420"/>
           </a:xfrm>
           <a:prstGeom prst="ellipse">
@@ -4149,8 +4143,13 @@
                   <a:schemeClr val="tx1"/>
                 </a:solidFill>
               </a:rPr>
-              <a:t>28</a:t>
-            </a:r>
+              <a:t>16</a:t>
+            </a:r>
+            <a:endParaRPr lang="en-US" sz="1800" dirty="0" smtClean="0">
+              <a:solidFill>
+                <a:schemeClr val="tx1"/>
+              </a:solidFill>
+            </a:endParaRPr>
           </a:p>
         </p:txBody>
       </p:sp>
@@ -4162,7 +4161,7 @@
         </p:nvSpPr>
         <p:spPr>
           <a:xfrm>
-            <a:off x="5574324" y="19320080"/>
+            <a:off x="5353091" y="12264426"/>
             <a:ext cx="639132" cy="621420"/>
           </a:xfrm>
           <a:prstGeom prst="ellipse">
@@ -4196,8 +4195,13 @@
                   <a:schemeClr val="tx1"/>
                 </a:solidFill>
               </a:rPr>
-              <a:t>27</a:t>
-            </a:r>
+              <a:t>15</a:t>
+            </a:r>
+            <a:endParaRPr lang="en-US" sz="1800" dirty="0" smtClean="0">
+              <a:solidFill>
+                <a:schemeClr val="tx1"/>
+              </a:solidFill>
+            </a:endParaRPr>
           </a:p>
         </p:txBody>
       </p:sp>
@@ -4980,7 +4984,7 @@
         </p:nvSpPr>
         <p:spPr>
           <a:xfrm>
-            <a:off x="4063512" y="19320080"/>
+            <a:off x="3842279" y="12264426"/>
             <a:ext cx="639132" cy="621420"/>
           </a:xfrm>
           <a:prstGeom prst="ellipse">
@@ -5014,8 +5018,13 @@
                   <a:schemeClr val="tx1"/>
                 </a:solidFill>
               </a:rPr>
-              <a:t>26</a:t>
-            </a:r>
+              <a:t>14</a:t>
+            </a:r>
+            <a:endParaRPr lang="en-US" sz="1800" dirty="0" smtClean="0">
+              <a:solidFill>
+                <a:schemeClr val="tx1"/>
+              </a:solidFill>
+            </a:endParaRPr>
           </a:p>
         </p:txBody>
       </p:sp>
@@ -5027,7 +5036,7 @@
         </p:nvSpPr>
         <p:spPr>
           <a:xfrm>
-            <a:off x="8595948" y="19320080"/>
+            <a:off x="8374715" y="12264426"/>
             <a:ext cx="639132" cy="621420"/>
           </a:xfrm>
           <a:prstGeom prst="ellipse">
@@ -5061,8 +5070,13 @@
                   <a:schemeClr val="tx1"/>
                 </a:solidFill>
               </a:rPr>
-              <a:t>29</a:t>
-            </a:r>
+              <a:t>17</a:t>
+            </a:r>
+            <a:endParaRPr lang="en-US" sz="1800" dirty="0" smtClean="0">
+              <a:solidFill>
+                <a:schemeClr val="tx1"/>
+              </a:solidFill>
+            </a:endParaRPr>
           </a:p>
         </p:txBody>
       </p:sp>
@@ -5074,7 +5088,7 @@
         </p:nvSpPr>
         <p:spPr>
           <a:xfrm>
-            <a:off x="10106760" y="19320080"/>
+            <a:off x="9885527" y="12264426"/>
             <a:ext cx="639132" cy="621420"/>
           </a:xfrm>
           <a:prstGeom prst="ellipse">
@@ -5108,8 +5122,13 @@
                   <a:schemeClr val="tx1"/>
                 </a:solidFill>
               </a:rPr>
-              <a:t>30</a:t>
-            </a:r>
+              <a:t>18</a:t>
+            </a:r>
+            <a:endParaRPr lang="en-US" sz="1800" dirty="0" smtClean="0">
+              <a:solidFill>
+                <a:schemeClr val="tx1"/>
+              </a:solidFill>
+            </a:endParaRPr>
           </a:p>
         </p:txBody>
       </p:sp>
@@ -5121,7 +5140,7 @@
         </p:nvSpPr>
         <p:spPr>
           <a:xfrm>
-            <a:off x="11617571" y="19320080"/>
+            <a:off x="11396338" y="12264426"/>
             <a:ext cx="639132" cy="621420"/>
           </a:xfrm>
           <a:prstGeom prst="ellipse">
@@ -5155,8 +5174,13 @@
                   <a:schemeClr val="tx1"/>
                 </a:solidFill>
               </a:rPr>
-              <a:t>31</a:t>
-            </a:r>
+              <a:t>19</a:t>
+            </a:r>
+            <a:endParaRPr lang="en-US" sz="1800" dirty="0" smtClean="0">
+              <a:solidFill>
+                <a:schemeClr val="tx1"/>
+              </a:solidFill>
+            </a:endParaRPr>
           </a:p>
         </p:txBody>
       </p:sp>
@@ -5170,8 +5194,8 @@
         </p:nvCxnSpPr>
         <p:spPr>
           <a:xfrm rot="16200000" flipH="1">
-            <a:off x="233740" y="17311829"/>
-            <a:ext cx="3480155" cy="1157766"/>
+            <a:off x="-899351" y="9344318"/>
+            <a:ext cx="5550500" cy="911135"/>
           </a:xfrm>
           <a:prstGeom prst="bentConnector2">
             <a:avLst/>
@@ -5206,7 +5230,7 @@
         </p:nvCxnSpPr>
         <p:spPr>
           <a:xfrm>
-            <a:off x="3191832" y="19630790"/>
+            <a:off x="2970599" y="12575136"/>
             <a:ext cx="871680" cy="0"/>
           </a:xfrm>
           <a:prstGeom prst="straightConnector1">
@@ -5242,7 +5266,7 @@
         </p:nvCxnSpPr>
         <p:spPr>
           <a:xfrm>
-            <a:off x="4702644" y="19630790"/>
+            <a:off x="4481411" y="12575136"/>
             <a:ext cx="871680" cy="0"/>
           </a:xfrm>
           <a:prstGeom prst="straightConnector1">
@@ -5278,7 +5302,7 @@
         </p:nvCxnSpPr>
         <p:spPr>
           <a:xfrm>
-            <a:off x="6213456" y="19630790"/>
+            <a:off x="5992223" y="12575136"/>
             <a:ext cx="871680" cy="0"/>
           </a:xfrm>
           <a:prstGeom prst="straightConnector1">
@@ -5314,7 +5338,7 @@
         </p:nvCxnSpPr>
         <p:spPr>
           <a:xfrm>
-            <a:off x="7724268" y="19630790"/>
+            <a:off x="7503035" y="12575136"/>
             <a:ext cx="871680" cy="0"/>
           </a:xfrm>
           <a:prstGeom prst="straightConnector1">
@@ -5350,7 +5374,7 @@
         </p:nvCxnSpPr>
         <p:spPr>
           <a:xfrm>
-            <a:off x="9235080" y="19630790"/>
+            <a:off x="9013847" y="12575136"/>
             <a:ext cx="871680" cy="0"/>
           </a:xfrm>
           <a:prstGeom prst="straightConnector1">
@@ -5386,7 +5410,7 @@
         </p:nvCxnSpPr>
         <p:spPr>
           <a:xfrm>
-            <a:off x="10745892" y="19630790"/>
+            <a:off x="10524659" y="12575136"/>
             <a:ext cx="871679" cy="0"/>
           </a:xfrm>
           <a:prstGeom prst="straightConnector1">
@@ -5419,7 +5443,7 @@
         </p:nvSpPr>
         <p:spPr>
           <a:xfrm>
-            <a:off x="3333734" y="19291973"/>
+            <a:off x="3112501" y="12236319"/>
             <a:ext cx="468798" cy="338554"/>
           </a:xfrm>
           <a:prstGeom prst="rect">
@@ -5449,7 +5473,7 @@
         </p:nvSpPr>
         <p:spPr>
           <a:xfrm>
-            <a:off x="4872660" y="19279010"/>
+            <a:off x="4651427" y="12223356"/>
             <a:ext cx="468798" cy="338554"/>
           </a:xfrm>
           <a:prstGeom prst="rect">
@@ -5479,7 +5503,7 @@
         </p:nvSpPr>
         <p:spPr>
           <a:xfrm>
-            <a:off x="6409273" y="19270393"/>
+            <a:off x="6188040" y="12214739"/>
             <a:ext cx="468798" cy="338554"/>
           </a:xfrm>
           <a:prstGeom prst="rect">
@@ -5509,7 +5533,7 @@
         </p:nvSpPr>
         <p:spPr>
           <a:xfrm>
-            <a:off x="7905917" y="19270130"/>
+            <a:off x="7684684" y="12214476"/>
             <a:ext cx="468798" cy="338554"/>
           </a:xfrm>
           <a:prstGeom prst="rect">
@@ -5539,7 +5563,7 @@
         </p:nvSpPr>
         <p:spPr>
           <a:xfrm>
-            <a:off x="9481308" y="19320080"/>
+            <a:off x="9260075" y="12264426"/>
             <a:ext cx="468798" cy="338554"/>
           </a:xfrm>
           <a:prstGeom prst="rect">
@@ -5569,7 +5593,7 @@
         </p:nvSpPr>
         <p:spPr>
           <a:xfrm>
-            <a:off x="10927391" y="19291973"/>
+            <a:off x="10706158" y="12236319"/>
             <a:ext cx="468798" cy="338554"/>
           </a:xfrm>
           <a:prstGeom prst="rect">
@@ -5593,21 +5617,19 @@
       </p:sp>
       <p:sp>
         <p:nvSpPr>
-          <p:cNvPr id="156" name="TextBox 155"/>
+          <p:cNvPr id="157" name="TextBox 156"/>
           <p:cNvSpPr txBox="1"/>
           <p:nvPr/>
         </p:nvSpPr>
         <p:spPr>
           <a:xfrm>
-            <a:off x="11575739" y="18604751"/>
-            <a:ext cx="748322" cy="584776"/>
+            <a:off x="1532679" y="12214476"/>
+            <a:ext cx="435736" cy="338554"/>
           </a:xfrm>
           <a:prstGeom prst="rect">
             <a:avLst/>
           </a:prstGeom>
-          <a:solidFill>
-            <a:schemeClr val="bg1"/>
-          </a:solidFill>
+          <a:noFill/>
         </p:spPr>
         <p:txBody>
           <a:bodyPr wrap="none" rtlCol="0">
@@ -5618,18 +5640,7 @@
             <a:pPr algn="ctr"/>
             <a:r>
               <a:rPr lang="en-US" sz="1600" dirty="0" smtClean="0"/>
-              <a:t>INT</a:t>
-            </a:r>
-          </a:p>
-          <a:p>
-            <a:pPr algn="ctr"/>
-            <a:r>
-              <a:rPr lang="en-US" sz="1600" dirty="0"/>
-              <a:t>q</a:t>
-            </a:r>
-            <a:r>
-              <a:rPr lang="en-US" sz="1600" dirty="0" smtClean="0"/>
-              <a:t>uit(q)</a:t>
+              <a:t>set</a:t>
             </a:r>
             <a:endParaRPr lang="en-US" sz="1600" dirty="0"/>
           </a:p>
@@ -5637,14 +5648,14 @@
       </p:sp>
       <p:sp>
         <p:nvSpPr>
-          <p:cNvPr id="157" name="TextBox 156"/>
+          <p:cNvPr id="158" name="TextBox 157"/>
           <p:cNvSpPr txBox="1"/>
           <p:nvPr/>
         </p:nvSpPr>
         <p:spPr>
           <a:xfrm>
-            <a:off x="1753912" y="19270130"/>
-            <a:ext cx="435736" cy="338554"/>
+            <a:off x="9125111" y="12580559"/>
+            <a:ext cx="530915" cy="307777"/>
           </a:xfrm>
           <a:prstGeom prst="rect">
             <a:avLst/>
@@ -5657,25 +5668,24 @@
           </a:bodyPr>
           <a:lstStyle/>
           <a:p>
-            <a:pPr algn="ctr"/>
-            <a:r>
-              <a:rPr lang="en-US" sz="1600" dirty="0" smtClean="0"/>
-              <a:t>set</a:t>
-            </a:r>
-            <a:endParaRPr lang="en-US" sz="1600" dirty="0"/>
-          </a:p>
-        </p:txBody>
-      </p:sp>
-      <p:sp>
-        <p:nvSpPr>
-          <p:cNvPr id="158" name="TextBox 157"/>
+            <a:r>
+              <a:rPr lang="en-US" sz="1400" dirty="0" smtClean="0"/>
+              <a:t>hour</a:t>
+            </a:r>
+            <a:endParaRPr lang="en-US" sz="1400" dirty="0"/>
+          </a:p>
+        </p:txBody>
+      </p:sp>
+      <p:sp>
+        <p:nvSpPr>
+          <p:cNvPr id="159" name="TextBox 158"/>
           <p:cNvSpPr txBox="1"/>
           <p:nvPr/>
         </p:nvSpPr>
         <p:spPr>
           <a:xfrm>
-            <a:off x="9346344" y="19636213"/>
-            <a:ext cx="530915" cy="307777"/>
+            <a:off x="10524659" y="12580559"/>
+            <a:ext cx="777627" cy="307777"/>
           </a:xfrm>
           <a:prstGeom prst="rect">
             <a:avLst/>
@@ -5690,7 +5700,7 @@
           <a:p>
             <a:r>
               <a:rPr lang="en-US" sz="1400" dirty="0" smtClean="0"/>
-              <a:t>hour</a:t>
+              <a:t>minutes</a:t>
             </a:r>
             <a:endParaRPr lang="en-US" sz="1400" dirty="0"/>
           </a:p>
@@ -5698,14 +5708,14 @@
       </p:sp>
       <p:sp>
         <p:nvSpPr>
-          <p:cNvPr id="159" name="TextBox 158"/>
+          <p:cNvPr id="160" name="TextBox 159"/>
           <p:cNvSpPr txBox="1"/>
           <p:nvPr/>
         </p:nvSpPr>
         <p:spPr>
           <a:xfrm>
-            <a:off x="10745892" y="19636213"/>
-            <a:ext cx="777627" cy="307777"/>
+            <a:off x="7681343" y="12602980"/>
+            <a:ext cx="505267" cy="307777"/>
           </a:xfrm>
           <a:prstGeom prst="rect">
             <a:avLst/>
@@ -5719,8 +5729,8 @@
           <a:lstStyle/>
           <a:p>
             <a:r>
-              <a:rPr lang="en-US" sz="1400" dirty="0" smtClean="0"/>
-              <a:t>minutes</a:t>
+              <a:rPr lang="en-US" sz="1400" dirty="0" err="1" smtClean="0"/>
+              <a:t>dow</a:t>
             </a:r>
             <a:endParaRPr lang="en-US" sz="1400" dirty="0"/>
           </a:p>
@@ -5728,14 +5738,14 @@
       </p:sp>
       <p:sp>
         <p:nvSpPr>
-          <p:cNvPr id="160" name="TextBox 159"/>
+          <p:cNvPr id="161" name="TextBox 160"/>
           <p:cNvSpPr txBox="1"/>
           <p:nvPr/>
         </p:nvSpPr>
         <p:spPr>
           <a:xfrm>
-            <a:off x="7902576" y="19658634"/>
-            <a:ext cx="505267" cy="307777"/>
+            <a:off x="6143533" y="12600102"/>
+            <a:ext cx="518091" cy="307777"/>
           </a:xfrm>
           <a:prstGeom prst="rect">
             <a:avLst/>
@@ -5749,8 +5759,8 @@
           <a:lstStyle/>
           <a:p>
             <a:r>
-              <a:rPr lang="en-US" sz="1400" dirty="0" err="1" smtClean="0"/>
-              <a:t>dow</a:t>
+              <a:rPr lang="en-US" sz="1400" dirty="0" smtClean="0"/>
+              <a:t>date</a:t>
             </a:r>
             <a:endParaRPr lang="en-US" sz="1400" dirty="0"/>
           </a:p>
@@ -5758,14 +5768,14 @@
       </p:sp>
       <p:sp>
         <p:nvSpPr>
-          <p:cNvPr id="161" name="TextBox 160"/>
+          <p:cNvPr id="162" name="TextBox 161"/>
           <p:cNvSpPr txBox="1"/>
           <p:nvPr/>
         </p:nvSpPr>
         <p:spPr>
           <a:xfrm>
-            <a:off x="6364766" y="19655756"/>
-            <a:ext cx="518091" cy="307777"/>
+            <a:off x="4585969" y="12603081"/>
+            <a:ext cx="671553" cy="307777"/>
           </a:xfrm>
           <a:prstGeom prst="rect">
             <a:avLst/>
@@ -5780,7 +5790,7 @@
           <a:p>
             <a:r>
               <a:rPr lang="en-US" sz="1400" dirty="0" smtClean="0"/>
-              <a:t>date</a:t>
+              <a:t>month</a:t>
             </a:r>
             <a:endParaRPr lang="en-US" sz="1400" dirty="0"/>
           </a:p>
@@ -5788,14 +5798,14 @@
       </p:sp>
       <p:sp>
         <p:nvSpPr>
-          <p:cNvPr id="162" name="TextBox 161"/>
+          <p:cNvPr id="163" name="TextBox 162"/>
           <p:cNvSpPr txBox="1"/>
           <p:nvPr/>
         </p:nvSpPr>
         <p:spPr>
           <a:xfrm>
-            <a:off x="4807202" y="19658735"/>
-            <a:ext cx="671553" cy="307777"/>
+            <a:off x="3119256" y="12603081"/>
+            <a:ext cx="505267" cy="307777"/>
           </a:xfrm>
           <a:prstGeom prst="rect">
             <a:avLst/>
@@ -5810,36 +5820,6 @@
           <a:p>
             <a:r>
               <a:rPr lang="en-US" sz="1400" dirty="0" smtClean="0"/>
-              <a:t>month</a:t>
-            </a:r>
-            <a:endParaRPr lang="en-US" sz="1400" dirty="0"/>
-          </a:p>
-        </p:txBody>
-      </p:sp>
-      <p:sp>
-        <p:nvSpPr>
-          <p:cNvPr id="163" name="TextBox 162"/>
-          <p:cNvSpPr txBox="1"/>
-          <p:nvPr/>
-        </p:nvSpPr>
-        <p:spPr>
-          <a:xfrm>
-            <a:off x="3340489" y="19658735"/>
-            <a:ext cx="505267" cy="307777"/>
-          </a:xfrm>
-          <a:prstGeom prst="rect">
-            <a:avLst/>
-          </a:prstGeom>
-          <a:noFill/>
-        </p:spPr>
-        <p:txBody>
-          <a:bodyPr wrap="none" rtlCol="0">
-            <a:spAutoFit/>
-          </a:bodyPr>
-          <a:lstStyle/>
-          <a:p>
-            <a:r>
-              <a:rPr lang="en-US" sz="1400" dirty="0" smtClean="0"/>
               <a:t>year</a:t>
             </a:r>
             <a:endParaRPr lang="en-US" sz="1400" dirty="0"/>
@@ -5854,7 +5834,7 @@
         </p:nvSpPr>
         <p:spPr>
           <a:xfrm>
-            <a:off x="10955795" y="18716272"/>
+            <a:off x="10734562" y="11660618"/>
             <a:ext cx="773682" cy="307777"/>
           </a:xfrm>
           <a:prstGeom prst="rect">
@@ -6659,34 +6639,23 @@
               <a:rPr lang="en-US" sz="1600" dirty="0" smtClean="0"/>
               <a:t>system</a:t>
             </a:r>
-            <a:endParaRPr lang="en-US" sz="1600" dirty="0" smtClean="0"/>
           </a:p>
           <a:p>
             <a:r>
               <a:rPr lang="en-US" sz="1600" dirty="0" smtClean="0"/>
               <a:t>status</a:t>
             </a:r>
-            <a:endParaRPr lang="en-US" sz="1600" dirty="0" smtClean="0"/>
           </a:p>
           <a:p>
             <a:r>
               <a:rPr lang="en-US" sz="1600" dirty="0" smtClean="0"/>
               <a:t>Time</a:t>
             </a:r>
-            <a:endParaRPr lang="en-US" sz="1600" dirty="0" smtClean="0"/>
           </a:p>
           <a:p>
             <a:r>
               <a:rPr lang="en-US" sz="1600" dirty="0" smtClean="0"/>
-              <a:t>help</a:t>
-            </a:r>
-            <a:r>
-              <a:rPr lang="en-US" sz="1600" dirty="0" smtClean="0"/>
-              <a:t>(?</a:t>
-            </a:r>
-            <a:r>
-              <a:rPr lang="en-US" sz="1600" dirty="0" smtClean="0"/>
-              <a:t>)</a:t>
+              <a:t>help(?)</a:t>
             </a:r>
           </a:p>
           <a:p>
@@ -6694,7 +6663,6 @@
               <a:rPr lang="en-US" sz="1600" dirty="0" smtClean="0"/>
               <a:t>quit</a:t>
             </a:r>
-            <a:endParaRPr lang="en-US" sz="1600" dirty="0" smtClean="0"/>
           </a:p>
           <a:p>
             <a:r>
@@ -6967,39 +6935,6 @@
       </p:sp>
       <p:sp>
         <p:nvSpPr>
-          <p:cNvPr id="268" name="TextBox 267"/>
-          <p:cNvSpPr txBox="1"/>
-          <p:nvPr/>
-        </p:nvSpPr>
-        <p:spPr>
-          <a:xfrm>
-            <a:off x="1888976" y="8727083"/>
-            <a:ext cx="510376" cy="338554"/>
-          </a:xfrm>
-          <a:prstGeom prst="rect">
-            <a:avLst/>
-          </a:prstGeom>
-          <a:solidFill>
-            <a:srgbClr val="FFFFFF"/>
-          </a:solidFill>
-        </p:spPr>
-        <p:txBody>
-          <a:bodyPr wrap="none" rtlCol="0">
-            <a:spAutoFit/>
-          </a:bodyPr>
-          <a:lstStyle/>
-          <a:p>
-            <a:pPr algn="ctr"/>
-            <a:r>
-              <a:rPr lang="en-US" sz="1600" dirty="0" smtClean="0"/>
-              <a:t>edit</a:t>
-            </a:r>
-            <a:endParaRPr lang="en-US" sz="1600" dirty="0"/>
-          </a:p>
-        </p:txBody>
-      </p:sp>
-      <p:sp>
-        <p:nvSpPr>
           <p:cNvPr id="272" name="TextBox 271"/>
           <p:cNvSpPr txBox="1"/>
           <p:nvPr/>
@@ -7739,8 +7674,8 @@
         </p:nvCxnSpPr>
         <p:spPr>
           <a:xfrm flipH="1">
-            <a:off x="1394934" y="7244341"/>
-            <a:ext cx="1328708" cy="1033750"/>
+            <a:off x="2192364" y="7244341"/>
+            <a:ext cx="531278" cy="1045947"/>
           </a:xfrm>
           <a:prstGeom prst="line">
             <a:avLst/>
@@ -7770,14 +7705,12 @@
           <p:nvPr/>
         </p:nvCxnSpPr>
         <p:spPr>
-          <a:xfrm>
-            <a:off x="1394934" y="8290288"/>
-            <a:ext cx="1246655" cy="790907"/>
-          </a:xfrm>
-          <a:prstGeom prst="bentConnector3">
-            <a:avLst>
-              <a:gd name="adj1" fmla="val -12"/>
-            </a:avLst>
+          <a:xfrm rot="16200000" flipH="1">
+            <a:off x="2021523" y="8461128"/>
+            <a:ext cx="790907" cy="449225"/>
+          </a:xfrm>
+          <a:prstGeom prst="bentConnector2">
+            <a:avLst/>
           </a:prstGeom>
           <a:ln>
             <a:tailEnd type="arrow"/>
@@ -7863,6 +7796,120 @@
           </a:fontRef>
         </p:style>
       </p:cxnSp>
+      <p:cxnSp>
+        <p:nvCxnSpPr>
+          <p:cNvPr id="7" name="Elbow Connector 6"/>
+          <p:cNvCxnSpPr>
+            <a:stCxn id="141" idx="0"/>
+          </p:cNvCxnSpPr>
+          <p:nvPr/>
+        </p:nvCxnSpPr>
+        <p:spPr>
+          <a:xfrm rot="16200000" flipV="1">
+            <a:off x="5215482" y="5764003"/>
+            <a:ext cx="11876742" cy="1124103"/>
+          </a:xfrm>
+          <a:prstGeom prst="bentConnector3">
+            <a:avLst>
+              <a:gd name="adj1" fmla="val 99639"/>
+            </a:avLst>
+          </a:prstGeom>
+          <a:ln>
+            <a:tailEnd type="arrow"/>
+          </a:ln>
+        </p:spPr>
+        <p:style>
+          <a:lnRef idx="2">
+            <a:schemeClr val="accent1"/>
+          </a:lnRef>
+          <a:fillRef idx="0">
+            <a:schemeClr val="accent1"/>
+          </a:fillRef>
+          <a:effectRef idx="1">
+            <a:schemeClr val="accent1"/>
+          </a:effectRef>
+          <a:fontRef idx="minor">
+            <a:schemeClr val="tx1"/>
+          </a:fontRef>
+        </p:style>
+      </p:cxnSp>
+      <p:sp>
+        <p:nvSpPr>
+          <p:cNvPr id="156" name="TextBox 155"/>
+          <p:cNvSpPr txBox="1"/>
+          <p:nvPr/>
+        </p:nvSpPr>
+        <p:spPr>
+          <a:xfrm>
+            <a:off x="11354506" y="11549097"/>
+            <a:ext cx="748322" cy="584776"/>
+          </a:xfrm>
+          <a:prstGeom prst="rect">
+            <a:avLst/>
+          </a:prstGeom>
+          <a:solidFill>
+            <a:schemeClr val="bg1"/>
+          </a:solidFill>
+        </p:spPr>
+        <p:txBody>
+          <a:bodyPr wrap="none" rtlCol="0">
+            <a:spAutoFit/>
+          </a:bodyPr>
+          <a:lstStyle/>
+          <a:p>
+            <a:pPr algn="ctr"/>
+            <a:r>
+              <a:rPr lang="en-US" sz="1600" dirty="0" smtClean="0"/>
+              <a:t>INT</a:t>
+            </a:r>
+          </a:p>
+          <a:p>
+            <a:pPr algn="ctr"/>
+            <a:r>
+              <a:rPr lang="en-US" sz="1600" dirty="0"/>
+              <a:t>q</a:t>
+            </a:r>
+            <a:r>
+              <a:rPr lang="en-US" sz="1600" dirty="0" smtClean="0"/>
+              <a:t>uit(q)</a:t>
+            </a:r>
+            <a:endParaRPr lang="en-US" sz="1600" dirty="0"/>
+          </a:p>
+        </p:txBody>
+      </p:sp>
+      <p:sp>
+        <p:nvSpPr>
+          <p:cNvPr id="268" name="TextBox 267"/>
+          <p:cNvSpPr txBox="1"/>
+          <p:nvPr/>
+        </p:nvSpPr>
+        <p:spPr>
+          <a:xfrm>
+            <a:off x="1929080" y="8473091"/>
+            <a:ext cx="510376" cy="338554"/>
+          </a:xfrm>
+          <a:prstGeom prst="rect">
+            <a:avLst/>
+          </a:prstGeom>
+          <a:solidFill>
+            <a:srgbClr val="FFFFFF"/>
+          </a:solidFill>
+        </p:spPr>
+        <p:txBody>
+          <a:bodyPr wrap="none" rtlCol="0">
+            <a:spAutoFit/>
+          </a:bodyPr>
+          <a:lstStyle/>
+          <a:p>
+            <a:pPr algn="ctr"/>
+            <a:r>
+              <a:rPr lang="en-US" sz="1600" dirty="0" smtClean="0"/>
+              <a:t>edit</a:t>
+            </a:r>
+            <a:endParaRPr lang="en-US" sz="1600" dirty="0"/>
+          </a:p>
+        </p:txBody>
+      </p:sp>
     </p:spTree>
     <p:extLst>
       <p:ext uri="{BB962C8B-B14F-4D97-AF65-F5344CB8AC3E}">

--- a/FSM-docs/cmd_fsm.pptx
+++ b/FSM-docs/cmd_fsm.pptx
@@ -7,7 +7,7 @@
   <p:sldIdLst>
     <p:sldId id="256" r:id="rId2"/>
   </p:sldIdLst>
-  <p:sldSz cx="12801600" cy="22860000"/>
+  <p:sldSz cx="12801600" cy="15544800"/>
   <p:notesSz cx="6858000" cy="9144000"/>
   <p:defaultTextStyle>
     <a:defPPr>
@@ -136,8 +136,8 @@
         </p:nvSpPr>
         <p:spPr>
           <a:xfrm>
-            <a:off x="960120" y="7101419"/>
-            <a:ext cx="10881360" cy="4900083"/>
+            <a:off x="960120" y="4828967"/>
+            <a:ext cx="10881360" cy="3332056"/>
           </a:xfrm>
         </p:spPr>
         <p:txBody>
@@ -164,8 +164,8 @@
         </p:nvSpPr>
         <p:spPr>
           <a:xfrm>
-            <a:off x="1920240" y="12954000"/>
-            <a:ext cx="8961120" cy="5842000"/>
+            <a:off x="1920240" y="8808720"/>
+            <a:ext cx="8961120" cy="3972560"/>
           </a:xfrm>
         </p:spPr>
         <p:txBody>
@@ -288,7 +288,7 @@
           <a:p>
             <a:fld id="{64126DEB-FF07-2F4D-99E6-C1CC7592DAC1}" type="datetimeFigureOut">
               <a:rPr lang="en-US" smtClean="0"/>
-              <a:t>5/4/14</a:t>
+              <a:t>5/5/14</a:t>
             </a:fld>
             <a:endParaRPr lang="en-US"/>
           </a:p>
@@ -458,7 +458,7 @@
           <a:p>
             <a:fld id="{64126DEB-FF07-2F4D-99E6-C1CC7592DAC1}" type="datetimeFigureOut">
               <a:rPr lang="en-US" smtClean="0"/>
-              <a:t>5/4/14</a:t>
+              <a:t>5/5/14</a:t>
             </a:fld>
             <a:endParaRPr lang="en-US"/>
           </a:p>
@@ -548,8 +548,8 @@
         </p:nvSpPr>
         <p:spPr>
           <a:xfrm>
-            <a:off x="12994959" y="3053295"/>
-            <a:ext cx="4031615" cy="65013417"/>
+            <a:off x="12994959" y="2076241"/>
+            <a:ext cx="4031615" cy="44209124"/>
           </a:xfrm>
         </p:spPr>
         <p:txBody>
@@ -576,8 +576,8 @@
         </p:nvSpPr>
         <p:spPr>
           <a:xfrm>
-            <a:off x="895668" y="3053295"/>
-            <a:ext cx="11885930" cy="65013417"/>
+            <a:off x="895668" y="2076241"/>
+            <a:ext cx="11885930" cy="44209124"/>
           </a:xfrm>
         </p:spPr>
         <p:txBody>
@@ -638,7 +638,7 @@
           <a:p>
             <a:fld id="{64126DEB-FF07-2F4D-99E6-C1CC7592DAC1}" type="datetimeFigureOut">
               <a:rPr lang="en-US" smtClean="0"/>
-              <a:t>5/4/14</a:t>
+              <a:t>5/5/14</a:t>
             </a:fld>
             <a:endParaRPr lang="en-US"/>
           </a:p>
@@ -808,7 +808,7 @@
           <a:p>
             <a:fld id="{64126DEB-FF07-2F4D-99E6-C1CC7592DAC1}" type="datetimeFigureOut">
               <a:rPr lang="en-US" smtClean="0"/>
-              <a:t>5/4/14</a:t>
+              <a:t>5/5/14</a:t>
             </a:fld>
             <a:endParaRPr lang="en-US"/>
           </a:p>
@@ -898,8 +898,8 @@
         </p:nvSpPr>
         <p:spPr>
           <a:xfrm>
-            <a:off x="1011238" y="14689668"/>
-            <a:ext cx="10881360" cy="4540250"/>
+            <a:off x="1011238" y="9988974"/>
+            <a:ext cx="10881360" cy="3087370"/>
           </a:xfrm>
         </p:spPr>
         <p:txBody>
@@ -930,8 +930,8 @@
         </p:nvSpPr>
         <p:spPr>
           <a:xfrm>
-            <a:off x="1011238" y="9689045"/>
-            <a:ext cx="10881360" cy="5000623"/>
+            <a:off x="1011238" y="6588551"/>
+            <a:ext cx="10881360" cy="3400423"/>
           </a:xfrm>
         </p:spPr>
         <p:txBody>
@@ -1054,7 +1054,7 @@
           <a:p>
             <a:fld id="{64126DEB-FF07-2F4D-99E6-C1CC7592DAC1}" type="datetimeFigureOut">
               <a:rPr lang="en-US" smtClean="0"/>
-              <a:t>5/4/14</a:t>
+              <a:t>5/5/14</a:t>
             </a:fld>
             <a:endParaRPr lang="en-US"/>
           </a:p>
@@ -1167,8 +1167,8 @@
         </p:nvSpPr>
         <p:spPr>
           <a:xfrm>
-            <a:off x="895669" y="17780002"/>
-            <a:ext cx="7958772" cy="50286710"/>
+            <a:off x="895669" y="12090402"/>
+            <a:ext cx="7958772" cy="34194963"/>
           </a:xfrm>
         </p:spPr>
         <p:txBody>
@@ -1252,8 +1252,8 @@
         </p:nvSpPr>
         <p:spPr>
           <a:xfrm>
-            <a:off x="9067800" y="17780002"/>
-            <a:ext cx="7958773" cy="50286710"/>
+            <a:off x="9067803" y="12090402"/>
+            <a:ext cx="7958773" cy="34194963"/>
           </a:xfrm>
         </p:spPr>
         <p:txBody>
@@ -1342,7 +1342,7 @@
           <a:p>
             <a:fld id="{64126DEB-FF07-2F4D-99E6-C1CC7592DAC1}" type="datetimeFigureOut">
               <a:rPr lang="en-US" smtClean="0"/>
-              <a:t>5/4/14</a:t>
+              <a:t>5/5/14</a:t>
             </a:fld>
             <a:endParaRPr lang="en-US"/>
           </a:p>
@@ -1432,8 +1432,8 @@
         </p:nvSpPr>
         <p:spPr>
           <a:xfrm>
-            <a:off x="640080" y="915460"/>
-            <a:ext cx="11521440" cy="3810000"/>
+            <a:off x="640080" y="622513"/>
+            <a:ext cx="11521440" cy="2590800"/>
           </a:xfrm>
         </p:spPr>
         <p:txBody>
@@ -1464,8 +1464,8 @@
         </p:nvSpPr>
         <p:spPr>
           <a:xfrm>
-            <a:off x="640080" y="5117043"/>
-            <a:ext cx="5656263" cy="2132540"/>
+            <a:off x="640083" y="3479590"/>
+            <a:ext cx="5656263" cy="1450127"/>
           </a:xfrm>
         </p:spPr>
         <p:txBody>
@@ -1529,8 +1529,8 @@
         </p:nvSpPr>
         <p:spPr>
           <a:xfrm>
-            <a:off x="640080" y="7249583"/>
-            <a:ext cx="5656263" cy="13170960"/>
+            <a:off x="640083" y="4929717"/>
+            <a:ext cx="5656263" cy="8956253"/>
           </a:xfrm>
         </p:spPr>
         <p:txBody>
@@ -1614,8 +1614,8 @@
         </p:nvSpPr>
         <p:spPr>
           <a:xfrm>
-            <a:off x="6503036" y="5117043"/>
-            <a:ext cx="5658485" cy="2132540"/>
+            <a:off x="6503039" y="3479590"/>
+            <a:ext cx="5658485" cy="1450127"/>
           </a:xfrm>
         </p:spPr>
         <p:txBody>
@@ -1679,8 +1679,8 @@
         </p:nvSpPr>
         <p:spPr>
           <a:xfrm>
-            <a:off x="6503036" y="7249583"/>
-            <a:ext cx="5658485" cy="13170960"/>
+            <a:off x="6503039" y="4929717"/>
+            <a:ext cx="5658485" cy="8956253"/>
           </a:xfrm>
         </p:spPr>
         <p:txBody>
@@ -1769,7 +1769,7 @@
           <a:p>
             <a:fld id="{64126DEB-FF07-2F4D-99E6-C1CC7592DAC1}" type="datetimeFigureOut">
               <a:rPr lang="en-US" smtClean="0"/>
-              <a:t>5/4/14</a:t>
+              <a:t>5/5/14</a:t>
             </a:fld>
             <a:endParaRPr lang="en-US"/>
           </a:p>
@@ -1887,7 +1887,7 @@
           <a:p>
             <a:fld id="{64126DEB-FF07-2F4D-99E6-C1CC7592DAC1}" type="datetimeFigureOut">
               <a:rPr lang="en-US" smtClean="0"/>
-              <a:t>5/4/14</a:t>
+              <a:t>5/5/14</a:t>
             </a:fld>
             <a:endParaRPr lang="en-US"/>
           </a:p>
@@ -1982,7 +1982,7 @@
           <a:p>
             <a:fld id="{64126DEB-FF07-2F4D-99E6-C1CC7592DAC1}" type="datetimeFigureOut">
               <a:rPr lang="en-US" smtClean="0"/>
-              <a:t>5/4/14</a:t>
+              <a:t>5/5/14</a:t>
             </a:fld>
             <a:endParaRPr lang="en-US"/>
           </a:p>
@@ -2072,8 +2072,8 @@
         </p:nvSpPr>
         <p:spPr>
           <a:xfrm>
-            <a:off x="640081" y="910167"/>
-            <a:ext cx="4211638" cy="3873500"/>
+            <a:off x="640081" y="618914"/>
+            <a:ext cx="4211638" cy="2633980"/>
           </a:xfrm>
         </p:spPr>
         <p:txBody>
@@ -2104,8 +2104,8 @@
         </p:nvSpPr>
         <p:spPr>
           <a:xfrm>
-            <a:off x="5005070" y="910168"/>
-            <a:ext cx="7156450" cy="19510377"/>
+            <a:off x="5005070" y="618914"/>
+            <a:ext cx="7156450" cy="13267057"/>
           </a:xfrm>
         </p:spPr>
         <p:txBody>
@@ -2189,8 +2189,8 @@
         </p:nvSpPr>
         <p:spPr>
           <a:xfrm>
-            <a:off x="640081" y="4783668"/>
-            <a:ext cx="4211638" cy="15636877"/>
+            <a:off x="640081" y="3252894"/>
+            <a:ext cx="4211638" cy="10633077"/>
           </a:xfrm>
         </p:spPr>
         <p:txBody>
@@ -2259,7 +2259,7 @@
           <a:p>
             <a:fld id="{64126DEB-FF07-2F4D-99E6-C1CC7592DAC1}" type="datetimeFigureOut">
               <a:rPr lang="en-US" smtClean="0"/>
-              <a:t>5/4/14</a:t>
+              <a:t>5/5/14</a:t>
             </a:fld>
             <a:endParaRPr lang="en-US"/>
           </a:p>
@@ -2349,8 +2349,8 @@
         </p:nvSpPr>
         <p:spPr>
           <a:xfrm>
-            <a:off x="2509203" y="16002000"/>
-            <a:ext cx="7680960" cy="1889127"/>
+            <a:off x="2509203" y="10881360"/>
+            <a:ext cx="7680960" cy="1284607"/>
           </a:xfrm>
         </p:spPr>
         <p:txBody>
@@ -2381,8 +2381,8 @@
         </p:nvSpPr>
         <p:spPr>
           <a:xfrm>
-            <a:off x="2509203" y="2042583"/>
-            <a:ext cx="7680960" cy="13716000"/>
+            <a:off x="2509203" y="1388956"/>
+            <a:ext cx="7680960" cy="9326880"/>
           </a:xfrm>
         </p:spPr>
         <p:txBody>
@@ -2442,8 +2442,8 @@
         </p:nvSpPr>
         <p:spPr>
           <a:xfrm>
-            <a:off x="2509203" y="17891127"/>
-            <a:ext cx="7680960" cy="2682873"/>
+            <a:off x="2509203" y="12165967"/>
+            <a:ext cx="7680960" cy="1824353"/>
           </a:xfrm>
         </p:spPr>
         <p:txBody>
@@ -2512,7 +2512,7 @@
           <a:p>
             <a:fld id="{64126DEB-FF07-2F4D-99E6-C1CC7592DAC1}" type="datetimeFigureOut">
               <a:rPr lang="en-US" smtClean="0"/>
-              <a:t>5/4/14</a:t>
+              <a:t>5/5/14</a:t>
             </a:fld>
             <a:endParaRPr lang="en-US"/>
           </a:p>
@@ -2607,8 +2607,8 @@
         </p:nvSpPr>
         <p:spPr>
           <a:xfrm>
-            <a:off x="640080" y="915460"/>
-            <a:ext cx="11521440" cy="3810000"/>
+            <a:off x="640080" y="622513"/>
+            <a:ext cx="11521440" cy="2590800"/>
           </a:xfrm>
           <a:prstGeom prst="rect">
             <a:avLst/>
@@ -2640,8 +2640,8 @@
         </p:nvSpPr>
         <p:spPr>
           <a:xfrm>
-            <a:off x="640080" y="5334002"/>
-            <a:ext cx="11521440" cy="15086543"/>
+            <a:off x="640080" y="3627123"/>
+            <a:ext cx="11521440" cy="10258849"/>
           </a:xfrm>
           <a:prstGeom prst="rect">
             <a:avLst/>
@@ -2702,8 +2702,8 @@
         </p:nvSpPr>
         <p:spPr>
           <a:xfrm>
-            <a:off x="640080" y="21187835"/>
-            <a:ext cx="2987040" cy="1217083"/>
+            <a:off x="640080" y="14407729"/>
+            <a:ext cx="2987040" cy="827616"/>
           </a:xfrm>
           <a:prstGeom prst="rect">
             <a:avLst/>
@@ -2725,7 +2725,7 @@
           <a:p>
             <a:fld id="{64126DEB-FF07-2F4D-99E6-C1CC7592DAC1}" type="datetimeFigureOut">
               <a:rPr lang="en-US" smtClean="0"/>
-              <a:t>5/4/14</a:t>
+              <a:t>5/5/14</a:t>
             </a:fld>
             <a:endParaRPr lang="en-US"/>
           </a:p>
@@ -2743,8 +2743,8 @@
         </p:nvSpPr>
         <p:spPr>
           <a:xfrm>
-            <a:off x="4373880" y="21187835"/>
-            <a:ext cx="4053840" cy="1217083"/>
+            <a:off x="4373880" y="14407729"/>
+            <a:ext cx="4053840" cy="827616"/>
           </a:xfrm>
           <a:prstGeom prst="rect">
             <a:avLst/>
@@ -2780,8 +2780,8 @@
         </p:nvSpPr>
         <p:spPr>
           <a:xfrm>
-            <a:off x="9174480" y="21187835"/>
-            <a:ext cx="2987040" cy="1217083"/>
+            <a:off x="9174480" y="14407729"/>
+            <a:ext cx="2987040" cy="827616"/>
           </a:xfrm>
           <a:prstGeom prst="rect">
             <a:avLst/>
@@ -3102,13 +3102,13 @@
       </p:grpSpPr>
       <p:sp>
         <p:nvSpPr>
-          <p:cNvPr id="4" name="Oval 3"/>
+          <p:cNvPr id="416" name="Oval 415"/>
           <p:cNvSpPr/>
           <p:nvPr/>
         </p:nvSpPr>
         <p:spPr>
           <a:xfrm>
-            <a:off x="1100768" y="1689628"/>
+            <a:off x="948368" y="1842028"/>
             <a:ext cx="639132" cy="621420"/>
           </a:xfrm>
           <a:prstGeom prst="ellipse">
@@ -3154,13 +3154,13 @@
       </p:sp>
       <p:sp>
         <p:nvSpPr>
-          <p:cNvPr id="5" name="Oval 4"/>
+          <p:cNvPr id="417" name="Oval 416"/>
           <p:cNvSpPr/>
           <p:nvPr/>
         </p:nvSpPr>
         <p:spPr>
           <a:xfrm>
-            <a:off x="4553094" y="8770485"/>
+            <a:off x="4400694" y="9938885"/>
             <a:ext cx="639132" cy="621420"/>
           </a:xfrm>
           <a:prstGeom prst="ellipse">
@@ -3201,16 +3201,16 @@
       </p:sp>
       <p:cxnSp>
         <p:nvCxnSpPr>
-          <p:cNvPr id="6" name="Elbow Connector 5"/>
+          <p:cNvPr id="418" name="Elbow Connector 417"/>
           <p:cNvCxnSpPr>
-            <a:stCxn id="4" idx="4"/>
-            <a:endCxn id="11" idx="2"/>
+            <a:stCxn id="416" idx="4"/>
+            <a:endCxn id="421" idx="2"/>
           </p:cNvCxnSpPr>
           <p:nvPr/>
         </p:nvCxnSpPr>
         <p:spPr>
           <a:xfrm rot="16200000" flipH="1">
-            <a:off x="1297893" y="2433488"/>
+            <a:off x="1145493" y="2585888"/>
             <a:ext cx="1454590" cy="1209709"/>
           </a:xfrm>
           <a:prstGeom prst="bentConnector2">
@@ -3237,16 +3237,16 @@
       </p:cxnSp>
       <p:cxnSp>
         <p:nvCxnSpPr>
-          <p:cNvPr id="8" name="Curved Connector 7"/>
+          <p:cNvPr id="419" name="Curved Connector 418"/>
           <p:cNvCxnSpPr>
-            <a:stCxn id="4" idx="5"/>
-            <a:endCxn id="4" idx="7"/>
+            <a:stCxn id="416" idx="5"/>
+            <a:endCxn id="416" idx="7"/>
           </p:cNvCxnSpPr>
           <p:nvPr/>
         </p:nvCxnSpPr>
         <p:spPr>
           <a:xfrm rot="5400000" flipH="1">
-            <a:off x="1426596" y="2000338"/>
+            <a:off x="1274196" y="2152738"/>
             <a:ext cx="439410" cy="12700"/>
           </a:xfrm>
           <a:prstGeom prst="curvedConnector5">
@@ -3277,13 +3277,13 @@
       </p:cxnSp>
       <p:sp>
         <p:nvSpPr>
-          <p:cNvPr id="9" name="TextBox 8"/>
+          <p:cNvPr id="420" name="TextBox 419"/>
           <p:cNvSpPr txBox="1"/>
           <p:nvPr/>
         </p:nvSpPr>
         <p:spPr>
           <a:xfrm>
-            <a:off x="2349500" y="1187207"/>
+            <a:off x="2197100" y="1339607"/>
             <a:ext cx="1019730" cy="1815882"/>
           </a:xfrm>
           <a:prstGeom prst="rect">
@@ -3356,13 +3356,13 @@
       </p:sp>
       <p:sp>
         <p:nvSpPr>
-          <p:cNvPr id="11" name="Oval 10"/>
+          <p:cNvPr id="421" name="Oval 420"/>
           <p:cNvSpPr/>
           <p:nvPr/>
         </p:nvSpPr>
         <p:spPr>
           <a:xfrm>
-            <a:off x="2630043" y="3454928"/>
+            <a:off x="2477643" y="3607328"/>
             <a:ext cx="639132" cy="621420"/>
           </a:xfrm>
           <a:prstGeom prst="ellipse">
@@ -3403,13 +3403,13 @@
       </p:sp>
       <p:sp>
         <p:nvSpPr>
-          <p:cNvPr id="12" name="Oval 11"/>
+          <p:cNvPr id="422" name="Oval 421"/>
           <p:cNvSpPr/>
           <p:nvPr/>
         </p:nvSpPr>
         <p:spPr>
           <a:xfrm>
-            <a:off x="4584700" y="3444144"/>
+            <a:off x="4432300" y="3596544"/>
             <a:ext cx="639132" cy="621420"/>
           </a:xfrm>
           <a:prstGeom prst="ellipse">
@@ -3450,13 +3450,13 @@
       </p:sp>
       <p:sp>
         <p:nvSpPr>
-          <p:cNvPr id="14" name="TextBox 13"/>
+          <p:cNvPr id="423" name="TextBox 422"/>
           <p:cNvSpPr txBox="1"/>
           <p:nvPr/>
         </p:nvSpPr>
         <p:spPr>
           <a:xfrm>
-            <a:off x="3574844" y="3416300"/>
+            <a:off x="3422444" y="3568700"/>
             <a:ext cx="468798" cy="338554"/>
           </a:xfrm>
           <a:prstGeom prst="rect">
@@ -3480,13 +3480,13 @@
       </p:sp>
       <p:sp>
         <p:nvSpPr>
-          <p:cNvPr id="16" name="TextBox 15"/>
+          <p:cNvPr id="424" name="TextBox 423"/>
           <p:cNvSpPr txBox="1"/>
           <p:nvPr/>
         </p:nvSpPr>
         <p:spPr>
           <a:xfrm>
-            <a:off x="3405163" y="3730226"/>
+            <a:off x="3252763" y="3882626"/>
             <a:ext cx="929186" cy="307777"/>
           </a:xfrm>
           <a:prstGeom prst="rect">
@@ -3510,13 +3510,13 @@
       </p:sp>
       <p:sp>
         <p:nvSpPr>
-          <p:cNvPr id="18" name="TextBox 17"/>
+          <p:cNvPr id="425" name="TextBox 424"/>
           <p:cNvSpPr txBox="1"/>
           <p:nvPr/>
         </p:nvSpPr>
         <p:spPr>
           <a:xfrm>
-            <a:off x="1549175" y="3441700"/>
+            <a:off x="1396775" y="3594100"/>
             <a:ext cx="842298" cy="338554"/>
           </a:xfrm>
           <a:prstGeom prst="rect">
@@ -3541,137 +3541,13 @@
       </p:sp>
       <p:sp>
         <p:nvSpPr>
-          <p:cNvPr id="22" name="TextBox 21"/>
-          <p:cNvSpPr txBox="1"/>
-          <p:nvPr/>
-        </p:nvSpPr>
-        <p:spPr>
-          <a:xfrm>
-            <a:off x="-6428086" y="6038419"/>
-            <a:ext cx="468798" cy="338554"/>
-          </a:xfrm>
-          <a:prstGeom prst="rect">
-            <a:avLst/>
-          </a:prstGeom>
-          <a:noFill/>
-        </p:spPr>
-        <p:txBody>
-          <a:bodyPr wrap="none" rtlCol="0">
-            <a:spAutoFit/>
-          </a:bodyPr>
-          <a:lstStyle/>
-          <a:p>
-            <a:r>
-              <a:rPr lang="en-US" sz="1600" dirty="0" smtClean="0"/>
-              <a:t>INT</a:t>
-            </a:r>
-            <a:endParaRPr lang="en-US" sz="1600" dirty="0"/>
-          </a:p>
-        </p:txBody>
-      </p:sp>
-      <p:sp>
-        <p:nvSpPr>
-          <p:cNvPr id="23" name="TextBox 22"/>
-          <p:cNvSpPr txBox="1"/>
-          <p:nvPr/>
-        </p:nvSpPr>
-        <p:spPr>
-          <a:xfrm>
-            <a:off x="-4397443" y="6034073"/>
-            <a:ext cx="468798" cy="338554"/>
-          </a:xfrm>
-          <a:prstGeom prst="rect">
-            <a:avLst/>
-          </a:prstGeom>
-          <a:noFill/>
-        </p:spPr>
-        <p:txBody>
-          <a:bodyPr wrap="none" rtlCol="0">
-            <a:spAutoFit/>
-          </a:bodyPr>
-          <a:lstStyle/>
-          <a:p>
-            <a:r>
-              <a:rPr lang="en-US" sz="1600" dirty="0" smtClean="0"/>
-              <a:t>INT</a:t>
-            </a:r>
-            <a:endParaRPr lang="en-US" sz="1600" dirty="0"/>
-          </a:p>
-        </p:txBody>
-      </p:sp>
-      <p:sp>
-        <p:nvSpPr>
-          <p:cNvPr id="24" name="TextBox 23"/>
-          <p:cNvSpPr txBox="1"/>
-          <p:nvPr/>
-        </p:nvSpPr>
-        <p:spPr>
-          <a:xfrm>
-            <a:off x="-6638737" y="6393315"/>
-            <a:ext cx="890100" cy="307777"/>
-          </a:xfrm>
-          <a:prstGeom prst="rect">
-            <a:avLst/>
-          </a:prstGeom>
-          <a:noFill/>
-        </p:spPr>
-        <p:txBody>
-          <a:bodyPr wrap="none" rtlCol="0">
-            <a:spAutoFit/>
-          </a:bodyPr>
-          <a:lstStyle/>
-          <a:p>
-            <a:r>
-              <a:rPr lang="en-US" sz="1400" dirty="0" smtClean="0"/>
-              <a:t>channel #</a:t>
-            </a:r>
-            <a:endParaRPr lang="en-US" sz="1400" dirty="0"/>
-          </a:p>
-        </p:txBody>
-      </p:sp>
-      <p:sp>
-        <p:nvSpPr>
-          <p:cNvPr id="25" name="TextBox 24"/>
-          <p:cNvSpPr txBox="1"/>
-          <p:nvPr/>
-        </p:nvSpPr>
-        <p:spPr>
-          <a:xfrm>
-            <a:off x="-4454149" y="6393315"/>
-            <a:ext cx="582211" cy="307777"/>
-          </a:xfrm>
-          <a:prstGeom prst="rect">
-            <a:avLst/>
-          </a:prstGeom>
-          <a:noFill/>
-        </p:spPr>
-        <p:txBody>
-          <a:bodyPr wrap="none" rtlCol="0">
-            <a:spAutoFit/>
-          </a:bodyPr>
-          <a:lstStyle/>
-          <a:p>
-            <a:r>
-              <a:rPr lang="en-US" sz="1400" dirty="0"/>
-              <a:t>d</a:t>
-            </a:r>
-            <a:r>
-              <a:rPr lang="en-US" sz="1400" dirty="0" smtClean="0"/>
-              <a:t>ay #</a:t>
-            </a:r>
-            <a:endParaRPr lang="en-US" sz="1400" dirty="0"/>
-          </a:p>
-        </p:txBody>
-      </p:sp>
-      <p:sp>
-        <p:nvSpPr>
-          <p:cNvPr id="27" name="Oval 26"/>
+          <p:cNvPr id="426" name="Oval 425"/>
           <p:cNvSpPr/>
           <p:nvPr/>
         </p:nvSpPr>
         <p:spPr>
           <a:xfrm>
-            <a:off x="2630043" y="6713926"/>
+            <a:off x="2477643" y="6866326"/>
             <a:ext cx="639132" cy="621420"/>
           </a:xfrm>
           <a:prstGeom prst="ellipse">
@@ -3717,13 +3593,13 @@
       </p:sp>
       <p:sp>
         <p:nvSpPr>
-          <p:cNvPr id="33" name="Oval 32"/>
+          <p:cNvPr id="427" name="Oval 426"/>
           <p:cNvSpPr/>
           <p:nvPr/>
         </p:nvSpPr>
         <p:spPr>
           <a:xfrm>
-            <a:off x="6635244" y="4285986"/>
+            <a:off x="6482844" y="4438386"/>
             <a:ext cx="639132" cy="621420"/>
           </a:xfrm>
           <a:prstGeom prst="ellipse">
@@ -3769,13 +3645,13 @@
       </p:sp>
       <p:sp>
         <p:nvSpPr>
-          <p:cNvPr id="41" name="Oval 40"/>
+          <p:cNvPr id="428" name="Oval 427"/>
           <p:cNvSpPr/>
           <p:nvPr/>
         </p:nvSpPr>
         <p:spPr>
           <a:xfrm>
-            <a:off x="2641589" y="8770485"/>
+            <a:off x="2489189" y="9938885"/>
             <a:ext cx="639132" cy="621420"/>
           </a:xfrm>
           <a:prstGeom prst="ellipse">
@@ -3816,13 +3692,13 @@
       </p:sp>
       <p:sp>
         <p:nvSpPr>
-          <p:cNvPr id="42" name="Oval 41"/>
+          <p:cNvPr id="429" name="Oval 428"/>
           <p:cNvSpPr/>
           <p:nvPr/>
         </p:nvSpPr>
         <p:spPr>
           <a:xfrm>
-            <a:off x="10236200" y="8780011"/>
+            <a:off x="10083800" y="9948411"/>
             <a:ext cx="639132" cy="621420"/>
           </a:xfrm>
           <a:prstGeom prst="ellipse">
@@ -3863,13 +3739,13 @@
       </p:sp>
       <p:sp>
         <p:nvSpPr>
-          <p:cNvPr id="43" name="Oval 42"/>
+          <p:cNvPr id="430" name="Oval 429"/>
           <p:cNvSpPr/>
           <p:nvPr/>
         </p:nvSpPr>
         <p:spPr>
           <a:xfrm>
-            <a:off x="8436204" y="8780011"/>
+            <a:off x="8283804" y="9948411"/>
             <a:ext cx="639132" cy="621420"/>
           </a:xfrm>
           <a:prstGeom prst="ellipse">
@@ -3910,13 +3786,13 @@
       </p:sp>
       <p:sp>
         <p:nvSpPr>
-          <p:cNvPr id="44" name="Oval 43"/>
+          <p:cNvPr id="431" name="Oval 430"/>
           <p:cNvSpPr/>
           <p:nvPr/>
         </p:nvSpPr>
         <p:spPr>
           <a:xfrm>
-            <a:off x="6636208" y="8770485"/>
+            <a:off x="6483808" y="9938885"/>
             <a:ext cx="639132" cy="621420"/>
           </a:xfrm>
           <a:prstGeom prst="ellipse">
@@ -3957,13 +3833,154 @@
       </p:sp>
       <p:sp>
         <p:nvSpPr>
-          <p:cNvPr id="45" name="Oval 44"/>
+          <p:cNvPr id="432" name="Oval 431"/>
           <p:cNvSpPr/>
           <p:nvPr/>
         </p:nvSpPr>
         <p:spPr>
           <a:xfrm>
-            <a:off x="-7462930" y="10459259"/>
+            <a:off x="2179067" y="13432826"/>
+            <a:ext cx="639132" cy="621420"/>
+          </a:xfrm>
+          <a:prstGeom prst="ellipse">
+            <a:avLst/>
+          </a:prstGeom>
+          <a:noFill/>
+          <a:ln/>
+        </p:spPr>
+        <p:style>
+          <a:lnRef idx="1">
+            <a:schemeClr val="accent1"/>
+          </a:lnRef>
+          <a:fillRef idx="3">
+            <a:schemeClr val="accent1"/>
+          </a:fillRef>
+          <a:effectRef idx="2">
+            <a:schemeClr val="accent1"/>
+          </a:effectRef>
+          <a:fontRef idx="minor">
+            <a:schemeClr val="lt1"/>
+          </a:fontRef>
+        </p:style>
+        <p:txBody>
+          <a:bodyPr anchor="ctr" anchorCtr="0"/>
+          <a:lstStyle/>
+          <a:p>
+            <a:pPr algn="ctr"/>
+            <a:r>
+              <a:rPr lang="en-US" sz="1800" dirty="0" smtClean="0">
+                <a:solidFill>
+                  <a:schemeClr val="tx1"/>
+                </a:solidFill>
+              </a:rPr>
+              <a:t>13</a:t>
+            </a:r>
+          </a:p>
+        </p:txBody>
+      </p:sp>
+      <p:sp>
+        <p:nvSpPr>
+          <p:cNvPr id="433" name="Oval 432"/>
+          <p:cNvSpPr/>
+          <p:nvPr/>
+        </p:nvSpPr>
+        <p:spPr>
+          <a:xfrm>
+            <a:off x="6711503" y="13432826"/>
+            <a:ext cx="639132" cy="621420"/>
+          </a:xfrm>
+          <a:prstGeom prst="ellipse">
+            <a:avLst/>
+          </a:prstGeom>
+          <a:noFill/>
+          <a:ln/>
+        </p:spPr>
+        <p:style>
+          <a:lnRef idx="1">
+            <a:schemeClr val="accent1"/>
+          </a:lnRef>
+          <a:fillRef idx="3">
+            <a:schemeClr val="accent1"/>
+          </a:fillRef>
+          <a:effectRef idx="2">
+            <a:schemeClr val="accent1"/>
+          </a:effectRef>
+          <a:fontRef idx="minor">
+            <a:schemeClr val="lt1"/>
+          </a:fontRef>
+        </p:style>
+        <p:txBody>
+          <a:bodyPr anchor="ctr" anchorCtr="0"/>
+          <a:lstStyle/>
+          <a:p>
+            <a:pPr algn="ctr"/>
+            <a:r>
+              <a:rPr lang="en-US" sz="1800" dirty="0" smtClean="0">
+                <a:solidFill>
+                  <a:schemeClr val="tx1"/>
+                </a:solidFill>
+              </a:rPr>
+              <a:t>16</a:t>
+            </a:r>
+          </a:p>
+        </p:txBody>
+      </p:sp>
+      <p:sp>
+        <p:nvSpPr>
+          <p:cNvPr id="434" name="Oval 433"/>
+          <p:cNvSpPr/>
+          <p:nvPr/>
+        </p:nvSpPr>
+        <p:spPr>
+          <a:xfrm>
+            <a:off x="5200691" y="13432826"/>
+            <a:ext cx="639132" cy="621420"/>
+          </a:xfrm>
+          <a:prstGeom prst="ellipse">
+            <a:avLst/>
+          </a:prstGeom>
+          <a:noFill/>
+          <a:ln/>
+        </p:spPr>
+        <p:style>
+          <a:lnRef idx="1">
+            <a:schemeClr val="accent1"/>
+          </a:lnRef>
+          <a:fillRef idx="3">
+            <a:schemeClr val="accent1"/>
+          </a:fillRef>
+          <a:effectRef idx="2">
+            <a:schemeClr val="accent1"/>
+          </a:effectRef>
+          <a:fontRef idx="minor">
+            <a:schemeClr val="lt1"/>
+          </a:fontRef>
+        </p:style>
+        <p:txBody>
+          <a:bodyPr anchor="ctr" anchorCtr="0"/>
+          <a:lstStyle/>
+          <a:p>
+            <a:pPr algn="ctr"/>
+            <a:r>
+              <a:rPr lang="en-US" sz="1800" dirty="0" smtClean="0">
+                <a:solidFill>
+                  <a:schemeClr val="tx1"/>
+                </a:solidFill>
+              </a:rPr>
+              <a:t>15</a:t>
+            </a:r>
+          </a:p>
+        </p:txBody>
+      </p:sp>
+      <p:sp>
+        <p:nvSpPr>
+          <p:cNvPr id="435" name="Oval 434"/>
+          <p:cNvSpPr/>
+          <p:nvPr/>
+        </p:nvSpPr>
+        <p:spPr>
+          <a:xfrm>
+            <a:off x="3689879" y="13432826"/>
             <a:ext cx="639132" cy="621420"/>
           </a:xfrm>
           <a:prstGeom prst="ellipse">
@@ -4004,13 +4021,13 @@
       </p:sp>
       <p:sp>
         <p:nvSpPr>
-          <p:cNvPr id="47" name="Oval 46"/>
+          <p:cNvPr id="436" name="Oval 435"/>
           <p:cNvSpPr/>
           <p:nvPr/>
         </p:nvSpPr>
         <p:spPr>
           <a:xfrm>
-            <a:off x="-7462930" y="11329298"/>
+            <a:off x="8222315" y="13432826"/>
             <a:ext cx="639132" cy="621420"/>
           </a:xfrm>
           <a:prstGeom prst="ellipse">
@@ -4044,20 +4061,20 @@
                   <a:schemeClr val="tx1"/>
                 </a:solidFill>
               </a:rPr>
-              <a:t>15</a:t>
-            </a:r>
-          </a:p>
-        </p:txBody>
-      </p:sp>
-      <p:sp>
-        <p:nvSpPr>
-          <p:cNvPr id="48" name="Oval 47"/>
+              <a:t>17</a:t>
+            </a:r>
+          </a:p>
+        </p:txBody>
+      </p:sp>
+      <p:sp>
+        <p:nvSpPr>
+          <p:cNvPr id="437" name="Oval 436"/>
           <p:cNvSpPr/>
           <p:nvPr/>
         </p:nvSpPr>
         <p:spPr>
           <a:xfrm>
-            <a:off x="2331467" y="12264426"/>
+            <a:off x="9733127" y="13432826"/>
             <a:ext cx="639132" cy="621420"/>
           </a:xfrm>
           <a:prstGeom prst="ellipse">
@@ -4091,25 +4108,20 @@
                   <a:schemeClr val="tx1"/>
                 </a:solidFill>
               </a:rPr>
-              <a:t>13</a:t>
-            </a:r>
-            <a:endParaRPr lang="en-US" sz="1800" dirty="0" smtClean="0">
-              <a:solidFill>
-                <a:schemeClr val="tx1"/>
-              </a:solidFill>
-            </a:endParaRPr>
-          </a:p>
-        </p:txBody>
-      </p:sp>
-      <p:sp>
-        <p:nvSpPr>
-          <p:cNvPr id="49" name="Oval 48"/>
+              <a:t>18</a:t>
+            </a:r>
+          </a:p>
+        </p:txBody>
+      </p:sp>
+      <p:sp>
+        <p:nvSpPr>
+          <p:cNvPr id="438" name="Oval 437"/>
           <p:cNvSpPr/>
           <p:nvPr/>
         </p:nvSpPr>
         <p:spPr>
           <a:xfrm>
-            <a:off x="6863903" y="12264426"/>
+            <a:off x="11243938" y="13432826"/>
             <a:ext cx="639132" cy="621420"/>
           </a:xfrm>
           <a:prstGeom prst="ellipse">
@@ -4143,640 +4155,26 @@
                   <a:schemeClr val="tx1"/>
                 </a:solidFill>
               </a:rPr>
-              <a:t>16</a:t>
-            </a:r>
-            <a:endParaRPr lang="en-US" sz="1800" dirty="0" smtClean="0">
-              <a:solidFill>
-                <a:schemeClr val="tx1"/>
-              </a:solidFill>
-            </a:endParaRPr>
-          </a:p>
-        </p:txBody>
-      </p:sp>
-      <p:sp>
-        <p:nvSpPr>
-          <p:cNvPr id="50" name="Oval 49"/>
-          <p:cNvSpPr/>
-          <p:nvPr/>
-        </p:nvSpPr>
-        <p:spPr>
-          <a:xfrm>
-            <a:off x="5353091" y="12264426"/>
-            <a:ext cx="639132" cy="621420"/>
-          </a:xfrm>
-          <a:prstGeom prst="ellipse">
-            <a:avLst/>
-          </a:prstGeom>
-          <a:noFill/>
-          <a:ln/>
-        </p:spPr>
-        <p:style>
-          <a:lnRef idx="1">
-            <a:schemeClr val="accent1"/>
-          </a:lnRef>
-          <a:fillRef idx="3">
-            <a:schemeClr val="accent1"/>
-          </a:fillRef>
-          <a:effectRef idx="2">
-            <a:schemeClr val="accent1"/>
-          </a:effectRef>
-          <a:fontRef idx="minor">
-            <a:schemeClr val="lt1"/>
-          </a:fontRef>
-        </p:style>
-        <p:txBody>
-          <a:bodyPr anchor="ctr" anchorCtr="0"/>
-          <a:lstStyle/>
-          <a:p>
-            <a:pPr algn="ctr"/>
-            <a:r>
-              <a:rPr lang="en-US" sz="1800" dirty="0" smtClean="0">
-                <a:solidFill>
-                  <a:schemeClr val="tx1"/>
-                </a:solidFill>
-              </a:rPr>
-              <a:t>15</a:t>
-            </a:r>
-            <a:endParaRPr lang="en-US" sz="1800" dirty="0" smtClean="0">
-              <a:solidFill>
-                <a:schemeClr val="tx1"/>
-              </a:solidFill>
-            </a:endParaRPr>
-          </a:p>
-        </p:txBody>
-      </p:sp>
-      <p:sp>
-        <p:nvSpPr>
-          <p:cNvPr id="51" name="TextBox 50"/>
-          <p:cNvSpPr txBox="1"/>
-          <p:nvPr/>
-        </p:nvSpPr>
-        <p:spPr>
-          <a:xfrm>
-            <a:off x="-8389885" y="6081220"/>
-            <a:ext cx="714559" cy="338554"/>
-          </a:xfrm>
-          <a:prstGeom prst="rect">
-            <a:avLst/>
-          </a:prstGeom>
-          <a:noFill/>
-        </p:spPr>
-        <p:txBody>
-          <a:bodyPr wrap="none" rtlCol="0">
-            <a:spAutoFit/>
-          </a:bodyPr>
-          <a:lstStyle/>
-          <a:p>
-            <a:pPr algn="ctr"/>
-            <a:r>
-              <a:rPr lang="en-US" sz="1600" dirty="0" smtClean="0"/>
-              <a:t>delete</a:t>
-            </a:r>
-            <a:endParaRPr lang="en-US" sz="1600" dirty="0"/>
-          </a:p>
-        </p:txBody>
-      </p:sp>
-      <p:sp>
-        <p:nvSpPr>
-          <p:cNvPr id="52" name="TextBox 51"/>
-          <p:cNvSpPr txBox="1"/>
-          <p:nvPr/>
-        </p:nvSpPr>
-        <p:spPr>
-          <a:xfrm>
-            <a:off x="-8477098" y="6949357"/>
-            <a:ext cx="888985" cy="338554"/>
-          </a:xfrm>
-          <a:prstGeom prst="rect">
-            <a:avLst/>
-          </a:prstGeom>
-          <a:noFill/>
-        </p:spPr>
-        <p:txBody>
-          <a:bodyPr wrap="none" rtlCol="0">
-            <a:spAutoFit/>
-          </a:bodyPr>
-          <a:lstStyle/>
-          <a:p>
-            <a:pPr algn="ctr"/>
-            <a:r>
-              <a:rPr lang="en-US" sz="1600" dirty="0"/>
-              <a:t>n</a:t>
-            </a:r>
-            <a:r>
-              <a:rPr lang="en-US" sz="1600" dirty="0" smtClean="0"/>
-              <a:t>ame(n)</a:t>
-            </a:r>
-            <a:endParaRPr lang="en-US" sz="1600" dirty="0"/>
-          </a:p>
-        </p:txBody>
-      </p:sp>
-      <p:sp>
-        <p:nvSpPr>
-          <p:cNvPr id="53" name="TextBox 52"/>
-          <p:cNvSpPr txBox="1"/>
-          <p:nvPr/>
-        </p:nvSpPr>
-        <p:spPr>
-          <a:xfrm>
-            <a:off x="-8510110" y="7816419"/>
-            <a:ext cx="955009" cy="338554"/>
-          </a:xfrm>
-          <a:prstGeom prst="rect">
-            <a:avLst/>
-          </a:prstGeom>
-          <a:noFill/>
-        </p:spPr>
-        <p:txBody>
-          <a:bodyPr wrap="none" rtlCol="0">
-            <a:spAutoFit/>
-          </a:bodyPr>
-          <a:lstStyle/>
-          <a:p>
-            <a:pPr algn="ctr"/>
-            <a:r>
-              <a:rPr lang="en-US" sz="1600" dirty="0"/>
-              <a:t>m</a:t>
-            </a:r>
-            <a:r>
-              <a:rPr lang="en-US" sz="1600" dirty="0" smtClean="0"/>
-              <a:t>ode(m)</a:t>
-            </a:r>
-            <a:endParaRPr lang="en-US" sz="1600" dirty="0"/>
-          </a:p>
-        </p:txBody>
-      </p:sp>
-      <p:sp>
-        <p:nvSpPr>
-          <p:cNvPr id="54" name="TextBox 53"/>
-          <p:cNvSpPr txBox="1"/>
-          <p:nvPr/>
-        </p:nvSpPr>
-        <p:spPr>
-          <a:xfrm>
-            <a:off x="-8232941" y="8705419"/>
-            <a:ext cx="400671" cy="338554"/>
-          </a:xfrm>
-          <a:prstGeom prst="rect">
-            <a:avLst/>
-          </a:prstGeom>
-          <a:noFill/>
-        </p:spPr>
-        <p:txBody>
-          <a:bodyPr wrap="none" rtlCol="0">
-            <a:spAutoFit/>
-          </a:bodyPr>
-          <a:lstStyle/>
-          <a:p>
-            <a:pPr algn="ctr"/>
-            <a:r>
-              <a:rPr lang="en-US" sz="1600" dirty="0" smtClean="0"/>
-              <a:t>on</a:t>
-            </a:r>
-            <a:endParaRPr lang="en-US" sz="1600" dirty="0"/>
-          </a:p>
-        </p:txBody>
-      </p:sp>
-      <p:sp>
-        <p:nvSpPr>
-          <p:cNvPr id="55" name="TextBox 54"/>
-          <p:cNvSpPr txBox="1"/>
-          <p:nvPr/>
-        </p:nvSpPr>
-        <p:spPr>
-          <a:xfrm>
-            <a:off x="-8240355" y="9594419"/>
-            <a:ext cx="415498" cy="338554"/>
-          </a:xfrm>
-          <a:prstGeom prst="rect">
-            <a:avLst/>
-          </a:prstGeom>
-          <a:noFill/>
-        </p:spPr>
-        <p:txBody>
-          <a:bodyPr wrap="none" rtlCol="0">
-            <a:spAutoFit/>
-          </a:bodyPr>
-          <a:lstStyle/>
-          <a:p>
-            <a:pPr algn="ctr"/>
-            <a:r>
-              <a:rPr lang="en-US" sz="1600" dirty="0" smtClean="0"/>
-              <a:t>off</a:t>
-            </a:r>
-            <a:endParaRPr lang="en-US" sz="1600" dirty="0"/>
-          </a:p>
-        </p:txBody>
-      </p:sp>
-      <p:sp>
-        <p:nvSpPr>
-          <p:cNvPr id="57" name="TextBox 56"/>
-          <p:cNvSpPr txBox="1"/>
-          <p:nvPr/>
-        </p:nvSpPr>
-        <p:spPr>
-          <a:xfrm>
-            <a:off x="-6428086" y="6934917"/>
-            <a:ext cx="468798" cy="338554"/>
-          </a:xfrm>
-          <a:prstGeom prst="rect">
-            <a:avLst/>
-          </a:prstGeom>
-          <a:noFill/>
-        </p:spPr>
-        <p:txBody>
-          <a:bodyPr wrap="none" rtlCol="0">
-            <a:spAutoFit/>
-          </a:bodyPr>
-          <a:lstStyle/>
-          <a:p>
-            <a:r>
-              <a:rPr lang="en-US" sz="1600" dirty="0" smtClean="0"/>
-              <a:t>INT</a:t>
-            </a:r>
-            <a:endParaRPr lang="en-US" sz="1600" dirty="0"/>
-          </a:p>
-        </p:txBody>
-      </p:sp>
-      <p:sp>
-        <p:nvSpPr>
-          <p:cNvPr id="58" name="TextBox 57"/>
-          <p:cNvSpPr txBox="1"/>
-          <p:nvPr/>
-        </p:nvSpPr>
-        <p:spPr>
-          <a:xfrm>
-            <a:off x="-6638737" y="7289813"/>
-            <a:ext cx="890100" cy="307777"/>
-          </a:xfrm>
-          <a:prstGeom prst="rect">
-            <a:avLst/>
-          </a:prstGeom>
-          <a:noFill/>
-        </p:spPr>
-        <p:txBody>
-          <a:bodyPr wrap="none" rtlCol="0">
-            <a:spAutoFit/>
-          </a:bodyPr>
-          <a:lstStyle/>
-          <a:p>
-            <a:r>
-              <a:rPr lang="en-US" sz="1400" dirty="0" smtClean="0"/>
-              <a:t>channel #</a:t>
-            </a:r>
-            <a:endParaRPr lang="en-US" sz="1400" dirty="0"/>
-          </a:p>
-        </p:txBody>
-      </p:sp>
-      <p:sp>
-        <p:nvSpPr>
-          <p:cNvPr id="60" name="TextBox 59"/>
-          <p:cNvSpPr txBox="1"/>
-          <p:nvPr/>
-        </p:nvSpPr>
-        <p:spPr>
-          <a:xfrm>
-            <a:off x="-4408213" y="6953365"/>
-            <a:ext cx="490339" cy="338554"/>
-          </a:xfrm>
-          <a:prstGeom prst="rect">
-            <a:avLst/>
-          </a:prstGeom>
-          <a:noFill/>
-        </p:spPr>
-        <p:txBody>
-          <a:bodyPr wrap="none" rtlCol="0">
-            <a:spAutoFit/>
-          </a:bodyPr>
-          <a:lstStyle/>
-          <a:p>
-            <a:r>
-              <a:rPr lang="en-US" sz="1600" dirty="0" smtClean="0"/>
-              <a:t>STR</a:t>
-            </a:r>
-            <a:endParaRPr lang="en-US" sz="1600" dirty="0"/>
-          </a:p>
-        </p:txBody>
-      </p:sp>
-      <p:sp>
-        <p:nvSpPr>
-          <p:cNvPr id="63" name="TextBox 62"/>
-          <p:cNvSpPr txBox="1"/>
-          <p:nvPr/>
-        </p:nvSpPr>
-        <p:spPr>
-          <a:xfrm>
-            <a:off x="-4661472" y="7300611"/>
-            <a:ext cx="1213756" cy="307777"/>
-          </a:xfrm>
-          <a:prstGeom prst="rect">
-            <a:avLst/>
-          </a:prstGeom>
-          <a:noFill/>
-        </p:spPr>
-        <p:txBody>
-          <a:bodyPr wrap="none" rtlCol="0">
-            <a:spAutoFit/>
-          </a:bodyPr>
-          <a:lstStyle/>
-          <a:p>
-            <a:r>
-              <a:rPr lang="en-US" sz="1400" dirty="0" smtClean="0"/>
-              <a:t>channel name</a:t>
-            </a:r>
-            <a:endParaRPr lang="en-US" sz="1400" dirty="0"/>
-          </a:p>
-        </p:txBody>
-      </p:sp>
-      <p:sp>
-        <p:nvSpPr>
-          <p:cNvPr id="68" name="TextBox 67"/>
-          <p:cNvSpPr txBox="1"/>
-          <p:nvPr/>
-        </p:nvSpPr>
-        <p:spPr>
-          <a:xfrm>
-            <a:off x="-6428086" y="7785307"/>
-            <a:ext cx="468798" cy="338554"/>
-          </a:xfrm>
-          <a:prstGeom prst="rect">
-            <a:avLst/>
-          </a:prstGeom>
-          <a:noFill/>
-        </p:spPr>
-        <p:txBody>
-          <a:bodyPr wrap="none" rtlCol="0">
-            <a:spAutoFit/>
-          </a:bodyPr>
-          <a:lstStyle/>
-          <a:p>
-            <a:r>
-              <a:rPr lang="en-US" sz="1600" dirty="0" smtClean="0"/>
-              <a:t>INT</a:t>
-            </a:r>
-            <a:endParaRPr lang="en-US" sz="1600" dirty="0"/>
-          </a:p>
-        </p:txBody>
-      </p:sp>
-      <p:sp>
-        <p:nvSpPr>
-          <p:cNvPr id="69" name="TextBox 68"/>
-          <p:cNvSpPr txBox="1"/>
-          <p:nvPr/>
-        </p:nvSpPr>
-        <p:spPr>
-          <a:xfrm>
-            <a:off x="-6638737" y="8140203"/>
-            <a:ext cx="890100" cy="307777"/>
-          </a:xfrm>
-          <a:prstGeom prst="rect">
-            <a:avLst/>
-          </a:prstGeom>
-          <a:noFill/>
-        </p:spPr>
-        <p:txBody>
-          <a:bodyPr wrap="none" rtlCol="0">
-            <a:spAutoFit/>
-          </a:bodyPr>
-          <a:lstStyle/>
-          <a:p>
-            <a:r>
-              <a:rPr lang="en-US" sz="1400" dirty="0" smtClean="0"/>
-              <a:t>channel #</a:t>
-            </a:r>
-            <a:endParaRPr lang="en-US" sz="1400" dirty="0"/>
-          </a:p>
-        </p:txBody>
-      </p:sp>
-      <p:sp>
-        <p:nvSpPr>
-          <p:cNvPr id="73" name="TextBox 72"/>
-          <p:cNvSpPr txBox="1"/>
-          <p:nvPr/>
-        </p:nvSpPr>
-        <p:spPr>
-          <a:xfrm>
-            <a:off x="-4397443" y="7785307"/>
-            <a:ext cx="468798" cy="338554"/>
-          </a:xfrm>
-          <a:prstGeom prst="rect">
-            <a:avLst/>
-          </a:prstGeom>
-          <a:noFill/>
-        </p:spPr>
-        <p:txBody>
-          <a:bodyPr wrap="none" rtlCol="0">
-            <a:spAutoFit/>
-          </a:bodyPr>
-          <a:lstStyle/>
-          <a:p>
-            <a:r>
-              <a:rPr lang="en-US" sz="1600" dirty="0" smtClean="0"/>
-              <a:t>INT</a:t>
-            </a:r>
-            <a:endParaRPr lang="en-US" sz="1600" dirty="0"/>
-          </a:p>
-        </p:txBody>
-      </p:sp>
-      <p:sp>
-        <p:nvSpPr>
-          <p:cNvPr id="75" name="TextBox 74"/>
-          <p:cNvSpPr txBox="1"/>
-          <p:nvPr/>
-        </p:nvSpPr>
-        <p:spPr>
-          <a:xfrm>
-            <a:off x="-6428086" y="8681757"/>
-            <a:ext cx="468798" cy="338554"/>
-          </a:xfrm>
-          <a:prstGeom prst="rect">
-            <a:avLst/>
-          </a:prstGeom>
-          <a:noFill/>
-        </p:spPr>
-        <p:txBody>
-          <a:bodyPr wrap="none" rtlCol="0">
-            <a:spAutoFit/>
-          </a:bodyPr>
-          <a:lstStyle/>
-          <a:p>
-            <a:r>
-              <a:rPr lang="en-US" sz="1600" dirty="0" smtClean="0"/>
-              <a:t>INT</a:t>
-            </a:r>
-            <a:endParaRPr lang="en-US" sz="1600" dirty="0"/>
-          </a:p>
-        </p:txBody>
-      </p:sp>
-      <p:sp>
-        <p:nvSpPr>
-          <p:cNvPr id="76" name="TextBox 75"/>
-          <p:cNvSpPr txBox="1"/>
-          <p:nvPr/>
-        </p:nvSpPr>
-        <p:spPr>
-          <a:xfrm>
-            <a:off x="-6638737" y="9036653"/>
-            <a:ext cx="890100" cy="307777"/>
-          </a:xfrm>
-          <a:prstGeom prst="rect">
-            <a:avLst/>
-          </a:prstGeom>
-          <a:noFill/>
-        </p:spPr>
-        <p:txBody>
-          <a:bodyPr wrap="none" rtlCol="0">
-            <a:spAutoFit/>
-          </a:bodyPr>
-          <a:lstStyle/>
-          <a:p>
-            <a:r>
-              <a:rPr lang="en-US" sz="1400" dirty="0" smtClean="0"/>
-              <a:t>channel #</a:t>
-            </a:r>
-            <a:endParaRPr lang="en-US" sz="1400" dirty="0"/>
-          </a:p>
-        </p:txBody>
-      </p:sp>
-      <p:sp>
-        <p:nvSpPr>
-          <p:cNvPr id="78" name="TextBox 77"/>
-          <p:cNvSpPr txBox="1"/>
-          <p:nvPr/>
-        </p:nvSpPr>
-        <p:spPr>
-          <a:xfrm>
-            <a:off x="-6428086" y="9496650"/>
-            <a:ext cx="468798" cy="338554"/>
-          </a:xfrm>
-          <a:prstGeom prst="rect">
-            <a:avLst/>
-          </a:prstGeom>
-          <a:noFill/>
-        </p:spPr>
-        <p:txBody>
-          <a:bodyPr wrap="none" rtlCol="0">
-            <a:spAutoFit/>
-          </a:bodyPr>
-          <a:lstStyle/>
-          <a:p>
-            <a:r>
-              <a:rPr lang="en-US" sz="1600" dirty="0" smtClean="0"/>
-              <a:t>INT</a:t>
-            </a:r>
-            <a:endParaRPr lang="en-US" sz="1600" dirty="0"/>
-          </a:p>
-        </p:txBody>
-      </p:sp>
-      <p:sp>
-        <p:nvSpPr>
-          <p:cNvPr id="79" name="TextBox 78"/>
-          <p:cNvSpPr txBox="1"/>
-          <p:nvPr/>
-        </p:nvSpPr>
-        <p:spPr>
-          <a:xfrm>
-            <a:off x="-6638737" y="9851546"/>
-            <a:ext cx="890100" cy="307777"/>
-          </a:xfrm>
-          <a:prstGeom prst="rect">
-            <a:avLst/>
-          </a:prstGeom>
-          <a:noFill/>
-        </p:spPr>
-        <p:txBody>
-          <a:bodyPr wrap="none" rtlCol="0">
-            <a:spAutoFit/>
-          </a:bodyPr>
-          <a:lstStyle/>
-          <a:p>
-            <a:r>
-              <a:rPr lang="en-US" sz="1400" dirty="0" smtClean="0"/>
-              <a:t>channel #</a:t>
-            </a:r>
-            <a:endParaRPr lang="en-US" sz="1400" dirty="0"/>
-          </a:p>
-        </p:txBody>
-      </p:sp>
-      <p:sp>
-        <p:nvSpPr>
-          <p:cNvPr id="81" name="TextBox 80"/>
-          <p:cNvSpPr txBox="1"/>
-          <p:nvPr/>
-        </p:nvSpPr>
-        <p:spPr>
-          <a:xfrm>
-            <a:off x="-8304174" y="10454913"/>
-            <a:ext cx="557965" cy="338554"/>
-          </a:xfrm>
-          <a:prstGeom prst="rect">
-            <a:avLst/>
-          </a:prstGeom>
-          <a:noFill/>
-        </p:spPr>
-        <p:txBody>
-          <a:bodyPr wrap="none" rtlCol="0">
-            <a:spAutoFit/>
-          </a:bodyPr>
-          <a:lstStyle/>
-          <a:p>
-            <a:pPr algn="ctr"/>
-            <a:r>
-              <a:rPr lang="en-US" sz="1600" dirty="0" smtClean="0"/>
-              <a:t>save</a:t>
-            </a:r>
-            <a:endParaRPr lang="en-US" sz="1600" dirty="0"/>
-          </a:p>
-        </p:txBody>
-      </p:sp>
-      <p:sp>
-        <p:nvSpPr>
-          <p:cNvPr id="82" name="TextBox 81"/>
-          <p:cNvSpPr txBox="1"/>
-          <p:nvPr/>
-        </p:nvSpPr>
-        <p:spPr>
-          <a:xfrm>
-            <a:off x="-8298213" y="11329298"/>
-            <a:ext cx="546043" cy="338554"/>
-          </a:xfrm>
-          <a:prstGeom prst="rect">
-            <a:avLst/>
-          </a:prstGeom>
-          <a:noFill/>
-        </p:spPr>
-        <p:txBody>
-          <a:bodyPr wrap="none" rtlCol="0">
-            <a:spAutoFit/>
-          </a:bodyPr>
-          <a:lstStyle/>
-          <a:p>
-            <a:pPr algn="ctr"/>
-            <a:r>
-              <a:rPr lang="en-US" sz="1600" dirty="0" smtClean="0"/>
-              <a:t>load</a:t>
-            </a:r>
-            <a:endParaRPr lang="en-US" sz="1600" dirty="0"/>
+              <a:t>19</a:t>
+            </a:r>
           </a:p>
         </p:txBody>
       </p:sp>
       <p:cxnSp>
         <p:nvCxnSpPr>
-          <p:cNvPr id="83" name="Elbow Connector 82"/>
+          <p:cNvPr id="439" name="Elbow Connector 438"/>
           <p:cNvCxnSpPr>
-            <a:endCxn id="45" idx="2"/>
+            <a:endCxn id="432" idx="2"/>
           </p:cNvCxnSpPr>
           <p:nvPr/>
         </p:nvCxnSpPr>
         <p:spPr>
-          <a:xfrm>
-            <a:off x="-8607996" y="9896966"/>
-            <a:ext cx="1145066" cy="873003"/>
-          </a:xfrm>
-          <a:prstGeom prst="bentConnector3">
-            <a:avLst>
-              <a:gd name="adj1" fmla="val -1019"/>
-            </a:avLst>
+          <a:xfrm rot="16200000" flipH="1">
+            <a:off x="-1559750" y="10004718"/>
+            <a:ext cx="6566499" cy="911136"/>
+          </a:xfrm>
+          <a:prstGeom prst="bentConnector2">
+            <a:avLst/>
           </a:prstGeom>
           <a:ln>
             <a:tailEnd type="arrow"/>
@@ -4799,92 +4197,20 @@
       </p:cxnSp>
       <p:cxnSp>
         <p:nvCxnSpPr>
-          <p:cNvPr id="84" name="Elbow Connector 83"/>
+          <p:cNvPr id="440" name="Straight Arrow Connector 439"/>
           <p:cNvCxnSpPr>
-            <a:stCxn id="45" idx="6"/>
+            <a:stCxn id="432" idx="6"/>
+            <a:endCxn id="435" idx="2"/>
           </p:cNvCxnSpPr>
           <p:nvPr/>
         </p:nvCxnSpPr>
         <p:spPr>
-          <a:xfrm flipV="1">
-            <a:off x="-6823798" y="9896966"/>
-            <a:ext cx="3564568" cy="873003"/>
-          </a:xfrm>
-          <a:prstGeom prst="bentConnector3">
-            <a:avLst>
-              <a:gd name="adj1" fmla="val 99524"/>
-            </a:avLst>
-          </a:prstGeom>
-          <a:ln>
-            <a:tailEnd type="arrow"/>
-          </a:ln>
-        </p:spPr>
-        <p:style>
-          <a:lnRef idx="2">
-            <a:schemeClr val="accent1"/>
-          </a:lnRef>
-          <a:fillRef idx="0">
-            <a:schemeClr val="accent1"/>
-          </a:fillRef>
-          <a:effectRef idx="1">
-            <a:schemeClr val="accent1"/>
-          </a:effectRef>
-          <a:fontRef idx="minor">
-            <a:schemeClr val="tx1"/>
-          </a:fontRef>
-        </p:style>
-      </p:cxnSp>
-      <p:sp>
-        <p:nvSpPr>
-          <p:cNvPr id="85" name="TextBox 84"/>
-          <p:cNvSpPr txBox="1"/>
-          <p:nvPr/>
-        </p:nvSpPr>
-        <p:spPr>
-          <a:xfrm>
-            <a:off x="-6500833" y="10431415"/>
-            <a:ext cx="2610210" cy="338554"/>
-          </a:xfrm>
-          <a:prstGeom prst="rect">
-            <a:avLst/>
-          </a:prstGeom>
-          <a:noFill/>
-        </p:spPr>
-        <p:txBody>
-          <a:bodyPr wrap="none" rtlCol="0">
-            <a:spAutoFit/>
-          </a:bodyPr>
-          <a:lstStyle/>
-          <a:p>
-            <a:r>
-              <a:rPr lang="en-US" sz="1600" dirty="0"/>
-              <a:t>s</a:t>
-            </a:r>
-            <a:r>
-              <a:rPr lang="en-US" sz="1600" dirty="0" smtClean="0"/>
-              <a:t>chedule(s), channel(c), all(a)</a:t>
-            </a:r>
-            <a:endParaRPr lang="en-US" sz="1600" dirty="0"/>
-          </a:p>
-        </p:txBody>
-      </p:sp>
-      <p:cxnSp>
-        <p:nvCxnSpPr>
-          <p:cNvPr id="86" name="Elbow Connector 85"/>
-          <p:cNvCxnSpPr>
-            <a:endCxn id="47" idx="2"/>
-          </p:cNvCxnSpPr>
-          <p:nvPr/>
-        </p:nvCxnSpPr>
-        <p:spPr>
-          <a:xfrm>
-            <a:off x="-8607996" y="10769969"/>
-            <a:ext cx="1145066" cy="870039"/>
-          </a:xfrm>
-          <a:prstGeom prst="bentConnector3">
-            <a:avLst>
-              <a:gd name="adj1" fmla="val -1019"/>
-            </a:avLst>
+          <a:xfrm>
+            <a:off x="2818199" y="13743536"/>
+            <a:ext cx="871680" cy="0"/>
+          </a:xfrm>
+          <a:prstGeom prst="straightConnector1">
+            <a:avLst/>
           </a:prstGeom>
           <a:ln>
             <a:tailEnd type="arrow"/>
@@ -4907,297 +4233,19 @@
       </p:cxnSp>
       <p:cxnSp>
         <p:nvCxnSpPr>
-          <p:cNvPr id="87" name="Elbow Connector 86"/>
+          <p:cNvPr id="441" name="Straight Arrow Connector 440"/>
           <p:cNvCxnSpPr>
-            <a:stCxn id="47" idx="6"/>
+            <a:stCxn id="435" idx="6"/>
+            <a:endCxn id="434" idx="2"/>
           </p:cNvCxnSpPr>
           <p:nvPr/>
         </p:nvCxnSpPr>
         <p:spPr>
-          <a:xfrm flipV="1">
-            <a:off x="-6823798" y="10793467"/>
-            <a:ext cx="3539168" cy="846541"/>
-          </a:xfrm>
-          <a:prstGeom prst="bentConnector3">
-            <a:avLst>
-              <a:gd name="adj1" fmla="val 99520"/>
-            </a:avLst>
-          </a:prstGeom>
-          <a:ln>
-            <a:tailEnd type="arrow"/>
-          </a:ln>
-        </p:spPr>
-        <p:style>
-          <a:lnRef idx="2">
-            <a:schemeClr val="accent1"/>
-          </a:lnRef>
-          <a:fillRef idx="0">
-            <a:schemeClr val="accent1"/>
-          </a:fillRef>
-          <a:effectRef idx="1">
-            <a:schemeClr val="accent1"/>
-          </a:effectRef>
-          <a:fontRef idx="minor">
-            <a:schemeClr val="tx1"/>
-          </a:fontRef>
-        </p:style>
-      </p:cxnSp>
-      <p:sp>
-        <p:nvSpPr>
-          <p:cNvPr id="88" name="TextBox 87"/>
-          <p:cNvSpPr txBox="1"/>
-          <p:nvPr/>
-        </p:nvSpPr>
-        <p:spPr>
-          <a:xfrm>
-            <a:off x="-6567940" y="11277956"/>
-            <a:ext cx="2610210" cy="338554"/>
-          </a:xfrm>
-          <a:prstGeom prst="rect">
-            <a:avLst/>
-          </a:prstGeom>
-          <a:noFill/>
-        </p:spPr>
-        <p:txBody>
-          <a:bodyPr wrap="none" rtlCol="0">
-            <a:spAutoFit/>
-          </a:bodyPr>
-          <a:lstStyle/>
-          <a:p>
-            <a:r>
-              <a:rPr lang="en-US" sz="1600" dirty="0"/>
-              <a:t>s</a:t>
-            </a:r>
-            <a:r>
-              <a:rPr lang="en-US" sz="1600" dirty="0" smtClean="0"/>
-              <a:t>chedule(s), channel(c), all(a)</a:t>
-            </a:r>
-            <a:endParaRPr lang="en-US" sz="1600" dirty="0"/>
-          </a:p>
-        </p:txBody>
-      </p:sp>
-      <p:sp>
-        <p:nvSpPr>
-          <p:cNvPr id="114" name="Oval 113"/>
-          <p:cNvSpPr/>
-          <p:nvPr/>
-        </p:nvSpPr>
-        <p:spPr>
-          <a:xfrm>
-            <a:off x="3842279" y="12264426"/>
-            <a:ext cx="639132" cy="621420"/>
-          </a:xfrm>
-          <a:prstGeom prst="ellipse">
-            <a:avLst/>
-          </a:prstGeom>
-          <a:noFill/>
-          <a:ln/>
-        </p:spPr>
-        <p:style>
-          <a:lnRef idx="1">
-            <a:schemeClr val="accent1"/>
-          </a:lnRef>
-          <a:fillRef idx="3">
-            <a:schemeClr val="accent1"/>
-          </a:fillRef>
-          <a:effectRef idx="2">
-            <a:schemeClr val="accent1"/>
-          </a:effectRef>
-          <a:fontRef idx="minor">
-            <a:schemeClr val="lt1"/>
-          </a:fontRef>
-        </p:style>
-        <p:txBody>
-          <a:bodyPr anchor="ctr" anchorCtr="0"/>
-          <a:lstStyle/>
-          <a:p>
-            <a:pPr algn="ctr"/>
-            <a:r>
-              <a:rPr lang="en-US" sz="1800" dirty="0" smtClean="0">
-                <a:solidFill>
-                  <a:schemeClr val="tx1"/>
-                </a:solidFill>
-              </a:rPr>
-              <a:t>14</a:t>
-            </a:r>
-            <a:endParaRPr lang="en-US" sz="1800" dirty="0" smtClean="0">
-              <a:solidFill>
-                <a:schemeClr val="tx1"/>
-              </a:solidFill>
-            </a:endParaRPr>
-          </a:p>
-        </p:txBody>
-      </p:sp>
-      <p:sp>
-        <p:nvSpPr>
-          <p:cNvPr id="136" name="Oval 135"/>
-          <p:cNvSpPr/>
-          <p:nvPr/>
-        </p:nvSpPr>
-        <p:spPr>
-          <a:xfrm>
-            <a:off x="8374715" y="12264426"/>
-            <a:ext cx="639132" cy="621420"/>
-          </a:xfrm>
-          <a:prstGeom prst="ellipse">
-            <a:avLst/>
-          </a:prstGeom>
-          <a:noFill/>
-          <a:ln/>
-        </p:spPr>
-        <p:style>
-          <a:lnRef idx="1">
-            <a:schemeClr val="accent1"/>
-          </a:lnRef>
-          <a:fillRef idx="3">
-            <a:schemeClr val="accent1"/>
-          </a:fillRef>
-          <a:effectRef idx="2">
-            <a:schemeClr val="accent1"/>
-          </a:effectRef>
-          <a:fontRef idx="minor">
-            <a:schemeClr val="lt1"/>
-          </a:fontRef>
-        </p:style>
-        <p:txBody>
-          <a:bodyPr anchor="ctr" anchorCtr="0"/>
-          <a:lstStyle/>
-          <a:p>
-            <a:pPr algn="ctr"/>
-            <a:r>
-              <a:rPr lang="en-US" sz="1800" dirty="0" smtClean="0">
-                <a:solidFill>
-                  <a:schemeClr val="tx1"/>
-                </a:solidFill>
-              </a:rPr>
-              <a:t>17</a:t>
-            </a:r>
-            <a:endParaRPr lang="en-US" sz="1800" dirty="0" smtClean="0">
-              <a:solidFill>
-                <a:schemeClr val="tx1"/>
-              </a:solidFill>
-            </a:endParaRPr>
-          </a:p>
-        </p:txBody>
-      </p:sp>
-      <p:sp>
-        <p:nvSpPr>
-          <p:cNvPr id="140" name="Oval 139"/>
-          <p:cNvSpPr/>
-          <p:nvPr/>
-        </p:nvSpPr>
-        <p:spPr>
-          <a:xfrm>
-            <a:off x="9885527" y="12264426"/>
-            <a:ext cx="639132" cy="621420"/>
-          </a:xfrm>
-          <a:prstGeom prst="ellipse">
-            <a:avLst/>
-          </a:prstGeom>
-          <a:noFill/>
-          <a:ln/>
-        </p:spPr>
-        <p:style>
-          <a:lnRef idx="1">
-            <a:schemeClr val="accent1"/>
-          </a:lnRef>
-          <a:fillRef idx="3">
-            <a:schemeClr val="accent1"/>
-          </a:fillRef>
-          <a:effectRef idx="2">
-            <a:schemeClr val="accent1"/>
-          </a:effectRef>
-          <a:fontRef idx="minor">
-            <a:schemeClr val="lt1"/>
-          </a:fontRef>
-        </p:style>
-        <p:txBody>
-          <a:bodyPr anchor="ctr" anchorCtr="0"/>
-          <a:lstStyle/>
-          <a:p>
-            <a:pPr algn="ctr"/>
-            <a:r>
-              <a:rPr lang="en-US" sz="1800" dirty="0" smtClean="0">
-                <a:solidFill>
-                  <a:schemeClr val="tx1"/>
-                </a:solidFill>
-              </a:rPr>
-              <a:t>18</a:t>
-            </a:r>
-            <a:endParaRPr lang="en-US" sz="1800" dirty="0" smtClean="0">
-              <a:solidFill>
-                <a:schemeClr val="tx1"/>
-              </a:solidFill>
-            </a:endParaRPr>
-          </a:p>
-        </p:txBody>
-      </p:sp>
-      <p:sp>
-        <p:nvSpPr>
-          <p:cNvPr id="141" name="Oval 140"/>
-          <p:cNvSpPr/>
-          <p:nvPr/>
-        </p:nvSpPr>
-        <p:spPr>
-          <a:xfrm>
-            <a:off x="11396338" y="12264426"/>
-            <a:ext cx="639132" cy="621420"/>
-          </a:xfrm>
-          <a:prstGeom prst="ellipse">
-            <a:avLst/>
-          </a:prstGeom>
-          <a:noFill/>
-          <a:ln/>
-        </p:spPr>
-        <p:style>
-          <a:lnRef idx="1">
-            <a:schemeClr val="accent1"/>
-          </a:lnRef>
-          <a:fillRef idx="3">
-            <a:schemeClr val="accent1"/>
-          </a:fillRef>
-          <a:effectRef idx="2">
-            <a:schemeClr val="accent1"/>
-          </a:effectRef>
-          <a:fontRef idx="minor">
-            <a:schemeClr val="lt1"/>
-          </a:fontRef>
-        </p:style>
-        <p:txBody>
-          <a:bodyPr anchor="ctr" anchorCtr="0"/>
-          <a:lstStyle/>
-          <a:p>
-            <a:pPr algn="ctr"/>
-            <a:r>
-              <a:rPr lang="en-US" sz="1800" dirty="0" smtClean="0">
-                <a:solidFill>
-                  <a:schemeClr val="tx1"/>
-                </a:solidFill>
-              </a:rPr>
-              <a:t>19</a:t>
-            </a:r>
-            <a:endParaRPr lang="en-US" sz="1800" dirty="0" smtClean="0">
-              <a:solidFill>
-                <a:schemeClr val="tx1"/>
-              </a:solidFill>
-            </a:endParaRPr>
-          </a:p>
-        </p:txBody>
-      </p:sp>
-      <p:cxnSp>
-        <p:nvCxnSpPr>
-          <p:cNvPr id="143" name="Elbow Connector 142"/>
-          <p:cNvCxnSpPr>
-            <a:endCxn id="48" idx="2"/>
-          </p:cNvCxnSpPr>
-          <p:nvPr/>
-        </p:nvCxnSpPr>
-        <p:spPr>
-          <a:xfrm rot="16200000" flipH="1">
-            <a:off x="-899351" y="9344318"/>
-            <a:ext cx="5550500" cy="911135"/>
-          </a:xfrm>
-          <a:prstGeom prst="bentConnector2">
+          <a:xfrm>
+            <a:off x="4329011" y="13743536"/>
+            <a:ext cx="871680" cy="0"/>
+          </a:xfrm>
+          <a:prstGeom prst="straightConnector1">
             <a:avLst/>
           </a:prstGeom>
           <a:ln>
@@ -5221,16 +4269,16 @@
       </p:cxnSp>
       <p:cxnSp>
         <p:nvCxnSpPr>
-          <p:cNvPr id="144" name="Straight Arrow Connector 143"/>
+          <p:cNvPr id="442" name="Straight Arrow Connector 441"/>
           <p:cNvCxnSpPr>
-            <a:stCxn id="48" idx="6"/>
-            <a:endCxn id="114" idx="2"/>
+            <a:stCxn id="434" idx="6"/>
+            <a:endCxn id="433" idx="2"/>
           </p:cNvCxnSpPr>
           <p:nvPr/>
         </p:nvCxnSpPr>
         <p:spPr>
           <a:xfrm>
-            <a:off x="2970599" y="12575136"/>
+            <a:off x="5839823" y="13743536"/>
             <a:ext cx="871680" cy="0"/>
           </a:xfrm>
           <a:prstGeom prst="straightConnector1">
@@ -5257,16 +4305,16 @@
       </p:cxnSp>
       <p:cxnSp>
         <p:nvCxnSpPr>
-          <p:cNvPr id="145" name="Straight Arrow Connector 144"/>
+          <p:cNvPr id="443" name="Straight Arrow Connector 442"/>
           <p:cNvCxnSpPr>
-            <a:stCxn id="114" idx="6"/>
-            <a:endCxn id="50" idx="2"/>
+            <a:stCxn id="433" idx="6"/>
+            <a:endCxn id="436" idx="2"/>
           </p:cNvCxnSpPr>
           <p:nvPr/>
         </p:nvCxnSpPr>
         <p:spPr>
           <a:xfrm>
-            <a:off x="4481411" y="12575136"/>
+            <a:off x="7350635" y="13743536"/>
             <a:ext cx="871680" cy="0"/>
           </a:xfrm>
           <a:prstGeom prst="straightConnector1">
@@ -5293,16 +4341,16 @@
       </p:cxnSp>
       <p:cxnSp>
         <p:nvCxnSpPr>
-          <p:cNvPr id="146" name="Straight Arrow Connector 145"/>
+          <p:cNvPr id="444" name="Straight Arrow Connector 443"/>
           <p:cNvCxnSpPr>
-            <a:stCxn id="50" idx="6"/>
-            <a:endCxn id="49" idx="2"/>
+            <a:stCxn id="436" idx="6"/>
+            <a:endCxn id="437" idx="2"/>
           </p:cNvCxnSpPr>
           <p:nvPr/>
         </p:nvCxnSpPr>
         <p:spPr>
           <a:xfrm>
-            <a:off x="5992223" y="12575136"/>
+            <a:off x="8861447" y="13743536"/>
             <a:ext cx="871680" cy="0"/>
           </a:xfrm>
           <a:prstGeom prst="straightConnector1">
@@ -5329,17 +4377,474 @@
       </p:cxnSp>
       <p:cxnSp>
         <p:nvCxnSpPr>
-          <p:cNvPr id="147" name="Straight Arrow Connector 146"/>
+          <p:cNvPr id="445" name="Straight Arrow Connector 444"/>
           <p:cNvCxnSpPr>
-            <a:stCxn id="49" idx="6"/>
-            <a:endCxn id="136" idx="2"/>
+            <a:stCxn id="437" idx="6"/>
+            <a:endCxn id="438" idx="2"/>
           </p:cNvCxnSpPr>
           <p:nvPr/>
         </p:nvCxnSpPr>
         <p:spPr>
           <a:xfrm>
-            <a:off x="7503035" y="12575136"/>
-            <a:ext cx="871680" cy="0"/>
+            <a:off x="10372259" y="13743536"/>
+            <a:ext cx="871679" cy="0"/>
+          </a:xfrm>
+          <a:prstGeom prst="straightConnector1">
+            <a:avLst/>
+          </a:prstGeom>
+          <a:ln>
+            <a:tailEnd type="arrow"/>
+          </a:ln>
+        </p:spPr>
+        <p:style>
+          <a:lnRef idx="2">
+            <a:schemeClr val="accent1"/>
+          </a:lnRef>
+          <a:fillRef idx="0">
+            <a:schemeClr val="accent1"/>
+          </a:fillRef>
+          <a:effectRef idx="1">
+            <a:schemeClr val="accent1"/>
+          </a:effectRef>
+          <a:fontRef idx="minor">
+            <a:schemeClr val="tx1"/>
+          </a:fontRef>
+        </p:style>
+      </p:cxnSp>
+      <p:sp>
+        <p:nvSpPr>
+          <p:cNvPr id="446" name="TextBox 445"/>
+          <p:cNvSpPr txBox="1"/>
+          <p:nvPr/>
+        </p:nvSpPr>
+        <p:spPr>
+          <a:xfrm>
+            <a:off x="2960101" y="13404719"/>
+            <a:ext cx="468798" cy="338554"/>
+          </a:xfrm>
+          <a:prstGeom prst="rect">
+            <a:avLst/>
+          </a:prstGeom>
+          <a:noFill/>
+        </p:spPr>
+        <p:txBody>
+          <a:bodyPr wrap="none" rtlCol="0">
+            <a:spAutoFit/>
+          </a:bodyPr>
+          <a:lstStyle/>
+          <a:p>
+            <a:r>
+              <a:rPr lang="en-US" sz="1600" dirty="0" smtClean="0"/>
+              <a:t>INT</a:t>
+            </a:r>
+            <a:endParaRPr lang="en-US" sz="1600" dirty="0"/>
+          </a:p>
+        </p:txBody>
+      </p:sp>
+      <p:sp>
+        <p:nvSpPr>
+          <p:cNvPr id="447" name="TextBox 446"/>
+          <p:cNvSpPr txBox="1"/>
+          <p:nvPr/>
+        </p:nvSpPr>
+        <p:spPr>
+          <a:xfrm>
+            <a:off x="4499027" y="13391756"/>
+            <a:ext cx="468798" cy="338554"/>
+          </a:xfrm>
+          <a:prstGeom prst="rect">
+            <a:avLst/>
+          </a:prstGeom>
+          <a:noFill/>
+        </p:spPr>
+        <p:txBody>
+          <a:bodyPr wrap="none" rtlCol="0">
+            <a:spAutoFit/>
+          </a:bodyPr>
+          <a:lstStyle/>
+          <a:p>
+            <a:r>
+              <a:rPr lang="en-US" sz="1600" dirty="0" smtClean="0"/>
+              <a:t>INT</a:t>
+            </a:r>
+            <a:endParaRPr lang="en-US" sz="1600" dirty="0"/>
+          </a:p>
+        </p:txBody>
+      </p:sp>
+      <p:sp>
+        <p:nvSpPr>
+          <p:cNvPr id="448" name="TextBox 447"/>
+          <p:cNvSpPr txBox="1"/>
+          <p:nvPr/>
+        </p:nvSpPr>
+        <p:spPr>
+          <a:xfrm>
+            <a:off x="6035640" y="13383139"/>
+            <a:ext cx="468798" cy="338554"/>
+          </a:xfrm>
+          <a:prstGeom prst="rect">
+            <a:avLst/>
+          </a:prstGeom>
+          <a:noFill/>
+        </p:spPr>
+        <p:txBody>
+          <a:bodyPr wrap="none" rtlCol="0">
+            <a:spAutoFit/>
+          </a:bodyPr>
+          <a:lstStyle/>
+          <a:p>
+            <a:r>
+              <a:rPr lang="en-US" sz="1600" dirty="0" smtClean="0"/>
+              <a:t>INT</a:t>
+            </a:r>
+            <a:endParaRPr lang="en-US" sz="1600" dirty="0"/>
+          </a:p>
+        </p:txBody>
+      </p:sp>
+      <p:sp>
+        <p:nvSpPr>
+          <p:cNvPr id="449" name="TextBox 448"/>
+          <p:cNvSpPr txBox="1"/>
+          <p:nvPr/>
+        </p:nvSpPr>
+        <p:spPr>
+          <a:xfrm>
+            <a:off x="7532284" y="13382876"/>
+            <a:ext cx="468798" cy="338554"/>
+          </a:xfrm>
+          <a:prstGeom prst="rect">
+            <a:avLst/>
+          </a:prstGeom>
+          <a:noFill/>
+        </p:spPr>
+        <p:txBody>
+          <a:bodyPr wrap="none" rtlCol="0">
+            <a:spAutoFit/>
+          </a:bodyPr>
+          <a:lstStyle/>
+          <a:p>
+            <a:r>
+              <a:rPr lang="en-US" sz="1600" dirty="0" smtClean="0"/>
+              <a:t>INT</a:t>
+            </a:r>
+            <a:endParaRPr lang="en-US" sz="1600" dirty="0"/>
+          </a:p>
+        </p:txBody>
+      </p:sp>
+      <p:sp>
+        <p:nvSpPr>
+          <p:cNvPr id="450" name="TextBox 449"/>
+          <p:cNvSpPr txBox="1"/>
+          <p:nvPr/>
+        </p:nvSpPr>
+        <p:spPr>
+          <a:xfrm>
+            <a:off x="9107675" y="13432826"/>
+            <a:ext cx="468798" cy="338554"/>
+          </a:xfrm>
+          <a:prstGeom prst="rect">
+            <a:avLst/>
+          </a:prstGeom>
+          <a:noFill/>
+        </p:spPr>
+        <p:txBody>
+          <a:bodyPr wrap="none" rtlCol="0">
+            <a:spAutoFit/>
+          </a:bodyPr>
+          <a:lstStyle/>
+          <a:p>
+            <a:r>
+              <a:rPr lang="en-US" sz="1600" dirty="0" smtClean="0"/>
+              <a:t>INT</a:t>
+            </a:r>
+            <a:endParaRPr lang="en-US" sz="1600" dirty="0"/>
+          </a:p>
+        </p:txBody>
+      </p:sp>
+      <p:sp>
+        <p:nvSpPr>
+          <p:cNvPr id="451" name="TextBox 450"/>
+          <p:cNvSpPr txBox="1"/>
+          <p:nvPr/>
+        </p:nvSpPr>
+        <p:spPr>
+          <a:xfrm>
+            <a:off x="10553758" y="13404719"/>
+            <a:ext cx="468798" cy="338554"/>
+          </a:xfrm>
+          <a:prstGeom prst="rect">
+            <a:avLst/>
+          </a:prstGeom>
+          <a:noFill/>
+        </p:spPr>
+        <p:txBody>
+          <a:bodyPr wrap="none" rtlCol="0">
+            <a:spAutoFit/>
+          </a:bodyPr>
+          <a:lstStyle/>
+          <a:p>
+            <a:r>
+              <a:rPr lang="en-US" sz="1600" dirty="0" smtClean="0"/>
+              <a:t>INT</a:t>
+            </a:r>
+            <a:endParaRPr lang="en-US" sz="1600" dirty="0"/>
+          </a:p>
+        </p:txBody>
+      </p:sp>
+      <p:sp>
+        <p:nvSpPr>
+          <p:cNvPr id="452" name="TextBox 451"/>
+          <p:cNvSpPr txBox="1"/>
+          <p:nvPr/>
+        </p:nvSpPr>
+        <p:spPr>
+          <a:xfrm>
+            <a:off x="1380279" y="13382876"/>
+            <a:ext cx="435736" cy="338554"/>
+          </a:xfrm>
+          <a:prstGeom prst="rect">
+            <a:avLst/>
+          </a:prstGeom>
+          <a:noFill/>
+        </p:spPr>
+        <p:txBody>
+          <a:bodyPr wrap="none" rtlCol="0">
+            <a:spAutoFit/>
+          </a:bodyPr>
+          <a:lstStyle/>
+          <a:p>
+            <a:pPr algn="ctr"/>
+            <a:r>
+              <a:rPr lang="en-US" sz="1600" dirty="0" smtClean="0"/>
+              <a:t>set</a:t>
+            </a:r>
+            <a:endParaRPr lang="en-US" sz="1600" dirty="0"/>
+          </a:p>
+        </p:txBody>
+      </p:sp>
+      <p:sp>
+        <p:nvSpPr>
+          <p:cNvPr id="453" name="TextBox 452"/>
+          <p:cNvSpPr txBox="1"/>
+          <p:nvPr/>
+        </p:nvSpPr>
+        <p:spPr>
+          <a:xfrm>
+            <a:off x="8972711" y="13748959"/>
+            <a:ext cx="530915" cy="307777"/>
+          </a:xfrm>
+          <a:prstGeom prst="rect">
+            <a:avLst/>
+          </a:prstGeom>
+          <a:noFill/>
+        </p:spPr>
+        <p:txBody>
+          <a:bodyPr wrap="none" rtlCol="0">
+            <a:spAutoFit/>
+          </a:bodyPr>
+          <a:lstStyle/>
+          <a:p>
+            <a:r>
+              <a:rPr lang="en-US" sz="1400" dirty="0" smtClean="0"/>
+              <a:t>hour</a:t>
+            </a:r>
+            <a:endParaRPr lang="en-US" sz="1400" dirty="0"/>
+          </a:p>
+        </p:txBody>
+      </p:sp>
+      <p:sp>
+        <p:nvSpPr>
+          <p:cNvPr id="454" name="TextBox 453"/>
+          <p:cNvSpPr txBox="1"/>
+          <p:nvPr/>
+        </p:nvSpPr>
+        <p:spPr>
+          <a:xfrm>
+            <a:off x="10372259" y="13748959"/>
+            <a:ext cx="777627" cy="307777"/>
+          </a:xfrm>
+          <a:prstGeom prst="rect">
+            <a:avLst/>
+          </a:prstGeom>
+          <a:noFill/>
+        </p:spPr>
+        <p:txBody>
+          <a:bodyPr wrap="none" rtlCol="0">
+            <a:spAutoFit/>
+          </a:bodyPr>
+          <a:lstStyle/>
+          <a:p>
+            <a:r>
+              <a:rPr lang="en-US" sz="1400" dirty="0" smtClean="0"/>
+              <a:t>minutes</a:t>
+            </a:r>
+            <a:endParaRPr lang="en-US" sz="1400" dirty="0"/>
+          </a:p>
+        </p:txBody>
+      </p:sp>
+      <p:sp>
+        <p:nvSpPr>
+          <p:cNvPr id="455" name="TextBox 454"/>
+          <p:cNvSpPr txBox="1"/>
+          <p:nvPr/>
+        </p:nvSpPr>
+        <p:spPr>
+          <a:xfrm>
+            <a:off x="7528943" y="13771380"/>
+            <a:ext cx="505267" cy="307777"/>
+          </a:xfrm>
+          <a:prstGeom prst="rect">
+            <a:avLst/>
+          </a:prstGeom>
+          <a:noFill/>
+        </p:spPr>
+        <p:txBody>
+          <a:bodyPr wrap="none" rtlCol="0">
+            <a:spAutoFit/>
+          </a:bodyPr>
+          <a:lstStyle/>
+          <a:p>
+            <a:r>
+              <a:rPr lang="en-US" sz="1400" dirty="0" err="1" smtClean="0"/>
+              <a:t>dow</a:t>
+            </a:r>
+            <a:endParaRPr lang="en-US" sz="1400" dirty="0"/>
+          </a:p>
+        </p:txBody>
+      </p:sp>
+      <p:sp>
+        <p:nvSpPr>
+          <p:cNvPr id="456" name="TextBox 455"/>
+          <p:cNvSpPr txBox="1"/>
+          <p:nvPr/>
+        </p:nvSpPr>
+        <p:spPr>
+          <a:xfrm>
+            <a:off x="5991133" y="13768502"/>
+            <a:ext cx="518091" cy="307777"/>
+          </a:xfrm>
+          <a:prstGeom prst="rect">
+            <a:avLst/>
+          </a:prstGeom>
+          <a:noFill/>
+        </p:spPr>
+        <p:txBody>
+          <a:bodyPr wrap="none" rtlCol="0">
+            <a:spAutoFit/>
+          </a:bodyPr>
+          <a:lstStyle/>
+          <a:p>
+            <a:r>
+              <a:rPr lang="en-US" sz="1400" dirty="0" smtClean="0"/>
+              <a:t>date</a:t>
+            </a:r>
+            <a:endParaRPr lang="en-US" sz="1400" dirty="0"/>
+          </a:p>
+        </p:txBody>
+      </p:sp>
+      <p:sp>
+        <p:nvSpPr>
+          <p:cNvPr id="457" name="TextBox 456"/>
+          <p:cNvSpPr txBox="1"/>
+          <p:nvPr/>
+        </p:nvSpPr>
+        <p:spPr>
+          <a:xfrm>
+            <a:off x="4433569" y="13771481"/>
+            <a:ext cx="671553" cy="307777"/>
+          </a:xfrm>
+          <a:prstGeom prst="rect">
+            <a:avLst/>
+          </a:prstGeom>
+          <a:noFill/>
+        </p:spPr>
+        <p:txBody>
+          <a:bodyPr wrap="none" rtlCol="0">
+            <a:spAutoFit/>
+          </a:bodyPr>
+          <a:lstStyle/>
+          <a:p>
+            <a:r>
+              <a:rPr lang="en-US" sz="1400" dirty="0" smtClean="0"/>
+              <a:t>month</a:t>
+            </a:r>
+            <a:endParaRPr lang="en-US" sz="1400" dirty="0"/>
+          </a:p>
+        </p:txBody>
+      </p:sp>
+      <p:sp>
+        <p:nvSpPr>
+          <p:cNvPr id="458" name="TextBox 457"/>
+          <p:cNvSpPr txBox="1"/>
+          <p:nvPr/>
+        </p:nvSpPr>
+        <p:spPr>
+          <a:xfrm>
+            <a:off x="2966856" y="13771481"/>
+            <a:ext cx="505267" cy="307777"/>
+          </a:xfrm>
+          <a:prstGeom prst="rect">
+            <a:avLst/>
+          </a:prstGeom>
+          <a:noFill/>
+        </p:spPr>
+        <p:txBody>
+          <a:bodyPr wrap="none" rtlCol="0">
+            <a:spAutoFit/>
+          </a:bodyPr>
+          <a:lstStyle/>
+          <a:p>
+            <a:r>
+              <a:rPr lang="en-US" sz="1400" dirty="0" smtClean="0"/>
+              <a:t>year</a:t>
+            </a:r>
+            <a:endParaRPr lang="en-US" sz="1400" dirty="0"/>
+          </a:p>
+        </p:txBody>
+      </p:sp>
+      <p:sp>
+        <p:nvSpPr>
+          <p:cNvPr id="459" name="TextBox 458"/>
+          <p:cNvSpPr txBox="1"/>
+          <p:nvPr/>
+        </p:nvSpPr>
+        <p:spPr>
+          <a:xfrm>
+            <a:off x="10582162" y="12829018"/>
+            <a:ext cx="773682" cy="307777"/>
+          </a:xfrm>
+          <a:prstGeom prst="rect">
+            <a:avLst/>
+          </a:prstGeom>
+          <a:noFill/>
+        </p:spPr>
+        <p:txBody>
+          <a:bodyPr wrap="none" rtlCol="0">
+            <a:spAutoFit/>
+          </a:bodyPr>
+          <a:lstStyle/>
+          <a:p>
+            <a:r>
+              <a:rPr lang="en-US" sz="1400" dirty="0" smtClean="0"/>
+              <a:t>seconds</a:t>
+            </a:r>
+            <a:endParaRPr lang="en-US" sz="1400" dirty="0"/>
+          </a:p>
+        </p:txBody>
+      </p:sp>
+      <p:cxnSp>
+        <p:nvCxnSpPr>
+          <p:cNvPr id="460" name="Straight Arrow Connector 459"/>
+          <p:cNvCxnSpPr>
+            <a:stCxn id="421" idx="6"/>
+            <a:endCxn id="422" idx="2"/>
+          </p:cNvCxnSpPr>
+          <p:nvPr/>
+        </p:nvCxnSpPr>
+        <p:spPr>
+          <a:xfrm flipV="1">
+            <a:off x="3116775" y="3907254"/>
+            <a:ext cx="1315525" cy="10784"/>
           </a:xfrm>
           <a:prstGeom prst="straightConnector1">
             <a:avLst/>
@@ -5365,20 +4870,23 @@
       </p:cxnSp>
       <p:cxnSp>
         <p:nvCxnSpPr>
-          <p:cNvPr id="148" name="Straight Arrow Connector 147"/>
+          <p:cNvPr id="461" name="Elbow Connector 460"/>
           <p:cNvCxnSpPr>
-            <a:stCxn id="136" idx="6"/>
-            <a:endCxn id="140" idx="2"/>
+            <a:stCxn id="422" idx="6"/>
+            <a:endCxn id="416" idx="0"/>
           </p:cNvCxnSpPr>
           <p:nvPr/>
         </p:nvCxnSpPr>
         <p:spPr>
-          <a:xfrm>
-            <a:off x="9013847" y="12575136"/>
-            <a:ext cx="871680" cy="0"/>
-          </a:xfrm>
-          <a:prstGeom prst="straightConnector1">
-            <a:avLst/>
+          <a:xfrm flipH="1" flipV="1">
+            <a:off x="1267934" y="1842028"/>
+            <a:ext cx="3803498" cy="2065226"/>
+          </a:xfrm>
+          <a:prstGeom prst="bentConnector4">
+            <a:avLst>
+              <a:gd name="adj1" fmla="val -140887"/>
+              <a:gd name="adj2" fmla="val 160880"/>
+            </a:avLst>
           </a:prstGeom>
           <a:ln>
             <a:tailEnd type="arrow"/>
@@ -5401,556 +4909,20 @@
       </p:cxnSp>
       <p:cxnSp>
         <p:nvCxnSpPr>
-          <p:cNvPr id="149" name="Straight Arrow Connector 148"/>
+          <p:cNvPr id="462" name="Elbow Connector 461"/>
           <p:cNvCxnSpPr>
-            <a:stCxn id="140" idx="6"/>
-            <a:endCxn id="141" idx="2"/>
+            <a:stCxn id="422" idx="4"/>
+            <a:endCxn id="427" idx="2"/>
           </p:cNvCxnSpPr>
           <p:nvPr/>
         </p:nvCxnSpPr>
         <p:spPr>
-          <a:xfrm>
-            <a:off x="10524659" y="12575136"/>
-            <a:ext cx="871679" cy="0"/>
-          </a:xfrm>
-          <a:prstGeom prst="straightConnector1">
-            <a:avLst/>
-          </a:prstGeom>
-          <a:ln>
-            <a:tailEnd type="arrow"/>
-          </a:ln>
-        </p:spPr>
-        <p:style>
-          <a:lnRef idx="2">
-            <a:schemeClr val="accent1"/>
-          </a:lnRef>
-          <a:fillRef idx="0">
-            <a:schemeClr val="accent1"/>
-          </a:fillRef>
-          <a:effectRef idx="1">
-            <a:schemeClr val="accent1"/>
-          </a:effectRef>
-          <a:fontRef idx="minor">
-            <a:schemeClr val="tx1"/>
-          </a:fontRef>
-        </p:style>
-      </p:cxnSp>
-      <p:sp>
-        <p:nvSpPr>
-          <p:cNvPr id="150" name="TextBox 149"/>
-          <p:cNvSpPr txBox="1"/>
-          <p:nvPr/>
-        </p:nvSpPr>
-        <p:spPr>
-          <a:xfrm>
-            <a:off x="3112501" y="12236319"/>
-            <a:ext cx="468798" cy="338554"/>
-          </a:xfrm>
-          <a:prstGeom prst="rect">
-            <a:avLst/>
-          </a:prstGeom>
-          <a:noFill/>
-        </p:spPr>
-        <p:txBody>
-          <a:bodyPr wrap="none" rtlCol="0">
-            <a:spAutoFit/>
-          </a:bodyPr>
-          <a:lstStyle/>
-          <a:p>
-            <a:r>
-              <a:rPr lang="en-US" sz="1600" dirty="0" smtClean="0"/>
-              <a:t>INT</a:t>
-            </a:r>
-            <a:endParaRPr lang="en-US" sz="1600" dirty="0"/>
-          </a:p>
-        </p:txBody>
-      </p:sp>
-      <p:sp>
-        <p:nvSpPr>
-          <p:cNvPr id="151" name="TextBox 150"/>
-          <p:cNvSpPr txBox="1"/>
-          <p:nvPr/>
-        </p:nvSpPr>
-        <p:spPr>
-          <a:xfrm>
-            <a:off x="4651427" y="12223356"/>
-            <a:ext cx="468798" cy="338554"/>
-          </a:xfrm>
-          <a:prstGeom prst="rect">
-            <a:avLst/>
-          </a:prstGeom>
-          <a:noFill/>
-        </p:spPr>
-        <p:txBody>
-          <a:bodyPr wrap="none" rtlCol="0">
-            <a:spAutoFit/>
-          </a:bodyPr>
-          <a:lstStyle/>
-          <a:p>
-            <a:r>
-              <a:rPr lang="en-US" sz="1600" dirty="0" smtClean="0"/>
-              <a:t>INT</a:t>
-            </a:r>
-            <a:endParaRPr lang="en-US" sz="1600" dirty="0"/>
-          </a:p>
-        </p:txBody>
-      </p:sp>
-      <p:sp>
-        <p:nvSpPr>
-          <p:cNvPr id="152" name="TextBox 151"/>
-          <p:cNvSpPr txBox="1"/>
-          <p:nvPr/>
-        </p:nvSpPr>
-        <p:spPr>
-          <a:xfrm>
-            <a:off x="6188040" y="12214739"/>
-            <a:ext cx="468798" cy="338554"/>
-          </a:xfrm>
-          <a:prstGeom prst="rect">
-            <a:avLst/>
-          </a:prstGeom>
-          <a:noFill/>
-        </p:spPr>
-        <p:txBody>
-          <a:bodyPr wrap="none" rtlCol="0">
-            <a:spAutoFit/>
-          </a:bodyPr>
-          <a:lstStyle/>
-          <a:p>
-            <a:r>
-              <a:rPr lang="en-US" sz="1600" dirty="0" smtClean="0"/>
-              <a:t>INT</a:t>
-            </a:r>
-            <a:endParaRPr lang="en-US" sz="1600" dirty="0"/>
-          </a:p>
-        </p:txBody>
-      </p:sp>
-      <p:sp>
-        <p:nvSpPr>
-          <p:cNvPr id="153" name="TextBox 152"/>
-          <p:cNvSpPr txBox="1"/>
-          <p:nvPr/>
-        </p:nvSpPr>
-        <p:spPr>
-          <a:xfrm>
-            <a:off x="7684684" y="12214476"/>
-            <a:ext cx="468798" cy="338554"/>
-          </a:xfrm>
-          <a:prstGeom prst="rect">
-            <a:avLst/>
-          </a:prstGeom>
-          <a:noFill/>
-        </p:spPr>
-        <p:txBody>
-          <a:bodyPr wrap="none" rtlCol="0">
-            <a:spAutoFit/>
-          </a:bodyPr>
-          <a:lstStyle/>
-          <a:p>
-            <a:r>
-              <a:rPr lang="en-US" sz="1600" dirty="0" smtClean="0"/>
-              <a:t>INT</a:t>
-            </a:r>
-            <a:endParaRPr lang="en-US" sz="1600" dirty="0"/>
-          </a:p>
-        </p:txBody>
-      </p:sp>
-      <p:sp>
-        <p:nvSpPr>
-          <p:cNvPr id="154" name="TextBox 153"/>
-          <p:cNvSpPr txBox="1"/>
-          <p:nvPr/>
-        </p:nvSpPr>
-        <p:spPr>
-          <a:xfrm>
-            <a:off x="9260075" y="12264426"/>
-            <a:ext cx="468798" cy="338554"/>
-          </a:xfrm>
-          <a:prstGeom prst="rect">
-            <a:avLst/>
-          </a:prstGeom>
-          <a:noFill/>
-        </p:spPr>
-        <p:txBody>
-          <a:bodyPr wrap="none" rtlCol="0">
-            <a:spAutoFit/>
-          </a:bodyPr>
-          <a:lstStyle/>
-          <a:p>
-            <a:r>
-              <a:rPr lang="en-US" sz="1600" dirty="0" smtClean="0"/>
-              <a:t>INT</a:t>
-            </a:r>
-            <a:endParaRPr lang="en-US" sz="1600" dirty="0"/>
-          </a:p>
-        </p:txBody>
-      </p:sp>
-      <p:sp>
-        <p:nvSpPr>
-          <p:cNvPr id="155" name="TextBox 154"/>
-          <p:cNvSpPr txBox="1"/>
-          <p:nvPr/>
-        </p:nvSpPr>
-        <p:spPr>
-          <a:xfrm>
-            <a:off x="10706158" y="12236319"/>
-            <a:ext cx="468798" cy="338554"/>
-          </a:xfrm>
-          <a:prstGeom prst="rect">
-            <a:avLst/>
-          </a:prstGeom>
-          <a:noFill/>
-        </p:spPr>
-        <p:txBody>
-          <a:bodyPr wrap="none" rtlCol="0">
-            <a:spAutoFit/>
-          </a:bodyPr>
-          <a:lstStyle/>
-          <a:p>
-            <a:r>
-              <a:rPr lang="en-US" sz="1600" dirty="0" smtClean="0"/>
-              <a:t>INT</a:t>
-            </a:r>
-            <a:endParaRPr lang="en-US" sz="1600" dirty="0"/>
-          </a:p>
-        </p:txBody>
-      </p:sp>
-      <p:sp>
-        <p:nvSpPr>
-          <p:cNvPr id="157" name="TextBox 156"/>
-          <p:cNvSpPr txBox="1"/>
-          <p:nvPr/>
-        </p:nvSpPr>
-        <p:spPr>
-          <a:xfrm>
-            <a:off x="1532679" y="12214476"/>
-            <a:ext cx="435736" cy="338554"/>
-          </a:xfrm>
-          <a:prstGeom prst="rect">
-            <a:avLst/>
-          </a:prstGeom>
-          <a:noFill/>
-        </p:spPr>
-        <p:txBody>
-          <a:bodyPr wrap="none" rtlCol="0">
-            <a:spAutoFit/>
-          </a:bodyPr>
-          <a:lstStyle/>
-          <a:p>
-            <a:pPr algn="ctr"/>
-            <a:r>
-              <a:rPr lang="en-US" sz="1600" dirty="0" smtClean="0"/>
-              <a:t>set</a:t>
-            </a:r>
-            <a:endParaRPr lang="en-US" sz="1600" dirty="0"/>
-          </a:p>
-        </p:txBody>
-      </p:sp>
-      <p:sp>
-        <p:nvSpPr>
-          <p:cNvPr id="158" name="TextBox 157"/>
-          <p:cNvSpPr txBox="1"/>
-          <p:nvPr/>
-        </p:nvSpPr>
-        <p:spPr>
-          <a:xfrm>
-            <a:off x="9125111" y="12580559"/>
-            <a:ext cx="530915" cy="307777"/>
-          </a:xfrm>
-          <a:prstGeom prst="rect">
-            <a:avLst/>
-          </a:prstGeom>
-          <a:noFill/>
-        </p:spPr>
-        <p:txBody>
-          <a:bodyPr wrap="none" rtlCol="0">
-            <a:spAutoFit/>
-          </a:bodyPr>
-          <a:lstStyle/>
-          <a:p>
-            <a:r>
-              <a:rPr lang="en-US" sz="1400" dirty="0" smtClean="0"/>
-              <a:t>hour</a:t>
-            </a:r>
-            <a:endParaRPr lang="en-US" sz="1400" dirty="0"/>
-          </a:p>
-        </p:txBody>
-      </p:sp>
-      <p:sp>
-        <p:nvSpPr>
-          <p:cNvPr id="159" name="TextBox 158"/>
-          <p:cNvSpPr txBox="1"/>
-          <p:nvPr/>
-        </p:nvSpPr>
-        <p:spPr>
-          <a:xfrm>
-            <a:off x="10524659" y="12580559"/>
-            <a:ext cx="777627" cy="307777"/>
-          </a:xfrm>
-          <a:prstGeom prst="rect">
-            <a:avLst/>
-          </a:prstGeom>
-          <a:noFill/>
-        </p:spPr>
-        <p:txBody>
-          <a:bodyPr wrap="none" rtlCol="0">
-            <a:spAutoFit/>
-          </a:bodyPr>
-          <a:lstStyle/>
-          <a:p>
-            <a:r>
-              <a:rPr lang="en-US" sz="1400" dirty="0" smtClean="0"/>
-              <a:t>minutes</a:t>
-            </a:r>
-            <a:endParaRPr lang="en-US" sz="1400" dirty="0"/>
-          </a:p>
-        </p:txBody>
-      </p:sp>
-      <p:sp>
-        <p:nvSpPr>
-          <p:cNvPr id="160" name="TextBox 159"/>
-          <p:cNvSpPr txBox="1"/>
-          <p:nvPr/>
-        </p:nvSpPr>
-        <p:spPr>
-          <a:xfrm>
-            <a:off x="7681343" y="12602980"/>
-            <a:ext cx="505267" cy="307777"/>
-          </a:xfrm>
-          <a:prstGeom prst="rect">
-            <a:avLst/>
-          </a:prstGeom>
-          <a:noFill/>
-        </p:spPr>
-        <p:txBody>
-          <a:bodyPr wrap="none" rtlCol="0">
-            <a:spAutoFit/>
-          </a:bodyPr>
-          <a:lstStyle/>
-          <a:p>
-            <a:r>
-              <a:rPr lang="en-US" sz="1400" dirty="0" err="1" smtClean="0"/>
-              <a:t>dow</a:t>
-            </a:r>
-            <a:endParaRPr lang="en-US" sz="1400" dirty="0"/>
-          </a:p>
-        </p:txBody>
-      </p:sp>
-      <p:sp>
-        <p:nvSpPr>
-          <p:cNvPr id="161" name="TextBox 160"/>
-          <p:cNvSpPr txBox="1"/>
-          <p:nvPr/>
-        </p:nvSpPr>
-        <p:spPr>
-          <a:xfrm>
-            <a:off x="6143533" y="12600102"/>
-            <a:ext cx="518091" cy="307777"/>
-          </a:xfrm>
-          <a:prstGeom prst="rect">
-            <a:avLst/>
-          </a:prstGeom>
-          <a:noFill/>
-        </p:spPr>
-        <p:txBody>
-          <a:bodyPr wrap="none" rtlCol="0">
-            <a:spAutoFit/>
-          </a:bodyPr>
-          <a:lstStyle/>
-          <a:p>
-            <a:r>
-              <a:rPr lang="en-US" sz="1400" dirty="0" smtClean="0"/>
-              <a:t>date</a:t>
-            </a:r>
-            <a:endParaRPr lang="en-US" sz="1400" dirty="0"/>
-          </a:p>
-        </p:txBody>
-      </p:sp>
-      <p:sp>
-        <p:nvSpPr>
-          <p:cNvPr id="162" name="TextBox 161"/>
-          <p:cNvSpPr txBox="1"/>
-          <p:nvPr/>
-        </p:nvSpPr>
-        <p:spPr>
-          <a:xfrm>
-            <a:off x="4585969" y="12603081"/>
-            <a:ext cx="671553" cy="307777"/>
-          </a:xfrm>
-          <a:prstGeom prst="rect">
-            <a:avLst/>
-          </a:prstGeom>
-          <a:noFill/>
-        </p:spPr>
-        <p:txBody>
-          <a:bodyPr wrap="none" rtlCol="0">
-            <a:spAutoFit/>
-          </a:bodyPr>
-          <a:lstStyle/>
-          <a:p>
-            <a:r>
-              <a:rPr lang="en-US" sz="1400" dirty="0" smtClean="0"/>
-              <a:t>month</a:t>
-            </a:r>
-            <a:endParaRPr lang="en-US" sz="1400" dirty="0"/>
-          </a:p>
-        </p:txBody>
-      </p:sp>
-      <p:sp>
-        <p:nvSpPr>
-          <p:cNvPr id="163" name="TextBox 162"/>
-          <p:cNvSpPr txBox="1"/>
-          <p:nvPr/>
-        </p:nvSpPr>
-        <p:spPr>
-          <a:xfrm>
-            <a:off x="3119256" y="12603081"/>
-            <a:ext cx="505267" cy="307777"/>
-          </a:xfrm>
-          <a:prstGeom prst="rect">
-            <a:avLst/>
-          </a:prstGeom>
-          <a:noFill/>
-        </p:spPr>
-        <p:txBody>
-          <a:bodyPr wrap="none" rtlCol="0">
-            <a:spAutoFit/>
-          </a:bodyPr>
-          <a:lstStyle/>
-          <a:p>
-            <a:r>
-              <a:rPr lang="en-US" sz="1400" dirty="0" smtClean="0"/>
-              <a:t>year</a:t>
-            </a:r>
-            <a:endParaRPr lang="en-US" sz="1400" dirty="0"/>
-          </a:p>
-        </p:txBody>
-      </p:sp>
-      <p:sp>
-        <p:nvSpPr>
-          <p:cNvPr id="164" name="TextBox 163"/>
-          <p:cNvSpPr txBox="1"/>
-          <p:nvPr/>
-        </p:nvSpPr>
-        <p:spPr>
-          <a:xfrm>
-            <a:off x="10734562" y="11660618"/>
-            <a:ext cx="773682" cy="307777"/>
-          </a:xfrm>
-          <a:prstGeom prst="rect">
-            <a:avLst/>
-          </a:prstGeom>
-          <a:noFill/>
-        </p:spPr>
-        <p:txBody>
-          <a:bodyPr wrap="none" rtlCol="0">
-            <a:spAutoFit/>
-          </a:bodyPr>
-          <a:lstStyle/>
-          <a:p>
-            <a:r>
-              <a:rPr lang="en-US" sz="1400" dirty="0" smtClean="0"/>
-              <a:t>seconds</a:t>
-            </a:r>
-            <a:endParaRPr lang="en-US" sz="1400" dirty="0"/>
-          </a:p>
-        </p:txBody>
-      </p:sp>
-      <p:sp>
-        <p:nvSpPr>
-          <p:cNvPr id="181" name="Oval 180"/>
-          <p:cNvSpPr/>
-          <p:nvPr/>
-        </p:nvSpPr>
-        <p:spPr>
-          <a:xfrm>
-            <a:off x="-7462930" y="12227181"/>
-            <a:ext cx="639132" cy="621420"/>
-          </a:xfrm>
-          <a:prstGeom prst="ellipse">
-            <a:avLst/>
-          </a:prstGeom>
-          <a:noFill/>
-          <a:ln/>
-        </p:spPr>
-        <p:style>
-          <a:lnRef idx="1">
-            <a:schemeClr val="accent1"/>
-          </a:lnRef>
-          <a:fillRef idx="3">
-            <a:schemeClr val="accent1"/>
-          </a:fillRef>
-          <a:effectRef idx="2">
-            <a:schemeClr val="accent1"/>
-          </a:effectRef>
-          <a:fontRef idx="minor">
-            <a:schemeClr val="lt1"/>
-          </a:fontRef>
-        </p:style>
-        <p:txBody>
-          <a:bodyPr anchor="ctr" anchorCtr="0"/>
-          <a:lstStyle/>
-          <a:p>
-            <a:pPr algn="ctr"/>
-            <a:r>
-              <a:rPr lang="en-US" sz="1800" dirty="0" smtClean="0">
-                <a:solidFill>
-                  <a:schemeClr val="tx1"/>
-                </a:solidFill>
-              </a:rPr>
-              <a:t>16</a:t>
-            </a:r>
-          </a:p>
-        </p:txBody>
-      </p:sp>
-      <p:sp>
-        <p:nvSpPr>
-          <p:cNvPr id="182" name="TextBox 181"/>
-          <p:cNvSpPr txBox="1"/>
-          <p:nvPr/>
-        </p:nvSpPr>
-        <p:spPr>
-          <a:xfrm>
-            <a:off x="-8298964" y="12227181"/>
-            <a:ext cx="547546" cy="338554"/>
-          </a:xfrm>
-          <a:prstGeom prst="rect">
-            <a:avLst/>
-          </a:prstGeom>
-          <a:noFill/>
-        </p:spPr>
-        <p:txBody>
-          <a:bodyPr wrap="none" rtlCol="0">
-            <a:spAutoFit/>
-          </a:bodyPr>
-          <a:lstStyle/>
-          <a:p>
-            <a:pPr algn="ctr"/>
-            <a:r>
-              <a:rPr lang="en-US" sz="1600" dirty="0" smtClean="0"/>
-              <a:t>zero</a:t>
-            </a:r>
-            <a:endParaRPr lang="en-US" sz="1600" dirty="0"/>
-          </a:p>
-        </p:txBody>
-      </p:sp>
-      <p:cxnSp>
-        <p:nvCxnSpPr>
-          <p:cNvPr id="183" name="Elbow Connector 182"/>
-          <p:cNvCxnSpPr>
-            <a:endCxn id="181" idx="2"/>
-          </p:cNvCxnSpPr>
-          <p:nvPr/>
-        </p:nvCxnSpPr>
-        <p:spPr>
-          <a:xfrm>
-            <a:off x="-8607996" y="11667852"/>
-            <a:ext cx="1145066" cy="870039"/>
-          </a:xfrm>
-          <a:prstGeom prst="bentConnector3">
-            <a:avLst>
-              <a:gd name="adj1" fmla="val -1019"/>
-            </a:avLst>
+          <a:xfrm rot="16200000" flipH="1">
+            <a:off x="5351789" y="3618041"/>
+            <a:ext cx="531132" cy="1730978"/>
+          </a:xfrm>
+          <a:prstGeom prst="bentConnector2">
+            <a:avLst/>
           </a:prstGeom>
           <a:ln>
             <a:tailEnd type="arrow"/>
@@ -5973,87 +4945,21 @@
       </p:cxnSp>
       <p:cxnSp>
         <p:nvCxnSpPr>
-          <p:cNvPr id="184" name="Elbow Connector 183"/>
+          <p:cNvPr id="463" name="Elbow Connector 462"/>
           <p:cNvCxnSpPr>
-            <a:stCxn id="181" idx="6"/>
+            <a:endCxn id="466" idx="2"/>
           </p:cNvCxnSpPr>
           <p:nvPr/>
         </p:nvCxnSpPr>
         <p:spPr>
-          <a:xfrm flipV="1">
-            <a:off x="-6823798" y="11691350"/>
-            <a:ext cx="3539168" cy="846541"/>
+          <a:xfrm>
+            <a:off x="4760060" y="4749096"/>
+            <a:ext cx="1723748" cy="844814"/>
           </a:xfrm>
           <a:prstGeom prst="bentConnector3">
             <a:avLst>
-              <a:gd name="adj1" fmla="val 99520"/>
+              <a:gd name="adj1" fmla="val -906"/>
             </a:avLst>
-          </a:prstGeom>
-          <a:ln>
-            <a:tailEnd type="arrow"/>
-          </a:ln>
-        </p:spPr>
-        <p:style>
-          <a:lnRef idx="2">
-            <a:schemeClr val="accent1"/>
-          </a:lnRef>
-          <a:fillRef idx="0">
-            <a:schemeClr val="accent1"/>
-          </a:fillRef>
-          <a:effectRef idx="1">
-            <a:schemeClr val="accent1"/>
-          </a:effectRef>
-          <a:fontRef idx="minor">
-            <a:schemeClr val="tx1"/>
-          </a:fontRef>
-        </p:style>
-      </p:cxnSp>
-      <p:sp>
-        <p:nvSpPr>
-          <p:cNvPr id="185" name="TextBox 184"/>
-          <p:cNvSpPr txBox="1"/>
-          <p:nvPr/>
-        </p:nvSpPr>
-        <p:spPr>
-          <a:xfrm>
-            <a:off x="-6567940" y="12175839"/>
-            <a:ext cx="1099880" cy="338554"/>
-          </a:xfrm>
-          <a:prstGeom prst="rect">
-            <a:avLst/>
-          </a:prstGeom>
-          <a:noFill/>
-        </p:spPr>
-        <p:txBody>
-          <a:bodyPr wrap="none" rtlCol="0">
-            <a:spAutoFit/>
-          </a:bodyPr>
-          <a:lstStyle/>
-          <a:p>
-            <a:r>
-              <a:rPr lang="en-US" sz="1600" dirty="0" smtClean="0"/>
-              <a:t> channel(c)</a:t>
-            </a:r>
-            <a:endParaRPr lang="en-US" sz="1600" dirty="0"/>
-          </a:p>
-        </p:txBody>
-      </p:sp>
-      <p:cxnSp>
-        <p:nvCxnSpPr>
-          <p:cNvPr id="167" name="Straight Arrow Connector 166"/>
-          <p:cNvCxnSpPr>
-            <a:stCxn id="11" idx="6"/>
-            <a:endCxn id="12" idx="2"/>
-          </p:cNvCxnSpPr>
-          <p:nvPr/>
-        </p:nvCxnSpPr>
-        <p:spPr>
-          <a:xfrm flipV="1">
-            <a:off x="3269175" y="3754854"/>
-            <a:ext cx="1315525" cy="10784"/>
-          </a:xfrm>
-          <a:prstGeom prst="straightConnector1">
-            <a:avLst/>
           </a:prstGeom>
           <a:ln>
             <a:tailEnd type="arrow"/>
@@ -6076,22 +4982,20 @@
       </p:cxnSp>
       <p:cxnSp>
         <p:nvCxnSpPr>
-          <p:cNvPr id="171" name="Elbow Connector 170"/>
+          <p:cNvPr id="464" name="Elbow Connector 463"/>
           <p:cNvCxnSpPr>
-            <a:stCxn id="12" idx="6"/>
-            <a:endCxn id="4" idx="0"/>
+            <a:stCxn id="427" idx="6"/>
           </p:cNvCxnSpPr>
           <p:nvPr/>
         </p:nvCxnSpPr>
         <p:spPr>
-          <a:xfrm flipH="1" flipV="1">
-            <a:off x="1420334" y="1689628"/>
-            <a:ext cx="3803498" cy="2065226"/>
-          </a:xfrm>
-          <a:prstGeom prst="bentConnector4">
+          <a:xfrm flipV="1">
+            <a:off x="7121976" y="3932654"/>
+            <a:ext cx="3317425" cy="816442"/>
+          </a:xfrm>
+          <a:prstGeom prst="bentConnector3">
             <a:avLst>
-              <a:gd name="adj1" fmla="val -140887"/>
-              <a:gd name="adj2" fmla="val 160880"/>
+              <a:gd name="adj1" fmla="val 99770"/>
             </a:avLst>
           </a:prstGeom>
           <a:ln>
@@ -6115,19 +5019,562 @@
       </p:cxnSp>
       <p:cxnSp>
         <p:nvCxnSpPr>
-          <p:cNvPr id="176" name="Elbow Connector 175"/>
+          <p:cNvPr id="465" name="Elbow Connector 464"/>
+          <p:cNvCxnSpPr/>
+          <p:nvPr/>
+        </p:nvCxnSpPr>
+        <p:spPr>
+          <a:xfrm flipV="1">
+            <a:off x="6855720" y="4753668"/>
+            <a:ext cx="3583681" cy="840242"/>
+          </a:xfrm>
+          <a:prstGeom prst="bentConnector3">
+            <a:avLst>
+              <a:gd name="adj1" fmla="val 99843"/>
+            </a:avLst>
+          </a:prstGeom>
+          <a:ln>
+            <a:tailEnd type="arrow"/>
+          </a:ln>
+        </p:spPr>
+        <p:style>
+          <a:lnRef idx="2">
+            <a:schemeClr val="accent1"/>
+          </a:lnRef>
+          <a:fillRef idx="0">
+            <a:schemeClr val="accent1"/>
+          </a:fillRef>
+          <a:effectRef idx="1">
+            <a:schemeClr val="accent1"/>
+          </a:effectRef>
+          <a:fontRef idx="minor">
+            <a:schemeClr val="tx1"/>
+          </a:fontRef>
+        </p:style>
+      </p:cxnSp>
+      <p:sp>
+        <p:nvSpPr>
+          <p:cNvPr id="466" name="Oval 465"/>
+          <p:cNvSpPr/>
+          <p:nvPr/>
+        </p:nvSpPr>
+        <p:spPr>
+          <a:xfrm>
+            <a:off x="6483808" y="5283200"/>
+            <a:ext cx="639132" cy="621420"/>
+          </a:xfrm>
+          <a:prstGeom prst="ellipse">
+            <a:avLst/>
+          </a:prstGeom>
+          <a:solidFill>
+            <a:schemeClr val="bg1"/>
+          </a:solidFill>
+          <a:ln/>
+        </p:spPr>
+        <p:style>
+          <a:lnRef idx="1">
+            <a:schemeClr val="accent1"/>
+          </a:lnRef>
+          <a:fillRef idx="3">
+            <a:schemeClr val="accent1"/>
+          </a:fillRef>
+          <a:effectRef idx="2">
+            <a:schemeClr val="accent1"/>
+          </a:effectRef>
+          <a:fontRef idx="minor">
+            <a:schemeClr val="lt1"/>
+          </a:fontRef>
+        </p:style>
+        <p:txBody>
+          <a:bodyPr anchor="ctr" anchorCtr="0"/>
+          <a:lstStyle/>
+          <a:p>
+            <a:pPr algn="ctr"/>
+            <a:r>
+              <a:rPr lang="en-US" sz="1800" dirty="0">
+                <a:solidFill>
+                  <a:schemeClr val="tx1"/>
+                </a:solidFill>
+              </a:rPr>
+              <a:t>4</a:t>
+            </a:r>
+            <a:endParaRPr lang="en-US" sz="1800" dirty="0" smtClean="0">
+              <a:solidFill>
+                <a:schemeClr val="tx1"/>
+              </a:solidFill>
+            </a:endParaRPr>
+          </a:p>
+        </p:txBody>
+      </p:sp>
+      <p:sp>
+        <p:nvSpPr>
+          <p:cNvPr id="467" name="TextBox 466"/>
+          <p:cNvSpPr txBox="1"/>
+          <p:nvPr/>
+        </p:nvSpPr>
+        <p:spPr>
+          <a:xfrm>
+            <a:off x="5685820" y="3563377"/>
+            <a:ext cx="2492990" cy="338554"/>
+          </a:xfrm>
+          <a:prstGeom prst="rect">
+            <a:avLst/>
+          </a:prstGeom>
+          <a:noFill/>
+        </p:spPr>
+        <p:txBody>
+          <a:bodyPr wrap="none" rtlCol="0">
+            <a:spAutoFit/>
+          </a:bodyPr>
+          <a:lstStyle/>
+          <a:p>
+            <a:pPr algn="ctr"/>
+            <a:r>
+              <a:rPr lang="en-US" sz="1600" dirty="0"/>
+              <a:t>o</a:t>
+            </a:r>
+            <a:r>
+              <a:rPr lang="en-US" sz="1600" dirty="0" smtClean="0"/>
+              <a:t>n, off, zero, cancel, display</a:t>
+            </a:r>
+            <a:endParaRPr lang="en-US" sz="1600" dirty="0"/>
+          </a:p>
+        </p:txBody>
+      </p:sp>
+      <p:sp>
+        <p:nvSpPr>
+          <p:cNvPr id="468" name="TextBox 467"/>
+          <p:cNvSpPr txBox="1"/>
+          <p:nvPr/>
+        </p:nvSpPr>
+        <p:spPr>
+          <a:xfrm>
+            <a:off x="5037109" y="4393793"/>
+            <a:ext cx="656750" cy="338554"/>
+          </a:xfrm>
+          <a:prstGeom prst="rect">
+            <a:avLst/>
+          </a:prstGeom>
+          <a:noFill/>
+        </p:spPr>
+        <p:txBody>
+          <a:bodyPr wrap="none" rtlCol="0">
+            <a:spAutoFit/>
+          </a:bodyPr>
+          <a:lstStyle/>
+          <a:p>
+            <a:pPr algn="ctr"/>
+            <a:r>
+              <a:rPr lang="en-US" sz="1600" dirty="0" smtClean="0"/>
+              <a:t>name</a:t>
+            </a:r>
+            <a:endParaRPr lang="en-US" sz="1600" dirty="0"/>
+          </a:p>
+        </p:txBody>
+      </p:sp>
+      <p:sp>
+        <p:nvSpPr>
+          <p:cNvPr id="469" name="TextBox 468"/>
+          <p:cNvSpPr txBox="1"/>
+          <p:nvPr/>
+        </p:nvSpPr>
+        <p:spPr>
+          <a:xfrm>
+            <a:off x="5119753" y="5241907"/>
+            <a:ext cx="666669" cy="338554"/>
+          </a:xfrm>
+          <a:prstGeom prst="rect">
+            <a:avLst/>
+          </a:prstGeom>
+          <a:noFill/>
+        </p:spPr>
+        <p:txBody>
+          <a:bodyPr wrap="none" rtlCol="0">
+            <a:spAutoFit/>
+          </a:bodyPr>
+          <a:lstStyle/>
+          <a:p>
+            <a:pPr algn="ctr"/>
+            <a:r>
+              <a:rPr lang="en-US" sz="1600" dirty="0" smtClean="0"/>
+              <a:t>mode</a:t>
+            </a:r>
+            <a:endParaRPr lang="en-US" sz="1600" dirty="0"/>
+          </a:p>
+        </p:txBody>
+      </p:sp>
+      <p:sp>
+        <p:nvSpPr>
+          <p:cNvPr id="470" name="TextBox 469"/>
+          <p:cNvSpPr txBox="1"/>
+          <p:nvPr/>
+        </p:nvSpPr>
+        <p:spPr>
+          <a:xfrm>
+            <a:off x="7384685" y="5241907"/>
+            <a:ext cx="468798" cy="338554"/>
+          </a:xfrm>
+          <a:prstGeom prst="rect">
+            <a:avLst/>
+          </a:prstGeom>
+          <a:noFill/>
+        </p:spPr>
+        <p:txBody>
+          <a:bodyPr wrap="none" rtlCol="0">
+            <a:spAutoFit/>
+          </a:bodyPr>
+          <a:lstStyle/>
+          <a:p>
+            <a:r>
+              <a:rPr lang="en-US" sz="1600" dirty="0" smtClean="0"/>
+              <a:t>INT</a:t>
+            </a:r>
+            <a:endParaRPr lang="en-US" sz="1600" dirty="0"/>
+          </a:p>
+        </p:txBody>
+      </p:sp>
+      <p:sp>
+        <p:nvSpPr>
+          <p:cNvPr id="471" name="TextBox 470"/>
+          <p:cNvSpPr txBox="1"/>
+          <p:nvPr/>
+        </p:nvSpPr>
+        <p:spPr>
+          <a:xfrm>
+            <a:off x="7331020" y="4398299"/>
+            <a:ext cx="490339" cy="338554"/>
+          </a:xfrm>
+          <a:prstGeom prst="rect">
+            <a:avLst/>
+          </a:prstGeom>
+          <a:noFill/>
+        </p:spPr>
+        <p:txBody>
+          <a:bodyPr wrap="none" rtlCol="0">
+            <a:spAutoFit/>
+          </a:bodyPr>
+          <a:lstStyle/>
+          <a:p>
+            <a:r>
+              <a:rPr lang="en-US" sz="1600" dirty="0" smtClean="0"/>
+              <a:t>STR</a:t>
+            </a:r>
+            <a:endParaRPr lang="en-US" sz="1600" dirty="0"/>
+          </a:p>
+        </p:txBody>
+      </p:sp>
+      <p:sp>
+        <p:nvSpPr>
+          <p:cNvPr id="472" name="TextBox 471"/>
+          <p:cNvSpPr txBox="1"/>
+          <p:nvPr/>
+        </p:nvSpPr>
+        <p:spPr>
+          <a:xfrm>
+            <a:off x="7303931" y="4712698"/>
+            <a:ext cx="640683" cy="307777"/>
+          </a:xfrm>
+          <a:prstGeom prst="rect">
+            <a:avLst/>
+          </a:prstGeom>
+          <a:noFill/>
+        </p:spPr>
+        <p:txBody>
+          <a:bodyPr wrap="none" rtlCol="0">
+            <a:spAutoFit/>
+          </a:bodyPr>
+          <a:lstStyle/>
+          <a:p>
+            <a:r>
+              <a:rPr lang="en-US" sz="1400" i="1" dirty="0" smtClean="0"/>
+              <a:t>name</a:t>
+            </a:r>
+            <a:endParaRPr lang="en-US" sz="1400" i="1" dirty="0"/>
+          </a:p>
+        </p:txBody>
+      </p:sp>
+      <p:sp>
+        <p:nvSpPr>
+          <p:cNvPr id="473" name="TextBox 472"/>
+          <p:cNvSpPr txBox="1"/>
+          <p:nvPr/>
+        </p:nvSpPr>
+        <p:spPr>
+          <a:xfrm>
+            <a:off x="7177269" y="5589327"/>
+            <a:ext cx="2569032" cy="307777"/>
+          </a:xfrm>
+          <a:prstGeom prst="rect">
+            <a:avLst/>
+          </a:prstGeom>
+          <a:noFill/>
+        </p:spPr>
+        <p:txBody>
+          <a:bodyPr wrap="none" rtlCol="0">
+            <a:spAutoFit/>
+          </a:bodyPr>
+          <a:lstStyle/>
+          <a:p>
+            <a:r>
+              <a:rPr lang="en-US" sz="1400" i="1" dirty="0" smtClean="0"/>
+              <a:t>0-manual, 1-time, 2-time&amp;senor</a:t>
+            </a:r>
+            <a:endParaRPr lang="en-US" sz="1400" i="1" dirty="0"/>
+          </a:p>
+        </p:txBody>
+      </p:sp>
+      <p:cxnSp>
+        <p:nvCxnSpPr>
+          <p:cNvPr id="474" name="Elbow Connector 473"/>
           <p:cNvCxnSpPr>
-            <a:stCxn id="12" idx="4"/>
-            <a:endCxn id="33" idx="2"/>
+            <a:endCxn id="426" idx="2"/>
           </p:cNvCxnSpPr>
           <p:nvPr/>
         </p:nvCxnSpPr>
         <p:spPr>
           <a:xfrm rot="16200000" flipH="1">
-            <a:off x="5504189" y="3465641"/>
-            <a:ext cx="531132" cy="1730978"/>
+            <a:off x="243290" y="4942683"/>
+            <a:ext cx="3258996" cy="1209710"/>
           </a:xfrm>
           <a:prstGeom prst="bentConnector2">
+            <a:avLst/>
+          </a:prstGeom>
+          <a:ln>
+            <a:tailEnd type="arrow"/>
+          </a:ln>
+        </p:spPr>
+        <p:style>
+          <a:lnRef idx="2">
+            <a:schemeClr val="accent1"/>
+          </a:lnRef>
+          <a:fillRef idx="0">
+            <a:schemeClr val="accent1"/>
+          </a:fillRef>
+          <a:effectRef idx="1">
+            <a:schemeClr val="accent1"/>
+          </a:effectRef>
+          <a:fontRef idx="minor">
+            <a:schemeClr val="tx1"/>
+          </a:fontRef>
+        </p:style>
+      </p:cxnSp>
+      <p:sp>
+        <p:nvSpPr>
+          <p:cNvPr id="475" name="TextBox 474"/>
+          <p:cNvSpPr txBox="1"/>
+          <p:nvPr/>
+        </p:nvSpPr>
+        <p:spPr>
+          <a:xfrm>
+            <a:off x="1354748" y="6788603"/>
+            <a:ext cx="926355" cy="338554"/>
+          </a:xfrm>
+          <a:prstGeom prst="rect">
+            <a:avLst/>
+          </a:prstGeom>
+          <a:noFill/>
+        </p:spPr>
+        <p:txBody>
+          <a:bodyPr wrap="none" rtlCol="0">
+            <a:spAutoFit/>
+          </a:bodyPr>
+          <a:lstStyle/>
+          <a:p>
+            <a:pPr algn="ctr"/>
+            <a:r>
+              <a:rPr lang="en-US" sz="1600" dirty="0" smtClean="0"/>
+              <a:t>schedule</a:t>
+            </a:r>
+            <a:endParaRPr lang="en-US" sz="1600" dirty="0"/>
+          </a:p>
+        </p:txBody>
+      </p:sp>
+      <p:sp>
+        <p:nvSpPr>
+          <p:cNvPr id="476" name="TextBox 475"/>
+          <p:cNvSpPr txBox="1"/>
+          <p:nvPr/>
+        </p:nvSpPr>
+        <p:spPr>
+          <a:xfrm>
+            <a:off x="2410825" y="4754720"/>
+            <a:ext cx="772768" cy="2062103"/>
+          </a:xfrm>
+          <a:prstGeom prst="rect">
+            <a:avLst/>
+          </a:prstGeom>
+          <a:solidFill>
+            <a:schemeClr val="bg1"/>
+          </a:solidFill>
+        </p:spPr>
+        <p:txBody>
+          <a:bodyPr wrap="none" rtlCol="0">
+            <a:spAutoFit/>
+          </a:bodyPr>
+          <a:lstStyle/>
+          <a:p>
+            <a:r>
+              <a:rPr lang="en-US" sz="1600" dirty="0"/>
+              <a:t>s</a:t>
+            </a:r>
+            <a:r>
+              <a:rPr lang="en-US" sz="1600" dirty="0" smtClean="0"/>
+              <a:t>ave</a:t>
+            </a:r>
+          </a:p>
+          <a:p>
+            <a:r>
+              <a:rPr lang="en-US" sz="1600" dirty="0" smtClean="0"/>
+              <a:t>load</a:t>
+            </a:r>
+          </a:p>
+          <a:p>
+            <a:r>
+              <a:rPr lang="en-US" sz="1600" dirty="0" smtClean="0"/>
+              <a:t>system</a:t>
+            </a:r>
+          </a:p>
+          <a:p>
+            <a:r>
+              <a:rPr lang="en-US" sz="1600" dirty="0" smtClean="0"/>
+              <a:t>status</a:t>
+            </a:r>
+          </a:p>
+          <a:p>
+            <a:r>
+              <a:rPr lang="en-US" sz="1600" dirty="0" smtClean="0"/>
+              <a:t>Time</a:t>
+            </a:r>
+          </a:p>
+          <a:p>
+            <a:r>
+              <a:rPr lang="en-US" sz="1600" dirty="0" smtClean="0"/>
+              <a:t>help(?)</a:t>
+            </a:r>
+          </a:p>
+          <a:p>
+            <a:r>
+              <a:rPr lang="en-US" sz="1600" dirty="0" smtClean="0"/>
+              <a:t>quit</a:t>
+            </a:r>
+          </a:p>
+          <a:p>
+            <a:r>
+              <a:rPr lang="en-US" sz="1600" dirty="0" smtClean="0"/>
+              <a:t>OTHER</a:t>
+            </a:r>
+          </a:p>
+        </p:txBody>
+      </p:sp>
+      <p:sp>
+        <p:nvSpPr>
+          <p:cNvPr id="477" name="Oval 476"/>
+          <p:cNvSpPr/>
+          <p:nvPr/>
+        </p:nvSpPr>
+        <p:spPr>
+          <a:xfrm>
+            <a:off x="4394128" y="6866326"/>
+            <a:ext cx="639132" cy="621420"/>
+          </a:xfrm>
+          <a:prstGeom prst="ellipse">
+            <a:avLst/>
+          </a:prstGeom>
+          <a:noFill/>
+          <a:ln/>
+        </p:spPr>
+        <p:style>
+          <a:lnRef idx="1">
+            <a:schemeClr val="accent1"/>
+          </a:lnRef>
+          <a:fillRef idx="3">
+            <a:schemeClr val="accent1"/>
+          </a:fillRef>
+          <a:effectRef idx="2">
+            <a:schemeClr val="accent1"/>
+          </a:effectRef>
+          <a:fontRef idx="minor">
+            <a:schemeClr val="lt1"/>
+          </a:fontRef>
+        </p:style>
+        <p:txBody>
+          <a:bodyPr anchor="ctr" anchorCtr="0"/>
+          <a:lstStyle/>
+          <a:p>
+            <a:pPr algn="ctr"/>
+            <a:r>
+              <a:rPr lang="en-US" sz="1800" dirty="0" smtClean="0">
+                <a:solidFill>
+                  <a:schemeClr val="tx1"/>
+                </a:solidFill>
+              </a:rPr>
+              <a:t>6</a:t>
+            </a:r>
+          </a:p>
+        </p:txBody>
+      </p:sp>
+      <p:sp>
+        <p:nvSpPr>
+          <p:cNvPr id="478" name="Oval 477"/>
+          <p:cNvSpPr/>
+          <p:nvPr/>
+        </p:nvSpPr>
+        <p:spPr>
+          <a:xfrm>
+            <a:off x="6483808" y="6866326"/>
+            <a:ext cx="639132" cy="621420"/>
+          </a:xfrm>
+          <a:prstGeom prst="ellipse">
+            <a:avLst/>
+          </a:prstGeom>
+          <a:noFill/>
+          <a:ln/>
+        </p:spPr>
+        <p:style>
+          <a:lnRef idx="1">
+            <a:schemeClr val="accent1"/>
+          </a:lnRef>
+          <a:fillRef idx="3">
+            <a:schemeClr val="accent1"/>
+          </a:fillRef>
+          <a:effectRef idx="2">
+            <a:schemeClr val="accent1"/>
+          </a:effectRef>
+          <a:fontRef idx="minor">
+            <a:schemeClr val="lt1"/>
+          </a:fontRef>
+        </p:style>
+        <p:txBody>
+          <a:bodyPr anchor="ctr" anchorCtr="0"/>
+          <a:lstStyle/>
+          <a:p>
+            <a:pPr algn="ctr"/>
+            <a:r>
+              <a:rPr lang="en-US" sz="1800" dirty="0" smtClean="0">
+                <a:solidFill>
+                  <a:schemeClr val="tx1"/>
+                </a:solidFill>
+              </a:rPr>
+              <a:t>7</a:t>
+            </a:r>
+          </a:p>
+        </p:txBody>
+      </p:sp>
+      <p:cxnSp>
+        <p:nvCxnSpPr>
+          <p:cNvPr id="479" name="Straight Arrow Connector 478"/>
+          <p:cNvCxnSpPr>
+            <a:stCxn id="426" idx="6"/>
+            <a:endCxn id="477" idx="2"/>
+          </p:cNvCxnSpPr>
+          <p:nvPr/>
+        </p:nvCxnSpPr>
+        <p:spPr>
+          <a:xfrm>
+            <a:off x="3116775" y="7177036"/>
+            <a:ext cx="1277353" cy="0"/>
+          </a:xfrm>
+          <a:prstGeom prst="straightConnector1">
             <a:avLst/>
           </a:prstGeom>
           <a:ln>
@@ -6151,21 +5598,272 @@
       </p:cxnSp>
       <p:cxnSp>
         <p:nvCxnSpPr>
-          <p:cNvPr id="192" name="Elbow Connector 191"/>
+          <p:cNvPr id="480" name="Straight Arrow Connector 479"/>
           <p:cNvCxnSpPr>
-            <a:endCxn id="34" idx="2"/>
+            <a:stCxn id="477" idx="6"/>
+            <a:endCxn id="478" idx="2"/>
           </p:cNvCxnSpPr>
           <p:nvPr/>
         </p:nvCxnSpPr>
         <p:spPr>
           <a:xfrm>
-            <a:off x="4912460" y="4596696"/>
-            <a:ext cx="1723748" cy="844814"/>
-          </a:xfrm>
-          <a:prstGeom prst="bentConnector3">
-            <a:avLst>
-              <a:gd name="adj1" fmla="val -906"/>
-            </a:avLst>
+            <a:off x="5033260" y="7177036"/>
+            <a:ext cx="1450548" cy="0"/>
+          </a:xfrm>
+          <a:prstGeom prst="straightConnector1">
+            <a:avLst/>
+          </a:prstGeom>
+          <a:ln>
+            <a:tailEnd type="arrow"/>
+          </a:ln>
+        </p:spPr>
+        <p:style>
+          <a:lnRef idx="2">
+            <a:schemeClr val="accent1"/>
+          </a:lnRef>
+          <a:fillRef idx="0">
+            <a:schemeClr val="accent1"/>
+          </a:fillRef>
+          <a:effectRef idx="1">
+            <a:schemeClr val="accent1"/>
+          </a:effectRef>
+          <a:fontRef idx="minor">
+            <a:schemeClr val="tx1"/>
+          </a:fontRef>
+        </p:style>
+      </p:cxnSp>
+      <p:sp>
+        <p:nvSpPr>
+          <p:cNvPr id="481" name="TextBox 480"/>
+          <p:cNvSpPr txBox="1"/>
+          <p:nvPr/>
+        </p:nvSpPr>
+        <p:spPr>
+          <a:xfrm>
+            <a:off x="3410814" y="6838482"/>
+            <a:ext cx="442449" cy="338554"/>
+          </a:xfrm>
+          <a:prstGeom prst="rect">
+            <a:avLst/>
+          </a:prstGeom>
+          <a:noFill/>
+        </p:spPr>
+        <p:txBody>
+          <a:bodyPr wrap="none" rtlCol="0">
+            <a:spAutoFit/>
+          </a:bodyPr>
+          <a:lstStyle/>
+          <a:p>
+            <a:pPr algn="ctr"/>
+            <a:r>
+              <a:rPr lang="en-US" sz="1600" dirty="0" smtClean="0"/>
+              <a:t>file</a:t>
+            </a:r>
+            <a:endParaRPr lang="en-US" sz="1600" dirty="0"/>
+          </a:p>
+        </p:txBody>
+      </p:sp>
+      <p:sp>
+        <p:nvSpPr>
+          <p:cNvPr id="482" name="TextBox 481"/>
+          <p:cNvSpPr txBox="1"/>
+          <p:nvPr/>
+        </p:nvSpPr>
+        <p:spPr>
+          <a:xfrm>
+            <a:off x="5497034" y="6788603"/>
+            <a:ext cx="490339" cy="338554"/>
+          </a:xfrm>
+          <a:prstGeom prst="rect">
+            <a:avLst/>
+          </a:prstGeom>
+          <a:noFill/>
+        </p:spPr>
+        <p:txBody>
+          <a:bodyPr wrap="none" rtlCol="0">
+            <a:spAutoFit/>
+          </a:bodyPr>
+          <a:lstStyle/>
+          <a:p>
+            <a:r>
+              <a:rPr lang="en-US" sz="1600" dirty="0" smtClean="0"/>
+              <a:t>STR</a:t>
+            </a:r>
+            <a:endParaRPr lang="en-US" sz="1600" dirty="0"/>
+          </a:p>
+        </p:txBody>
+      </p:sp>
+      <p:sp>
+        <p:nvSpPr>
+          <p:cNvPr id="483" name="TextBox 482"/>
+          <p:cNvSpPr txBox="1"/>
+          <p:nvPr/>
+        </p:nvSpPr>
+        <p:spPr>
+          <a:xfrm>
+            <a:off x="5281397" y="7164274"/>
+            <a:ext cx="918616" cy="307777"/>
+          </a:xfrm>
+          <a:prstGeom prst="rect">
+            <a:avLst/>
+          </a:prstGeom>
+          <a:noFill/>
+        </p:spPr>
+        <p:txBody>
+          <a:bodyPr wrap="none" rtlCol="0">
+            <a:spAutoFit/>
+          </a:bodyPr>
+          <a:lstStyle/>
+          <a:p>
+            <a:r>
+              <a:rPr lang="en-US" sz="1400" i="1" dirty="0"/>
+              <a:t>f</a:t>
+            </a:r>
+            <a:r>
+              <a:rPr lang="en-US" sz="1400" i="1" dirty="0" smtClean="0"/>
+              <a:t>ile name</a:t>
+            </a:r>
+            <a:endParaRPr lang="en-US" sz="1400" i="1" dirty="0"/>
+          </a:p>
+        </p:txBody>
+      </p:sp>
+      <p:sp>
+        <p:nvSpPr>
+          <p:cNvPr id="484" name="TextBox 483"/>
+          <p:cNvSpPr txBox="1"/>
+          <p:nvPr/>
+        </p:nvSpPr>
+        <p:spPr>
+          <a:xfrm>
+            <a:off x="3475650" y="9890686"/>
+            <a:ext cx="468798" cy="338554"/>
+          </a:xfrm>
+          <a:prstGeom prst="rect">
+            <a:avLst/>
+          </a:prstGeom>
+          <a:noFill/>
+        </p:spPr>
+        <p:txBody>
+          <a:bodyPr wrap="none" rtlCol="0">
+            <a:spAutoFit/>
+          </a:bodyPr>
+          <a:lstStyle/>
+          <a:p>
+            <a:r>
+              <a:rPr lang="en-US" sz="1600" dirty="0" smtClean="0"/>
+              <a:t>INT</a:t>
+            </a:r>
+            <a:endParaRPr lang="en-US" sz="1600" dirty="0"/>
+          </a:p>
+        </p:txBody>
+      </p:sp>
+      <p:sp>
+        <p:nvSpPr>
+          <p:cNvPr id="485" name="TextBox 484"/>
+          <p:cNvSpPr txBox="1"/>
+          <p:nvPr/>
+        </p:nvSpPr>
+        <p:spPr>
+          <a:xfrm>
+            <a:off x="3462441" y="10234037"/>
+            <a:ext cx="929186" cy="307777"/>
+          </a:xfrm>
+          <a:prstGeom prst="rect">
+            <a:avLst/>
+          </a:prstGeom>
+          <a:noFill/>
+        </p:spPr>
+        <p:txBody>
+          <a:bodyPr wrap="none" rtlCol="0">
+            <a:spAutoFit/>
+          </a:bodyPr>
+          <a:lstStyle/>
+          <a:p>
+            <a:r>
+              <a:rPr lang="en-US" sz="1400" i="1" dirty="0" smtClean="0"/>
+              <a:t>channel #</a:t>
+            </a:r>
+            <a:endParaRPr lang="en-US" sz="1400" i="1" dirty="0"/>
+          </a:p>
+        </p:txBody>
+      </p:sp>
+      <p:sp>
+        <p:nvSpPr>
+          <p:cNvPr id="486" name="TextBox 485"/>
+          <p:cNvSpPr txBox="1"/>
+          <p:nvPr/>
+        </p:nvSpPr>
+        <p:spPr>
+          <a:xfrm>
+            <a:off x="5499387" y="9879141"/>
+            <a:ext cx="468798" cy="338554"/>
+          </a:xfrm>
+          <a:prstGeom prst="rect">
+            <a:avLst/>
+          </a:prstGeom>
+          <a:noFill/>
+        </p:spPr>
+        <p:txBody>
+          <a:bodyPr wrap="none" rtlCol="0">
+            <a:spAutoFit/>
+          </a:bodyPr>
+          <a:lstStyle/>
+          <a:p>
+            <a:r>
+              <a:rPr lang="en-US" sz="1600" dirty="0" smtClean="0"/>
+              <a:t>INT</a:t>
+            </a:r>
+            <a:endParaRPr lang="en-US" sz="1600" dirty="0"/>
+          </a:p>
+        </p:txBody>
+      </p:sp>
+      <p:sp>
+        <p:nvSpPr>
+          <p:cNvPr id="487" name="TextBox 486"/>
+          <p:cNvSpPr txBox="1"/>
+          <p:nvPr/>
+        </p:nvSpPr>
+        <p:spPr>
+          <a:xfrm>
+            <a:off x="5227022" y="10256619"/>
+            <a:ext cx="623237" cy="307777"/>
+          </a:xfrm>
+          <a:prstGeom prst="rect">
+            <a:avLst/>
+          </a:prstGeom>
+          <a:noFill/>
+        </p:spPr>
+        <p:txBody>
+          <a:bodyPr wrap="none" rtlCol="0">
+            <a:spAutoFit/>
+          </a:bodyPr>
+          <a:lstStyle/>
+          <a:p>
+            <a:r>
+              <a:rPr lang="en-US" sz="1400" i="1" dirty="0"/>
+              <a:t>d</a:t>
+            </a:r>
+            <a:r>
+              <a:rPr lang="en-US" sz="1400" i="1" dirty="0" smtClean="0"/>
+              <a:t>ay #</a:t>
+            </a:r>
+            <a:endParaRPr lang="en-US" sz="1400" i="1" dirty="0"/>
+          </a:p>
+        </p:txBody>
+      </p:sp>
+      <p:cxnSp>
+        <p:nvCxnSpPr>
+          <p:cNvPr id="488" name="Straight Arrow Connector 487"/>
+          <p:cNvCxnSpPr/>
+          <p:nvPr/>
+        </p:nvCxnSpPr>
+        <p:spPr>
+          <a:xfrm>
+            <a:off x="3128321" y="10249543"/>
+            <a:ext cx="1272373" cy="104"/>
+          </a:xfrm>
+          <a:prstGeom prst="straightConnector1">
+            <a:avLst/>
           </a:prstGeom>
           <a:ln>
             <a:tailEnd type="arrow"/>
@@ -6188,21 +5886,17 @@
       </p:cxnSp>
       <p:cxnSp>
         <p:nvCxnSpPr>
-          <p:cNvPr id="197" name="Elbow Connector 196"/>
-          <p:cNvCxnSpPr>
-            <a:stCxn id="33" idx="6"/>
-          </p:cNvCxnSpPr>
+          <p:cNvPr id="489" name="Straight Arrow Connector 488"/>
+          <p:cNvCxnSpPr/>
           <p:nvPr/>
         </p:nvCxnSpPr>
         <p:spPr>
           <a:xfrm flipV="1">
-            <a:off x="7274376" y="3780254"/>
-            <a:ext cx="3317425" cy="816442"/>
-          </a:xfrm>
-          <a:prstGeom prst="bentConnector3">
-            <a:avLst>
-              <a:gd name="adj1" fmla="val 99770"/>
-            </a:avLst>
+            <a:off x="5039826" y="10240070"/>
+            <a:ext cx="1443982" cy="19051"/>
+          </a:xfrm>
+          <a:prstGeom prst="straightConnector1">
+            <a:avLst/>
           </a:prstGeom>
           <a:ln>
             <a:tailEnd type="arrow"/>
@@ -6225,18 +5919,20 @@
       </p:cxnSp>
       <p:cxnSp>
         <p:nvCxnSpPr>
-          <p:cNvPr id="200" name="Elbow Connector 199"/>
-          <p:cNvCxnSpPr/>
+          <p:cNvPr id="490" name="Elbow Connector 489"/>
+          <p:cNvCxnSpPr>
+            <a:stCxn id="478" idx="6"/>
+          </p:cNvCxnSpPr>
           <p:nvPr/>
         </p:nvCxnSpPr>
         <p:spPr>
           <a:xfrm flipV="1">
-            <a:off x="7008120" y="4601268"/>
-            <a:ext cx="3583681" cy="840242"/>
+            <a:off x="7122940" y="5593910"/>
+            <a:ext cx="3316461" cy="1583126"/>
           </a:xfrm>
           <a:prstGeom prst="bentConnector3">
             <a:avLst>
-              <a:gd name="adj1" fmla="val 99843"/>
+              <a:gd name="adj1" fmla="val 99436"/>
             </a:avLst>
           </a:prstGeom>
           <a:ln>
@@ -6260,73 +5956,21 @@
       </p:cxnSp>
       <p:sp>
         <p:nvSpPr>
-          <p:cNvPr id="34" name="Oval 33"/>
-          <p:cNvSpPr/>
-          <p:nvPr/>
-        </p:nvSpPr>
-        <p:spPr>
-          <a:xfrm>
-            <a:off x="6636208" y="5130800"/>
-            <a:ext cx="639132" cy="621420"/>
-          </a:xfrm>
-          <a:prstGeom prst="ellipse">
+          <p:cNvPr id="491" name="TextBox 490"/>
+          <p:cNvSpPr txBox="1"/>
+          <p:nvPr/>
+        </p:nvSpPr>
+        <p:spPr>
+          <a:xfrm>
+            <a:off x="4134855" y="9120134"/>
+            <a:ext cx="2286002" cy="338554"/>
+          </a:xfrm>
+          <a:prstGeom prst="rect">
             <a:avLst/>
           </a:prstGeom>
           <a:solidFill>
-            <a:schemeClr val="bg1"/>
+            <a:srgbClr val="FFFFFF"/>
           </a:solidFill>
-          <a:ln/>
-        </p:spPr>
-        <p:style>
-          <a:lnRef idx="1">
-            <a:schemeClr val="accent1"/>
-          </a:lnRef>
-          <a:fillRef idx="3">
-            <a:schemeClr val="accent1"/>
-          </a:fillRef>
-          <a:effectRef idx="2">
-            <a:schemeClr val="accent1"/>
-          </a:effectRef>
-          <a:fontRef idx="minor">
-            <a:schemeClr val="lt1"/>
-          </a:fontRef>
-        </p:style>
-        <p:txBody>
-          <a:bodyPr anchor="ctr" anchorCtr="0"/>
-          <a:lstStyle/>
-          <a:p>
-            <a:pPr algn="ctr"/>
-            <a:r>
-              <a:rPr lang="en-US" sz="1800" dirty="0">
-                <a:solidFill>
-                  <a:schemeClr val="tx1"/>
-                </a:solidFill>
-              </a:rPr>
-              <a:t>4</a:t>
-            </a:r>
-            <a:endParaRPr lang="en-US" sz="1800" dirty="0" smtClean="0">
-              <a:solidFill>
-                <a:schemeClr val="tx1"/>
-              </a:solidFill>
-            </a:endParaRPr>
-          </a:p>
-        </p:txBody>
-      </p:sp>
-      <p:sp>
-        <p:nvSpPr>
-          <p:cNvPr id="202" name="TextBox 201"/>
-          <p:cNvSpPr txBox="1"/>
-          <p:nvPr/>
-        </p:nvSpPr>
-        <p:spPr>
-          <a:xfrm>
-            <a:off x="5838220" y="3410977"/>
-            <a:ext cx="2492990" cy="338554"/>
-          </a:xfrm>
-          <a:prstGeom prst="rect">
-            <a:avLst/>
-          </a:prstGeom>
-          <a:noFill/>
         </p:spPr>
         <p:txBody>
           <a:bodyPr wrap="none" rtlCol="0">
@@ -6334,451 +5978,30 @@
           </a:bodyPr>
           <a:lstStyle/>
           <a:p>
-            <a:pPr algn="ctr"/>
             <a:r>
               <a:rPr lang="en-US" sz="1600" dirty="0"/>
-              <a:t>o</a:t>
+              <a:t>d</a:t>
             </a:r>
             <a:r>
               <a:rPr lang="en-US" sz="1600" dirty="0" smtClean="0"/>
-              <a:t>n, off, zero, cancel, display</a:t>
+              <a:t>elete, copy, paste, done </a:t>
             </a:r>
             <a:endParaRPr lang="en-US" sz="1600" dirty="0"/>
-          </a:p>
-        </p:txBody>
-      </p:sp>
-      <p:sp>
-        <p:nvSpPr>
-          <p:cNvPr id="203" name="TextBox 202"/>
-          <p:cNvSpPr txBox="1"/>
-          <p:nvPr/>
-        </p:nvSpPr>
-        <p:spPr>
-          <a:xfrm>
-            <a:off x="5189509" y="4241393"/>
-            <a:ext cx="656750" cy="338554"/>
-          </a:xfrm>
-          <a:prstGeom prst="rect">
-            <a:avLst/>
-          </a:prstGeom>
-          <a:noFill/>
-        </p:spPr>
-        <p:txBody>
-          <a:bodyPr wrap="none" rtlCol="0">
-            <a:spAutoFit/>
-          </a:bodyPr>
-          <a:lstStyle/>
-          <a:p>
-            <a:pPr algn="ctr"/>
-            <a:r>
-              <a:rPr lang="en-US" sz="1600" dirty="0" smtClean="0"/>
-              <a:t>name</a:t>
-            </a:r>
-            <a:endParaRPr lang="en-US" sz="1600" dirty="0"/>
-          </a:p>
-        </p:txBody>
-      </p:sp>
-      <p:sp>
-        <p:nvSpPr>
-          <p:cNvPr id="204" name="TextBox 203"/>
-          <p:cNvSpPr txBox="1"/>
-          <p:nvPr/>
-        </p:nvSpPr>
-        <p:spPr>
-          <a:xfrm>
-            <a:off x="5272153" y="5089507"/>
-            <a:ext cx="666669" cy="338554"/>
-          </a:xfrm>
-          <a:prstGeom prst="rect">
-            <a:avLst/>
-          </a:prstGeom>
-          <a:noFill/>
-        </p:spPr>
-        <p:txBody>
-          <a:bodyPr wrap="none" rtlCol="0">
-            <a:spAutoFit/>
-          </a:bodyPr>
-          <a:lstStyle/>
-          <a:p>
-            <a:pPr algn="ctr"/>
-            <a:r>
-              <a:rPr lang="en-US" sz="1600" dirty="0" smtClean="0"/>
-              <a:t>mode</a:t>
-            </a:r>
-            <a:endParaRPr lang="en-US" sz="1600" dirty="0"/>
-          </a:p>
-        </p:txBody>
-      </p:sp>
-      <p:sp>
-        <p:nvSpPr>
-          <p:cNvPr id="205" name="TextBox 204"/>
-          <p:cNvSpPr txBox="1"/>
-          <p:nvPr/>
-        </p:nvSpPr>
-        <p:spPr>
-          <a:xfrm>
-            <a:off x="7537085" y="5089507"/>
-            <a:ext cx="468798" cy="338554"/>
-          </a:xfrm>
-          <a:prstGeom prst="rect">
-            <a:avLst/>
-          </a:prstGeom>
-          <a:noFill/>
-        </p:spPr>
-        <p:txBody>
-          <a:bodyPr wrap="none" rtlCol="0">
-            <a:spAutoFit/>
-          </a:bodyPr>
-          <a:lstStyle/>
-          <a:p>
-            <a:r>
-              <a:rPr lang="en-US" sz="1600" dirty="0" smtClean="0"/>
-              <a:t>INT</a:t>
-            </a:r>
-            <a:endParaRPr lang="en-US" sz="1600" dirty="0"/>
-          </a:p>
-        </p:txBody>
-      </p:sp>
-      <p:sp>
-        <p:nvSpPr>
-          <p:cNvPr id="206" name="TextBox 205"/>
-          <p:cNvSpPr txBox="1"/>
-          <p:nvPr/>
-        </p:nvSpPr>
-        <p:spPr>
-          <a:xfrm>
-            <a:off x="7483420" y="4245899"/>
-            <a:ext cx="490339" cy="338554"/>
-          </a:xfrm>
-          <a:prstGeom prst="rect">
-            <a:avLst/>
-          </a:prstGeom>
-          <a:noFill/>
-        </p:spPr>
-        <p:txBody>
-          <a:bodyPr wrap="none" rtlCol="0">
-            <a:spAutoFit/>
-          </a:bodyPr>
-          <a:lstStyle/>
-          <a:p>
-            <a:r>
-              <a:rPr lang="en-US" sz="1600" dirty="0" smtClean="0"/>
-              <a:t>STR</a:t>
-            </a:r>
-            <a:endParaRPr lang="en-US" sz="1600" dirty="0"/>
-          </a:p>
-        </p:txBody>
-      </p:sp>
-      <p:sp>
-        <p:nvSpPr>
-          <p:cNvPr id="207" name="TextBox 206"/>
-          <p:cNvSpPr txBox="1"/>
-          <p:nvPr/>
-        </p:nvSpPr>
-        <p:spPr>
-          <a:xfrm>
-            <a:off x="7456331" y="4560298"/>
-            <a:ext cx="640683" cy="307777"/>
-          </a:xfrm>
-          <a:prstGeom prst="rect">
-            <a:avLst/>
-          </a:prstGeom>
-          <a:noFill/>
-        </p:spPr>
-        <p:txBody>
-          <a:bodyPr wrap="none" rtlCol="0">
-            <a:spAutoFit/>
-          </a:bodyPr>
-          <a:lstStyle/>
-          <a:p>
-            <a:r>
-              <a:rPr lang="en-US" sz="1400" i="1" dirty="0" smtClean="0"/>
-              <a:t>name</a:t>
-            </a:r>
-            <a:endParaRPr lang="en-US" sz="1400" i="1" dirty="0"/>
-          </a:p>
-        </p:txBody>
-      </p:sp>
-      <p:sp>
-        <p:nvSpPr>
-          <p:cNvPr id="208" name="TextBox 207"/>
-          <p:cNvSpPr txBox="1"/>
-          <p:nvPr/>
-        </p:nvSpPr>
-        <p:spPr>
-          <a:xfrm>
-            <a:off x="7329669" y="5436927"/>
-            <a:ext cx="2569032" cy="307777"/>
-          </a:xfrm>
-          <a:prstGeom prst="rect">
-            <a:avLst/>
-          </a:prstGeom>
-          <a:noFill/>
-        </p:spPr>
-        <p:txBody>
-          <a:bodyPr wrap="none" rtlCol="0">
-            <a:spAutoFit/>
-          </a:bodyPr>
-          <a:lstStyle/>
-          <a:p>
-            <a:r>
-              <a:rPr lang="en-US" sz="1400" i="1" dirty="0" smtClean="0"/>
-              <a:t>0-manual, 1-time, 2-time&amp;senor</a:t>
-            </a:r>
-            <a:endParaRPr lang="en-US" sz="1400" i="1" dirty="0"/>
           </a:p>
         </p:txBody>
       </p:sp>
       <p:cxnSp>
         <p:nvCxnSpPr>
-          <p:cNvPr id="227" name="Elbow Connector 226"/>
+          <p:cNvPr id="492" name="Straight Arrow Connector 491"/>
           <p:cNvCxnSpPr>
-            <a:endCxn id="27" idx="2"/>
+            <a:endCxn id="428" idx="7"/>
           </p:cNvCxnSpPr>
           <p:nvPr/>
         </p:nvCxnSpPr>
         <p:spPr>
-          <a:xfrm rot="16200000" flipH="1">
-            <a:off x="395690" y="4790283"/>
-            <a:ext cx="3258996" cy="1209710"/>
-          </a:xfrm>
-          <a:prstGeom prst="bentConnector2">
-            <a:avLst/>
-          </a:prstGeom>
-          <a:ln>
-            <a:tailEnd type="arrow"/>
-          </a:ln>
-        </p:spPr>
-        <p:style>
-          <a:lnRef idx="2">
-            <a:schemeClr val="accent1"/>
-          </a:lnRef>
-          <a:fillRef idx="0">
-            <a:schemeClr val="accent1"/>
-          </a:fillRef>
-          <a:effectRef idx="1">
-            <a:schemeClr val="accent1"/>
-          </a:effectRef>
-          <a:fontRef idx="minor">
-            <a:schemeClr val="tx1"/>
-          </a:fontRef>
-        </p:style>
-      </p:cxnSp>
-      <p:sp>
-        <p:nvSpPr>
-          <p:cNvPr id="228" name="TextBox 227"/>
-          <p:cNvSpPr txBox="1"/>
-          <p:nvPr/>
-        </p:nvSpPr>
-        <p:spPr>
-          <a:xfrm>
-            <a:off x="1507148" y="6636203"/>
-            <a:ext cx="926355" cy="338554"/>
-          </a:xfrm>
-          <a:prstGeom prst="rect">
-            <a:avLst/>
-          </a:prstGeom>
-          <a:noFill/>
-        </p:spPr>
-        <p:txBody>
-          <a:bodyPr wrap="none" rtlCol="0">
-            <a:spAutoFit/>
-          </a:bodyPr>
-          <a:lstStyle/>
-          <a:p>
-            <a:pPr algn="ctr"/>
-            <a:r>
-              <a:rPr lang="en-US" sz="1600" dirty="0" smtClean="0"/>
-              <a:t>schedule</a:t>
-            </a:r>
-            <a:endParaRPr lang="en-US" sz="1600" dirty="0"/>
-          </a:p>
-        </p:txBody>
-      </p:sp>
-      <p:sp>
-        <p:nvSpPr>
-          <p:cNvPr id="239" name="TextBox 238"/>
-          <p:cNvSpPr txBox="1"/>
-          <p:nvPr/>
-        </p:nvSpPr>
-        <p:spPr>
-          <a:xfrm>
-            <a:off x="2563225" y="4602320"/>
-            <a:ext cx="772768" cy="2062103"/>
-          </a:xfrm>
-          <a:prstGeom prst="rect">
-            <a:avLst/>
-          </a:prstGeom>
-          <a:solidFill>
-            <a:schemeClr val="bg1"/>
-          </a:solidFill>
-        </p:spPr>
-        <p:txBody>
-          <a:bodyPr wrap="none" rtlCol="0">
-            <a:spAutoFit/>
-          </a:bodyPr>
-          <a:lstStyle/>
-          <a:p>
-            <a:r>
-              <a:rPr lang="en-US" sz="1600" dirty="0"/>
-              <a:t>s</a:t>
-            </a:r>
-            <a:r>
-              <a:rPr lang="en-US" sz="1600" dirty="0" smtClean="0"/>
-              <a:t>ave</a:t>
-            </a:r>
-          </a:p>
-          <a:p>
-            <a:r>
-              <a:rPr lang="en-US" sz="1600" dirty="0" smtClean="0"/>
-              <a:t>load</a:t>
-            </a:r>
-          </a:p>
-          <a:p>
-            <a:r>
-              <a:rPr lang="en-US" sz="1600" dirty="0" smtClean="0"/>
-              <a:t>system</a:t>
-            </a:r>
-          </a:p>
-          <a:p>
-            <a:r>
-              <a:rPr lang="en-US" sz="1600" dirty="0" smtClean="0"/>
-              <a:t>status</a:t>
-            </a:r>
-          </a:p>
-          <a:p>
-            <a:r>
-              <a:rPr lang="en-US" sz="1600" dirty="0" smtClean="0"/>
-              <a:t>Time</a:t>
-            </a:r>
-          </a:p>
-          <a:p>
-            <a:r>
-              <a:rPr lang="en-US" sz="1600" dirty="0" smtClean="0"/>
-              <a:t>help(?)</a:t>
-            </a:r>
-          </a:p>
-          <a:p>
-            <a:r>
-              <a:rPr lang="en-US" sz="1600" dirty="0" smtClean="0"/>
-              <a:t>quit</a:t>
-            </a:r>
-          </a:p>
-          <a:p>
-            <a:r>
-              <a:rPr lang="en-US" sz="1600" dirty="0" smtClean="0"/>
-              <a:t>OTHER</a:t>
-            </a:r>
-          </a:p>
-        </p:txBody>
-      </p:sp>
-      <p:sp>
-        <p:nvSpPr>
-          <p:cNvPr id="248" name="Oval 247"/>
-          <p:cNvSpPr/>
-          <p:nvPr/>
-        </p:nvSpPr>
-        <p:spPr>
-          <a:xfrm>
-            <a:off x="4546528" y="6713926"/>
-            <a:ext cx="639132" cy="621420"/>
-          </a:xfrm>
-          <a:prstGeom prst="ellipse">
-            <a:avLst/>
-          </a:prstGeom>
-          <a:noFill/>
-          <a:ln/>
-        </p:spPr>
-        <p:style>
-          <a:lnRef idx="1">
-            <a:schemeClr val="accent1"/>
-          </a:lnRef>
-          <a:fillRef idx="3">
-            <a:schemeClr val="accent1"/>
-          </a:fillRef>
-          <a:effectRef idx="2">
-            <a:schemeClr val="accent1"/>
-          </a:effectRef>
-          <a:fontRef idx="minor">
-            <a:schemeClr val="lt1"/>
-          </a:fontRef>
-        </p:style>
-        <p:txBody>
-          <a:bodyPr anchor="ctr" anchorCtr="0"/>
-          <a:lstStyle/>
-          <a:p>
-            <a:pPr algn="ctr"/>
-            <a:r>
-              <a:rPr lang="en-US" sz="1800" dirty="0" smtClean="0">
-                <a:solidFill>
-                  <a:schemeClr val="tx1"/>
-                </a:solidFill>
-              </a:rPr>
-              <a:t>6</a:t>
-            </a:r>
-          </a:p>
-        </p:txBody>
-      </p:sp>
-      <p:sp>
-        <p:nvSpPr>
-          <p:cNvPr id="249" name="Oval 248"/>
-          <p:cNvSpPr/>
-          <p:nvPr/>
-        </p:nvSpPr>
-        <p:spPr>
-          <a:xfrm>
-            <a:off x="6636208" y="6713926"/>
-            <a:ext cx="639132" cy="621420"/>
-          </a:xfrm>
-          <a:prstGeom prst="ellipse">
-            <a:avLst/>
-          </a:prstGeom>
-          <a:noFill/>
-          <a:ln/>
-        </p:spPr>
-        <p:style>
-          <a:lnRef idx="1">
-            <a:schemeClr val="accent1"/>
-          </a:lnRef>
-          <a:fillRef idx="3">
-            <a:schemeClr val="accent1"/>
-          </a:fillRef>
-          <a:effectRef idx="2">
-            <a:schemeClr val="accent1"/>
-          </a:effectRef>
-          <a:fontRef idx="minor">
-            <a:schemeClr val="lt1"/>
-          </a:fontRef>
-        </p:style>
-        <p:txBody>
-          <a:bodyPr anchor="ctr" anchorCtr="0"/>
-          <a:lstStyle/>
-          <a:p>
-            <a:pPr algn="ctr"/>
-            <a:r>
-              <a:rPr lang="en-US" sz="1800" dirty="0" smtClean="0">
-                <a:solidFill>
-                  <a:schemeClr val="tx1"/>
-                </a:solidFill>
-              </a:rPr>
-              <a:t>7</a:t>
-            </a:r>
-          </a:p>
-        </p:txBody>
-      </p:sp>
-      <p:cxnSp>
-        <p:nvCxnSpPr>
-          <p:cNvPr id="262" name="Straight Arrow Connector 261"/>
-          <p:cNvCxnSpPr>
-            <a:stCxn id="27" idx="6"/>
-            <a:endCxn id="248" idx="2"/>
-          </p:cNvCxnSpPr>
-          <p:nvPr/>
-        </p:nvCxnSpPr>
-        <p:spPr>
-          <a:xfrm>
-            <a:off x="3269175" y="7024636"/>
-            <a:ext cx="1277353" cy="0"/>
+          <a:xfrm flipH="1">
+            <a:off x="3034722" y="9446491"/>
+            <a:ext cx="658634" cy="583399"/>
           </a:xfrm>
           <a:prstGeom prst="straightConnector1">
             <a:avLst/>
@@ -6804,276 +6027,20 @@
       </p:cxnSp>
       <p:cxnSp>
         <p:nvCxnSpPr>
-          <p:cNvPr id="264" name="Straight Arrow Connector 263"/>
+          <p:cNvPr id="493" name="Elbow Connector 492"/>
           <p:cNvCxnSpPr>
-            <a:stCxn id="248" idx="6"/>
-            <a:endCxn id="249" idx="2"/>
+            <a:stCxn id="431" idx="0"/>
           </p:cNvCxnSpPr>
           <p:nvPr/>
         </p:nvCxnSpPr>
         <p:spPr>
-          <a:xfrm>
-            <a:off x="5185660" y="7024636"/>
-            <a:ext cx="1450548" cy="0"/>
-          </a:xfrm>
-          <a:prstGeom prst="straightConnector1">
-            <a:avLst/>
-          </a:prstGeom>
-          <a:ln>
-            <a:tailEnd type="arrow"/>
-          </a:ln>
-        </p:spPr>
-        <p:style>
-          <a:lnRef idx="2">
-            <a:schemeClr val="accent1"/>
-          </a:lnRef>
-          <a:fillRef idx="0">
-            <a:schemeClr val="accent1"/>
-          </a:fillRef>
-          <a:effectRef idx="1">
-            <a:schemeClr val="accent1"/>
-          </a:effectRef>
-          <a:fontRef idx="minor">
-            <a:schemeClr val="tx1"/>
-          </a:fontRef>
-        </p:style>
-      </p:cxnSp>
-      <p:sp>
-        <p:nvSpPr>
-          <p:cNvPr id="265" name="TextBox 264"/>
-          <p:cNvSpPr txBox="1"/>
-          <p:nvPr/>
-        </p:nvSpPr>
-        <p:spPr>
-          <a:xfrm>
-            <a:off x="3563214" y="6686082"/>
-            <a:ext cx="442449" cy="338554"/>
-          </a:xfrm>
-          <a:prstGeom prst="rect">
-            <a:avLst/>
-          </a:prstGeom>
-          <a:noFill/>
-        </p:spPr>
-        <p:txBody>
-          <a:bodyPr wrap="none" rtlCol="0">
-            <a:spAutoFit/>
-          </a:bodyPr>
-          <a:lstStyle/>
-          <a:p>
-            <a:pPr algn="ctr"/>
-            <a:r>
-              <a:rPr lang="en-US" sz="1600" dirty="0" smtClean="0"/>
-              <a:t>file</a:t>
-            </a:r>
-            <a:endParaRPr lang="en-US" sz="1600" dirty="0"/>
-          </a:p>
-        </p:txBody>
-      </p:sp>
-      <p:sp>
-        <p:nvSpPr>
-          <p:cNvPr id="266" name="TextBox 265"/>
-          <p:cNvSpPr txBox="1"/>
-          <p:nvPr/>
-        </p:nvSpPr>
-        <p:spPr>
-          <a:xfrm>
-            <a:off x="5649434" y="6636203"/>
-            <a:ext cx="490339" cy="338554"/>
-          </a:xfrm>
-          <a:prstGeom prst="rect">
-            <a:avLst/>
-          </a:prstGeom>
-          <a:noFill/>
-        </p:spPr>
-        <p:txBody>
-          <a:bodyPr wrap="none" rtlCol="0">
-            <a:spAutoFit/>
-          </a:bodyPr>
-          <a:lstStyle/>
-          <a:p>
-            <a:r>
-              <a:rPr lang="en-US" sz="1600" dirty="0" smtClean="0"/>
-              <a:t>STR</a:t>
-            </a:r>
-            <a:endParaRPr lang="en-US" sz="1600" dirty="0"/>
-          </a:p>
-        </p:txBody>
-      </p:sp>
-      <p:sp>
-        <p:nvSpPr>
-          <p:cNvPr id="267" name="TextBox 266"/>
-          <p:cNvSpPr txBox="1"/>
-          <p:nvPr/>
-        </p:nvSpPr>
-        <p:spPr>
-          <a:xfrm>
-            <a:off x="5433797" y="7011874"/>
-            <a:ext cx="918616" cy="307777"/>
-          </a:xfrm>
-          <a:prstGeom prst="rect">
-            <a:avLst/>
-          </a:prstGeom>
-          <a:noFill/>
-        </p:spPr>
-        <p:txBody>
-          <a:bodyPr wrap="none" rtlCol="0">
-            <a:spAutoFit/>
-          </a:bodyPr>
-          <a:lstStyle/>
-          <a:p>
-            <a:r>
-              <a:rPr lang="en-US" sz="1400" i="1" dirty="0"/>
-              <a:t>f</a:t>
-            </a:r>
-            <a:r>
-              <a:rPr lang="en-US" sz="1400" i="1" dirty="0" smtClean="0"/>
-              <a:t>ile name</a:t>
-            </a:r>
-            <a:endParaRPr lang="en-US" sz="1400" i="1" dirty="0"/>
-          </a:p>
-        </p:txBody>
-      </p:sp>
-      <p:sp>
-        <p:nvSpPr>
-          <p:cNvPr id="272" name="TextBox 271"/>
-          <p:cNvSpPr txBox="1"/>
-          <p:nvPr/>
-        </p:nvSpPr>
-        <p:spPr>
-          <a:xfrm>
-            <a:off x="3628050" y="8722286"/>
-            <a:ext cx="468798" cy="338554"/>
-          </a:xfrm>
-          <a:prstGeom prst="rect">
-            <a:avLst/>
-          </a:prstGeom>
-          <a:noFill/>
-        </p:spPr>
-        <p:txBody>
-          <a:bodyPr wrap="none" rtlCol="0">
-            <a:spAutoFit/>
-          </a:bodyPr>
-          <a:lstStyle/>
-          <a:p>
-            <a:r>
-              <a:rPr lang="en-US" sz="1600" dirty="0" smtClean="0"/>
-              <a:t>INT</a:t>
-            </a:r>
-            <a:endParaRPr lang="en-US" sz="1600" dirty="0"/>
-          </a:p>
-        </p:txBody>
-      </p:sp>
-      <p:sp>
-        <p:nvSpPr>
-          <p:cNvPr id="273" name="TextBox 272"/>
-          <p:cNvSpPr txBox="1"/>
-          <p:nvPr/>
-        </p:nvSpPr>
-        <p:spPr>
-          <a:xfrm>
-            <a:off x="3614841" y="9065637"/>
-            <a:ext cx="929186" cy="307777"/>
-          </a:xfrm>
-          <a:prstGeom prst="rect">
-            <a:avLst/>
-          </a:prstGeom>
-          <a:noFill/>
-        </p:spPr>
-        <p:txBody>
-          <a:bodyPr wrap="none" rtlCol="0">
-            <a:spAutoFit/>
-          </a:bodyPr>
-          <a:lstStyle/>
-          <a:p>
-            <a:r>
-              <a:rPr lang="en-US" sz="1400" i="1" dirty="0" smtClean="0"/>
-              <a:t>channel #</a:t>
-            </a:r>
-            <a:endParaRPr lang="en-US" sz="1400" i="1" dirty="0"/>
-          </a:p>
-        </p:txBody>
-      </p:sp>
-      <p:sp>
-        <p:nvSpPr>
-          <p:cNvPr id="274" name="TextBox 273"/>
-          <p:cNvSpPr txBox="1"/>
-          <p:nvPr/>
-        </p:nvSpPr>
-        <p:spPr>
-          <a:xfrm>
-            <a:off x="5651787" y="8710741"/>
-            <a:ext cx="468798" cy="338554"/>
-          </a:xfrm>
-          <a:prstGeom prst="rect">
-            <a:avLst/>
-          </a:prstGeom>
-          <a:noFill/>
-        </p:spPr>
-        <p:txBody>
-          <a:bodyPr wrap="none" rtlCol="0">
-            <a:spAutoFit/>
-          </a:bodyPr>
-          <a:lstStyle/>
-          <a:p>
-            <a:r>
-              <a:rPr lang="en-US" sz="1600" dirty="0" smtClean="0"/>
-              <a:t>INT</a:t>
-            </a:r>
-            <a:endParaRPr lang="en-US" sz="1600" dirty="0"/>
-          </a:p>
-        </p:txBody>
-      </p:sp>
-      <p:sp>
-        <p:nvSpPr>
-          <p:cNvPr id="275" name="TextBox 274"/>
-          <p:cNvSpPr txBox="1"/>
-          <p:nvPr/>
-        </p:nvSpPr>
-        <p:spPr>
-          <a:xfrm>
-            <a:off x="5379422" y="9088219"/>
-            <a:ext cx="623237" cy="307777"/>
-          </a:xfrm>
-          <a:prstGeom prst="rect">
-            <a:avLst/>
-          </a:prstGeom>
-          <a:noFill/>
-        </p:spPr>
-        <p:txBody>
-          <a:bodyPr wrap="none" rtlCol="0">
-            <a:spAutoFit/>
-          </a:bodyPr>
-          <a:lstStyle/>
-          <a:p>
-            <a:r>
-              <a:rPr lang="en-US" sz="1400" i="1" dirty="0"/>
-              <a:t>d</a:t>
-            </a:r>
-            <a:r>
-              <a:rPr lang="en-US" sz="1400" i="1" dirty="0" smtClean="0"/>
-              <a:t>ay #</a:t>
-            </a:r>
-            <a:endParaRPr lang="en-US" sz="1400" i="1" dirty="0"/>
-          </a:p>
-        </p:txBody>
-      </p:sp>
-      <p:cxnSp>
-        <p:nvCxnSpPr>
-          <p:cNvPr id="277" name="Straight Arrow Connector 276"/>
-          <p:cNvCxnSpPr/>
-          <p:nvPr/>
-        </p:nvCxnSpPr>
-        <p:spPr>
-          <a:xfrm>
-            <a:off x="3280721" y="9081143"/>
-            <a:ext cx="1272373" cy="104"/>
-          </a:xfrm>
-          <a:prstGeom prst="straightConnector1">
-            <a:avLst/>
-          </a:prstGeom>
-          <a:ln>
-            <a:tailEnd type="arrow"/>
-          </a:ln>
+          <a:xfrm rot="16200000" flipV="1">
+            <a:off x="4980556" y="8116067"/>
+            <a:ext cx="492394" cy="3153242"/>
+          </a:xfrm>
+          <a:prstGeom prst="bentConnector2">
+            <a:avLst/>
+          </a:prstGeom>
         </p:spPr>
         <p:style>
           <a:lnRef idx="2">
@@ -7092,14 +6059,16 @@
       </p:cxnSp>
       <p:cxnSp>
         <p:nvCxnSpPr>
-          <p:cNvPr id="279" name="Straight Arrow Connector 278"/>
-          <p:cNvCxnSpPr/>
+          <p:cNvPr id="494" name="Straight Arrow Connector 493"/>
+          <p:cNvCxnSpPr>
+            <a:endCxn id="430" idx="2"/>
+          </p:cNvCxnSpPr>
           <p:nvPr/>
         </p:nvCxnSpPr>
         <p:spPr>
-          <a:xfrm flipV="1">
-            <a:off x="5192226" y="9071670"/>
-            <a:ext cx="1443982" cy="19051"/>
+          <a:xfrm>
+            <a:off x="7122940" y="10259121"/>
+            <a:ext cx="1160864" cy="0"/>
           </a:xfrm>
           <a:prstGeom prst="straightConnector1">
             <a:avLst/>
@@ -7125,21 +6094,20 @@
       </p:cxnSp>
       <p:cxnSp>
         <p:nvCxnSpPr>
-          <p:cNvPr id="281" name="Elbow Connector 280"/>
+          <p:cNvPr id="495" name="Straight Arrow Connector 494"/>
           <p:cNvCxnSpPr>
-            <a:stCxn id="249" idx="6"/>
+            <a:stCxn id="430" idx="6"/>
+            <a:endCxn id="429" idx="2"/>
           </p:cNvCxnSpPr>
           <p:nvPr/>
         </p:nvCxnSpPr>
         <p:spPr>
-          <a:xfrm flipV="1">
-            <a:off x="7275340" y="5441510"/>
-            <a:ext cx="3316461" cy="1583126"/>
-          </a:xfrm>
-          <a:prstGeom prst="bentConnector3">
-            <a:avLst>
-              <a:gd name="adj1" fmla="val 99436"/>
-            </a:avLst>
+          <a:xfrm>
+            <a:off x="8922936" y="10259121"/>
+            <a:ext cx="1160864" cy="0"/>
+          </a:xfrm>
+          <a:prstGeom prst="straightConnector1">
+            <a:avLst/>
           </a:prstGeom>
           <a:ln>
             <a:tailEnd type="arrow"/>
@@ -7162,21 +6130,19 @@
       </p:cxnSp>
       <p:sp>
         <p:nvSpPr>
-          <p:cNvPr id="298" name="TextBox 297"/>
+          <p:cNvPr id="496" name="TextBox 495"/>
           <p:cNvSpPr txBox="1"/>
           <p:nvPr/>
         </p:nvSpPr>
         <p:spPr>
           <a:xfrm>
-            <a:off x="4287255" y="7951734"/>
-            <a:ext cx="2286002" cy="338554"/>
+            <a:off x="7568321" y="9920649"/>
+            <a:ext cx="468798" cy="338554"/>
           </a:xfrm>
           <a:prstGeom prst="rect">
             <a:avLst/>
           </a:prstGeom>
-          <a:solidFill>
-            <a:srgbClr val="FFFFFF"/>
-          </a:solidFill>
+          <a:noFill/>
         </p:spPr>
         <p:txBody>
           <a:bodyPr wrap="none" rtlCol="0">
@@ -7185,12 +6151,172 @@
           <a:lstStyle/>
           <a:p>
             <a:r>
+              <a:rPr lang="en-US" sz="1600" dirty="0" smtClean="0"/>
+              <a:t>INT</a:t>
+            </a:r>
+            <a:endParaRPr lang="en-US" sz="1600" dirty="0"/>
+          </a:p>
+        </p:txBody>
+      </p:sp>
+      <p:sp>
+        <p:nvSpPr>
+          <p:cNvPr id="497" name="TextBox 496"/>
+          <p:cNvSpPr txBox="1"/>
+          <p:nvPr/>
+        </p:nvSpPr>
+        <p:spPr>
+          <a:xfrm>
+            <a:off x="9134455" y="9903509"/>
+            <a:ext cx="468798" cy="338554"/>
+          </a:xfrm>
+          <a:prstGeom prst="rect">
+            <a:avLst/>
+          </a:prstGeom>
+          <a:noFill/>
+        </p:spPr>
+        <p:txBody>
+          <a:bodyPr wrap="none" rtlCol="0">
+            <a:spAutoFit/>
+          </a:bodyPr>
+          <a:lstStyle/>
+          <a:p>
+            <a:r>
+              <a:rPr lang="en-US" sz="1600" dirty="0" smtClean="0"/>
+              <a:t>INT</a:t>
+            </a:r>
+            <a:endParaRPr lang="en-US" sz="1600" dirty="0"/>
+          </a:p>
+        </p:txBody>
+      </p:sp>
+      <p:sp>
+        <p:nvSpPr>
+          <p:cNvPr id="498" name="TextBox 497"/>
+          <p:cNvSpPr txBox="1"/>
+          <p:nvPr/>
+        </p:nvSpPr>
+        <p:spPr>
+          <a:xfrm>
+            <a:off x="8222315" y="11099716"/>
+            <a:ext cx="1353656" cy="338554"/>
+          </a:xfrm>
+          <a:prstGeom prst="rect">
+            <a:avLst/>
+          </a:prstGeom>
+          <a:solidFill>
+            <a:schemeClr val="bg1"/>
+          </a:solidFill>
+        </p:spPr>
+        <p:txBody>
+          <a:bodyPr wrap="none" rtlCol="0">
+            <a:spAutoFit/>
+          </a:bodyPr>
+          <a:lstStyle/>
+          <a:p>
+            <a:pPr algn="ctr"/>
+            <a:r>
               <a:rPr lang="en-US" sz="1600" dirty="0"/>
-              <a:t>d</a:t>
+              <a:t>o</a:t>
             </a:r>
             <a:r>
               <a:rPr lang="en-US" sz="1600" dirty="0" smtClean="0"/>
-              <a:t>elete, copy, paste, done </a:t>
+              <a:t>n, off, delete</a:t>
+            </a:r>
+            <a:endParaRPr lang="en-US" sz="1600" dirty="0"/>
+          </a:p>
+        </p:txBody>
+      </p:sp>
+      <p:sp>
+        <p:nvSpPr>
+          <p:cNvPr id="499" name="TextBox 498"/>
+          <p:cNvSpPr txBox="1"/>
+          <p:nvPr/>
+        </p:nvSpPr>
+        <p:spPr>
+          <a:xfrm>
+            <a:off x="7570335" y="10263381"/>
+            <a:ext cx="530915" cy="307777"/>
+          </a:xfrm>
+          <a:prstGeom prst="rect">
+            <a:avLst/>
+          </a:prstGeom>
+          <a:noFill/>
+        </p:spPr>
+        <p:txBody>
+          <a:bodyPr wrap="none" rtlCol="0">
+            <a:spAutoFit/>
+          </a:bodyPr>
+          <a:lstStyle/>
+          <a:p>
+            <a:r>
+              <a:rPr lang="en-US" sz="1400" dirty="0" smtClean="0"/>
+              <a:t>hour</a:t>
+            </a:r>
+            <a:endParaRPr lang="en-US" sz="1400" dirty="0"/>
+          </a:p>
+        </p:txBody>
+      </p:sp>
+      <p:sp>
+        <p:nvSpPr>
+          <p:cNvPr id="500" name="TextBox 499"/>
+          <p:cNvSpPr txBox="1"/>
+          <p:nvPr/>
+        </p:nvSpPr>
+        <p:spPr>
+          <a:xfrm>
+            <a:off x="8969883" y="10263381"/>
+            <a:ext cx="777627" cy="307777"/>
+          </a:xfrm>
+          <a:prstGeom prst="rect">
+            <a:avLst/>
+          </a:prstGeom>
+          <a:noFill/>
+        </p:spPr>
+        <p:txBody>
+          <a:bodyPr wrap="none" rtlCol="0">
+            <a:spAutoFit/>
+          </a:bodyPr>
+          <a:lstStyle/>
+          <a:p>
+            <a:r>
+              <a:rPr lang="en-US" sz="1400" dirty="0" smtClean="0"/>
+              <a:t>minutes</a:t>
+            </a:r>
+            <a:endParaRPr lang="en-US" sz="1400" dirty="0"/>
+          </a:p>
+        </p:txBody>
+      </p:sp>
+      <p:sp>
+        <p:nvSpPr>
+          <p:cNvPr id="501" name="TextBox 500"/>
+          <p:cNvSpPr txBox="1"/>
+          <p:nvPr/>
+        </p:nvSpPr>
+        <p:spPr>
+          <a:xfrm>
+            <a:off x="4768479" y="8095347"/>
+            <a:ext cx="986969" cy="338554"/>
+          </a:xfrm>
+          <a:prstGeom prst="rect">
+            <a:avLst/>
+          </a:prstGeom>
+          <a:solidFill>
+            <a:schemeClr val="bg1"/>
+          </a:solidFill>
+        </p:spPr>
+        <p:txBody>
+          <a:bodyPr wrap="none" rtlCol="0">
+            <a:spAutoFit/>
+          </a:bodyPr>
+          <a:lstStyle/>
+          <a:p>
+            <a:pPr algn="ctr"/>
+            <a:r>
+              <a:rPr lang="en-US" sz="1600" dirty="0"/>
+              <a:t>s</a:t>
+            </a:r>
+            <a:r>
+              <a:rPr lang="en-US" sz="1600" dirty="0" smtClean="0"/>
+              <a:t>ave, quit</a:t>
             </a:r>
             <a:endParaRPr lang="en-US" sz="1600" dirty="0"/>
           </a:p>
@@ -7198,23 +6324,156 @@
       </p:sp>
       <p:cxnSp>
         <p:nvCxnSpPr>
-          <p:cNvPr id="300" name="Straight Arrow Connector 299"/>
+          <p:cNvPr id="502" name="Elbow Connector 501"/>
           <p:cNvCxnSpPr>
-            <a:endCxn id="41" idx="7"/>
+            <a:stCxn id="429" idx="6"/>
+            <a:endCxn id="431" idx="4"/>
           </p:cNvCxnSpPr>
           <p:nvPr/>
         </p:nvCxnSpPr>
         <p:spPr>
           <a:xfrm flipH="1">
-            <a:off x="3187122" y="8278091"/>
-            <a:ext cx="658634" cy="583399"/>
-          </a:xfrm>
-          <a:prstGeom prst="straightConnector1">
-            <a:avLst/>
+            <a:off x="6803374" y="10259121"/>
+            <a:ext cx="3919558" cy="301184"/>
+          </a:xfrm>
+          <a:prstGeom prst="bentConnector4">
+            <a:avLst>
+              <a:gd name="adj1" fmla="val -5832"/>
+              <a:gd name="adj2" fmla="val 420564"/>
+            </a:avLst>
           </a:prstGeom>
           <a:ln>
             <a:tailEnd type="arrow"/>
           </a:ln>
+        </p:spPr>
+        <p:style>
+          <a:lnRef idx="2">
+            <a:schemeClr val="accent1"/>
+          </a:lnRef>
+          <a:fillRef idx="0">
+            <a:schemeClr val="accent1"/>
+          </a:fillRef>
+          <a:effectRef idx="1">
+            <a:schemeClr val="accent1"/>
+          </a:effectRef>
+          <a:fontRef idx="minor">
+            <a:schemeClr val="tx1"/>
+          </a:fontRef>
+        </p:style>
+      </p:cxnSp>
+      <p:sp>
+        <p:nvSpPr>
+          <p:cNvPr id="503" name="TextBox 502"/>
+          <p:cNvSpPr txBox="1"/>
+          <p:nvPr/>
+        </p:nvSpPr>
+        <p:spPr>
+          <a:xfrm>
+            <a:off x="7835021" y="6816823"/>
+            <a:ext cx="1643298" cy="338554"/>
+          </a:xfrm>
+          <a:prstGeom prst="rect">
+            <a:avLst/>
+          </a:prstGeom>
+          <a:noFill/>
+        </p:spPr>
+        <p:txBody>
+          <a:bodyPr wrap="none" rtlCol="0">
+            <a:spAutoFit/>
+          </a:bodyPr>
+          <a:lstStyle/>
+          <a:p>
+            <a:pPr algn="ctr"/>
+            <a:r>
+              <a:rPr lang="en-US" sz="1600" dirty="0"/>
+              <a:t>l</a:t>
+            </a:r>
+            <a:r>
+              <a:rPr lang="en-US" sz="1600" dirty="0" smtClean="0"/>
+              <a:t>oad, save, cancel </a:t>
+            </a:r>
+            <a:endParaRPr lang="en-US" sz="1600" dirty="0"/>
+          </a:p>
+        </p:txBody>
+      </p:sp>
+      <p:sp>
+        <p:nvSpPr>
+          <p:cNvPr id="504" name="TextBox 503"/>
+          <p:cNvSpPr txBox="1"/>
+          <p:nvPr/>
+        </p:nvSpPr>
+        <p:spPr>
+          <a:xfrm>
+            <a:off x="8125832" y="4408911"/>
+            <a:ext cx="713457" cy="338554"/>
+          </a:xfrm>
+          <a:prstGeom prst="rect">
+            <a:avLst/>
+          </a:prstGeom>
+          <a:noFill/>
+        </p:spPr>
+        <p:txBody>
+          <a:bodyPr wrap="none" rtlCol="0">
+            <a:spAutoFit/>
+          </a:bodyPr>
+          <a:lstStyle/>
+          <a:p>
+            <a:pPr algn="ctr"/>
+            <a:r>
+              <a:rPr lang="en-US" sz="1600" dirty="0" smtClean="0"/>
+              <a:t>cancel</a:t>
+            </a:r>
+            <a:endParaRPr lang="en-US" sz="1600" dirty="0"/>
+          </a:p>
+        </p:txBody>
+      </p:sp>
+      <p:sp>
+        <p:nvSpPr>
+          <p:cNvPr id="505" name="TextBox 504"/>
+          <p:cNvSpPr txBox="1"/>
+          <p:nvPr/>
+        </p:nvSpPr>
+        <p:spPr>
+          <a:xfrm>
+            <a:off x="8242781" y="5240454"/>
+            <a:ext cx="713457" cy="338554"/>
+          </a:xfrm>
+          <a:prstGeom prst="rect">
+            <a:avLst/>
+          </a:prstGeom>
+          <a:noFill/>
+        </p:spPr>
+        <p:txBody>
+          <a:bodyPr wrap="none" rtlCol="0">
+            <a:spAutoFit/>
+          </a:bodyPr>
+          <a:lstStyle/>
+          <a:p>
+            <a:pPr algn="ctr"/>
+            <a:r>
+              <a:rPr lang="en-US" sz="1600" dirty="0" smtClean="0"/>
+              <a:t>cancel</a:t>
+            </a:r>
+            <a:endParaRPr lang="en-US" sz="1600" dirty="0"/>
+          </a:p>
+        </p:txBody>
+      </p:sp>
+      <p:cxnSp>
+        <p:nvCxnSpPr>
+          <p:cNvPr id="506" name="Straight Connector 505"/>
+          <p:cNvCxnSpPr>
+            <a:stCxn id="426" idx="3"/>
+          </p:cNvCxnSpPr>
+          <p:nvPr/>
+        </p:nvCxnSpPr>
+        <p:spPr>
+          <a:xfrm flipH="1">
+            <a:off x="2039964" y="7396741"/>
+            <a:ext cx="531278" cy="1045947"/>
+          </a:xfrm>
+          <a:prstGeom prst="line">
+            <a:avLst/>
+          </a:prstGeom>
         </p:spPr>
         <p:style>
           <a:lnRef idx="2">
@@ -7233,20 +6492,23 @@
       </p:cxnSp>
       <p:cxnSp>
         <p:nvCxnSpPr>
-          <p:cNvPr id="302" name="Elbow Connector 301"/>
+          <p:cNvPr id="507" name="Elbow Connector 506"/>
           <p:cNvCxnSpPr>
-            <a:stCxn id="44" idx="0"/>
+            <a:endCxn id="428" idx="2"/>
           </p:cNvCxnSpPr>
           <p:nvPr/>
         </p:nvCxnSpPr>
         <p:spPr>
-          <a:xfrm rot="16200000" flipV="1">
-            <a:off x="5132956" y="6947667"/>
-            <a:ext cx="492394" cy="3153242"/>
+          <a:xfrm rot="16200000" flipH="1">
+            <a:off x="1361123" y="9121528"/>
+            <a:ext cx="1806907" cy="449225"/>
           </a:xfrm>
           <a:prstGeom prst="bentConnector2">
             <a:avLst/>
           </a:prstGeom>
+          <a:ln>
+            <a:tailEnd type="arrow"/>
+          </a:ln>
         </p:spPr>
         <p:style>
           <a:lnRef idx="2">
@@ -7265,23 +6527,20 @@
       </p:cxnSp>
       <p:cxnSp>
         <p:nvCxnSpPr>
-          <p:cNvPr id="306" name="Straight Arrow Connector 305"/>
+          <p:cNvPr id="508" name="Elbow Connector 507"/>
           <p:cNvCxnSpPr>
-            <a:endCxn id="43" idx="2"/>
+            <a:stCxn id="428" idx="0"/>
           </p:cNvCxnSpPr>
           <p:nvPr/>
         </p:nvCxnSpPr>
         <p:spPr>
-          <a:xfrm>
-            <a:off x="7275340" y="9090721"/>
-            <a:ext cx="1160864" cy="0"/>
-          </a:xfrm>
-          <a:prstGeom prst="straightConnector1">
-            <a:avLst/>
-          </a:prstGeom>
-          <a:ln>
-            <a:tailEnd type="arrow"/>
-          </a:ln>
+          <a:xfrm rot="5400000" flipH="1" flipV="1">
+            <a:off x="5875980" y="5375464"/>
+            <a:ext cx="1496197" cy="7630646"/>
+          </a:xfrm>
+          <a:prstGeom prst="bentConnector2">
+            <a:avLst/>
+          </a:prstGeom>
         </p:spPr>
         <p:style>
           <a:lnRef idx="2">
@@ -7300,17 +6559,14 @@
       </p:cxnSp>
       <p:cxnSp>
         <p:nvCxnSpPr>
-          <p:cNvPr id="308" name="Straight Arrow Connector 307"/>
-          <p:cNvCxnSpPr>
-            <a:stCxn id="43" idx="6"/>
-            <a:endCxn id="42" idx="2"/>
-          </p:cNvCxnSpPr>
+          <p:cNvPr id="509" name="Straight Arrow Connector 508"/>
+          <p:cNvCxnSpPr/>
           <p:nvPr/>
         </p:nvCxnSpPr>
         <p:spPr>
-          <a:xfrm>
-            <a:off x="9075336" y="9090721"/>
-            <a:ext cx="1160864" cy="0"/>
+          <a:xfrm flipV="1">
+            <a:off x="10439401" y="7177037"/>
+            <a:ext cx="0" cy="1256864"/>
           </a:xfrm>
           <a:prstGeom prst="straightConnector1">
             <a:avLst/>
@@ -7318,368 +6574,6 @@
           <a:ln>
             <a:tailEnd type="arrow"/>
           </a:ln>
-        </p:spPr>
-        <p:style>
-          <a:lnRef idx="2">
-            <a:schemeClr val="accent1"/>
-          </a:lnRef>
-          <a:fillRef idx="0">
-            <a:schemeClr val="accent1"/>
-          </a:fillRef>
-          <a:effectRef idx="1">
-            <a:schemeClr val="accent1"/>
-          </a:effectRef>
-          <a:fontRef idx="minor">
-            <a:schemeClr val="tx1"/>
-          </a:fontRef>
-        </p:style>
-      </p:cxnSp>
-      <p:sp>
-        <p:nvSpPr>
-          <p:cNvPr id="310" name="TextBox 309"/>
-          <p:cNvSpPr txBox="1"/>
-          <p:nvPr/>
-        </p:nvSpPr>
-        <p:spPr>
-          <a:xfrm>
-            <a:off x="7720721" y="8752249"/>
-            <a:ext cx="468798" cy="338554"/>
-          </a:xfrm>
-          <a:prstGeom prst="rect">
-            <a:avLst/>
-          </a:prstGeom>
-          <a:noFill/>
-        </p:spPr>
-        <p:txBody>
-          <a:bodyPr wrap="none" rtlCol="0">
-            <a:spAutoFit/>
-          </a:bodyPr>
-          <a:lstStyle/>
-          <a:p>
-            <a:r>
-              <a:rPr lang="en-US" sz="1600" dirty="0" smtClean="0"/>
-              <a:t>INT</a:t>
-            </a:r>
-            <a:endParaRPr lang="en-US" sz="1600" dirty="0"/>
-          </a:p>
-        </p:txBody>
-      </p:sp>
-      <p:sp>
-        <p:nvSpPr>
-          <p:cNvPr id="311" name="TextBox 310"/>
-          <p:cNvSpPr txBox="1"/>
-          <p:nvPr/>
-        </p:nvSpPr>
-        <p:spPr>
-          <a:xfrm>
-            <a:off x="9286855" y="8735109"/>
-            <a:ext cx="468798" cy="338554"/>
-          </a:xfrm>
-          <a:prstGeom prst="rect">
-            <a:avLst/>
-          </a:prstGeom>
-          <a:noFill/>
-        </p:spPr>
-        <p:txBody>
-          <a:bodyPr wrap="none" rtlCol="0">
-            <a:spAutoFit/>
-          </a:bodyPr>
-          <a:lstStyle/>
-          <a:p>
-            <a:r>
-              <a:rPr lang="en-US" sz="1600" dirty="0" smtClean="0"/>
-              <a:t>INT</a:t>
-            </a:r>
-            <a:endParaRPr lang="en-US" sz="1600" dirty="0"/>
-          </a:p>
-        </p:txBody>
-      </p:sp>
-      <p:sp>
-        <p:nvSpPr>
-          <p:cNvPr id="312" name="TextBox 311"/>
-          <p:cNvSpPr txBox="1"/>
-          <p:nvPr/>
-        </p:nvSpPr>
-        <p:spPr>
-          <a:xfrm>
-            <a:off x="8374715" y="9931316"/>
-            <a:ext cx="1353656" cy="338554"/>
-          </a:xfrm>
-          <a:prstGeom prst="rect">
-            <a:avLst/>
-          </a:prstGeom>
-          <a:solidFill>
-            <a:schemeClr val="bg1"/>
-          </a:solidFill>
-        </p:spPr>
-        <p:txBody>
-          <a:bodyPr wrap="none" rtlCol="0">
-            <a:spAutoFit/>
-          </a:bodyPr>
-          <a:lstStyle/>
-          <a:p>
-            <a:pPr algn="ctr"/>
-            <a:r>
-              <a:rPr lang="en-US" sz="1600" dirty="0"/>
-              <a:t>o</a:t>
-            </a:r>
-            <a:r>
-              <a:rPr lang="en-US" sz="1600" dirty="0" smtClean="0"/>
-              <a:t>n, off, delete</a:t>
-            </a:r>
-            <a:endParaRPr lang="en-US" sz="1600" dirty="0"/>
-          </a:p>
-        </p:txBody>
-      </p:sp>
-      <p:sp>
-        <p:nvSpPr>
-          <p:cNvPr id="313" name="TextBox 312"/>
-          <p:cNvSpPr txBox="1"/>
-          <p:nvPr/>
-        </p:nvSpPr>
-        <p:spPr>
-          <a:xfrm>
-            <a:off x="7722735" y="9094981"/>
-            <a:ext cx="530915" cy="307777"/>
-          </a:xfrm>
-          <a:prstGeom prst="rect">
-            <a:avLst/>
-          </a:prstGeom>
-          <a:noFill/>
-        </p:spPr>
-        <p:txBody>
-          <a:bodyPr wrap="none" rtlCol="0">
-            <a:spAutoFit/>
-          </a:bodyPr>
-          <a:lstStyle/>
-          <a:p>
-            <a:r>
-              <a:rPr lang="en-US" sz="1400" dirty="0" smtClean="0"/>
-              <a:t>hour</a:t>
-            </a:r>
-            <a:endParaRPr lang="en-US" sz="1400" dirty="0"/>
-          </a:p>
-        </p:txBody>
-      </p:sp>
-      <p:sp>
-        <p:nvSpPr>
-          <p:cNvPr id="314" name="TextBox 313"/>
-          <p:cNvSpPr txBox="1"/>
-          <p:nvPr/>
-        </p:nvSpPr>
-        <p:spPr>
-          <a:xfrm>
-            <a:off x="9122283" y="9094981"/>
-            <a:ext cx="777627" cy="307777"/>
-          </a:xfrm>
-          <a:prstGeom prst="rect">
-            <a:avLst/>
-          </a:prstGeom>
-          <a:noFill/>
-        </p:spPr>
-        <p:txBody>
-          <a:bodyPr wrap="none" rtlCol="0">
-            <a:spAutoFit/>
-          </a:bodyPr>
-          <a:lstStyle/>
-          <a:p>
-            <a:r>
-              <a:rPr lang="en-US" sz="1400" dirty="0" smtClean="0"/>
-              <a:t>minutes</a:t>
-            </a:r>
-            <a:endParaRPr lang="en-US" sz="1400" dirty="0"/>
-          </a:p>
-        </p:txBody>
-      </p:sp>
-      <p:sp>
-        <p:nvSpPr>
-          <p:cNvPr id="317" name="TextBox 316"/>
-          <p:cNvSpPr txBox="1"/>
-          <p:nvPr/>
-        </p:nvSpPr>
-        <p:spPr>
-          <a:xfrm>
-            <a:off x="4920879" y="7434947"/>
-            <a:ext cx="986969" cy="338554"/>
-          </a:xfrm>
-          <a:prstGeom prst="rect">
-            <a:avLst/>
-          </a:prstGeom>
-          <a:solidFill>
-            <a:schemeClr val="bg1"/>
-          </a:solidFill>
-        </p:spPr>
-        <p:txBody>
-          <a:bodyPr wrap="none" rtlCol="0">
-            <a:spAutoFit/>
-          </a:bodyPr>
-          <a:lstStyle/>
-          <a:p>
-            <a:pPr algn="ctr"/>
-            <a:r>
-              <a:rPr lang="en-US" sz="1600" dirty="0"/>
-              <a:t>s</a:t>
-            </a:r>
-            <a:r>
-              <a:rPr lang="en-US" sz="1600" dirty="0" smtClean="0"/>
-              <a:t>ave, quit</a:t>
-            </a:r>
-            <a:endParaRPr lang="en-US" sz="1600" dirty="0"/>
-          </a:p>
-        </p:txBody>
-      </p:sp>
-      <p:cxnSp>
-        <p:nvCxnSpPr>
-          <p:cNvPr id="319" name="Elbow Connector 318"/>
-          <p:cNvCxnSpPr>
-            <a:stCxn id="42" idx="6"/>
-            <a:endCxn id="44" idx="4"/>
-          </p:cNvCxnSpPr>
-          <p:nvPr/>
-        </p:nvCxnSpPr>
-        <p:spPr>
-          <a:xfrm flipH="1">
-            <a:off x="6955774" y="9090721"/>
-            <a:ext cx="3919558" cy="301184"/>
-          </a:xfrm>
-          <a:prstGeom prst="bentConnector4">
-            <a:avLst>
-              <a:gd name="adj1" fmla="val -5832"/>
-              <a:gd name="adj2" fmla="val 420564"/>
-            </a:avLst>
-          </a:prstGeom>
-          <a:ln>
-            <a:tailEnd type="arrow"/>
-          </a:ln>
-        </p:spPr>
-        <p:style>
-          <a:lnRef idx="2">
-            <a:schemeClr val="accent1"/>
-          </a:lnRef>
-          <a:fillRef idx="0">
-            <a:schemeClr val="accent1"/>
-          </a:fillRef>
-          <a:effectRef idx="1">
-            <a:schemeClr val="accent1"/>
-          </a:effectRef>
-          <a:fontRef idx="minor">
-            <a:schemeClr val="tx1"/>
-          </a:fontRef>
-        </p:style>
-      </p:cxnSp>
-      <p:sp>
-        <p:nvSpPr>
-          <p:cNvPr id="323" name="TextBox 322"/>
-          <p:cNvSpPr txBox="1"/>
-          <p:nvPr/>
-        </p:nvSpPr>
-        <p:spPr>
-          <a:xfrm>
-            <a:off x="7987421" y="6664423"/>
-            <a:ext cx="1643298" cy="338554"/>
-          </a:xfrm>
-          <a:prstGeom prst="rect">
-            <a:avLst/>
-          </a:prstGeom>
-          <a:noFill/>
-        </p:spPr>
-        <p:txBody>
-          <a:bodyPr wrap="none" rtlCol="0">
-            <a:spAutoFit/>
-          </a:bodyPr>
-          <a:lstStyle/>
-          <a:p>
-            <a:pPr algn="ctr"/>
-            <a:r>
-              <a:rPr lang="en-US" sz="1600" dirty="0"/>
-              <a:t>l</a:t>
-            </a:r>
-            <a:r>
-              <a:rPr lang="en-US" sz="1600" dirty="0" smtClean="0"/>
-              <a:t>oad, save, cancel </a:t>
-            </a:r>
-            <a:endParaRPr lang="en-US" sz="1600" dirty="0"/>
-          </a:p>
-        </p:txBody>
-      </p:sp>
-      <p:sp>
-        <p:nvSpPr>
-          <p:cNvPr id="324" name="TextBox 323"/>
-          <p:cNvSpPr txBox="1"/>
-          <p:nvPr/>
-        </p:nvSpPr>
-        <p:spPr>
-          <a:xfrm>
-            <a:off x="8278232" y="4256511"/>
-            <a:ext cx="713457" cy="338554"/>
-          </a:xfrm>
-          <a:prstGeom prst="rect">
-            <a:avLst/>
-          </a:prstGeom>
-          <a:noFill/>
-        </p:spPr>
-        <p:txBody>
-          <a:bodyPr wrap="none" rtlCol="0">
-            <a:spAutoFit/>
-          </a:bodyPr>
-          <a:lstStyle/>
-          <a:p>
-            <a:pPr algn="ctr"/>
-            <a:r>
-              <a:rPr lang="en-US" sz="1600" dirty="0" smtClean="0"/>
-              <a:t>cancel</a:t>
-            </a:r>
-            <a:endParaRPr lang="en-US" sz="1600" dirty="0"/>
-          </a:p>
-        </p:txBody>
-      </p:sp>
-      <p:sp>
-        <p:nvSpPr>
-          <p:cNvPr id="325" name="TextBox 324"/>
-          <p:cNvSpPr txBox="1"/>
-          <p:nvPr/>
-        </p:nvSpPr>
-        <p:spPr>
-          <a:xfrm>
-            <a:off x="8395181" y="5088054"/>
-            <a:ext cx="713457" cy="338554"/>
-          </a:xfrm>
-          <a:prstGeom prst="rect">
-            <a:avLst/>
-          </a:prstGeom>
-          <a:noFill/>
-        </p:spPr>
-        <p:txBody>
-          <a:bodyPr wrap="none" rtlCol="0">
-            <a:spAutoFit/>
-          </a:bodyPr>
-          <a:lstStyle/>
-          <a:p>
-            <a:pPr algn="ctr"/>
-            <a:r>
-              <a:rPr lang="en-US" sz="1600" dirty="0" smtClean="0"/>
-              <a:t>cancel</a:t>
-            </a:r>
-            <a:endParaRPr lang="en-US" sz="1600" dirty="0"/>
-          </a:p>
-        </p:txBody>
-      </p:sp>
-      <p:cxnSp>
-        <p:nvCxnSpPr>
-          <p:cNvPr id="338" name="Straight Connector 337"/>
-          <p:cNvCxnSpPr>
-            <a:stCxn id="27" idx="3"/>
-          </p:cNvCxnSpPr>
-          <p:nvPr/>
-        </p:nvCxnSpPr>
-        <p:spPr>
-          <a:xfrm flipH="1">
-            <a:off x="2192364" y="7244341"/>
-            <a:ext cx="531278" cy="1045947"/>
-          </a:xfrm>
-          <a:prstGeom prst="line">
-            <a:avLst/>
-          </a:prstGeom>
         </p:spPr>
         <p:style>
           <a:lnRef idx="2">
@@ -7698,19 +6592,21 @@
       </p:cxnSp>
       <p:cxnSp>
         <p:nvCxnSpPr>
-          <p:cNvPr id="340" name="Elbow Connector 339"/>
+          <p:cNvPr id="510" name="Elbow Connector 509"/>
           <p:cNvCxnSpPr>
-            <a:endCxn id="41" idx="2"/>
+            <a:stCxn id="438" idx="0"/>
           </p:cNvCxnSpPr>
           <p:nvPr/>
         </p:nvCxnSpPr>
         <p:spPr>
-          <a:xfrm rot="16200000" flipH="1">
-            <a:off x="2021523" y="8461128"/>
-            <a:ext cx="790907" cy="449225"/>
-          </a:xfrm>
-          <a:prstGeom prst="bentConnector2">
-            <a:avLst/>
+          <a:xfrm rot="16200000" flipV="1">
+            <a:off x="4577140" y="6446461"/>
+            <a:ext cx="12848626" cy="1124103"/>
+          </a:xfrm>
+          <a:prstGeom prst="bentConnector3">
+            <a:avLst>
+              <a:gd name="adj1" fmla="val 100015"/>
+            </a:avLst>
           </a:prstGeom>
           <a:ln>
             <a:tailEnd type="arrow"/>
@@ -7731,117 +6627,15 @@
           </a:fontRef>
         </p:style>
       </p:cxnSp>
-      <p:cxnSp>
-        <p:nvCxnSpPr>
-          <p:cNvPr id="347" name="Elbow Connector 346"/>
-          <p:cNvCxnSpPr>
-            <a:stCxn id="41" idx="0"/>
-          </p:cNvCxnSpPr>
-          <p:nvPr/>
-        </p:nvCxnSpPr>
-        <p:spPr>
-          <a:xfrm rot="5400000" flipH="1" flipV="1">
-            <a:off x="6283889" y="4462573"/>
-            <a:ext cx="985178" cy="7630646"/>
-          </a:xfrm>
-          <a:prstGeom prst="bentConnector2">
-            <a:avLst/>
-          </a:prstGeom>
-        </p:spPr>
-        <p:style>
-          <a:lnRef idx="2">
-            <a:schemeClr val="accent1"/>
-          </a:lnRef>
-          <a:fillRef idx="0">
-            <a:schemeClr val="accent1"/>
-          </a:fillRef>
-          <a:effectRef idx="1">
-            <a:schemeClr val="accent1"/>
-          </a:effectRef>
-          <a:fontRef idx="minor">
-            <a:schemeClr val="tx1"/>
-          </a:fontRef>
-        </p:style>
-      </p:cxnSp>
-      <p:cxnSp>
-        <p:nvCxnSpPr>
-          <p:cNvPr id="349" name="Straight Arrow Connector 348"/>
-          <p:cNvCxnSpPr/>
-          <p:nvPr/>
-        </p:nvCxnSpPr>
-        <p:spPr>
-          <a:xfrm flipV="1">
-            <a:off x="10591801" y="7024636"/>
-            <a:ext cx="0" cy="760671"/>
-          </a:xfrm>
-          <a:prstGeom prst="straightConnector1">
-            <a:avLst/>
-          </a:prstGeom>
-          <a:ln>
-            <a:tailEnd type="arrow"/>
-          </a:ln>
-        </p:spPr>
-        <p:style>
-          <a:lnRef idx="2">
-            <a:schemeClr val="accent1"/>
-          </a:lnRef>
-          <a:fillRef idx="0">
-            <a:schemeClr val="accent1"/>
-          </a:fillRef>
-          <a:effectRef idx="1">
-            <a:schemeClr val="accent1"/>
-          </a:effectRef>
-          <a:fontRef idx="minor">
-            <a:schemeClr val="tx1"/>
-          </a:fontRef>
-        </p:style>
-      </p:cxnSp>
-      <p:cxnSp>
-        <p:nvCxnSpPr>
-          <p:cNvPr id="7" name="Elbow Connector 6"/>
-          <p:cNvCxnSpPr>
-            <a:stCxn id="141" idx="0"/>
-          </p:cNvCxnSpPr>
-          <p:nvPr/>
-        </p:nvCxnSpPr>
-        <p:spPr>
-          <a:xfrm rot="16200000" flipV="1">
-            <a:off x="5215482" y="5764003"/>
-            <a:ext cx="11876742" cy="1124103"/>
-          </a:xfrm>
-          <a:prstGeom prst="bentConnector3">
-            <a:avLst>
-              <a:gd name="adj1" fmla="val 99639"/>
-            </a:avLst>
-          </a:prstGeom>
-          <a:ln>
-            <a:tailEnd type="arrow"/>
-          </a:ln>
-        </p:spPr>
-        <p:style>
-          <a:lnRef idx="2">
-            <a:schemeClr val="accent1"/>
-          </a:lnRef>
-          <a:fillRef idx="0">
-            <a:schemeClr val="accent1"/>
-          </a:fillRef>
-          <a:effectRef idx="1">
-            <a:schemeClr val="accent1"/>
-          </a:effectRef>
-          <a:fontRef idx="minor">
-            <a:schemeClr val="tx1"/>
-          </a:fontRef>
-        </p:style>
-      </p:cxnSp>
-      <p:sp>
-        <p:nvSpPr>
-          <p:cNvPr id="156" name="TextBox 155"/>
+      <p:sp>
+        <p:nvSpPr>
+          <p:cNvPr id="511" name="TextBox 510"/>
           <p:cNvSpPr txBox="1"/>
           <p:nvPr/>
         </p:nvSpPr>
         <p:spPr>
           <a:xfrm>
-            <a:off x="11354506" y="11549097"/>
+            <a:off x="11202106" y="12717497"/>
             <a:ext cx="748322" cy="584776"/>
           </a:xfrm>
           <a:prstGeom prst="rect">
@@ -7879,13 +6673,13 @@
       </p:sp>
       <p:sp>
         <p:nvSpPr>
-          <p:cNvPr id="268" name="TextBox 267"/>
+          <p:cNvPr id="512" name="TextBox 511"/>
           <p:cNvSpPr txBox="1"/>
           <p:nvPr/>
         </p:nvSpPr>
         <p:spPr>
           <a:xfrm>
-            <a:off x="1929080" y="8473091"/>
+            <a:off x="1776680" y="9108091"/>
             <a:ext cx="510376" cy="338554"/>
           </a:xfrm>
           <a:prstGeom prst="rect">
@@ -7907,6 +6701,63 @@
               <a:t>edit</a:t>
             </a:r>
             <a:endParaRPr lang="en-US" sz="1600" dirty="0"/>
+          </a:p>
+        </p:txBody>
+      </p:sp>
+      <p:sp>
+        <p:nvSpPr>
+          <p:cNvPr id="513" name="Rounded Rectangle 512"/>
+          <p:cNvSpPr/>
+          <p:nvPr/>
+        </p:nvSpPr>
+        <p:spPr>
+          <a:xfrm>
+            <a:off x="762001" y="12268200"/>
+            <a:ext cx="11531600" cy="2514600"/>
+          </a:xfrm>
+          <a:prstGeom prst="roundRect">
+            <a:avLst/>
+          </a:prstGeom>
+          <a:solidFill>
+            <a:schemeClr val="bg1">
+              <a:lumMod val="85000"/>
+              <a:alpha val="21000"/>
+            </a:schemeClr>
+          </a:solidFill>
+          <a:ln>
+            <a:solidFill>
+              <a:schemeClr val="bg1">
+                <a:lumMod val="85000"/>
+              </a:schemeClr>
+            </a:solidFill>
+          </a:ln>
+        </p:spPr>
+        <p:style>
+          <a:lnRef idx="1">
+            <a:schemeClr val="accent1"/>
+          </a:lnRef>
+          <a:fillRef idx="3">
+            <a:schemeClr val="accent1"/>
+          </a:fillRef>
+          <a:effectRef idx="2">
+            <a:schemeClr val="accent1"/>
+          </a:effectRef>
+          <a:fontRef idx="minor">
+            <a:schemeClr val="lt1"/>
+          </a:fontRef>
+        </p:style>
+        <p:txBody>
+          <a:bodyPr rtlCol="0" anchor="ctr"/>
+          <a:lstStyle/>
+          <a:p>
+            <a:pPr algn="ctr"/>
+            <a:endParaRPr lang="en-US">
+              <a:solidFill>
+                <a:schemeClr val="bg1">
+                  <a:lumMod val="85000"/>
+                </a:schemeClr>
+              </a:solidFill>
+            </a:endParaRPr>
           </a:p>
         </p:txBody>
       </p:sp>

--- a/FSM-docs/cmd_fsm.pptx
+++ b/FSM-docs/cmd_fsm.pptx
@@ -5455,8 +5455,9 @@
           <a:p>
             <a:r>
               <a:rPr lang="en-US" sz="1600" dirty="0" smtClean="0"/>
-              <a:t>quit</a:t>
-            </a:r>
+              <a:t>done</a:t>
+            </a:r>
+            <a:endParaRPr lang="en-US" sz="1600" dirty="0" smtClean="0"/>
           </a:p>
           <a:p>
             <a:r>
@@ -6190,43 +6191,6 @@
       </p:sp>
       <p:sp>
         <p:nvSpPr>
-          <p:cNvPr id="498" name="TextBox 497"/>
-          <p:cNvSpPr txBox="1"/>
-          <p:nvPr/>
-        </p:nvSpPr>
-        <p:spPr>
-          <a:xfrm>
-            <a:off x="8222315" y="11099716"/>
-            <a:ext cx="1353656" cy="338554"/>
-          </a:xfrm>
-          <a:prstGeom prst="rect">
-            <a:avLst/>
-          </a:prstGeom>
-          <a:solidFill>
-            <a:schemeClr val="bg1"/>
-          </a:solidFill>
-        </p:spPr>
-        <p:txBody>
-          <a:bodyPr wrap="none" rtlCol="0">
-            <a:spAutoFit/>
-          </a:bodyPr>
-          <a:lstStyle/>
-          <a:p>
-            <a:pPr algn="ctr"/>
-            <a:r>
-              <a:rPr lang="en-US" sz="1600" dirty="0"/>
-              <a:t>o</a:t>
-            </a:r>
-            <a:r>
-              <a:rPr lang="en-US" sz="1600" dirty="0" smtClean="0"/>
-              <a:t>n, off, delete</a:t>
-            </a:r>
-            <a:endParaRPr lang="en-US" sz="1600" dirty="0"/>
-          </a:p>
-        </p:txBody>
-      </p:sp>
-      <p:sp>
-        <p:nvSpPr>
           <p:cNvPr id="499" name="TextBox 498"/>
           <p:cNvSpPr txBox="1"/>
           <p:nvPr/>
@@ -6758,6 +6722,400 @@
                 </a:schemeClr>
               </a:solidFill>
             </a:endParaRPr>
+          </a:p>
+        </p:txBody>
+      </p:sp>
+      <p:sp>
+        <p:nvSpPr>
+          <p:cNvPr id="2" name="TextBox 1"/>
+          <p:cNvSpPr txBox="1"/>
+          <p:nvPr/>
+        </p:nvSpPr>
+        <p:spPr>
+          <a:xfrm>
+            <a:off x="3681998" y="14336920"/>
+            <a:ext cx="6351118" cy="338554"/>
+          </a:xfrm>
+          <a:prstGeom prst="rect">
+            <a:avLst/>
+          </a:prstGeom>
+          <a:noFill/>
+        </p:spPr>
+        <p:txBody>
+          <a:bodyPr wrap="none" rtlCol="0">
+            <a:spAutoFit/>
+          </a:bodyPr>
+          <a:lstStyle/>
+          <a:p>
+            <a:r>
+              <a:rPr lang="en-US" sz="1600" dirty="0" smtClean="0"/>
+              <a:t>Implemented by in line </a:t>
+            </a:r>
+            <a:r>
+              <a:rPr lang="en-US" sz="1600" dirty="0"/>
+              <a:t>code, </a:t>
+            </a:r>
+            <a:r>
+              <a:rPr lang="en-US" sz="1600" dirty="0" smtClean="0"/>
+              <a:t>added </a:t>
+            </a:r>
+            <a:r>
+              <a:rPr lang="en-US" sz="1600" dirty="0"/>
+              <a:t>too many additional </a:t>
+            </a:r>
+            <a:r>
+              <a:rPr lang="en-US" sz="1600" dirty="0" smtClean="0"/>
+              <a:t>states to the </a:t>
+            </a:r>
+            <a:r>
+              <a:rPr lang="en-US" sz="1600" dirty="0" err="1" smtClean="0"/>
+              <a:t>fsm</a:t>
+            </a:r>
+            <a:endParaRPr lang="en-US" sz="1600" dirty="0"/>
+          </a:p>
+        </p:txBody>
+      </p:sp>
+      <p:cxnSp>
+        <p:nvCxnSpPr>
+          <p:cNvPr id="6" name="Elbow Connector 5"/>
+          <p:cNvCxnSpPr>
+            <a:stCxn id="477" idx="0"/>
+          </p:cNvCxnSpPr>
+          <p:nvPr/>
+        </p:nvCxnSpPr>
+        <p:spPr>
+          <a:xfrm rot="5400000" flipH="1" flipV="1">
+            <a:off x="7298467" y="3725393"/>
+            <a:ext cx="556160" cy="5725707"/>
+          </a:xfrm>
+          <a:prstGeom prst="bentConnector2">
+            <a:avLst/>
+          </a:prstGeom>
+          <a:ln>
+            <a:tailEnd type="arrow"/>
+          </a:ln>
+        </p:spPr>
+        <p:style>
+          <a:lnRef idx="2">
+            <a:schemeClr val="accent1"/>
+          </a:lnRef>
+          <a:fillRef idx="0">
+            <a:schemeClr val="accent1"/>
+          </a:fillRef>
+          <a:effectRef idx="1">
+            <a:schemeClr val="accent1"/>
+          </a:effectRef>
+          <a:fontRef idx="minor">
+            <a:schemeClr val="tx1"/>
+          </a:fontRef>
+        </p:style>
+      </p:cxnSp>
+      <p:sp>
+        <p:nvSpPr>
+          <p:cNvPr id="105" name="TextBox 104"/>
+          <p:cNvSpPr txBox="1"/>
+          <p:nvPr/>
+        </p:nvSpPr>
+        <p:spPr>
+          <a:xfrm>
+            <a:off x="7532284" y="5976761"/>
+            <a:ext cx="713457" cy="338554"/>
+          </a:xfrm>
+          <a:prstGeom prst="rect">
+            <a:avLst/>
+          </a:prstGeom>
+          <a:noFill/>
+        </p:spPr>
+        <p:txBody>
+          <a:bodyPr wrap="none" rtlCol="0">
+            <a:spAutoFit/>
+          </a:bodyPr>
+          <a:lstStyle/>
+          <a:p>
+            <a:pPr algn="ctr"/>
+            <a:r>
+              <a:rPr lang="en-US" sz="1600" dirty="0" smtClean="0"/>
+              <a:t>cancel</a:t>
+            </a:r>
+            <a:endParaRPr lang="en-US" sz="1600" dirty="0"/>
+          </a:p>
+        </p:txBody>
+      </p:sp>
+      <p:cxnSp>
+        <p:nvCxnSpPr>
+          <p:cNvPr id="8" name="Elbow Connector 7"/>
+          <p:cNvCxnSpPr>
+            <a:stCxn id="417" idx="4"/>
+            <a:endCxn id="428" idx="4"/>
+          </p:cNvCxnSpPr>
+          <p:nvPr/>
+        </p:nvCxnSpPr>
+        <p:spPr>
+          <a:xfrm rot="5400000">
+            <a:off x="3764508" y="9604553"/>
+            <a:ext cx="12700" cy="1911505"/>
+          </a:xfrm>
+          <a:prstGeom prst="bentConnector3">
+            <a:avLst>
+              <a:gd name="adj1" fmla="val 7379197"/>
+            </a:avLst>
+          </a:prstGeom>
+          <a:ln>
+            <a:tailEnd type="arrow"/>
+          </a:ln>
+        </p:spPr>
+        <p:style>
+          <a:lnRef idx="2">
+            <a:schemeClr val="accent1"/>
+          </a:lnRef>
+          <a:fillRef idx="0">
+            <a:schemeClr val="accent1"/>
+          </a:fillRef>
+          <a:effectRef idx="1">
+            <a:schemeClr val="accent1"/>
+          </a:effectRef>
+          <a:fontRef idx="minor">
+            <a:schemeClr val="tx1"/>
+          </a:fontRef>
+        </p:style>
+      </p:cxnSp>
+      <p:sp>
+        <p:nvSpPr>
+          <p:cNvPr id="109" name="TextBox 108"/>
+          <p:cNvSpPr txBox="1"/>
+          <p:nvPr/>
+        </p:nvSpPr>
+        <p:spPr>
+          <a:xfrm>
+            <a:off x="4362445" y="10791349"/>
+            <a:ext cx="713457" cy="338554"/>
+          </a:xfrm>
+          <a:prstGeom prst="rect">
+            <a:avLst/>
+          </a:prstGeom>
+          <a:solidFill>
+            <a:schemeClr val="bg1"/>
+          </a:solidFill>
+        </p:spPr>
+        <p:txBody>
+          <a:bodyPr wrap="none" rtlCol="0">
+            <a:spAutoFit/>
+          </a:bodyPr>
+          <a:lstStyle/>
+          <a:p>
+            <a:pPr algn="ctr"/>
+            <a:r>
+              <a:rPr lang="en-US" sz="1600" dirty="0"/>
+              <a:t>cancel</a:t>
+            </a:r>
+            <a:endParaRPr lang="en-US" sz="1600" dirty="0"/>
+          </a:p>
+        </p:txBody>
+      </p:sp>
+      <p:cxnSp>
+        <p:nvCxnSpPr>
+          <p:cNvPr id="11" name="Straight Connector 10"/>
+          <p:cNvCxnSpPr>
+            <a:stCxn id="431" idx="3"/>
+          </p:cNvCxnSpPr>
+          <p:nvPr/>
+        </p:nvCxnSpPr>
+        <p:spPr>
+          <a:xfrm flipH="1">
+            <a:off x="5499387" y="10469300"/>
+            <a:ext cx="1078020" cy="1081512"/>
+          </a:xfrm>
+          <a:prstGeom prst="line">
+            <a:avLst/>
+          </a:prstGeom>
+        </p:spPr>
+        <p:style>
+          <a:lnRef idx="2">
+            <a:schemeClr val="accent1"/>
+          </a:lnRef>
+          <a:fillRef idx="0">
+            <a:schemeClr val="accent1"/>
+          </a:fillRef>
+          <a:effectRef idx="1">
+            <a:schemeClr val="accent1"/>
+          </a:effectRef>
+          <a:fontRef idx="minor">
+            <a:schemeClr val="tx1"/>
+          </a:fontRef>
+        </p:style>
+      </p:cxnSp>
+      <p:cxnSp>
+        <p:nvCxnSpPr>
+          <p:cNvPr id="13" name="Straight Arrow Connector 12"/>
+          <p:cNvCxnSpPr/>
+          <p:nvPr/>
+        </p:nvCxnSpPr>
+        <p:spPr>
+          <a:xfrm flipH="1">
+            <a:off x="4713693" y="11510705"/>
+            <a:ext cx="783341" cy="0"/>
+          </a:xfrm>
+          <a:prstGeom prst="straightConnector1">
+            <a:avLst/>
+          </a:prstGeom>
+          <a:ln>
+            <a:tailEnd type="arrow"/>
+          </a:ln>
+        </p:spPr>
+        <p:style>
+          <a:lnRef idx="2">
+            <a:schemeClr val="accent1"/>
+          </a:lnRef>
+          <a:fillRef idx="0">
+            <a:schemeClr val="accent1"/>
+          </a:fillRef>
+          <a:effectRef idx="1">
+            <a:schemeClr val="accent1"/>
+          </a:effectRef>
+          <a:fontRef idx="minor">
+            <a:schemeClr val="tx1"/>
+          </a:fontRef>
+        </p:style>
+      </p:cxnSp>
+      <p:sp>
+        <p:nvSpPr>
+          <p:cNvPr id="114" name="TextBox 113"/>
+          <p:cNvSpPr txBox="1"/>
+          <p:nvPr/>
+        </p:nvSpPr>
+        <p:spPr>
+          <a:xfrm>
+            <a:off x="5678911" y="10809867"/>
+            <a:ext cx="713457" cy="338554"/>
+          </a:xfrm>
+          <a:prstGeom prst="rect">
+            <a:avLst/>
+          </a:prstGeom>
+          <a:solidFill>
+            <a:srgbClr val="FFFFFF"/>
+          </a:solidFill>
+        </p:spPr>
+        <p:txBody>
+          <a:bodyPr wrap="none" rtlCol="0">
+            <a:spAutoFit/>
+          </a:bodyPr>
+          <a:lstStyle/>
+          <a:p>
+            <a:pPr algn="ctr"/>
+            <a:r>
+              <a:rPr lang="en-US" sz="1600" dirty="0" smtClean="0"/>
+              <a:t>cancel</a:t>
+            </a:r>
+            <a:endParaRPr lang="en-US" sz="1600" dirty="0"/>
+          </a:p>
+        </p:txBody>
+      </p:sp>
+      <p:sp>
+        <p:nvSpPr>
+          <p:cNvPr id="498" name="TextBox 497"/>
+          <p:cNvSpPr txBox="1"/>
+          <p:nvPr/>
+        </p:nvSpPr>
+        <p:spPr>
+          <a:xfrm>
+            <a:off x="9423788" y="10640590"/>
+            <a:ext cx="2031225" cy="338554"/>
+          </a:xfrm>
+          <a:prstGeom prst="rect">
+            <a:avLst/>
+          </a:prstGeom>
+          <a:solidFill>
+            <a:srgbClr val="FFFFFF"/>
+          </a:solidFill>
+        </p:spPr>
+        <p:txBody>
+          <a:bodyPr wrap="none" rtlCol="0">
+            <a:spAutoFit/>
+          </a:bodyPr>
+          <a:lstStyle/>
+          <a:p>
+            <a:pPr algn="ctr"/>
+            <a:r>
+              <a:rPr lang="en-US" sz="1600" dirty="0"/>
+              <a:t>o</a:t>
+            </a:r>
+            <a:r>
+              <a:rPr lang="en-US" sz="1600" dirty="0" smtClean="0"/>
+              <a:t>n, off, </a:t>
+            </a:r>
+            <a:r>
+              <a:rPr lang="en-US" sz="1600" dirty="0" smtClean="0"/>
+              <a:t>delete, cancel</a:t>
+            </a:r>
+            <a:endParaRPr lang="en-US" sz="1600" dirty="0"/>
+          </a:p>
+        </p:txBody>
+      </p:sp>
+      <p:cxnSp>
+        <p:nvCxnSpPr>
+          <p:cNvPr id="15" name="Straight Arrow Connector 14"/>
+          <p:cNvCxnSpPr>
+            <a:stCxn id="430" idx="4"/>
+          </p:cNvCxnSpPr>
+          <p:nvPr/>
+        </p:nvCxnSpPr>
+        <p:spPr>
+          <a:xfrm>
+            <a:off x="8603370" y="10569831"/>
+            <a:ext cx="1147" cy="980981"/>
+          </a:xfrm>
+          <a:prstGeom prst="straightConnector1">
+            <a:avLst/>
+          </a:prstGeom>
+          <a:ln>
+            <a:tailEnd type="arrow"/>
+          </a:ln>
+        </p:spPr>
+        <p:style>
+          <a:lnRef idx="2">
+            <a:schemeClr val="accent1"/>
+          </a:lnRef>
+          <a:fillRef idx="0">
+            <a:schemeClr val="accent1"/>
+          </a:fillRef>
+          <a:effectRef idx="1">
+            <a:schemeClr val="accent1"/>
+          </a:effectRef>
+          <a:fontRef idx="minor">
+            <a:schemeClr val="tx1"/>
+          </a:fontRef>
+        </p:style>
+      </p:cxnSp>
+      <p:sp>
+        <p:nvSpPr>
+          <p:cNvPr id="117" name="TextBox 116"/>
+          <p:cNvSpPr txBox="1"/>
+          <p:nvPr/>
+        </p:nvSpPr>
+        <p:spPr>
+          <a:xfrm>
+            <a:off x="8261242" y="10834601"/>
+            <a:ext cx="713457" cy="338554"/>
+          </a:xfrm>
+          <a:prstGeom prst="rect">
+            <a:avLst/>
+          </a:prstGeom>
+          <a:solidFill>
+            <a:srgbClr val="FFFFFF"/>
+          </a:solidFill>
+        </p:spPr>
+        <p:txBody>
+          <a:bodyPr wrap="none" rtlCol="0">
+            <a:spAutoFit/>
+          </a:bodyPr>
+          <a:lstStyle/>
+          <a:p>
+            <a:pPr algn="ctr"/>
+            <a:r>
+              <a:rPr lang="en-US" sz="1600" dirty="0" smtClean="0"/>
+              <a:t>cancel</a:t>
+            </a:r>
+            <a:endParaRPr lang="en-US" sz="1600" dirty="0"/>
           </a:p>
         </p:txBody>
       </p:sp>
